--- a/materials/slides/ch05.pptx
+++ b/materials/slides/ch05.pptx
@@ -1,39 +1,39 @@
 
 <file path=ppt/presentation.xml><?xml version="1.0" encoding="utf-8"?>
-<p:presentation xmlns:a="http://schemas.openxmlformats.org/drawingml/2006/main" xmlns:r="http://schemas.openxmlformats.org/officeDocument/2006/relationships" xmlns:p="http://schemas.openxmlformats.org/presentationml/2006/main" showSpecialPlsOnTitleSld="0" saveSubsetFonts="1">
+<p:presentation xmlns:a="http://schemas.openxmlformats.org/drawingml/2006/main" xmlns:r="http://schemas.openxmlformats.org/officeDocument/2006/relationships" xmlns:p="http://schemas.openxmlformats.org/presentationml/2006/main" showSpecialPlsOnTitleSld="0">
   <p:sldMasterIdLst>
-    <p:sldMasterId id="2147483652" r:id="rId1"/>
+    <p:sldMasterId id="2147483648" r:id="rId1"/>
   </p:sldMasterIdLst>
   <p:notesMasterIdLst>
-    <p:notesMasterId r:id="rId23"/>
+    <p:notesMasterId r:id="rId15"/>
   </p:notesMasterIdLst>
   <p:handoutMasterIdLst>
-    <p:handoutMasterId r:id="rId24"/>
+    <p:handoutMasterId r:id="rId25"/>
   </p:handoutMasterIdLst>
   <p:sldIdLst>
-    <p:sldId id="256" r:id="rId2"/>
-    <p:sldId id="321" r:id="rId3"/>
-    <p:sldId id="339" r:id="rId4"/>
-    <p:sldId id="341" r:id="rId5"/>
-    <p:sldId id="325" r:id="rId6"/>
-    <p:sldId id="326" r:id="rId7"/>
-    <p:sldId id="327" r:id="rId8"/>
-    <p:sldId id="328" r:id="rId9"/>
-    <p:sldId id="329" r:id="rId10"/>
-    <p:sldId id="330" r:id="rId11"/>
-    <p:sldId id="331" r:id="rId12"/>
-    <p:sldId id="338" r:id="rId13"/>
-    <p:sldId id="343" r:id="rId14"/>
-    <p:sldId id="333" r:id="rId15"/>
-    <p:sldId id="342" r:id="rId16"/>
-    <p:sldId id="334" r:id="rId17"/>
-    <p:sldId id="335" r:id="rId18"/>
-    <p:sldId id="336" r:id="rId19"/>
-    <p:sldId id="337" r:id="rId20"/>
-    <p:sldId id="344" r:id="rId21"/>
-    <p:sldId id="316" r:id="rId22"/>
+    <p:sldId id="256" r:id="rId3"/>
+    <p:sldId id="321" r:id="rId4"/>
+    <p:sldId id="339" r:id="rId5"/>
+    <p:sldId id="341" r:id="rId6"/>
+    <p:sldId id="325" r:id="rId7"/>
+    <p:sldId id="326" r:id="rId8"/>
+    <p:sldId id="327" r:id="rId9"/>
+    <p:sldId id="328" r:id="rId10"/>
+    <p:sldId id="329" r:id="rId11"/>
+    <p:sldId id="330" r:id="rId12"/>
+    <p:sldId id="331" r:id="rId13"/>
+    <p:sldId id="338" r:id="rId14"/>
+    <p:sldId id="343" r:id="rId16"/>
+    <p:sldId id="333" r:id="rId17"/>
+    <p:sldId id="359" r:id="rId18"/>
+    <p:sldId id="334" r:id="rId19"/>
+    <p:sldId id="335" r:id="rId20"/>
+    <p:sldId id="336" r:id="rId21"/>
+    <p:sldId id="337" r:id="rId22"/>
+    <p:sldId id="344" r:id="rId23"/>
+    <p:sldId id="316" r:id="rId24"/>
   </p:sldIdLst>
-  <p:sldSz cx="9144000" cy="6858000" type="screen4x3"/>
+  <p:sldSz cx="12192000" cy="6858000"/>
   <p:notesSz cx="6858000" cy="9144000"/>
   <p:defaultTextStyle>
     <a:defPPr>
@@ -50,9 +50,9 @@
         <a:solidFill>
           <a:schemeClr val="tx1"/>
         </a:solidFill>
-        <a:latin typeface="Arial" charset="0"/>
+        <a:latin typeface="Arial" panose="020B0604020202020204" pitchFamily="34" charset="0"/>
         <a:ea typeface="+mn-ea"/>
-        <a:cs typeface="Arial" charset="0"/>
+        <a:cs typeface="Arial" panose="020B0604020202020204" pitchFamily="34" charset="0"/>
       </a:defRPr>
     </a:lvl1pPr>
     <a:lvl2pPr marL="457200" algn="l" rtl="0" fontAlgn="base">
@@ -66,9 +66,9 @@
         <a:solidFill>
           <a:schemeClr val="tx1"/>
         </a:solidFill>
-        <a:latin typeface="Arial" charset="0"/>
+        <a:latin typeface="Arial" panose="020B0604020202020204" pitchFamily="34" charset="0"/>
         <a:ea typeface="+mn-ea"/>
-        <a:cs typeface="Arial" charset="0"/>
+        <a:cs typeface="Arial" panose="020B0604020202020204" pitchFamily="34" charset="0"/>
       </a:defRPr>
     </a:lvl2pPr>
     <a:lvl3pPr marL="914400" algn="l" rtl="0" fontAlgn="base">
@@ -82,9 +82,9 @@
         <a:solidFill>
           <a:schemeClr val="tx1"/>
         </a:solidFill>
-        <a:latin typeface="Arial" charset="0"/>
+        <a:latin typeface="Arial" panose="020B0604020202020204" pitchFamily="34" charset="0"/>
         <a:ea typeface="+mn-ea"/>
-        <a:cs typeface="Arial" charset="0"/>
+        <a:cs typeface="Arial" panose="020B0604020202020204" pitchFamily="34" charset="0"/>
       </a:defRPr>
     </a:lvl3pPr>
     <a:lvl4pPr marL="1371600" algn="l" rtl="0" fontAlgn="base">
@@ -98,9 +98,9 @@
         <a:solidFill>
           <a:schemeClr val="tx1"/>
         </a:solidFill>
-        <a:latin typeface="Arial" charset="0"/>
+        <a:latin typeface="Arial" panose="020B0604020202020204" pitchFamily="34" charset="0"/>
         <a:ea typeface="+mn-ea"/>
-        <a:cs typeface="Arial" charset="0"/>
+        <a:cs typeface="Arial" panose="020B0604020202020204" pitchFamily="34" charset="0"/>
       </a:defRPr>
     </a:lvl4pPr>
     <a:lvl5pPr marL="1828800" algn="l" rtl="0" fontAlgn="base">
@@ -114,9 +114,9 @@
         <a:solidFill>
           <a:schemeClr val="tx1"/>
         </a:solidFill>
-        <a:latin typeface="Arial" charset="0"/>
+        <a:latin typeface="Arial" panose="020B0604020202020204" pitchFamily="34" charset="0"/>
         <a:ea typeface="+mn-ea"/>
-        <a:cs typeface="Arial" charset="0"/>
+        <a:cs typeface="Arial" panose="020B0604020202020204" pitchFamily="34" charset="0"/>
       </a:defRPr>
     </a:lvl5pPr>
     <a:lvl6pPr marL="2286000" algn="l" defTabSz="914400" rtl="0" eaLnBrk="1" latinLnBrk="0" hangingPunct="1">
@@ -124,9 +124,9 @@
         <a:solidFill>
           <a:schemeClr val="tx1"/>
         </a:solidFill>
-        <a:latin typeface="Arial" charset="0"/>
+        <a:latin typeface="Arial" panose="020B0604020202020204" pitchFamily="34" charset="0"/>
         <a:ea typeface="+mn-ea"/>
-        <a:cs typeface="Arial" charset="0"/>
+        <a:cs typeface="Arial" panose="020B0604020202020204" pitchFamily="34" charset="0"/>
       </a:defRPr>
     </a:lvl6pPr>
     <a:lvl7pPr marL="2743200" algn="l" defTabSz="914400" rtl="0" eaLnBrk="1" latinLnBrk="0" hangingPunct="1">
@@ -134,9 +134,9 @@
         <a:solidFill>
           <a:schemeClr val="tx1"/>
         </a:solidFill>
-        <a:latin typeface="Arial" charset="0"/>
+        <a:latin typeface="Arial" panose="020B0604020202020204" pitchFamily="34" charset="0"/>
         <a:ea typeface="+mn-ea"/>
-        <a:cs typeface="Arial" charset="0"/>
+        <a:cs typeface="Arial" panose="020B0604020202020204" pitchFamily="34" charset="0"/>
       </a:defRPr>
     </a:lvl7pPr>
     <a:lvl8pPr marL="3200400" algn="l" defTabSz="914400" rtl="0" eaLnBrk="1" latinLnBrk="0" hangingPunct="1">
@@ -144,9 +144,9 @@
         <a:solidFill>
           <a:schemeClr val="tx1"/>
         </a:solidFill>
-        <a:latin typeface="Arial" charset="0"/>
+        <a:latin typeface="Arial" panose="020B0604020202020204" pitchFamily="34" charset="0"/>
         <a:ea typeface="+mn-ea"/>
-        <a:cs typeface="Arial" charset="0"/>
+        <a:cs typeface="Arial" panose="020B0604020202020204" pitchFamily="34" charset="0"/>
       </a:defRPr>
     </a:lvl8pPr>
     <a:lvl9pPr marL="3657600" algn="l" defTabSz="914400" rtl="0" eaLnBrk="1" latinLnBrk="0" hangingPunct="1">
@@ -154,9 +154,9 @@
         <a:solidFill>
           <a:schemeClr val="tx1"/>
         </a:solidFill>
-        <a:latin typeface="Arial" charset="0"/>
+        <a:latin typeface="Arial" panose="020B0604020202020204" pitchFamily="34" charset="0"/>
         <a:ea typeface="+mn-ea"/>
-        <a:cs typeface="Arial" charset="0"/>
+        <a:cs typeface="Arial" panose="020B0604020202020204" pitchFamily="34" charset="0"/>
       </a:defRPr>
     </a:lvl9pPr>
   </p:defaultTextStyle>
@@ -210,21 +210,15 @@
           <a:ln w="9525">
             <a:noFill/>
             <a:miter lim="800000"/>
-            <a:headEnd/>
-            <a:tailEnd/>
           </a:ln>
           <a:effectLst/>
         </p:spPr>
         <p:txBody>
-          <a:bodyPr vert="horz" wrap="square" lIns="91440" tIns="45720" rIns="91440" bIns="45720" numCol="1" anchor="t" anchorCtr="0" compatLnSpc="1">
-            <a:prstTxWarp prst="textNoShape">
-              <a:avLst/>
-            </a:prstTxWarp>
-          </a:bodyPr>
+          <a:bodyPr vert="horz" wrap="square" lIns="91440" tIns="45720" rIns="91440" bIns="45720" numCol="1" anchor="t" anchorCtr="0" compatLnSpc="1"/>
           <a:lstStyle>
             <a:lvl1pPr>
               <a:defRPr sz="1200">
-                <a:latin typeface="Arial" charset="0"/>
+                <a:latin typeface="Arial" panose="020B0604020202020204" pitchFamily="34" charset="0"/>
                 <a:cs typeface="+mn-cs"/>
               </a:defRPr>
             </a:lvl1pPr>
@@ -259,21 +253,15 @@
           <a:ln w="9525">
             <a:noFill/>
             <a:miter lim="800000"/>
-            <a:headEnd/>
-            <a:tailEnd/>
           </a:ln>
           <a:effectLst/>
         </p:spPr>
         <p:txBody>
-          <a:bodyPr vert="horz" wrap="square" lIns="91440" tIns="45720" rIns="91440" bIns="45720" numCol="1" anchor="t" anchorCtr="0" compatLnSpc="1">
-            <a:prstTxWarp prst="textNoShape">
-              <a:avLst/>
-            </a:prstTxWarp>
-          </a:bodyPr>
+          <a:bodyPr vert="horz" wrap="square" lIns="91440" tIns="45720" rIns="91440" bIns="45720" numCol="1" anchor="t" anchorCtr="0" compatLnSpc="1"/>
           <a:lstStyle>
             <a:lvl1pPr algn="r">
               <a:defRPr sz="1200">
-                <a:latin typeface="Arial" charset="0"/>
+                <a:latin typeface="Arial" panose="020B0604020202020204" pitchFamily="34" charset="0"/>
                 <a:cs typeface="+mn-cs"/>
               </a:defRPr>
             </a:lvl1pPr>
@@ -308,21 +296,15 @@
           <a:ln w="9525">
             <a:noFill/>
             <a:miter lim="800000"/>
-            <a:headEnd/>
-            <a:tailEnd/>
           </a:ln>
           <a:effectLst/>
         </p:spPr>
         <p:txBody>
-          <a:bodyPr vert="horz" wrap="square" lIns="91440" tIns="45720" rIns="91440" bIns="45720" numCol="1" anchor="b" anchorCtr="0" compatLnSpc="1">
-            <a:prstTxWarp prst="textNoShape">
-              <a:avLst/>
-            </a:prstTxWarp>
-          </a:bodyPr>
+          <a:bodyPr vert="horz" wrap="square" lIns="91440" tIns="45720" rIns="91440" bIns="45720" numCol="1" anchor="b" anchorCtr="0" compatLnSpc="1"/>
           <a:lstStyle>
             <a:lvl1pPr>
               <a:defRPr sz="1200">
-                <a:latin typeface="Arial" charset="0"/>
+                <a:latin typeface="Arial" panose="020B0604020202020204" pitchFamily="34" charset="0"/>
                 <a:cs typeface="+mn-cs"/>
               </a:defRPr>
             </a:lvl1pPr>
@@ -357,21 +339,15 @@
           <a:ln w="9525">
             <a:noFill/>
             <a:miter lim="800000"/>
-            <a:headEnd/>
-            <a:tailEnd/>
           </a:ln>
           <a:effectLst/>
         </p:spPr>
         <p:txBody>
-          <a:bodyPr vert="horz" wrap="square" lIns="91440" tIns="45720" rIns="91440" bIns="45720" numCol="1" anchor="b" anchorCtr="0" compatLnSpc="1">
-            <a:prstTxWarp prst="textNoShape">
-              <a:avLst/>
-            </a:prstTxWarp>
-          </a:bodyPr>
+          <a:bodyPr vert="horz" wrap="square" lIns="91440" tIns="45720" rIns="91440" bIns="45720" numCol="1" anchor="b" anchorCtr="0" compatLnSpc="1"/>
           <a:lstStyle>
             <a:lvl1pPr algn="r">
               <a:defRPr sz="1200">
-                <a:latin typeface="Arial" charset="0"/>
+                <a:latin typeface="Arial" panose="020B0604020202020204" pitchFamily="34" charset="0"/>
                 <a:cs typeface="+mn-cs"/>
               </a:defRPr>
             </a:lvl1pPr>
@@ -382,21 +358,12 @@
             </a:pPr>
             <a:fld id="{EA86A4B5-776F-49C1-8046-01AC5D0258F9}" type="slidenum">
               <a:rPr lang="en-US" altLang="zh-CN"/>
-              <a:pPr>
-                <a:defRPr/>
-              </a:pPr>
-              <a:t>‹#›</a:t>
             </a:fld>
             <a:endParaRPr lang="en-US" altLang="zh-CN"/>
           </a:p>
         </p:txBody>
       </p:sp>
     </p:spTree>
-    <p:extLst>
-      <p:ext uri="{BB962C8B-B14F-4D97-AF65-F5344CB8AC3E}">
-        <p14:creationId xmlns:p14="http://schemas.microsoft.com/office/powerpoint/2010/main" val="7640393"/>
-      </p:ext>
-    </p:extLst>
   </p:cSld>
   <p:clrMap bg1="lt1" tx1="dk1" bg2="lt2" tx2="dk2" accent1="accent1" accent2="accent2" accent3="accent3" accent4="accent4" accent5="accent5" accent6="accent6" hlink="hlink" folHlink="folHlink"/>
 </p:handoutMaster>
@@ -449,22 +416,16 @@
           <a:ln w="9525">
             <a:noFill/>
             <a:miter lim="800000"/>
-            <a:headEnd/>
-            <a:tailEnd/>
           </a:ln>
           <a:effectLst/>
         </p:spPr>
         <p:txBody>
-          <a:bodyPr vert="horz" wrap="square" lIns="91440" tIns="45720" rIns="91440" bIns="45720" numCol="1" anchor="t" anchorCtr="0" compatLnSpc="1">
-            <a:prstTxWarp prst="textNoShape">
-              <a:avLst/>
-            </a:prstTxWarp>
-          </a:bodyPr>
+          <a:bodyPr vert="horz" wrap="square" lIns="91440" tIns="45720" rIns="91440" bIns="45720" numCol="1" anchor="t" anchorCtr="0" compatLnSpc="1"/>
           <a:lstStyle>
             <a:lvl1pPr>
               <a:defRPr sz="1200" smtClean="0">
-                <a:latin typeface="Arial" pitchFamily="34" charset="0"/>
-                <a:cs typeface="Arial" pitchFamily="34" charset="0"/>
+                <a:latin typeface="Arial" panose="020B0604020202020204" pitchFamily="34" charset="0"/>
+                <a:cs typeface="Arial" panose="020B0604020202020204" pitchFamily="34" charset="0"/>
               </a:defRPr>
             </a:lvl1pPr>
           </a:lstStyle>
@@ -498,22 +459,16 @@
           <a:ln w="9525">
             <a:noFill/>
             <a:miter lim="800000"/>
-            <a:headEnd/>
-            <a:tailEnd/>
           </a:ln>
           <a:effectLst/>
         </p:spPr>
         <p:txBody>
-          <a:bodyPr vert="horz" wrap="square" lIns="91440" tIns="45720" rIns="91440" bIns="45720" numCol="1" anchor="t" anchorCtr="0" compatLnSpc="1">
-            <a:prstTxWarp prst="textNoShape">
-              <a:avLst/>
-            </a:prstTxWarp>
-          </a:bodyPr>
+          <a:bodyPr vert="horz" wrap="square" lIns="91440" tIns="45720" rIns="91440" bIns="45720" numCol="1" anchor="t" anchorCtr="0" compatLnSpc="1"/>
           <a:lstStyle>
             <a:lvl1pPr algn="r">
               <a:defRPr sz="1200" smtClean="0">
-                <a:latin typeface="Arial" pitchFamily="34" charset="0"/>
-                <a:cs typeface="Arial" pitchFamily="34" charset="0"/>
+                <a:latin typeface="Arial" panose="020B0604020202020204" pitchFamily="34" charset="0"/>
+                <a:cs typeface="Arial" panose="020B0604020202020204" pitchFamily="34" charset="0"/>
               </a:defRPr>
             </a:lvl1pPr>
           </a:lstStyle>
@@ -537,8 +492,8 @@
         </p:nvSpPr>
         <p:spPr bwMode="auto">
           <a:xfrm>
-            <a:off x="1143000" y="685800"/>
-            <a:ext cx="4572000" cy="3429000"/>
+            <a:off x="381000" y="685800"/>
+            <a:ext cx="6096000" cy="3429000"/>
           </a:xfrm>
           <a:prstGeom prst="rect">
             <a:avLst/>
@@ -549,8 +504,6 @@
               <a:srgbClr val="000000"/>
             </a:solidFill>
             <a:miter lim="800000"/>
-            <a:headEnd/>
-            <a:tailEnd/>
           </a:ln>
         </p:spPr>
       </p:sp>
@@ -576,17 +529,11 @@
           <a:ln w="9525">
             <a:noFill/>
             <a:miter lim="800000"/>
-            <a:headEnd/>
-            <a:tailEnd/>
           </a:ln>
           <a:effectLst/>
         </p:spPr>
         <p:txBody>
-          <a:bodyPr vert="horz" wrap="square" lIns="91440" tIns="45720" rIns="91440" bIns="45720" numCol="1" anchor="t" anchorCtr="0" compatLnSpc="1">
-            <a:prstTxWarp prst="textNoShape">
-              <a:avLst/>
-            </a:prstTxWarp>
-          </a:bodyPr>
+          <a:bodyPr vert="horz" wrap="square" lIns="91440" tIns="45720" rIns="91440" bIns="45720" numCol="1" anchor="t" anchorCtr="0" compatLnSpc="1"/>
           <a:lstStyle/>
           <a:p>
             <a:pPr lvl="0"/>
@@ -594,6 +541,7 @@
               <a:rPr lang="de-DE" noProof="0" smtClean="0"/>
               <a:t>Textmasterformate durch Klicken bearbeiten</a:t>
             </a:r>
+            <a:endParaRPr lang="de-DE" noProof="0" smtClean="0"/>
           </a:p>
           <a:p>
             <a:pPr lvl="1"/>
@@ -601,6 +549,7 @@
               <a:rPr lang="de-DE" noProof="0" smtClean="0"/>
               <a:t>Zweite Ebene</a:t>
             </a:r>
+            <a:endParaRPr lang="de-DE" noProof="0" smtClean="0"/>
           </a:p>
           <a:p>
             <a:pPr lvl="2"/>
@@ -608,6 +557,7 @@
               <a:rPr lang="de-DE" noProof="0" smtClean="0"/>
               <a:t>Dritte Ebene</a:t>
             </a:r>
+            <a:endParaRPr lang="de-DE" noProof="0" smtClean="0"/>
           </a:p>
           <a:p>
             <a:pPr lvl="3"/>
@@ -615,6 +565,7 @@
               <a:rPr lang="de-DE" noProof="0" smtClean="0"/>
               <a:t>Vierte Ebene</a:t>
             </a:r>
+            <a:endParaRPr lang="de-DE" noProof="0" smtClean="0"/>
           </a:p>
           <a:p>
             <a:pPr lvl="4"/>
@@ -622,6 +573,7 @@
               <a:rPr lang="de-DE" noProof="0" smtClean="0"/>
               <a:t>Fünfte Ebene</a:t>
             </a:r>
+            <a:endParaRPr lang="de-DE" noProof="0" smtClean="0"/>
           </a:p>
         </p:txBody>
       </p:sp>
@@ -647,22 +599,16 @@
           <a:ln w="9525">
             <a:noFill/>
             <a:miter lim="800000"/>
-            <a:headEnd/>
-            <a:tailEnd/>
           </a:ln>
           <a:effectLst/>
         </p:spPr>
         <p:txBody>
-          <a:bodyPr vert="horz" wrap="square" lIns="91440" tIns="45720" rIns="91440" bIns="45720" numCol="1" anchor="b" anchorCtr="0" compatLnSpc="1">
-            <a:prstTxWarp prst="textNoShape">
-              <a:avLst/>
-            </a:prstTxWarp>
-          </a:bodyPr>
+          <a:bodyPr vert="horz" wrap="square" lIns="91440" tIns="45720" rIns="91440" bIns="45720" numCol="1" anchor="b" anchorCtr="0" compatLnSpc="1"/>
           <a:lstStyle>
             <a:lvl1pPr>
               <a:defRPr sz="1200" smtClean="0">
-                <a:latin typeface="Arial" pitchFamily="34" charset="0"/>
-                <a:cs typeface="Arial" pitchFamily="34" charset="0"/>
+                <a:latin typeface="Arial" panose="020B0604020202020204" pitchFamily="34" charset="0"/>
+                <a:cs typeface="Arial" panose="020B0604020202020204" pitchFamily="34" charset="0"/>
               </a:defRPr>
             </a:lvl1pPr>
           </a:lstStyle>
@@ -696,22 +642,16 @@
           <a:ln w="9525">
             <a:noFill/>
             <a:miter lim="800000"/>
-            <a:headEnd/>
-            <a:tailEnd/>
           </a:ln>
           <a:effectLst/>
         </p:spPr>
         <p:txBody>
-          <a:bodyPr vert="horz" wrap="square" lIns="91440" tIns="45720" rIns="91440" bIns="45720" numCol="1" anchor="b" anchorCtr="0" compatLnSpc="1">
-            <a:prstTxWarp prst="textNoShape">
-              <a:avLst/>
-            </a:prstTxWarp>
-          </a:bodyPr>
+          <a:bodyPr vert="horz" wrap="square" lIns="91440" tIns="45720" rIns="91440" bIns="45720" numCol="1" anchor="b" anchorCtr="0" compatLnSpc="1"/>
           <a:lstStyle>
             <a:lvl1pPr algn="r">
               <a:defRPr sz="1200" smtClean="0">
-                <a:latin typeface="Arial" pitchFamily="34" charset="0"/>
-                <a:cs typeface="Arial" pitchFamily="34" charset="0"/>
+                <a:latin typeface="Arial" panose="020B0604020202020204" pitchFamily="34" charset="0"/>
+                <a:cs typeface="Arial" panose="020B0604020202020204" pitchFamily="34" charset="0"/>
               </a:defRPr>
             </a:lvl1pPr>
           </a:lstStyle>
@@ -721,21 +661,12 @@
             </a:pPr>
             <a:fld id="{AD744E2D-6CE4-438C-B9A0-AF7F3BF83E59}" type="slidenum">
               <a:rPr lang="de-DE" altLang="zh-CN"/>
-              <a:pPr>
-                <a:defRPr/>
-              </a:pPr>
-              <a:t>‹#›</a:t>
             </a:fld>
             <a:endParaRPr lang="de-DE" altLang="zh-CN"/>
           </a:p>
         </p:txBody>
       </p:sp>
     </p:spTree>
-    <p:extLst>
-      <p:ext uri="{BB962C8B-B14F-4D97-AF65-F5344CB8AC3E}">
-        <p14:creationId xmlns:p14="http://schemas.microsoft.com/office/powerpoint/2010/main" val="618945315"/>
-      </p:ext>
-    </p:extLst>
   </p:cSld>
   <p:clrMap bg1="lt1" tx1="dk1" bg2="lt2" tx2="dk2" accent1="accent1" accent2="accent2" accent3="accent3" accent4="accent4" accent5="accent5" accent6="accent6" hlink="hlink" folHlink="folHlink"/>
   <p:notesStyle>
@@ -750,7 +681,7 @@
         <a:solidFill>
           <a:schemeClr val="tx1"/>
         </a:solidFill>
-        <a:latin typeface="Arial" charset="0"/>
+        <a:latin typeface="Arial" panose="020B0604020202020204" pitchFamily="34" charset="0"/>
         <a:ea typeface="+mn-ea"/>
         <a:cs typeface="+mn-cs"/>
       </a:defRPr>
@@ -766,7 +697,7 @@
         <a:solidFill>
           <a:schemeClr val="tx1"/>
         </a:solidFill>
-        <a:latin typeface="Arial" charset="0"/>
+        <a:latin typeface="Arial" panose="020B0604020202020204" pitchFamily="34" charset="0"/>
         <a:ea typeface="+mn-ea"/>
         <a:cs typeface="+mn-cs"/>
       </a:defRPr>
@@ -782,7 +713,7 @@
         <a:solidFill>
           <a:schemeClr val="tx1"/>
         </a:solidFill>
-        <a:latin typeface="Arial" charset="0"/>
+        <a:latin typeface="Arial" panose="020B0604020202020204" pitchFamily="34" charset="0"/>
         <a:ea typeface="+mn-ea"/>
         <a:cs typeface="+mn-cs"/>
       </a:defRPr>
@@ -798,7 +729,7 @@
         <a:solidFill>
           <a:schemeClr val="tx1"/>
         </a:solidFill>
-        <a:latin typeface="Arial" charset="0"/>
+        <a:latin typeface="Arial" panose="020B0604020202020204" pitchFamily="34" charset="0"/>
         <a:ea typeface="+mn-ea"/>
         <a:cs typeface="+mn-cs"/>
       </a:defRPr>
@@ -814,7 +745,7 @@
         <a:solidFill>
           <a:schemeClr val="tx1"/>
         </a:solidFill>
-        <a:latin typeface="Arial" charset="0"/>
+        <a:latin typeface="Arial" panose="020B0604020202020204" pitchFamily="34" charset="0"/>
         <a:ea typeface="+mn-ea"/>
         <a:cs typeface="+mn-cs"/>
       </a:defRPr>
@@ -933,10 +864,6 @@
             </a:pPr>
             <a:fld id="{2D70A793-C072-4DB4-AAF5-69ED796BA566}" type="slidenum">
               <a:rPr lang="en-US" altLang="zh-CN" smtClean="0"/>
-              <a:pPr>
-                <a:defRPr/>
-              </a:pPr>
-              <a:t>12</a:t>
             </a:fld>
             <a:endParaRPr lang="en-US" altLang="zh-CN" dirty="0"/>
           </a:p>
@@ -1020,10 +947,6 @@
             </a:pPr>
             <a:fld id="{2D70A793-C072-4DB4-AAF5-69ED796BA566}" type="slidenum">
               <a:rPr lang="en-US" altLang="zh-CN" smtClean="0"/>
-              <a:pPr>
-                <a:defRPr/>
-              </a:pPr>
-              <a:t>17</a:t>
             </a:fld>
             <a:endParaRPr lang="en-US" altLang="zh-CN" dirty="0"/>
           </a:p>
@@ -1107,10 +1030,6 @@
             </a:pPr>
             <a:fld id="{2D70A793-C072-4DB4-AAF5-69ED796BA566}" type="slidenum">
               <a:rPr lang="en-US" altLang="zh-CN" smtClean="0"/>
-              <a:pPr>
-                <a:defRPr/>
-              </a:pPr>
-              <a:t>18</a:t>
             </a:fld>
             <a:endParaRPr lang="en-US" altLang="zh-CN" dirty="0"/>
           </a:p>
@@ -1125,7 +1044,7 @@
 </file>
 
 <file path=ppt/slideLayouts/slideLayout1.xml><?xml version="1.0" encoding="utf-8"?>
-<p:sldLayout xmlns:a="http://schemas.openxmlformats.org/drawingml/2006/main" xmlns:r="http://schemas.openxmlformats.org/officeDocument/2006/relationships" xmlns:p="http://schemas.openxmlformats.org/presentationml/2006/main" showMasterSp="0" type="title" preserve="1">
+<p:sldLayout xmlns:a="http://schemas.openxmlformats.org/drawingml/2006/main" xmlns:r="http://schemas.openxmlformats.org/officeDocument/2006/relationships" xmlns:p="http://schemas.openxmlformats.org/presentationml/2006/main" type="title" preserve="1" showMasterSp="0">
   <p:cSld name="标题幻灯片">
     <p:bg>
       <p:bgPr>
@@ -1165,8 +1084,8 @@
         </p:nvSpPr>
         <p:spPr>
           <a:xfrm>
-            <a:off x="863600" y="4271963"/>
-            <a:ext cx="7485063" cy="1081087"/>
+            <a:off x="1151467" y="4271963"/>
+            <a:ext cx="9980084" cy="1081087"/>
           </a:xfrm>
         </p:spPr>
         <p:txBody>
@@ -1188,6 +1107,7 @@
               <a:rPr lang="de-DE" dirty="0"/>
               <a:t>Titelmasterformat durch Klicken bearbeiten</a:t>
             </a:r>
+            <a:endParaRPr lang="de-DE" dirty="0"/>
           </a:p>
         </p:txBody>
       </p:sp>
@@ -1203,15 +1123,15 @@
         </p:nvSpPr>
         <p:spPr bwMode="gray">
           <a:xfrm>
-            <a:off x="863600" y="5284788"/>
-            <a:ext cx="7510463" cy="800100"/>
+            <a:off x="1151467" y="5284788"/>
+            <a:ext cx="10013951" cy="800100"/>
           </a:xfrm>
         </p:spPr>
         <p:txBody>
           <a:bodyPr tIns="45720" bIns="45720"/>
           <a:lstStyle>
             <a:lvl1pPr marL="0" indent="0">
-              <a:buFont typeface="Wingdings" charset="2"/>
+              <a:buFont typeface="Wingdings" panose="05000000000000000000" pitchFamily="2" charset="2"/>
               <a:buNone/>
               <a:defRPr sz="2400"/>
             </a:lvl1pPr>
@@ -1221,6 +1141,7 @@
               <a:rPr lang="de-DE" dirty="0"/>
               <a:t>Formatvorlage des Untertitelmasters durch Klicken bearbeiten</a:t>
             </a:r>
+            <a:endParaRPr lang="de-DE" dirty="0"/>
           </a:p>
         </p:txBody>
       </p:sp>
@@ -1236,8 +1157,8 @@
         </p:nvSpPr>
         <p:spPr>
           <a:xfrm>
-            <a:off x="3124200" y="6245225"/>
-            <a:ext cx="2895600" cy="476250"/>
+            <a:off x="4165600" y="6245225"/>
+            <a:ext cx="3860800" cy="476250"/>
           </a:xfrm>
         </p:spPr>
         <p:txBody>
@@ -1275,8 +1196,8 @@
         </p:blipFill>
         <p:spPr>
           <a:xfrm>
-            <a:off x="5462081" y="6269850"/>
-            <a:ext cx="3653413" cy="563436"/>
+            <a:off x="7282775" y="6269850"/>
+            <a:ext cx="4871217" cy="563436"/>
           </a:xfrm>
           <a:prstGeom prst="rect">
             <a:avLst/>
@@ -1351,6 +1272,7 @@
               <a:rPr lang="zh-CN" altLang="en-US" smtClean="0"/>
               <a:t>单击此处编辑母版文本样式</a:t>
             </a:r>
+            <a:endParaRPr lang="zh-CN" altLang="en-US" smtClean="0"/>
           </a:p>
           <a:p>
             <a:pPr lvl="1"/>
@@ -1358,6 +1280,7 @@
               <a:rPr lang="zh-CN" altLang="en-US" smtClean="0"/>
               <a:t>第二级</a:t>
             </a:r>
+            <a:endParaRPr lang="zh-CN" altLang="en-US" smtClean="0"/>
           </a:p>
           <a:p>
             <a:pPr lvl="2"/>
@@ -1365,6 +1288,7 @@
               <a:rPr lang="zh-CN" altLang="en-US" smtClean="0"/>
               <a:t>第三级</a:t>
             </a:r>
+            <a:endParaRPr lang="zh-CN" altLang="en-US" smtClean="0"/>
           </a:p>
           <a:p>
             <a:pPr lvl="3"/>
@@ -1372,6 +1296,7 @@
               <a:rPr lang="zh-CN" altLang="en-US" smtClean="0"/>
               <a:t>第四级</a:t>
             </a:r>
+            <a:endParaRPr lang="zh-CN" altLang="en-US" smtClean="0"/>
           </a:p>
           <a:p>
             <a:pPr lvl="4"/>
@@ -1393,9 +1318,7 @@
             <p:ph type="ftr" sz="quarter" idx="10"/>
           </p:nvPr>
         </p:nvSpPr>
-        <p:spPr>
-          <a:ln/>
-        </p:spPr>
+        <p:spPr/>
         <p:txBody>
           <a:bodyPr/>
           <a:lstStyle>
@@ -1448,8 +1371,8 @@
         </p:nvSpPr>
         <p:spPr>
           <a:xfrm>
-            <a:off x="6689725" y="252413"/>
-            <a:ext cx="2130425" cy="5549900"/>
+            <a:off x="8919633" y="252413"/>
+            <a:ext cx="2840567" cy="5549900"/>
           </a:xfrm>
         </p:spPr>
         <p:txBody>
@@ -1476,8 +1399,8 @@
         </p:nvSpPr>
         <p:spPr>
           <a:xfrm>
-            <a:off x="295275" y="252413"/>
-            <a:ext cx="6242050" cy="5549900"/>
+            <a:off x="393700" y="252413"/>
+            <a:ext cx="8322733" cy="5549900"/>
           </a:xfrm>
         </p:spPr>
         <p:txBody>
@@ -1489,6 +1412,7 @@
               <a:rPr lang="zh-CN" altLang="en-US" smtClean="0"/>
               <a:t>单击此处编辑母版文本样式</a:t>
             </a:r>
+            <a:endParaRPr lang="zh-CN" altLang="en-US" smtClean="0"/>
           </a:p>
           <a:p>
             <a:pPr lvl="1"/>
@@ -1496,6 +1420,7 @@
               <a:rPr lang="zh-CN" altLang="en-US" smtClean="0"/>
               <a:t>第二级</a:t>
             </a:r>
+            <a:endParaRPr lang="zh-CN" altLang="en-US" smtClean="0"/>
           </a:p>
           <a:p>
             <a:pPr lvl="2"/>
@@ -1503,6 +1428,7 @@
               <a:rPr lang="zh-CN" altLang="en-US" smtClean="0"/>
               <a:t>第三级</a:t>
             </a:r>
+            <a:endParaRPr lang="zh-CN" altLang="en-US" smtClean="0"/>
           </a:p>
           <a:p>
             <a:pPr lvl="3"/>
@@ -1510,6 +1436,7 @@
               <a:rPr lang="zh-CN" altLang="en-US" smtClean="0"/>
               <a:t>第四级</a:t>
             </a:r>
+            <a:endParaRPr lang="zh-CN" altLang="en-US" smtClean="0"/>
           </a:p>
           <a:p>
             <a:pPr lvl="4"/>
@@ -1531,9 +1458,7 @@
             <p:ph type="ftr" sz="quarter" idx="10"/>
           </p:nvPr>
         </p:nvSpPr>
-        <p:spPr>
-          <a:ln/>
-        </p:spPr>
+        <p:spPr/>
         <p:txBody>
           <a:bodyPr/>
           <a:lstStyle>
@@ -1617,6 +1542,7 @@
               <a:rPr lang="zh-CN" altLang="en-US" smtClean="0"/>
               <a:t>单击此处编辑母版文本样式</a:t>
             </a:r>
+            <a:endParaRPr lang="zh-CN" altLang="en-US" smtClean="0"/>
           </a:p>
           <a:p>
             <a:pPr lvl="1"/>
@@ -1624,6 +1550,7 @@
               <a:rPr lang="zh-CN" altLang="en-US" smtClean="0"/>
               <a:t>第二级</a:t>
             </a:r>
+            <a:endParaRPr lang="zh-CN" altLang="en-US" smtClean="0"/>
           </a:p>
           <a:p>
             <a:pPr lvl="2"/>
@@ -1631,6 +1558,7 @@
               <a:rPr lang="zh-CN" altLang="en-US" smtClean="0"/>
               <a:t>第三级</a:t>
             </a:r>
+            <a:endParaRPr lang="zh-CN" altLang="en-US" smtClean="0"/>
           </a:p>
           <a:p>
             <a:pPr lvl="3"/>
@@ -1638,6 +1566,7 @@
               <a:rPr lang="zh-CN" altLang="en-US" smtClean="0"/>
               <a:t>第四级</a:t>
             </a:r>
+            <a:endParaRPr lang="zh-CN" altLang="en-US" smtClean="0"/>
           </a:p>
           <a:p>
             <a:pPr lvl="4"/>
@@ -1659,9 +1588,7 @@
             <p:ph type="ftr" sz="quarter" idx="10"/>
           </p:nvPr>
         </p:nvSpPr>
-        <p:spPr>
-          <a:ln/>
-        </p:spPr>
+        <p:spPr/>
         <p:txBody>
           <a:bodyPr/>
           <a:lstStyle>
@@ -1714,8 +1641,8 @@
         </p:nvSpPr>
         <p:spPr>
           <a:xfrm>
-            <a:off x="722313" y="4406900"/>
-            <a:ext cx="7772400" cy="1362075"/>
+            <a:off x="963084" y="4406900"/>
+            <a:ext cx="10363200" cy="1362075"/>
           </a:xfrm>
         </p:spPr>
         <p:txBody>
@@ -1746,8 +1673,8 @@
         </p:nvSpPr>
         <p:spPr>
           <a:xfrm>
-            <a:off x="722313" y="2906713"/>
-            <a:ext cx="7772400" cy="1500187"/>
+            <a:off x="963084" y="2906713"/>
+            <a:ext cx="10363200" cy="1500187"/>
           </a:xfrm>
         </p:spPr>
         <p:txBody>
@@ -1796,6 +1723,7 @@
               <a:rPr lang="zh-CN" altLang="en-US" smtClean="0"/>
               <a:t>单击此处编辑母版文本样式</a:t>
             </a:r>
+            <a:endParaRPr lang="zh-CN" altLang="en-US" smtClean="0"/>
           </a:p>
         </p:txBody>
       </p:sp>
@@ -1809,9 +1737,7 @@
             <p:ph type="ftr" sz="quarter" idx="10"/>
           </p:nvPr>
         </p:nvSpPr>
-        <p:spPr>
-          <a:ln/>
-        </p:spPr>
+        <p:spPr/>
         <p:txBody>
           <a:bodyPr/>
           <a:lstStyle>
@@ -1887,8 +1813,8 @@
         </p:nvSpPr>
         <p:spPr>
           <a:xfrm>
-            <a:off x="295275" y="1489075"/>
-            <a:ext cx="4186238" cy="4313238"/>
+            <a:off x="393700" y="1489075"/>
+            <a:ext cx="5581651" cy="4313238"/>
           </a:xfrm>
         </p:spPr>
         <p:txBody>
@@ -1928,6 +1854,7 @@
               <a:rPr lang="zh-CN" altLang="en-US" smtClean="0"/>
               <a:t>单击此处编辑母版文本样式</a:t>
             </a:r>
+            <a:endParaRPr lang="zh-CN" altLang="en-US" smtClean="0"/>
           </a:p>
           <a:p>
             <a:pPr lvl="1"/>
@@ -1935,6 +1862,7 @@
               <a:rPr lang="zh-CN" altLang="en-US" smtClean="0"/>
               <a:t>第二级</a:t>
             </a:r>
+            <a:endParaRPr lang="zh-CN" altLang="en-US" smtClean="0"/>
           </a:p>
           <a:p>
             <a:pPr lvl="2"/>
@@ -1942,6 +1870,7 @@
               <a:rPr lang="zh-CN" altLang="en-US" smtClean="0"/>
               <a:t>第三级</a:t>
             </a:r>
+            <a:endParaRPr lang="zh-CN" altLang="en-US" smtClean="0"/>
           </a:p>
           <a:p>
             <a:pPr lvl="3"/>
@@ -1949,6 +1878,7 @@
               <a:rPr lang="zh-CN" altLang="en-US" smtClean="0"/>
               <a:t>第四级</a:t>
             </a:r>
+            <a:endParaRPr lang="zh-CN" altLang="en-US" smtClean="0"/>
           </a:p>
           <a:p>
             <a:pPr lvl="4"/>
@@ -1972,8 +1902,8 @@
         </p:nvSpPr>
         <p:spPr>
           <a:xfrm>
-            <a:off x="4633913" y="1489075"/>
-            <a:ext cx="4186237" cy="4313238"/>
+            <a:off x="6178551" y="1489075"/>
+            <a:ext cx="5581649" cy="4313238"/>
           </a:xfrm>
         </p:spPr>
         <p:txBody>
@@ -2013,6 +1943,7 @@
               <a:rPr lang="zh-CN" altLang="en-US" smtClean="0"/>
               <a:t>单击此处编辑母版文本样式</a:t>
             </a:r>
+            <a:endParaRPr lang="zh-CN" altLang="en-US" smtClean="0"/>
           </a:p>
           <a:p>
             <a:pPr lvl="1"/>
@@ -2020,6 +1951,7 @@
               <a:rPr lang="zh-CN" altLang="en-US" smtClean="0"/>
               <a:t>第二级</a:t>
             </a:r>
+            <a:endParaRPr lang="zh-CN" altLang="en-US" smtClean="0"/>
           </a:p>
           <a:p>
             <a:pPr lvl="2"/>
@@ -2027,6 +1959,7 @@
               <a:rPr lang="zh-CN" altLang="en-US" smtClean="0"/>
               <a:t>第三级</a:t>
             </a:r>
+            <a:endParaRPr lang="zh-CN" altLang="en-US" smtClean="0"/>
           </a:p>
           <a:p>
             <a:pPr lvl="3"/>
@@ -2034,6 +1967,7 @@
               <a:rPr lang="zh-CN" altLang="en-US" smtClean="0"/>
               <a:t>第四级</a:t>
             </a:r>
+            <a:endParaRPr lang="zh-CN" altLang="en-US" smtClean="0"/>
           </a:p>
           <a:p>
             <a:pPr lvl="4"/>
@@ -2055,9 +1989,7 @@
             <p:ph type="ftr" sz="quarter" idx="10"/>
           </p:nvPr>
         </p:nvSpPr>
-        <p:spPr>
-          <a:ln/>
-        </p:spPr>
+        <p:spPr/>
         <p:txBody>
           <a:bodyPr/>
           <a:lstStyle>
@@ -2110,8 +2042,8 @@
         </p:nvSpPr>
         <p:spPr>
           <a:xfrm>
-            <a:off x="457200" y="274638"/>
-            <a:ext cx="8229600" cy="1143000"/>
+            <a:off x="609600" y="274638"/>
+            <a:ext cx="10972800" cy="1143000"/>
           </a:xfrm>
         </p:spPr>
         <p:txBody>
@@ -2142,8 +2074,8 @@
         </p:nvSpPr>
         <p:spPr>
           <a:xfrm>
-            <a:off x="457200" y="1535113"/>
-            <a:ext cx="4040188" cy="639762"/>
+            <a:off x="609600" y="1535113"/>
+            <a:ext cx="5386917" cy="639762"/>
           </a:xfrm>
         </p:spPr>
         <p:txBody>
@@ -2192,6 +2124,7 @@
               <a:rPr lang="zh-CN" altLang="en-US" smtClean="0"/>
               <a:t>单击此处编辑母版文本样式</a:t>
             </a:r>
+            <a:endParaRPr lang="zh-CN" altLang="en-US" smtClean="0"/>
           </a:p>
         </p:txBody>
       </p:sp>
@@ -2207,8 +2140,8 @@
         </p:nvSpPr>
         <p:spPr>
           <a:xfrm>
-            <a:off x="457200" y="2174875"/>
-            <a:ext cx="4040188" cy="3951288"/>
+            <a:off x="609600" y="2174875"/>
+            <a:ext cx="5386917" cy="3951288"/>
           </a:xfrm>
         </p:spPr>
         <p:txBody>
@@ -2248,6 +2181,7 @@
               <a:rPr lang="zh-CN" altLang="en-US" smtClean="0"/>
               <a:t>单击此处编辑母版文本样式</a:t>
             </a:r>
+            <a:endParaRPr lang="zh-CN" altLang="en-US" smtClean="0"/>
           </a:p>
           <a:p>
             <a:pPr lvl="1"/>
@@ -2255,6 +2189,7 @@
               <a:rPr lang="zh-CN" altLang="en-US" smtClean="0"/>
               <a:t>第二级</a:t>
             </a:r>
+            <a:endParaRPr lang="zh-CN" altLang="en-US" smtClean="0"/>
           </a:p>
           <a:p>
             <a:pPr lvl="2"/>
@@ -2262,6 +2197,7 @@
               <a:rPr lang="zh-CN" altLang="en-US" smtClean="0"/>
               <a:t>第三级</a:t>
             </a:r>
+            <a:endParaRPr lang="zh-CN" altLang="en-US" smtClean="0"/>
           </a:p>
           <a:p>
             <a:pPr lvl="3"/>
@@ -2269,6 +2205,7 @@
               <a:rPr lang="zh-CN" altLang="en-US" smtClean="0"/>
               <a:t>第四级</a:t>
             </a:r>
+            <a:endParaRPr lang="zh-CN" altLang="en-US" smtClean="0"/>
           </a:p>
           <a:p>
             <a:pPr lvl="4"/>
@@ -2292,8 +2229,8 @@
         </p:nvSpPr>
         <p:spPr>
           <a:xfrm>
-            <a:off x="4645025" y="1535113"/>
-            <a:ext cx="4041775" cy="639762"/>
+            <a:off x="6193367" y="1535113"/>
+            <a:ext cx="5389033" cy="639762"/>
           </a:xfrm>
         </p:spPr>
         <p:txBody>
@@ -2342,6 +2279,7 @@
               <a:rPr lang="zh-CN" altLang="en-US" smtClean="0"/>
               <a:t>单击此处编辑母版文本样式</a:t>
             </a:r>
+            <a:endParaRPr lang="zh-CN" altLang="en-US" smtClean="0"/>
           </a:p>
         </p:txBody>
       </p:sp>
@@ -2357,8 +2295,8 @@
         </p:nvSpPr>
         <p:spPr>
           <a:xfrm>
-            <a:off x="4645025" y="2174875"/>
-            <a:ext cx="4041775" cy="3951288"/>
+            <a:off x="6193367" y="2174875"/>
+            <a:ext cx="5389033" cy="3951288"/>
           </a:xfrm>
         </p:spPr>
         <p:txBody>
@@ -2398,6 +2336,7 @@
               <a:rPr lang="zh-CN" altLang="en-US" smtClean="0"/>
               <a:t>单击此处编辑母版文本样式</a:t>
             </a:r>
+            <a:endParaRPr lang="zh-CN" altLang="en-US" smtClean="0"/>
           </a:p>
           <a:p>
             <a:pPr lvl="1"/>
@@ -2405,6 +2344,7 @@
               <a:rPr lang="zh-CN" altLang="en-US" smtClean="0"/>
               <a:t>第二级</a:t>
             </a:r>
+            <a:endParaRPr lang="zh-CN" altLang="en-US" smtClean="0"/>
           </a:p>
           <a:p>
             <a:pPr lvl="2"/>
@@ -2412,6 +2352,7 @@
               <a:rPr lang="zh-CN" altLang="en-US" smtClean="0"/>
               <a:t>第三级</a:t>
             </a:r>
+            <a:endParaRPr lang="zh-CN" altLang="en-US" smtClean="0"/>
           </a:p>
           <a:p>
             <a:pPr lvl="3"/>
@@ -2419,6 +2360,7 @@
               <a:rPr lang="zh-CN" altLang="en-US" smtClean="0"/>
               <a:t>第四级</a:t>
             </a:r>
+            <a:endParaRPr lang="zh-CN" altLang="en-US" smtClean="0"/>
           </a:p>
           <a:p>
             <a:pPr lvl="4"/>
@@ -2440,9 +2382,7 @@
             <p:ph type="ftr" sz="quarter" idx="10"/>
           </p:nvPr>
         </p:nvSpPr>
-        <p:spPr>
-          <a:ln/>
-        </p:spPr>
+        <p:spPr/>
         <p:txBody>
           <a:bodyPr/>
           <a:lstStyle>
@@ -2516,9 +2456,7 @@
             <p:ph type="ftr" sz="quarter" idx="10"/>
           </p:nvPr>
         </p:nvSpPr>
-        <p:spPr>
-          <a:ln/>
-        </p:spPr>
+        <p:spPr/>
         <p:txBody>
           <a:bodyPr/>
           <a:lstStyle>
@@ -2569,9 +2507,7 @@
             <p:ph type="ftr" sz="quarter" idx="10"/>
           </p:nvPr>
         </p:nvSpPr>
-        <p:spPr>
-          <a:ln/>
-        </p:spPr>
+        <p:spPr/>
         <p:txBody>
           <a:bodyPr/>
           <a:lstStyle>
@@ -2624,8 +2560,8 @@
         </p:nvSpPr>
         <p:spPr>
           <a:xfrm>
-            <a:off x="457200" y="273050"/>
-            <a:ext cx="3008313" cy="1162050"/>
+            <a:off x="609600" y="273050"/>
+            <a:ext cx="4011084" cy="1162050"/>
           </a:xfrm>
         </p:spPr>
         <p:txBody>
@@ -2656,8 +2592,8 @@
         </p:nvSpPr>
         <p:spPr>
           <a:xfrm>
-            <a:off x="3575050" y="273050"/>
-            <a:ext cx="5111750" cy="5853113"/>
+            <a:off x="4766733" y="273050"/>
+            <a:ext cx="6815667" cy="5853113"/>
           </a:xfrm>
         </p:spPr>
         <p:txBody>
@@ -2697,6 +2633,7 @@
               <a:rPr lang="zh-CN" altLang="en-US" smtClean="0"/>
               <a:t>单击此处编辑母版文本样式</a:t>
             </a:r>
+            <a:endParaRPr lang="zh-CN" altLang="en-US" smtClean="0"/>
           </a:p>
           <a:p>
             <a:pPr lvl="1"/>
@@ -2704,6 +2641,7 @@
               <a:rPr lang="zh-CN" altLang="en-US" smtClean="0"/>
               <a:t>第二级</a:t>
             </a:r>
+            <a:endParaRPr lang="zh-CN" altLang="en-US" smtClean="0"/>
           </a:p>
           <a:p>
             <a:pPr lvl="2"/>
@@ -2711,6 +2649,7 @@
               <a:rPr lang="zh-CN" altLang="en-US" smtClean="0"/>
               <a:t>第三级</a:t>
             </a:r>
+            <a:endParaRPr lang="zh-CN" altLang="en-US" smtClean="0"/>
           </a:p>
           <a:p>
             <a:pPr lvl="3"/>
@@ -2718,6 +2657,7 @@
               <a:rPr lang="zh-CN" altLang="en-US" smtClean="0"/>
               <a:t>第四级</a:t>
             </a:r>
+            <a:endParaRPr lang="zh-CN" altLang="en-US" smtClean="0"/>
           </a:p>
           <a:p>
             <a:pPr lvl="4"/>
@@ -2741,8 +2681,8 @@
         </p:nvSpPr>
         <p:spPr>
           <a:xfrm>
-            <a:off x="457200" y="1435100"/>
-            <a:ext cx="3008313" cy="4691063"/>
+            <a:off x="609600" y="1435100"/>
+            <a:ext cx="4011084" cy="4691063"/>
           </a:xfrm>
         </p:spPr>
         <p:txBody>
@@ -2791,6 +2731,7 @@
               <a:rPr lang="zh-CN" altLang="en-US" smtClean="0"/>
               <a:t>单击此处编辑母版文本样式</a:t>
             </a:r>
+            <a:endParaRPr lang="zh-CN" altLang="en-US" smtClean="0"/>
           </a:p>
         </p:txBody>
       </p:sp>
@@ -2804,9 +2745,7 @@
             <p:ph type="ftr" sz="quarter" idx="10"/>
           </p:nvPr>
         </p:nvSpPr>
-        <p:spPr>
-          <a:ln/>
-        </p:spPr>
+        <p:spPr/>
         <p:txBody>
           <a:bodyPr/>
           <a:lstStyle>
@@ -2859,8 +2798,8 @@
         </p:nvSpPr>
         <p:spPr>
           <a:xfrm>
-            <a:off x="1792288" y="4800600"/>
-            <a:ext cx="5486400" cy="566738"/>
+            <a:off x="2389717" y="4800600"/>
+            <a:ext cx="7315200" cy="566738"/>
           </a:xfrm>
         </p:spPr>
         <p:txBody>
@@ -2891,8 +2830,8 @@
         </p:nvSpPr>
         <p:spPr>
           <a:xfrm>
-            <a:off x="1792288" y="612775"/>
-            <a:ext cx="5486400" cy="4114800"/>
+            <a:off x="2389717" y="612775"/>
+            <a:ext cx="7315200" cy="4114800"/>
           </a:xfrm>
         </p:spPr>
         <p:txBody>
@@ -2953,8 +2892,8 @@
         </p:nvSpPr>
         <p:spPr>
           <a:xfrm>
-            <a:off x="1792288" y="5367338"/>
-            <a:ext cx="5486400" cy="804862"/>
+            <a:off x="2389717" y="5367338"/>
+            <a:ext cx="7315200" cy="804862"/>
           </a:xfrm>
         </p:spPr>
         <p:txBody>
@@ -3003,6 +2942,7 @@
               <a:rPr lang="zh-CN" altLang="en-US" smtClean="0"/>
               <a:t>单击此处编辑母版文本样式</a:t>
             </a:r>
+            <a:endParaRPr lang="zh-CN" altLang="en-US" smtClean="0"/>
           </a:p>
         </p:txBody>
       </p:sp>
@@ -3016,9 +2956,7 @@
             <p:ph type="ftr" sz="quarter" idx="10"/>
           </p:nvPr>
         </p:nvSpPr>
-        <p:spPr>
-          <a:ln/>
-        </p:spPr>
+        <p:spPr/>
         <p:txBody>
           <a:bodyPr/>
           <a:lstStyle>
@@ -3048,7 +2986,7 @@
     <p:bg>
       <p:bgPr>
         <a:blipFill dpi="0" rotWithShape="0">
-          <a:blip r:embed="rId13"/>
+          <a:blip r:embed="rId12"/>
           <a:srcRect/>
           <a:stretch>
             <a:fillRect/>
@@ -3083,8 +3021,8 @@
         </p:nvSpPr>
         <p:spPr bwMode="auto">
           <a:xfrm>
-            <a:off x="295275" y="1489075"/>
-            <a:ext cx="8524875" cy="4313238"/>
+            <a:off x="393700" y="1489075"/>
+            <a:ext cx="11366500" cy="4313238"/>
           </a:xfrm>
           <a:prstGeom prst="rect">
             <a:avLst/>
@@ -3093,16 +3031,10 @@
           <a:ln w="9525">
             <a:noFill/>
             <a:miter lim="800000"/>
-            <a:headEnd/>
-            <a:tailEnd/>
           </a:ln>
         </p:spPr>
         <p:txBody>
-          <a:bodyPr vert="horz" wrap="square" lIns="0" tIns="0" rIns="0" bIns="0" numCol="1" anchor="t" anchorCtr="0" compatLnSpc="1">
-            <a:prstTxWarp prst="textNoShape">
-              <a:avLst/>
-            </a:prstTxWarp>
-          </a:bodyPr>
+          <a:bodyPr vert="horz" wrap="square" lIns="0" tIns="0" rIns="0" bIns="0" numCol="1" anchor="t" anchorCtr="0" compatLnSpc="1"/>
           <a:lstStyle/>
           <a:p>
             <a:pPr lvl="0"/>
@@ -3110,6 +3042,7 @@
               <a:rPr lang="de-DE" altLang="zh-CN" dirty="0" smtClean="0"/>
               <a:t>Textmasterformate durch Klicken bearbeiten</a:t>
             </a:r>
+            <a:endParaRPr lang="de-DE" altLang="zh-CN" dirty="0" smtClean="0"/>
           </a:p>
           <a:p>
             <a:pPr lvl="1"/>
@@ -3117,6 +3050,7 @@
               <a:rPr lang="de-DE" altLang="zh-CN" dirty="0" smtClean="0"/>
               <a:t>Zweite Ebene</a:t>
             </a:r>
+            <a:endParaRPr lang="de-DE" altLang="zh-CN" dirty="0" smtClean="0"/>
           </a:p>
           <a:p>
             <a:pPr lvl="2"/>
@@ -3124,6 +3058,7 @@
               <a:rPr lang="de-DE" altLang="zh-CN" dirty="0" smtClean="0"/>
               <a:t>Dritte Ebene</a:t>
             </a:r>
+            <a:endParaRPr lang="de-DE" altLang="zh-CN" dirty="0" smtClean="0"/>
           </a:p>
           <a:p>
             <a:pPr lvl="3"/>
@@ -3131,6 +3066,7 @@
               <a:rPr lang="de-DE" altLang="zh-CN" dirty="0" smtClean="0"/>
               <a:t>Vierte Ebene</a:t>
             </a:r>
+            <a:endParaRPr lang="de-DE" altLang="zh-CN" dirty="0" smtClean="0"/>
           </a:p>
           <a:p>
             <a:pPr lvl="4"/>
@@ -3138,6 +3074,7 @@
               <a:rPr lang="de-DE" altLang="zh-CN" dirty="0" smtClean="0"/>
               <a:t>Fünfte Ebene</a:t>
             </a:r>
+            <a:endParaRPr lang="de-DE" altLang="zh-CN" dirty="0" smtClean="0"/>
           </a:p>
         </p:txBody>
       </p:sp>
@@ -3153,8 +3090,8 @@
         </p:nvSpPr>
         <p:spPr bwMode="gray">
           <a:xfrm>
-            <a:off x="3124200" y="6365875"/>
-            <a:ext cx="2895600" cy="247650"/>
+            <a:off x="4165600" y="6365875"/>
+            <a:ext cx="3860800" cy="247650"/>
           </a:xfrm>
           <a:prstGeom prst="rect">
             <a:avLst/>
@@ -3163,23 +3100,17 @@
           <a:ln w="9525">
             <a:noFill/>
             <a:miter lim="800000"/>
-            <a:headEnd/>
-            <a:tailEnd/>
           </a:ln>
         </p:spPr>
         <p:txBody>
-          <a:bodyPr vert="horz" wrap="square" lIns="91440" tIns="45720" rIns="91440" bIns="45720" numCol="1" anchor="t" anchorCtr="0" compatLnSpc="1">
-            <a:prstTxWarp prst="textNoShape">
-              <a:avLst/>
-            </a:prstTxWarp>
-          </a:bodyPr>
+          <a:bodyPr vert="horz" wrap="square" lIns="91440" tIns="45720" rIns="91440" bIns="45720" numCol="1" anchor="t" anchorCtr="0" compatLnSpc="1"/>
           <a:lstStyle>
             <a:lvl1pPr algn="ctr">
               <a:defRPr sz="1000" noProof="1">
                 <a:solidFill>
                   <a:schemeClr val="bg1"/>
                 </a:solidFill>
-                <a:latin typeface="Arial" charset="0"/>
+                <a:latin typeface="Arial" panose="020B0604020202020204" pitchFamily="34" charset="0"/>
                 <a:cs typeface="+mn-cs"/>
               </a:defRPr>
             </a:lvl1pPr>
@@ -3204,8 +3135,8 @@
         </p:nvSpPr>
         <p:spPr bwMode="gray">
           <a:xfrm>
-            <a:off x="300038" y="252413"/>
-            <a:ext cx="8520112" cy="647700"/>
+            <a:off x="400051" y="252413"/>
+            <a:ext cx="11360149" cy="647700"/>
           </a:xfrm>
           <a:prstGeom prst="rect">
             <a:avLst/>
@@ -3214,16 +3145,10 @@
           <a:ln w="9525">
             <a:noFill/>
             <a:miter lim="800000"/>
-            <a:headEnd/>
-            <a:tailEnd/>
           </a:ln>
         </p:spPr>
         <p:txBody>
-          <a:bodyPr vert="horz" wrap="square" lIns="0" tIns="45720" rIns="0" bIns="45720" numCol="1" anchor="t" anchorCtr="0" compatLnSpc="1">
-            <a:prstTxWarp prst="textNoShape">
-              <a:avLst/>
-            </a:prstTxWarp>
-          </a:bodyPr>
+          <a:bodyPr vert="horz" wrap="square" lIns="0" tIns="45720" rIns="0" bIns="45720" numCol="1" anchor="t" anchorCtr="0" compatLnSpc="1"/>
           <a:lstStyle/>
           <a:p>
             <a:pPr lvl="0"/>
@@ -3231,6 +3156,7 @@
               <a:rPr lang="de-DE" altLang="zh-CN" smtClean="0"/>
               <a:t>Klicken Sie, um das Titelformat zu bearbeiten</a:t>
             </a:r>
+            <a:endParaRPr lang="de-DE" altLang="zh-CN" smtClean="0"/>
           </a:p>
         </p:txBody>
       </p:sp>
@@ -3244,8 +3170,8 @@
         </p:nvSpPr>
         <p:spPr bwMode="gray">
           <a:xfrm>
-            <a:off x="219075" y="6365875"/>
-            <a:ext cx="1343025" cy="247650"/>
+            <a:off x="292100" y="6365875"/>
+            <a:ext cx="1790700" cy="247650"/>
           </a:xfrm>
           <a:prstGeom prst="rect">
             <a:avLst/>
@@ -3254,8 +3180,6 @@
           <a:ln w="9525">
             <a:noFill/>
             <a:miter lim="800000"/>
-            <a:headEnd/>
-            <a:tailEnd/>
           </a:ln>
         </p:spPr>
         <p:txBody>
@@ -3267,44 +3191,40 @@
             </a:pPr>
             <a:r>
               <a:rPr lang="de-DE" altLang="zh-CN" sz="1000">
-                <a:latin typeface="Arial" pitchFamily="34" charset="0"/>
-                <a:ea typeface="宋体" pitchFamily="2" charset="-122"/>
-                <a:cs typeface="Arial" pitchFamily="34" charset="0"/>
+                <a:latin typeface="Arial" panose="020B0604020202020204" pitchFamily="34" charset="0"/>
+                <a:ea typeface="宋体" panose="02010600030101010101" pitchFamily="2" charset="-122"/>
+                <a:cs typeface="Arial" panose="020B0604020202020204" pitchFamily="34" charset="0"/>
               </a:rPr>
               <a:t>Page </a:t>
             </a:r>
             <a:r>
               <a:rPr lang="de-DE" altLang="zh-CN" sz="1000">
-                <a:latin typeface="Arial" pitchFamily="34" charset="0"/>
-                <a:ea typeface="宋体" pitchFamily="2" charset="-122"/>
-                <a:cs typeface="Arial" pitchFamily="34" charset="0"/>
-                <a:sym typeface="Wingdings" pitchFamily="2" charset="2"/>
+                <a:latin typeface="Arial" panose="020B0604020202020204" pitchFamily="34" charset="0"/>
+                <a:ea typeface="宋体" panose="02010600030101010101" pitchFamily="2" charset="-122"/>
+                <a:cs typeface="Arial" panose="020B0604020202020204" pitchFamily="34" charset="0"/>
+                <a:sym typeface="Wingdings" panose="05000000000000000000" pitchFamily="2" charset="2"/>
               </a:rPr>
               <a:t></a:t>
             </a:r>
             <a:r>
               <a:rPr lang="de-DE" altLang="zh-CN" sz="1000">
-                <a:latin typeface="Arial" pitchFamily="34" charset="0"/>
-                <a:ea typeface="宋体" pitchFamily="2" charset="-122"/>
-                <a:cs typeface="Arial" pitchFamily="34" charset="0"/>
+                <a:latin typeface="Arial" panose="020B0604020202020204" pitchFamily="34" charset="0"/>
+                <a:ea typeface="宋体" panose="02010600030101010101" pitchFamily="2" charset="-122"/>
+                <a:cs typeface="Arial" panose="020B0604020202020204" pitchFamily="34" charset="0"/>
               </a:rPr>
               <a:t> </a:t>
             </a:r>
             <a:fld id="{32D91C8F-FAEA-4B44-9189-5505FEED48C3}" type="slidenum">
               <a:rPr lang="de-DE" altLang="zh-CN" sz="1000">
-                <a:latin typeface="Arial" pitchFamily="34" charset="0"/>
-                <a:ea typeface="宋体" pitchFamily="2" charset="-122"/>
-                <a:cs typeface="Arial" pitchFamily="34" charset="0"/>
+                <a:latin typeface="Arial" panose="020B0604020202020204" pitchFamily="34" charset="0"/>
+                <a:ea typeface="宋体" panose="02010600030101010101" pitchFamily="2" charset="-122"/>
+                <a:cs typeface="Arial" panose="020B0604020202020204" pitchFamily="34" charset="0"/>
               </a:rPr>
-              <a:pPr>
-                <a:defRPr/>
-              </a:pPr>
-              <a:t>‹#›</a:t>
             </a:fld>
             <a:endParaRPr lang="de-DE" altLang="zh-CN" sz="1000">
-              <a:latin typeface="Arial" pitchFamily="34" charset="0"/>
-              <a:ea typeface="宋体" pitchFamily="2" charset="-122"/>
-              <a:cs typeface="Arial" pitchFamily="34" charset="0"/>
+              <a:latin typeface="Arial" panose="020B0604020202020204" pitchFamily="34" charset="0"/>
+              <a:ea typeface="宋体" panose="02010600030101010101" pitchFamily="2" charset="-122"/>
+              <a:cs typeface="Arial" panose="020B0604020202020204" pitchFamily="34" charset="0"/>
             </a:endParaRPr>
           </a:p>
         </p:txBody>
@@ -3318,15 +3238,15 @@
           <p:nvPr/>
         </p:nvPicPr>
         <p:blipFill>
-          <a:blip r:embed="rId14" cstate="print"/>
+          <a:blip r:embed="rId13" cstate="print"/>
           <a:stretch>
             <a:fillRect/>
           </a:stretch>
         </p:blipFill>
         <p:spPr>
           <a:xfrm>
-            <a:off x="6627100" y="6443496"/>
-            <a:ext cx="2224653" cy="343090"/>
+            <a:off x="8836133" y="6443496"/>
+            <a:ext cx="2966204" cy="343090"/>
           </a:xfrm>
           <a:prstGeom prst="rect">
             <a:avLst/>
@@ -3337,17 +3257,17 @@
   </p:cSld>
   <p:clrMap bg1="lt1" tx1="dk1" bg2="lt2" tx2="dk2" accent1="accent1" accent2="accent2" accent3="accent3" accent4="accent4" accent5="accent5" accent6="accent6" hlink="hlink" folHlink="folHlink"/>
   <p:sldLayoutIdLst>
-    <p:sldLayoutId id="2147483687" r:id="rId1"/>
-    <p:sldLayoutId id="2147483677" r:id="rId2"/>
-    <p:sldLayoutId id="2147483678" r:id="rId3"/>
-    <p:sldLayoutId id="2147483679" r:id="rId4"/>
-    <p:sldLayoutId id="2147483680" r:id="rId5"/>
-    <p:sldLayoutId id="2147483681" r:id="rId6"/>
-    <p:sldLayoutId id="2147483682" r:id="rId7"/>
-    <p:sldLayoutId id="2147483683" r:id="rId8"/>
-    <p:sldLayoutId id="2147483684" r:id="rId9"/>
-    <p:sldLayoutId id="2147483685" r:id="rId10"/>
-    <p:sldLayoutId id="2147483686" r:id="rId11"/>
+    <p:sldLayoutId id="2147483649" r:id="rId1"/>
+    <p:sldLayoutId id="2147483650" r:id="rId2"/>
+    <p:sldLayoutId id="2147483651" r:id="rId3"/>
+    <p:sldLayoutId id="2147483652" r:id="rId4"/>
+    <p:sldLayoutId id="2147483653" r:id="rId5"/>
+    <p:sldLayoutId id="2147483654" r:id="rId6"/>
+    <p:sldLayoutId id="2147483655" r:id="rId7"/>
+    <p:sldLayoutId id="2147483656" r:id="rId8"/>
+    <p:sldLayoutId id="2147483657" r:id="rId9"/>
+    <p:sldLayoutId id="2147483658" r:id="rId10"/>
+    <p:sldLayoutId id="2147483659" r:id="rId11"/>
   </p:sldLayoutIdLst>
   <p:txStyles>
     <p:titleStyle>
@@ -3365,8 +3285,8 @@
           <a:solidFill>
             <a:schemeClr val="bg1"/>
           </a:solidFill>
-          <a:latin typeface="微软雅黑" pitchFamily="34" charset="-122"/>
-          <a:ea typeface="微软雅黑" pitchFamily="34" charset="-122"/>
+          <a:latin typeface="微软雅黑" panose="020B0503020204020204" pitchFamily="34" charset="-122"/>
+          <a:ea typeface="微软雅黑" panose="020B0503020204020204" pitchFamily="34" charset="-122"/>
           <a:cs typeface="+mj-cs"/>
         </a:defRPr>
       </a:lvl1pPr>
@@ -3384,8 +3304,8 @@
           <a:solidFill>
             <a:schemeClr val="bg1"/>
           </a:solidFill>
-          <a:latin typeface="Arial" charset="0"/>
-          <a:cs typeface="Arial" charset="0"/>
+          <a:latin typeface="Arial" panose="020B0604020202020204" pitchFamily="34" charset="0"/>
+          <a:cs typeface="Arial" panose="020B0604020202020204" pitchFamily="34" charset="0"/>
         </a:defRPr>
       </a:lvl2pPr>
       <a:lvl3pPr algn="l" rtl="0" eaLnBrk="0" fontAlgn="base" hangingPunct="0">
@@ -3402,8 +3322,8 @@
           <a:solidFill>
             <a:schemeClr val="bg1"/>
           </a:solidFill>
-          <a:latin typeface="Arial" charset="0"/>
-          <a:cs typeface="Arial" charset="0"/>
+          <a:latin typeface="Arial" panose="020B0604020202020204" pitchFamily="34" charset="0"/>
+          <a:cs typeface="Arial" panose="020B0604020202020204" pitchFamily="34" charset="0"/>
         </a:defRPr>
       </a:lvl3pPr>
       <a:lvl4pPr algn="l" rtl="0" eaLnBrk="0" fontAlgn="base" hangingPunct="0">
@@ -3420,8 +3340,8 @@
           <a:solidFill>
             <a:schemeClr val="bg1"/>
           </a:solidFill>
-          <a:latin typeface="Arial" charset="0"/>
-          <a:cs typeface="Arial" charset="0"/>
+          <a:latin typeface="Arial" panose="020B0604020202020204" pitchFamily="34" charset="0"/>
+          <a:cs typeface="Arial" panose="020B0604020202020204" pitchFamily="34" charset="0"/>
         </a:defRPr>
       </a:lvl4pPr>
       <a:lvl5pPr algn="l" rtl="0" eaLnBrk="0" fontAlgn="base" hangingPunct="0">
@@ -3438,8 +3358,8 @@
           <a:solidFill>
             <a:schemeClr val="bg1"/>
           </a:solidFill>
-          <a:latin typeface="Arial" charset="0"/>
-          <a:cs typeface="Arial" charset="0"/>
+          <a:latin typeface="Arial" panose="020B0604020202020204" pitchFamily="34" charset="0"/>
+          <a:cs typeface="Arial" panose="020B0604020202020204" pitchFamily="34" charset="0"/>
         </a:defRPr>
       </a:lvl5pPr>
       <a:lvl6pPr marL="457200" algn="l" rtl="0" fontAlgn="base">
@@ -3456,8 +3376,8 @@
           <a:solidFill>
             <a:schemeClr val="bg1"/>
           </a:solidFill>
-          <a:latin typeface="Arial" charset="0"/>
-          <a:cs typeface="Arial" charset="0"/>
+          <a:latin typeface="Arial" panose="020B0604020202020204" pitchFamily="34" charset="0"/>
+          <a:cs typeface="Arial" panose="020B0604020202020204" pitchFamily="34" charset="0"/>
         </a:defRPr>
       </a:lvl6pPr>
       <a:lvl7pPr marL="914400" algn="l" rtl="0" fontAlgn="base">
@@ -3474,8 +3394,8 @@
           <a:solidFill>
             <a:schemeClr val="bg1"/>
           </a:solidFill>
-          <a:latin typeface="Arial" charset="0"/>
-          <a:cs typeface="Arial" charset="0"/>
+          <a:latin typeface="Arial" panose="020B0604020202020204" pitchFamily="34" charset="0"/>
+          <a:cs typeface="Arial" panose="020B0604020202020204" pitchFamily="34" charset="0"/>
         </a:defRPr>
       </a:lvl7pPr>
       <a:lvl8pPr marL="1371600" algn="l" rtl="0" fontAlgn="base">
@@ -3492,8 +3412,8 @@
           <a:solidFill>
             <a:schemeClr val="bg1"/>
           </a:solidFill>
-          <a:latin typeface="Arial" charset="0"/>
-          <a:cs typeface="Arial" charset="0"/>
+          <a:latin typeface="Arial" panose="020B0604020202020204" pitchFamily="34" charset="0"/>
+          <a:cs typeface="Arial" panose="020B0604020202020204" pitchFamily="34" charset="0"/>
         </a:defRPr>
       </a:lvl8pPr>
       <a:lvl9pPr marL="1828800" algn="l" rtl="0" fontAlgn="base">
@@ -3510,8 +3430,8 @@
           <a:solidFill>
             <a:schemeClr val="bg1"/>
           </a:solidFill>
-          <a:latin typeface="Arial" charset="0"/>
-          <a:cs typeface="Arial" charset="0"/>
+          <a:latin typeface="Arial" panose="020B0604020202020204" pitchFamily="34" charset="0"/>
+          <a:cs typeface="Arial" panose="020B0604020202020204" pitchFamily="34" charset="0"/>
         </a:defRPr>
       </a:lvl9pPr>
     </p:titleStyle>
@@ -3523,18 +3443,18 @@
         <a:spcAft>
           <a:spcPct val="40000"/>
         </a:spcAft>
-        <a:buFont typeface="Wingdings" pitchFamily="2" charset="2"/>
+        <a:buFont typeface="Wingdings" panose="05000000000000000000" pitchFamily="2" charset="2"/>
         <a:buChar char="§"/>
         <a:defRPr sz="2000">
           <a:solidFill>
             <a:schemeClr val="tx1"/>
           </a:solidFill>
-          <a:latin typeface="微软雅黑" pitchFamily="34" charset="-122"/>
-          <a:ea typeface="微软雅黑" pitchFamily="34" charset="-122"/>
+          <a:latin typeface="微软雅黑" panose="020B0503020204020204" pitchFamily="34" charset="-122"/>
+          <a:ea typeface="微软雅黑" panose="020B0503020204020204" pitchFamily="34" charset="-122"/>
           <a:cs typeface="+mn-cs"/>
         </a:defRPr>
       </a:lvl1pPr>
-      <a:lvl2pPr marL="444500" indent="-261938" algn="l" rtl="0" eaLnBrk="0" fontAlgn="base" hangingPunct="0">
+      <a:lvl2pPr marL="444500" indent="-262255" algn="l" rtl="0" eaLnBrk="0" fontAlgn="base" hangingPunct="0">
         <a:spcBef>
           <a:spcPct val="0"/>
         </a:spcBef>
@@ -3546,12 +3466,12 @@
           <a:solidFill>
             <a:schemeClr val="tx1"/>
           </a:solidFill>
-          <a:latin typeface="微软雅黑" pitchFamily="34" charset="-122"/>
-          <a:ea typeface="微软雅黑" pitchFamily="34" charset="-122"/>
+          <a:latin typeface="微软雅黑" panose="020B0503020204020204" pitchFamily="34" charset="-122"/>
+          <a:ea typeface="微软雅黑" panose="020B0503020204020204" pitchFamily="34" charset="-122"/>
           <a:cs typeface="+mn-cs"/>
         </a:defRPr>
       </a:lvl2pPr>
-      <a:lvl3pPr marL="720725" indent="-274638" algn="l" rtl="0" eaLnBrk="0" fontAlgn="base" hangingPunct="0">
+      <a:lvl3pPr marL="720725" indent="-274955" algn="l" rtl="0" eaLnBrk="0" fontAlgn="base" hangingPunct="0">
         <a:spcBef>
           <a:spcPct val="0"/>
         </a:spcBef>
@@ -3563,12 +3483,12 @@
           <a:solidFill>
             <a:schemeClr val="tx1"/>
           </a:solidFill>
-          <a:latin typeface="微软雅黑" pitchFamily="34" charset="-122"/>
-          <a:ea typeface="微软雅黑" pitchFamily="34" charset="-122"/>
+          <a:latin typeface="微软雅黑" panose="020B0503020204020204" pitchFamily="34" charset="-122"/>
+          <a:ea typeface="微软雅黑" panose="020B0503020204020204" pitchFamily="34" charset="-122"/>
           <a:cs typeface="+mn-cs"/>
         </a:defRPr>
       </a:lvl3pPr>
-      <a:lvl4pPr marL="987425" indent="-265113" algn="l" rtl="0" eaLnBrk="0" fontAlgn="base" hangingPunct="0">
+      <a:lvl4pPr marL="987425" indent="-265430" algn="l" rtl="0" eaLnBrk="0" fontAlgn="base" hangingPunct="0">
         <a:spcBef>
           <a:spcPct val="0"/>
         </a:spcBef>
@@ -3580,12 +3500,12 @@
           <a:solidFill>
             <a:schemeClr val="tx1"/>
           </a:solidFill>
-          <a:latin typeface="微软雅黑" pitchFamily="34" charset="-122"/>
-          <a:ea typeface="微软雅黑" pitchFamily="34" charset="-122"/>
+          <a:latin typeface="微软雅黑" panose="020B0503020204020204" pitchFamily="34" charset="-122"/>
+          <a:ea typeface="微软雅黑" panose="020B0503020204020204" pitchFamily="34" charset="-122"/>
           <a:cs typeface="+mn-cs"/>
         </a:defRPr>
       </a:lvl4pPr>
-      <a:lvl5pPr marL="1254125" indent="-265113" algn="l" rtl="0" eaLnBrk="0" fontAlgn="base" hangingPunct="0">
+      <a:lvl5pPr marL="1254125" indent="-265430" algn="l" rtl="0" eaLnBrk="0" fontAlgn="base" hangingPunct="0">
         <a:spcBef>
           <a:spcPct val="0"/>
         </a:spcBef>
@@ -3597,12 +3517,12 @@
           <a:solidFill>
             <a:schemeClr val="tx1"/>
           </a:solidFill>
-          <a:latin typeface="微软雅黑" pitchFamily="34" charset="-122"/>
-          <a:ea typeface="微软雅黑" pitchFamily="34" charset="-122"/>
+          <a:latin typeface="微软雅黑" panose="020B0503020204020204" pitchFamily="34" charset="-122"/>
+          <a:ea typeface="微软雅黑" panose="020B0503020204020204" pitchFamily="34" charset="-122"/>
           <a:cs typeface="+mn-cs"/>
         </a:defRPr>
       </a:lvl5pPr>
-      <a:lvl6pPr marL="1711325" indent="-265113" algn="l" rtl="0" fontAlgn="base">
+      <a:lvl6pPr marL="1711325" indent="-265430" algn="l" rtl="0" fontAlgn="base">
         <a:spcBef>
           <a:spcPct val="0"/>
         </a:spcBef>
@@ -3618,7 +3538,7 @@
           <a:cs typeface="+mn-cs"/>
         </a:defRPr>
       </a:lvl6pPr>
-      <a:lvl7pPr marL="2168525" indent="-265113" algn="l" rtl="0" fontAlgn="base">
+      <a:lvl7pPr marL="2168525" indent="-265430" algn="l" rtl="0" fontAlgn="base">
         <a:spcBef>
           <a:spcPct val="0"/>
         </a:spcBef>
@@ -3634,7 +3554,7 @@
           <a:cs typeface="+mn-cs"/>
         </a:defRPr>
       </a:lvl7pPr>
-      <a:lvl8pPr marL="2625725" indent="-265113" algn="l" rtl="0" fontAlgn="base">
+      <a:lvl8pPr marL="2625725" indent="-265430" algn="l" rtl="0" fontAlgn="base">
         <a:spcBef>
           <a:spcPct val="0"/>
         </a:spcBef>
@@ -3650,7 +3570,7 @@
           <a:cs typeface="+mn-cs"/>
         </a:defRPr>
       </a:lvl8pPr>
-      <a:lvl9pPr marL="3082925" indent="-265113" algn="l" rtl="0" fontAlgn="base">
+      <a:lvl9pPr marL="3082925" indent="-265430" algn="l" rtl="0" fontAlgn="base">
         <a:spcBef>
           <a:spcPct val="0"/>
         </a:spcBef>
@@ -3795,7 +3715,7 @@
         </p:nvSpPr>
         <p:spPr>
           <a:xfrm>
-            <a:off x="2971800" y="3352800"/>
+            <a:off x="4495800" y="3352800"/>
             <a:ext cx="6029356" cy="609600"/>
           </a:xfrm>
         </p:spPr>
@@ -3823,8 +3743,8 @@
         </p:nvSpPr>
         <p:spPr>
           <a:xfrm>
-            <a:off x="373743" y="214314"/>
-            <a:ext cx="4648200" cy="533400"/>
+            <a:off x="-3810" y="214630"/>
+            <a:ext cx="6550025" cy="533400"/>
           </a:xfrm>
         </p:spPr>
         <p:txBody>
@@ -3922,8 +3842,8 @@
         </p:nvSpPr>
         <p:spPr>
           <a:xfrm>
-            <a:off x="295275" y="1423758"/>
-            <a:ext cx="8524875" cy="5434241"/>
+            <a:off x="400050" y="1423670"/>
+            <a:ext cx="10259695" cy="5434330"/>
           </a:xfrm>
         </p:spPr>
         <p:txBody>
@@ -3948,6 +3868,7 @@
               <a:rPr lang="zh-CN" altLang="en-US" sz="2400" dirty="0" smtClean="0"/>
               <a:t>主要议程包括：</a:t>
             </a:r>
+            <a:endParaRPr lang="zh-CN" altLang="en-US" sz="2400" dirty="0" smtClean="0"/>
           </a:p>
           <a:p>
             <a:pPr lvl="1"/>
@@ -4072,7 +3993,12 @@
             <p:ph sz="quarter" idx="1"/>
           </p:nvPr>
         </p:nvSpPr>
-        <p:spPr/>
+        <p:spPr>
+          <a:xfrm>
+            <a:off x="393700" y="1489075"/>
+            <a:ext cx="10941685" cy="4313555"/>
+          </a:xfrm>
+        </p:spPr>
         <p:txBody>
           <a:bodyPr/>
           <a:lstStyle/>
@@ -4656,8 +4582,8 @@
         </p:nvSpPr>
         <p:spPr>
           <a:xfrm>
-            <a:off x="295275" y="1489075"/>
-            <a:ext cx="4619625" cy="4313238"/>
+            <a:off x="400050" y="1489075"/>
+            <a:ext cx="5201920" cy="4313555"/>
           </a:xfrm>
         </p:spPr>
         <p:txBody>
@@ -4717,7 +4643,7 @@
           <p:nvPr/>
         </p:nvPicPr>
         <p:blipFill>
-          <a:blip r:embed="rId2"/>
+          <a:blip r:embed="rId1"/>
           <a:srcRect/>
           <a:stretch>
             <a:fillRect/>
@@ -4725,7 +4651,7 @@
         </p:blipFill>
         <p:spPr bwMode="auto">
           <a:xfrm>
-            <a:off x="5154386" y="1681843"/>
+            <a:off x="6158321" y="1615168"/>
             <a:ext cx="3810000" cy="3810000"/>
           </a:xfrm>
           <a:prstGeom prst="rect">
@@ -4735,11 +4661,6 @@
         </p:spPr>
       </p:pic>
     </p:spTree>
-    <p:extLst>
-      <p:ext uri="{BB962C8B-B14F-4D97-AF65-F5344CB8AC3E}">
-        <p14:creationId xmlns:p14="http://schemas.microsoft.com/office/powerpoint/2010/main" val="3086335195"/>
-      </p:ext>
-    </p:extLst>
   </p:cSld>
   <p:clrMapOvr>
     <a:masterClrMapping/>
@@ -5273,15 +5194,13 @@
       <p:grpSp>
         <p:nvGrpSpPr>
           <p:cNvPr id="2" name="Group 41"/>
-          <p:cNvGrpSpPr>
-            <a:grpSpLocks/>
-          </p:cNvGrpSpPr>
+          <p:cNvGrpSpPr/>
           <p:nvPr/>
         </p:nvGrpSpPr>
         <p:grpSpPr bwMode="auto">
           <a:xfrm>
-            <a:off x="2514600" y="1830839"/>
-            <a:ext cx="4724400" cy="685800"/>
+            <a:off x="2210435" y="2020570"/>
+            <a:ext cx="6552565" cy="951230"/>
             <a:chOff x="1296" y="1824"/>
             <a:chExt cx="2976" cy="432"/>
           </a:xfrm>
@@ -5312,8 +5231,6 @@
                 <a:schemeClr val="bg1"/>
               </a:solidFill>
               <a:round/>
-              <a:headEnd/>
-              <a:tailEnd/>
             </a:ln>
             <a:effectLst>
               <a:outerShdw dist="99190" dir="2388334" algn="ctr" rotWithShape="0">
@@ -5359,8 +5276,6 @@
                 <a:schemeClr val="bg1"/>
               </a:solidFill>
               <a:miter lim="800000"/>
-              <a:headEnd/>
-              <a:tailEnd/>
             </a:ln>
             <a:effectLst>
               <a:outerShdw dist="63500" dir="2212194" algn="ctr" rotWithShape="0">
@@ -5393,7 +5308,7 @@
           <p:spPr bwMode="gray">
             <a:xfrm>
               <a:off x="1680" y="1934"/>
-              <a:ext cx="2160" cy="252"/>
+              <a:ext cx="2160" cy="251"/>
             </a:xfrm>
             <a:prstGeom prst="rect">
               <a:avLst/>
@@ -5402,8 +5317,6 @@
             <a:ln w="9525" algn="ctr">
               <a:noFill/>
               <a:miter lim="800000"/>
-              <a:headEnd/>
-              <a:tailEnd/>
             </a:ln>
             <a:effectLst/>
           </p:spPr>
@@ -5418,8 +5331,8 @@
                 <a:solidFill>
                   <a:schemeClr val="bg1"/>
                 </a:solidFill>
-                <a:latin typeface="微软雅黑" pitchFamily="34" charset="-122"/>
-                <a:ea typeface="微软雅黑" pitchFamily="34" charset="-122"/>
+                <a:latin typeface="微软雅黑" panose="020B0503020204020204" pitchFamily="34" charset="-122"/>
+                <a:ea typeface="微软雅黑" panose="020B0503020204020204" pitchFamily="34" charset="-122"/>
               </a:endParaRPr>
             </a:p>
           </p:txBody>
@@ -5434,8 +5347,8 @@
           </p:nvSpPr>
           <p:spPr bwMode="gray">
             <a:xfrm>
-              <a:off x="1393" y="1886"/>
-              <a:ext cx="243" cy="330"/>
+              <a:off x="1395" y="1886"/>
+              <a:ext cx="240" cy="237"/>
             </a:xfrm>
             <a:prstGeom prst="rect">
               <a:avLst/>
@@ -5444,13 +5357,11 @@
             <a:ln w="9525" algn="ctr">
               <a:noFill/>
               <a:miter lim="800000"/>
-              <a:headEnd/>
-              <a:tailEnd/>
             </a:ln>
             <a:effectLst/>
           </p:spPr>
           <p:txBody>
-            <a:bodyPr wrap="none">
+            <a:bodyPr wrap="square">
               <a:spAutoFit/>
             </a:bodyPr>
             <a:lstStyle/>
@@ -5461,10 +5372,16 @@
                   <a:solidFill>
                     <a:schemeClr val="bg1"/>
                   </a:solidFill>
-                  <a:ea typeface="宋体" charset="-122"/>
+                  <a:ea typeface="宋体" panose="02010600030101010101" pitchFamily="2" charset="-122"/>
                 </a:rPr>
                 <a:t>1</a:t>
               </a:r>
+              <a:endParaRPr lang="en-US" altLang="zh-CN" sz="2800">
+                <a:solidFill>
+                  <a:schemeClr val="bg1"/>
+                </a:solidFill>
+                <a:ea typeface="宋体" panose="02010600030101010101" pitchFamily="2" charset="-122"/>
+              </a:endParaRPr>
             </a:p>
           </p:txBody>
         </p:sp>
@@ -5472,15 +5389,13 @@
       <p:grpSp>
         <p:nvGrpSpPr>
           <p:cNvPr id="3" name="Group 46"/>
-          <p:cNvGrpSpPr>
-            <a:grpSpLocks/>
-          </p:cNvGrpSpPr>
+          <p:cNvGrpSpPr/>
           <p:nvPr/>
         </p:nvGrpSpPr>
         <p:grpSpPr bwMode="auto">
           <a:xfrm>
-            <a:off x="2514600" y="2669039"/>
-            <a:ext cx="4724400" cy="685800"/>
+            <a:off x="2210435" y="3369945"/>
+            <a:ext cx="6552565" cy="951230"/>
             <a:chOff x="1296" y="1824"/>
             <a:chExt cx="2976" cy="432"/>
           </a:xfrm>
@@ -5511,8 +5426,6 @@
                 <a:schemeClr val="bg1"/>
               </a:solidFill>
               <a:round/>
-              <a:headEnd/>
-              <a:tailEnd/>
             </a:ln>
             <a:effectLst>
               <a:outerShdw dist="99190" dir="2388334" algn="ctr" rotWithShape="0">
@@ -5558,8 +5471,6 @@
                 <a:schemeClr val="bg1"/>
               </a:solidFill>
               <a:miter lim="800000"/>
-              <a:headEnd/>
-              <a:tailEnd/>
             </a:ln>
             <a:effectLst>
               <a:outerShdw dist="63500" dir="2212194" algn="ctr" rotWithShape="0">
@@ -5591,8 +5502,8 @@
           </p:nvSpPr>
           <p:spPr bwMode="gray">
             <a:xfrm>
-              <a:off x="1680" y="1934"/>
-              <a:ext cx="2160" cy="252"/>
+              <a:off x="1722" y="1962"/>
+              <a:ext cx="2160" cy="181"/>
             </a:xfrm>
             <a:prstGeom prst="rect">
               <a:avLst/>
@@ -5601,8 +5512,6 @@
             <a:ln w="9525" algn="ctr">
               <a:noFill/>
               <a:miter lim="800000"/>
-              <a:headEnd/>
-              <a:tailEnd/>
             </a:ln>
             <a:effectLst/>
           </p:spPr>
@@ -5614,21 +5523,21 @@
             <a:p>
               <a:pPr algn="ctr" eaLnBrk="0" hangingPunct="0"/>
               <a:r>
-                <a:rPr lang="zh-CN" altLang="en-US" sz="2000" b="1" dirty="0" smtClean="0">
+                <a:rPr lang="zh-CN" altLang="en-US" b="1" dirty="0" smtClean="0">
                   <a:solidFill>
                     <a:srgbClr val="FF0000"/>
                   </a:solidFill>
-                  <a:latin typeface="微软雅黑" pitchFamily="34" charset="-122"/>
-                  <a:ea typeface="微软雅黑" pitchFamily="34" charset="-122"/>
+                  <a:latin typeface="微软雅黑" panose="020B0503020204020204" pitchFamily="34" charset="-122"/>
+                  <a:ea typeface="微软雅黑" panose="020B0503020204020204" pitchFamily="34" charset="-122"/>
                 </a:rPr>
                 <a:t>结束采购</a:t>
               </a:r>
-              <a:endParaRPr lang="en-US" altLang="zh-CN" sz="2000" b="1" dirty="0">
+              <a:endParaRPr lang="zh-CN" altLang="en-US" b="1" dirty="0" smtClean="0">
                 <a:solidFill>
                   <a:srgbClr val="FF0000"/>
                 </a:solidFill>
-                <a:latin typeface="微软雅黑" pitchFamily="34" charset="-122"/>
-                <a:ea typeface="微软雅黑" pitchFamily="34" charset="-122"/>
+                <a:latin typeface="微软雅黑" panose="020B0503020204020204" pitchFamily="34" charset="-122"/>
+                <a:ea typeface="微软雅黑" panose="020B0503020204020204" pitchFamily="34" charset="-122"/>
               </a:endParaRPr>
             </a:p>
           </p:txBody>
@@ -5643,8 +5552,8 @@
           </p:nvSpPr>
           <p:spPr bwMode="gray">
             <a:xfrm>
-              <a:off x="1393" y="1886"/>
-              <a:ext cx="243" cy="330"/>
+              <a:off x="1395" y="1886"/>
+              <a:ext cx="240" cy="237"/>
             </a:xfrm>
             <a:prstGeom prst="rect">
               <a:avLst/>
@@ -5653,13 +5562,11 @@
             <a:ln w="9525" algn="ctr">
               <a:noFill/>
               <a:miter lim="800000"/>
-              <a:headEnd/>
-              <a:tailEnd/>
             </a:ln>
             <a:effectLst/>
           </p:spPr>
           <p:txBody>
-            <a:bodyPr wrap="none">
+            <a:bodyPr wrap="square">
               <a:spAutoFit/>
             </a:bodyPr>
             <a:lstStyle/>
@@ -5670,10 +5577,16 @@
                   <a:solidFill>
                     <a:schemeClr val="bg1"/>
                   </a:solidFill>
-                  <a:ea typeface="宋体" charset="-122"/>
+                  <a:ea typeface="宋体" panose="02010600030101010101" pitchFamily="2" charset="-122"/>
                 </a:rPr>
                 <a:t>2</a:t>
               </a:r>
+              <a:endParaRPr lang="en-US" altLang="zh-CN" sz="2800">
+                <a:solidFill>
+                  <a:schemeClr val="bg1"/>
+                </a:solidFill>
+                <a:ea typeface="宋体" panose="02010600030101010101" pitchFamily="2" charset="-122"/>
+              </a:endParaRPr>
             </a:p>
           </p:txBody>
         </p:sp>
@@ -5688,8 +5601,8 @@
         </p:nvSpPr>
         <p:spPr bwMode="gray">
           <a:xfrm>
-            <a:off x="3162297" y="1983693"/>
-            <a:ext cx="3429000" cy="400050"/>
+            <a:off x="3108960" y="2305050"/>
+            <a:ext cx="4755515" cy="398780"/>
           </a:xfrm>
           <a:prstGeom prst="rect">
             <a:avLst/>
@@ -5698,34 +5611,32 @@
           <a:ln w="9525" algn="ctr">
             <a:noFill/>
             <a:miter lim="800000"/>
-            <a:headEnd/>
-            <a:tailEnd/>
           </a:ln>
           <a:effectLst/>
         </p:spPr>
         <p:txBody>
-          <a:bodyPr>
+          <a:bodyPr wrap="square">
             <a:spAutoFit/>
           </a:bodyPr>
           <a:lstStyle/>
           <a:p>
             <a:pPr algn="ctr" eaLnBrk="0" hangingPunct="0"/>
             <a:r>
-              <a:rPr lang="zh-CN" altLang="en-US" sz="2000" dirty="0" smtClean="0">
+              <a:rPr lang="zh-CN" altLang="en-US" dirty="0" smtClean="0">
                 <a:solidFill>
                   <a:schemeClr val="bg1"/>
                 </a:solidFill>
-                <a:latin typeface="微软雅黑" pitchFamily="34" charset="-122"/>
-                <a:ea typeface="微软雅黑" pitchFamily="34" charset="-122"/>
+                <a:latin typeface="微软雅黑" panose="020B0503020204020204" pitchFamily="34" charset="-122"/>
+                <a:ea typeface="微软雅黑" panose="020B0503020204020204" pitchFamily="34" charset="-122"/>
               </a:rPr>
               <a:t>结束项目</a:t>
             </a:r>
-            <a:endParaRPr lang="en-US" altLang="zh-CN" sz="2000" dirty="0">
+            <a:endParaRPr lang="zh-CN" altLang="en-US" dirty="0" smtClean="0">
               <a:solidFill>
                 <a:schemeClr val="bg1"/>
               </a:solidFill>
-              <a:latin typeface="微软雅黑" pitchFamily="34" charset="-122"/>
-              <a:ea typeface="微软雅黑" pitchFamily="34" charset="-122"/>
+              <a:latin typeface="微软雅黑" panose="020B0503020204020204" pitchFamily="34" charset="-122"/>
+              <a:ea typeface="微软雅黑" panose="020B0503020204020204" pitchFamily="34" charset="-122"/>
             </a:endParaRPr>
           </a:p>
         </p:txBody>
@@ -5884,29 +5795,6 @@
       </p:grpSpPr>
       <p:sp>
         <p:nvSpPr>
-          <p:cNvPr id="2" name="标题 1"/>
-          <p:cNvSpPr>
-            <a:spLocks noGrp="1"/>
-          </p:cNvSpPr>
-          <p:nvPr>
-            <p:ph type="title"/>
-          </p:nvPr>
-        </p:nvSpPr>
-        <p:spPr/>
-        <p:txBody>
-          <a:bodyPr/>
-          <a:lstStyle/>
-          <a:p>
-            <a:r>
-              <a:rPr lang="zh-CN" altLang="en-US" sz="3600" dirty="0" smtClean="0"/>
-              <a:t>结束采购的主要工具和技术</a:t>
-            </a:r>
-            <a:endParaRPr lang="zh-CN" altLang="en-US" sz="3600" dirty="0"/>
-          </a:p>
-        </p:txBody>
-      </p:sp>
-      <p:sp>
-        <p:nvSpPr>
           <p:cNvPr id="3" name="内容占位符 2"/>
           <p:cNvSpPr>
             <a:spLocks noGrp="1"/>
@@ -5917,8 +5805,8 @@
         </p:nvSpPr>
         <p:spPr>
           <a:xfrm>
-            <a:off x="381000" y="1371600"/>
-            <a:ext cx="8229600" cy="4572000"/>
+            <a:off x="400050" y="1371600"/>
+            <a:ext cx="10544810" cy="4572000"/>
           </a:xfrm>
         </p:spPr>
         <p:txBody>
@@ -5987,6 +5875,28 @@
               <a:t>Information Technology Project Management, Fifth Edition, Copyright 2007</a:t>
             </a:r>
             <a:endParaRPr lang="en-US" dirty="0"/>
+          </a:p>
+        </p:txBody>
+      </p:sp>
+      <p:sp>
+        <p:nvSpPr>
+          <p:cNvPr id="5" name="标题 4"/>
+          <p:cNvSpPr/>
+          <p:nvPr>
+            <p:ph type="title"/>
+          </p:nvPr>
+        </p:nvSpPr>
+        <p:spPr/>
+        <p:txBody>
+          <a:bodyPr/>
+          <a:p>
+            <a:r>
+              <a:rPr lang="zh-CN" altLang="en-US" dirty="0" smtClean="0">
+                <a:sym typeface="+mn-ea"/>
+              </a:rPr>
+              <a:t>结束采购的主要工具和技术</a:t>
+            </a:r>
+            <a:endParaRPr lang="zh-CN" altLang="en-US"/>
           </a:p>
         </p:txBody>
       </p:sp>
@@ -7002,7 +6912,7 @@
           <p:nvPr/>
         </p:nvPicPr>
         <p:blipFill>
-          <a:blip r:embed="rId2">
+          <a:blip r:embed="rId1">
             <a:clrChange>
               <a:clrFrom>
                 <a:srgbClr val="FFFFFF"/>
@@ -7021,8 +6931,8 @@
         </p:blipFill>
         <p:spPr bwMode="auto">
           <a:xfrm>
-            <a:off x="397331" y="1798416"/>
-            <a:ext cx="8382000" cy="3775099"/>
+            <a:off x="1728470" y="1739265"/>
+            <a:ext cx="8839835" cy="3981450"/>
           </a:xfrm>
           <a:prstGeom prst="rect">
             <a:avLst/>
@@ -7045,8 +6955,8 @@
         </p:nvSpPr>
         <p:spPr>
           <a:xfrm>
-            <a:off x="5135306" y="3502505"/>
-            <a:ext cx="1036894" cy="840895"/>
+            <a:off x="6791325" y="3619500"/>
+            <a:ext cx="963295" cy="840740"/>
           </a:xfrm>
           <a:prstGeom prst="roundRect">
             <a:avLst/>
@@ -7091,8 +7001,8 @@
         </p:nvSpPr>
         <p:spPr>
           <a:xfrm>
-            <a:off x="6185776" y="2596242"/>
-            <a:ext cx="2615323" cy="2726872"/>
+            <a:off x="7840980" y="2596515"/>
+            <a:ext cx="2615565" cy="2877820"/>
           </a:xfrm>
           <a:prstGeom prst="roundRect">
             <a:avLst/>
@@ -7364,8 +7274,8 @@
       </p:par>
     </p:tnLst>
     <p:bldLst>
-      <p:bldP spid="6" grpId="0" animBg="1"/>
-      <p:bldP spid="9" grpId="0" animBg="1"/>
+      <p:bldP spid="6" grpId="0" bldLvl="0" animBg="1"/>
+      <p:bldP spid="9" grpId="0" bldLvl="0" animBg="1"/>
     </p:bldLst>
   </p:timing>
 </p:sld>
@@ -7421,7 +7331,12 @@
             <p:ph idx="1"/>
           </p:nvPr>
         </p:nvSpPr>
-        <p:spPr/>
+        <p:spPr>
+          <a:xfrm>
+            <a:off x="393700" y="1489075"/>
+            <a:ext cx="11022965" cy="4313555"/>
+          </a:xfrm>
+        </p:spPr>
         <p:txBody>
           <a:bodyPr/>
           <a:lstStyle/>
@@ -7436,15 +7351,7 @@
             </a:r>
             <a:r>
               <a:rPr lang="zh-CN" altLang="en-US" sz="2400" dirty="0" smtClean="0"/>
-              <a:t>年</a:t>
-            </a:r>
-            <a:r>
-              <a:rPr lang="zh-CN" altLang="en-US" sz="2400" dirty="0" smtClean="0"/>
-              <a:t>），免费维护期结束后</a:t>
-            </a:r>
-            <a:r>
-              <a:rPr lang="zh-CN" altLang="en-US" sz="2400" dirty="0" smtClean="0"/>
-              <a:t>是协商好的有偿维护；</a:t>
+              <a:t>年），免费维护期结束后是协商好的有偿维护；</a:t>
             </a:r>
             <a:endParaRPr lang="en-US" altLang="zh-CN" sz="2400" dirty="0" smtClean="0"/>
           </a:p>
@@ -7484,35 +7391,30 @@
           <a:p>
             <a:pPr lvl="1"/>
             <a:r>
-              <a:rPr lang="zh-CN" altLang="en-US" sz="2200" dirty="0" smtClean="0"/>
+              <a:rPr lang="zh-CN" altLang="en-US" sz="2000" dirty="0" smtClean="0"/>
               <a:t>纠错性维护：例如运行阶段才发现了一个潜藏的错误；</a:t>
             </a:r>
-            <a:endParaRPr lang="en-US" altLang="zh-CN" sz="2200" dirty="0" smtClean="0"/>
+            <a:endParaRPr lang="en-US" altLang="zh-CN" sz="2000" dirty="0" smtClean="0"/>
           </a:p>
           <a:p>
             <a:pPr lvl="1"/>
             <a:r>
-              <a:rPr lang="zh-CN" altLang="en-US" sz="2200" dirty="0" smtClean="0"/>
+              <a:rPr lang="zh-CN" altLang="en-US" sz="2000" dirty="0" smtClean="0"/>
               <a:t>适应性维护：例如软件的数据库系统升级了版本；</a:t>
             </a:r>
-            <a:endParaRPr lang="en-US" altLang="zh-CN" sz="2200" dirty="0" smtClean="0"/>
+            <a:endParaRPr lang="en-US" altLang="zh-CN" sz="2000" dirty="0" smtClean="0"/>
           </a:p>
           <a:p>
             <a:pPr lvl="1"/>
             <a:r>
-              <a:rPr lang="zh-CN" altLang="en-US" sz="2200" dirty="0" smtClean="0"/>
+              <a:rPr lang="zh-CN" altLang="en-US" sz="2000" dirty="0" smtClean="0"/>
               <a:t>完善性维护：例如增加一项新的功能；</a:t>
             </a:r>
-            <a:endParaRPr lang="en-US" altLang="zh-CN" sz="2200" dirty="0" smtClean="0"/>
+            <a:endParaRPr lang="en-US" altLang="zh-CN" sz="2000" dirty="0" smtClean="0"/>
           </a:p>
         </p:txBody>
       </p:sp>
     </p:spTree>
-    <p:extLst>
-      <p:ext uri="{BB962C8B-B14F-4D97-AF65-F5344CB8AC3E}">
-        <p14:creationId xmlns:p14="http://schemas.microsoft.com/office/powerpoint/2010/main" val="334874825"/>
-      </p:ext>
-    </p:extLst>
   </p:cSld>
   <p:clrMapOvr>
     <a:masterClrMapping/>
@@ -7547,7 +7449,7 @@
         </p:nvSpPr>
         <p:spPr bwMode="gray">
           <a:xfrm>
-            <a:off x="3124200" y="3352800"/>
+            <a:off x="4648200" y="3352800"/>
             <a:ext cx="4419600" cy="609600"/>
           </a:xfrm>
           <a:prstGeom prst="rect">
@@ -7572,8 +7474,6 @@
                     <a:schemeClr val="bg1"/>
                   </a:solidFill>
                   <a:round/>
-                  <a:headEnd/>
-                  <a:tailEnd/>
                 </a:ln>
                 <a:gradFill rotWithShape="1">
                   <a:gsLst>
@@ -7593,8 +7493,8 @@
                     </a:srgbClr>
                   </a:outerShdw>
                 </a:effectLst>
-                <a:latin typeface="Arial"/>
-                <a:cs typeface="Arial"/>
+                <a:latin typeface="Arial" panose="020B0604020202020204"/>
+                <a:cs typeface="Arial" panose="020B0604020202020204"/>
               </a:rPr>
               <a:t>Thank You !</a:t>
             </a:r>
@@ -7604,8 +7504,6 @@
                   <a:schemeClr val="bg1"/>
                 </a:solidFill>
                 <a:round/>
-                <a:headEnd/>
-                <a:tailEnd/>
               </a:ln>
               <a:gradFill rotWithShape="1">
                 <a:gsLst>
@@ -7625,8 +7523,8 @@
                   </a:srgbClr>
                 </a:outerShdw>
               </a:effectLst>
-              <a:latin typeface="Arial"/>
-              <a:cs typeface="Arial"/>
+              <a:latin typeface="Arial" panose="020B0604020202020204"/>
+              <a:cs typeface="Arial" panose="020B0604020202020204"/>
             </a:endParaRPr>
           </a:p>
         </p:txBody>
@@ -7660,7 +7558,7 @@
                             </p:stCondLst>
                             <p:childTnLst>
                               <p:par>
-                                <p:cTn id="5" presetID="53" presetClass="entr" presetSubtype="0" fill="hold" grpId="0" nodeType="afterEffect">
+                                <p:cTn id="5" presetID="53" presetClass="entr" presetSubtype="16" fill="hold" grpId="0" nodeType="afterEffect">
                                   <p:stCondLst>
                                     <p:cond delay="0"/>
                                   </p:stCondLst>
@@ -7826,8 +7724,8 @@
         </p:nvSpPr>
         <p:spPr>
           <a:xfrm>
-            <a:off x="295275" y="1374778"/>
-            <a:ext cx="8524875" cy="4313238"/>
+            <a:off x="400050" y="1243330"/>
+            <a:ext cx="10739755" cy="4313555"/>
           </a:xfrm>
         </p:spPr>
         <p:txBody>
@@ -7918,6 +7816,7 @@
               <a:rPr lang="en-US" altLang="zh-CN" dirty="0" smtClean="0"/>
               <a:t>……</a:t>
             </a:r>
+            <a:endParaRPr lang="en-US" altLang="zh-CN" dirty="0" smtClean="0"/>
           </a:p>
         </p:txBody>
       </p:sp>
@@ -7929,8 +7828,8 @@
         </p:nvSpPr>
         <p:spPr>
           <a:xfrm>
-            <a:off x="3577996" y="4339326"/>
-            <a:ext cx="4572000" cy="1397306"/>
+            <a:off x="5101996" y="4558401"/>
+            <a:ext cx="4572000" cy="1395095"/>
           </a:xfrm>
           <a:prstGeom prst="rect">
             <a:avLst/>
@@ -7953,14 +7852,14 @@
             </a:pPr>
             <a:r>
               <a:rPr lang="zh-CN" altLang="en-US" dirty="0" smtClean="0">
-                <a:latin typeface="微软雅黑" pitchFamily="34" charset="-122"/>
-                <a:ea typeface="微软雅黑" pitchFamily="34" charset="-122"/>
+                <a:latin typeface="微软雅黑" panose="020B0503020204020204" pitchFamily="34" charset="-122"/>
+                <a:ea typeface="微软雅黑" panose="020B0503020204020204" pitchFamily="34" charset="-122"/>
               </a:rPr>
               <a:t>共享知识库</a:t>
             </a:r>
             <a:endParaRPr lang="en-US" altLang="zh-CN" dirty="0" smtClean="0">
-              <a:latin typeface="微软雅黑" pitchFamily="34" charset="-122"/>
-              <a:ea typeface="微软雅黑" pitchFamily="34" charset="-122"/>
+              <a:latin typeface="微软雅黑" panose="020B0503020204020204" pitchFamily="34" charset="-122"/>
+              <a:ea typeface="微软雅黑" panose="020B0503020204020204" pitchFamily="34" charset="-122"/>
             </a:endParaRPr>
           </a:p>
           <a:p>
@@ -7972,14 +7871,14 @@
             </a:pPr>
             <a:r>
               <a:rPr lang="zh-CN" altLang="en-US" sz="1800" dirty="0" smtClean="0">
-                <a:latin typeface="微软雅黑" pitchFamily="34" charset="-122"/>
-                <a:ea typeface="微软雅黑" pitchFamily="34" charset="-122"/>
+                <a:latin typeface="微软雅黑" panose="020B0503020204020204" pitchFamily="34" charset="-122"/>
+                <a:ea typeface="微软雅黑" panose="020B0503020204020204" pitchFamily="34" charset="-122"/>
               </a:rPr>
               <a:t>历史信息与经验教训数据库</a:t>
             </a:r>
             <a:endParaRPr lang="en-US" altLang="zh-CN" sz="1800" dirty="0" smtClean="0">
-              <a:latin typeface="微软雅黑" pitchFamily="34" charset="-122"/>
-              <a:ea typeface="微软雅黑" pitchFamily="34" charset="-122"/>
+              <a:latin typeface="微软雅黑" panose="020B0503020204020204" pitchFamily="34" charset="-122"/>
+              <a:ea typeface="微软雅黑" panose="020B0503020204020204" pitchFamily="34" charset="-122"/>
             </a:endParaRPr>
           </a:p>
           <a:p>
@@ -7991,14 +7890,14 @@
             </a:pPr>
             <a:r>
               <a:rPr lang="zh-CN" altLang="en-US" sz="1800" dirty="0" smtClean="0">
-                <a:latin typeface="微软雅黑" pitchFamily="34" charset="-122"/>
-                <a:ea typeface="微软雅黑" pitchFamily="34" charset="-122"/>
+                <a:latin typeface="微软雅黑" panose="020B0503020204020204" pitchFamily="34" charset="-122"/>
+                <a:ea typeface="微软雅黑" panose="020B0503020204020204" pitchFamily="34" charset="-122"/>
               </a:rPr>
               <a:t>问题与缺陷管理数据库</a:t>
             </a:r>
             <a:endParaRPr lang="en-US" altLang="zh-CN" sz="1800" dirty="0" smtClean="0">
-              <a:latin typeface="微软雅黑" pitchFamily="34" charset="-122"/>
-              <a:ea typeface="微软雅黑" pitchFamily="34" charset="-122"/>
+              <a:latin typeface="微软雅黑" panose="020B0503020204020204" pitchFamily="34" charset="-122"/>
+              <a:ea typeface="微软雅黑" panose="020B0503020204020204" pitchFamily="34" charset="-122"/>
             </a:endParaRPr>
           </a:p>
           <a:p>
@@ -8010,14 +7909,14 @@
             </a:pPr>
             <a:r>
               <a:rPr lang="en-US" altLang="zh-CN" sz="1800" dirty="0" smtClean="0">
-                <a:latin typeface="微软雅黑" pitchFamily="34" charset="-122"/>
-                <a:ea typeface="微软雅黑" pitchFamily="34" charset="-122"/>
+                <a:latin typeface="微软雅黑" panose="020B0503020204020204" pitchFamily="34" charset="-122"/>
+                <a:ea typeface="微软雅黑" panose="020B0503020204020204" pitchFamily="34" charset="-122"/>
               </a:rPr>
               <a:t>……</a:t>
             </a:r>
             <a:endParaRPr lang="zh-CN" altLang="en-US" sz="1800" dirty="0" smtClean="0">
-              <a:latin typeface="微软雅黑" pitchFamily="34" charset="-122"/>
-              <a:ea typeface="微软雅黑" pitchFamily="34" charset="-122"/>
+              <a:latin typeface="微软雅黑" panose="020B0503020204020204" pitchFamily="34" charset="-122"/>
+              <a:ea typeface="微软雅黑" panose="020B0503020204020204" pitchFamily="34" charset="-122"/>
             </a:endParaRPr>
           </a:p>
         </p:txBody>
@@ -8872,15 +8771,13 @@
       <p:grpSp>
         <p:nvGrpSpPr>
           <p:cNvPr id="2" name="Group 41"/>
-          <p:cNvGrpSpPr>
-            <a:grpSpLocks/>
-          </p:cNvGrpSpPr>
+          <p:cNvGrpSpPr/>
           <p:nvPr/>
         </p:nvGrpSpPr>
         <p:grpSpPr bwMode="auto">
           <a:xfrm>
-            <a:off x="2514600" y="1830839"/>
-            <a:ext cx="4724400" cy="685800"/>
+            <a:off x="2210435" y="2020570"/>
+            <a:ext cx="6552565" cy="951230"/>
             <a:chOff x="1296" y="1824"/>
             <a:chExt cx="2976" cy="432"/>
           </a:xfrm>
@@ -8911,8 +8808,6 @@
                 <a:schemeClr val="bg1"/>
               </a:solidFill>
               <a:round/>
-              <a:headEnd/>
-              <a:tailEnd/>
             </a:ln>
             <a:effectLst>
               <a:outerShdw dist="99190" dir="2388334" algn="ctr" rotWithShape="0">
@@ -8958,8 +8853,6 @@
                 <a:schemeClr val="bg1"/>
               </a:solidFill>
               <a:miter lim="800000"/>
-              <a:headEnd/>
-              <a:tailEnd/>
             </a:ln>
             <a:effectLst>
               <a:outerShdw dist="63500" dir="2212194" algn="ctr" rotWithShape="0">
@@ -8992,7 +8885,7 @@
           <p:spPr bwMode="gray">
             <a:xfrm>
               <a:off x="1680" y="1934"/>
-              <a:ext cx="2160" cy="252"/>
+              <a:ext cx="2160" cy="251"/>
             </a:xfrm>
             <a:prstGeom prst="rect">
               <a:avLst/>
@@ -9001,8 +8894,6 @@
             <a:ln w="9525" algn="ctr">
               <a:noFill/>
               <a:miter lim="800000"/>
-              <a:headEnd/>
-              <a:tailEnd/>
             </a:ln>
             <a:effectLst/>
           </p:spPr>
@@ -9017,8 +8908,8 @@
                 <a:solidFill>
                   <a:schemeClr val="bg1"/>
                 </a:solidFill>
-                <a:latin typeface="微软雅黑" pitchFamily="34" charset="-122"/>
-                <a:ea typeface="微软雅黑" pitchFamily="34" charset="-122"/>
+                <a:latin typeface="微软雅黑" panose="020B0503020204020204" pitchFamily="34" charset="-122"/>
+                <a:ea typeface="微软雅黑" panose="020B0503020204020204" pitchFamily="34" charset="-122"/>
               </a:endParaRPr>
             </a:p>
           </p:txBody>
@@ -9033,8 +8924,8 @@
           </p:nvSpPr>
           <p:spPr bwMode="gray">
             <a:xfrm>
-              <a:off x="1393" y="1886"/>
-              <a:ext cx="243" cy="330"/>
+              <a:off x="1395" y="1886"/>
+              <a:ext cx="240" cy="237"/>
             </a:xfrm>
             <a:prstGeom prst="rect">
               <a:avLst/>
@@ -9043,13 +8934,11 @@
             <a:ln w="9525" algn="ctr">
               <a:noFill/>
               <a:miter lim="800000"/>
-              <a:headEnd/>
-              <a:tailEnd/>
             </a:ln>
             <a:effectLst/>
           </p:spPr>
           <p:txBody>
-            <a:bodyPr wrap="none">
+            <a:bodyPr wrap="square">
               <a:spAutoFit/>
             </a:bodyPr>
             <a:lstStyle/>
@@ -9060,10 +8949,16 @@
                   <a:solidFill>
                     <a:schemeClr val="bg1"/>
                   </a:solidFill>
-                  <a:ea typeface="宋体" charset="-122"/>
+                  <a:ea typeface="宋体" panose="02010600030101010101" pitchFamily="2" charset="-122"/>
                 </a:rPr>
                 <a:t>1</a:t>
               </a:r>
+              <a:endParaRPr lang="en-US" altLang="zh-CN" sz="2800">
+                <a:solidFill>
+                  <a:schemeClr val="bg1"/>
+                </a:solidFill>
+                <a:ea typeface="宋体" panose="02010600030101010101" pitchFamily="2" charset="-122"/>
+              </a:endParaRPr>
             </a:p>
           </p:txBody>
         </p:sp>
@@ -9071,15 +8966,13 @@
       <p:grpSp>
         <p:nvGrpSpPr>
           <p:cNvPr id="3" name="Group 46"/>
-          <p:cNvGrpSpPr>
-            <a:grpSpLocks/>
-          </p:cNvGrpSpPr>
+          <p:cNvGrpSpPr/>
           <p:nvPr/>
         </p:nvGrpSpPr>
         <p:grpSpPr bwMode="auto">
           <a:xfrm>
-            <a:off x="2514600" y="2669039"/>
-            <a:ext cx="4724400" cy="685800"/>
+            <a:off x="2210435" y="3369945"/>
+            <a:ext cx="6552565" cy="951230"/>
             <a:chOff x="1296" y="1824"/>
             <a:chExt cx="2976" cy="432"/>
           </a:xfrm>
@@ -9110,8 +9003,6 @@
                 <a:schemeClr val="bg1"/>
               </a:solidFill>
               <a:round/>
-              <a:headEnd/>
-              <a:tailEnd/>
             </a:ln>
             <a:effectLst>
               <a:outerShdw dist="99190" dir="2388334" algn="ctr" rotWithShape="0">
@@ -9157,8 +9048,6 @@
                 <a:schemeClr val="bg1"/>
               </a:solidFill>
               <a:miter lim="800000"/>
-              <a:headEnd/>
-              <a:tailEnd/>
             </a:ln>
             <a:effectLst>
               <a:outerShdw dist="63500" dir="2212194" algn="ctr" rotWithShape="0">
@@ -9190,8 +9079,8 @@
           </p:nvSpPr>
           <p:spPr bwMode="gray">
             <a:xfrm>
-              <a:off x="1680" y="1934"/>
-              <a:ext cx="2160" cy="252"/>
+              <a:off x="1722" y="1962"/>
+              <a:ext cx="2160" cy="181"/>
             </a:xfrm>
             <a:prstGeom prst="rect">
               <a:avLst/>
@@ -9200,8 +9089,6 @@
             <a:ln w="9525" algn="ctr">
               <a:noFill/>
               <a:miter lim="800000"/>
-              <a:headEnd/>
-              <a:tailEnd/>
             </a:ln>
             <a:effectLst/>
           </p:spPr>
@@ -9217,8 +9104,8 @@
                   <a:solidFill>
                     <a:schemeClr val="bg1"/>
                   </a:solidFill>
-                  <a:latin typeface="微软雅黑" pitchFamily="34" charset="-122"/>
-                  <a:ea typeface="微软雅黑" pitchFamily="34" charset="-122"/>
+                  <a:latin typeface="微软雅黑" panose="020B0503020204020204" pitchFamily="34" charset="-122"/>
+                  <a:ea typeface="微软雅黑" panose="020B0503020204020204" pitchFamily="34" charset="-122"/>
                 </a:rPr>
                 <a:t>结束采购</a:t>
               </a:r>
@@ -9226,8 +9113,8 @@
                 <a:solidFill>
                   <a:schemeClr val="bg1"/>
                 </a:solidFill>
-                <a:latin typeface="微软雅黑" pitchFamily="34" charset="-122"/>
-                <a:ea typeface="微软雅黑" pitchFamily="34" charset="-122"/>
+                <a:latin typeface="微软雅黑" panose="020B0503020204020204" pitchFamily="34" charset="-122"/>
+                <a:ea typeface="微软雅黑" panose="020B0503020204020204" pitchFamily="34" charset="-122"/>
               </a:endParaRPr>
             </a:p>
           </p:txBody>
@@ -9242,8 +9129,8 @@
           </p:nvSpPr>
           <p:spPr bwMode="gray">
             <a:xfrm>
-              <a:off x="1393" y="1886"/>
-              <a:ext cx="243" cy="330"/>
+              <a:off x="1395" y="1886"/>
+              <a:ext cx="240" cy="237"/>
             </a:xfrm>
             <a:prstGeom prst="rect">
               <a:avLst/>
@@ -9252,13 +9139,11 @@
             <a:ln w="9525" algn="ctr">
               <a:noFill/>
               <a:miter lim="800000"/>
-              <a:headEnd/>
-              <a:tailEnd/>
             </a:ln>
             <a:effectLst/>
           </p:spPr>
           <p:txBody>
-            <a:bodyPr wrap="none">
+            <a:bodyPr wrap="square">
               <a:spAutoFit/>
             </a:bodyPr>
             <a:lstStyle/>
@@ -9269,10 +9154,16 @@
                   <a:solidFill>
                     <a:schemeClr val="bg1"/>
                   </a:solidFill>
-                  <a:ea typeface="宋体" charset="-122"/>
+                  <a:ea typeface="宋体" panose="02010600030101010101" pitchFamily="2" charset="-122"/>
                 </a:rPr>
                 <a:t>2</a:t>
               </a:r>
+              <a:endParaRPr lang="en-US" altLang="zh-CN" sz="2800">
+                <a:solidFill>
+                  <a:schemeClr val="bg1"/>
+                </a:solidFill>
+                <a:ea typeface="宋体" panose="02010600030101010101" pitchFamily="2" charset="-122"/>
+              </a:endParaRPr>
             </a:p>
           </p:txBody>
         </p:sp>
@@ -9287,8 +9178,8 @@
         </p:nvSpPr>
         <p:spPr bwMode="gray">
           <a:xfrm>
-            <a:off x="3162297" y="1983693"/>
-            <a:ext cx="3429000" cy="400050"/>
+            <a:off x="3108960" y="2305050"/>
+            <a:ext cx="4755515" cy="398780"/>
           </a:xfrm>
           <a:prstGeom prst="rect">
             <a:avLst/>
@@ -9297,34 +9188,32 @@
           <a:ln w="9525" algn="ctr">
             <a:noFill/>
             <a:miter lim="800000"/>
-            <a:headEnd/>
-            <a:tailEnd/>
           </a:ln>
           <a:effectLst/>
         </p:spPr>
         <p:txBody>
-          <a:bodyPr>
+          <a:bodyPr wrap="square">
             <a:spAutoFit/>
           </a:bodyPr>
           <a:lstStyle/>
           <a:p>
             <a:pPr algn="ctr" eaLnBrk="0" hangingPunct="0"/>
             <a:r>
-              <a:rPr lang="zh-CN" altLang="en-US" sz="2000" b="1" dirty="0" smtClean="0">
+              <a:rPr lang="zh-CN" altLang="en-US" b="1" dirty="0" smtClean="0">
                 <a:solidFill>
                   <a:srgbClr val="FF0000"/>
                 </a:solidFill>
-                <a:latin typeface="微软雅黑" pitchFamily="34" charset="-122"/>
-                <a:ea typeface="微软雅黑" pitchFamily="34" charset="-122"/>
+                <a:latin typeface="微软雅黑" panose="020B0503020204020204" pitchFamily="34" charset="-122"/>
+                <a:ea typeface="微软雅黑" panose="020B0503020204020204" pitchFamily="34" charset="-122"/>
               </a:rPr>
               <a:t>结束项目</a:t>
             </a:r>
-            <a:endParaRPr lang="en-US" altLang="zh-CN" sz="2000" b="1" dirty="0">
+            <a:endParaRPr lang="zh-CN" altLang="en-US" b="1" dirty="0" smtClean="0">
               <a:solidFill>
                 <a:srgbClr val="FF0000"/>
               </a:solidFill>
-              <a:latin typeface="微软雅黑" pitchFamily="34" charset="-122"/>
-              <a:ea typeface="微软雅黑" pitchFamily="34" charset="-122"/>
+              <a:latin typeface="微软雅黑" panose="020B0503020204020204" pitchFamily="34" charset="-122"/>
+              <a:ea typeface="微软雅黑" panose="020B0503020204020204" pitchFamily="34" charset="-122"/>
             </a:endParaRPr>
           </a:p>
         </p:txBody>
@@ -9396,15 +9285,15 @@
         </p:nvSpPr>
         <p:spPr>
           <a:xfrm>
-            <a:off x="295275" y="1489074"/>
-            <a:ext cx="8524875" cy="4748439"/>
+            <a:off x="400050" y="1489075"/>
+            <a:ext cx="11225530" cy="4748530"/>
           </a:xfrm>
         </p:spPr>
         <p:txBody>
           <a:bodyPr/>
           <a:lstStyle/>
           <a:p>
-            <a:pPr marL="788988" lvl="1" indent="-514350">
+            <a:pPr marL="789305" lvl="1" indent="-514350">
               <a:buFont typeface="+mj-lt"/>
               <a:buAutoNum type="arabicPeriod"/>
             </a:pPr>
@@ -9415,7 +9304,7 @@
             <a:endParaRPr lang="en-US" altLang="zh-CN" sz="2400" dirty="0" smtClean="0"/>
           </a:p>
           <a:p>
-            <a:pPr marL="788988" lvl="1" indent="-514350">
+            <a:pPr marL="789305" lvl="1" indent="-514350">
               <a:buFont typeface="+mj-lt"/>
               <a:buAutoNum type="arabicPeriod"/>
             </a:pPr>
@@ -9426,7 +9315,7 @@
             <a:endParaRPr lang="en-US" altLang="zh-CN" sz="2400" dirty="0" smtClean="0"/>
           </a:p>
           <a:p>
-            <a:pPr marL="788988" lvl="1" indent="-514350">
+            <a:pPr marL="789305" lvl="1" indent="-514350">
               <a:buFont typeface="+mj-lt"/>
               <a:buAutoNum type="arabicPeriod"/>
             </a:pPr>
@@ -9449,7 +9338,7 @@
             <a:endParaRPr lang="en-US" altLang="zh-CN" sz="2400" dirty="0" smtClean="0"/>
           </a:p>
           <a:p>
-            <a:pPr marL="788988" lvl="1" indent="-514350">
+            <a:pPr marL="789305" lvl="1" indent="-514350">
               <a:buFont typeface="+mj-lt"/>
               <a:buAutoNum type="arabicPeriod"/>
             </a:pPr>
@@ -9460,29 +9349,36 @@
             <a:endParaRPr lang="en-US" altLang="zh-CN" sz="2400" dirty="0" smtClean="0"/>
           </a:p>
           <a:p>
-            <a:pPr marL="788988" lvl="1" indent="-514350">
+            <a:pPr marL="789305" lvl="1" indent="-514350">
               <a:buFont typeface="+mj-lt"/>
               <a:buAutoNum type="arabicPeriod"/>
             </a:pPr>
             <a:r>
               <a:rPr lang="zh-CN" altLang="en-US" sz="2400" dirty="0" smtClean="0"/>
-              <a:t>项目后评估。在财务部门和项目管理办公室的支持下，审查项目关键指标是否达到公司的预定目标，如利润率；</a:t>
+              <a:t>项目后评估。在财务部门和项目管理办公室的支持下，审查项目关键指标是</a:t>
+            </a:r>
+            <a:br>
+              <a:rPr lang="zh-CN" altLang="en-US" sz="2400" dirty="0" smtClean="0"/>
+            </a:br>
+            <a:r>
+              <a:rPr lang="zh-CN" altLang="en-US" sz="2400" dirty="0" smtClean="0"/>
+              <a:t>否达到公司的预定目标，如利润率；</a:t>
             </a:r>
             <a:endParaRPr lang="en-US" altLang="zh-CN" sz="2400" dirty="0" smtClean="0"/>
           </a:p>
           <a:p>
-            <a:pPr marL="788988" lvl="1" indent="-514350">
+            <a:pPr marL="789305" lvl="1" indent="-514350">
               <a:buFont typeface="+mj-lt"/>
               <a:buAutoNum type="arabicPeriod"/>
             </a:pPr>
             <a:r>
               <a:rPr lang="zh-CN" altLang="en-US" sz="2400" dirty="0" smtClean="0"/>
-              <a:t>项目客户报告大会，和客户、项目团队等一起回顾总结项目的实施过程和结果；</a:t>
+              <a:t>项目客户报告大会。客户、项目团队等一起回顾总结项目的实施过程和结果；</a:t>
             </a:r>
             <a:endParaRPr lang="en-US" altLang="zh-CN" sz="2400" dirty="0" smtClean="0"/>
           </a:p>
           <a:p>
-            <a:pPr marL="788988" lvl="1" indent="-514350">
+            <a:pPr marL="789305" lvl="1" indent="-514350">
               <a:buFont typeface="+mj-lt"/>
               <a:buAutoNum type="arabicPeriod"/>
             </a:pPr>
@@ -9892,34 +9788,6 @@
       </p:grpSpPr>
       <p:sp>
         <p:nvSpPr>
-          <p:cNvPr id="2" name="标题 1"/>
-          <p:cNvSpPr>
-            <a:spLocks noGrp="1"/>
-          </p:cNvSpPr>
-          <p:nvPr>
-            <p:ph type="title"/>
-          </p:nvPr>
-        </p:nvSpPr>
-        <p:spPr>
-          <a:xfrm>
-            <a:off x="381000" y="293914"/>
-            <a:ext cx="8305800" cy="555172"/>
-          </a:xfrm>
-        </p:spPr>
-        <p:txBody>
-          <a:bodyPr/>
-          <a:lstStyle/>
-          <a:p>
-            <a:r>
-              <a:rPr lang="zh-CN" altLang="en-US" dirty="0" smtClean="0"/>
-              <a:t>客户满意度调查</a:t>
-            </a:r>
-            <a:endParaRPr lang="zh-CN" altLang="en-US" dirty="0"/>
-          </a:p>
-        </p:txBody>
-      </p:sp>
-      <p:sp>
-        <p:nvSpPr>
           <p:cNvPr id="3" name="内容占位符 2"/>
           <p:cNvSpPr>
             <a:spLocks noGrp="1"/>
@@ -9930,8 +9798,8 @@
         </p:nvSpPr>
         <p:spPr>
           <a:xfrm>
-            <a:off x="381000" y="1404264"/>
-            <a:ext cx="8305800" cy="5453736"/>
+            <a:off x="400050" y="1417320"/>
+            <a:ext cx="10936605" cy="5454015"/>
           </a:xfrm>
         </p:spPr>
         <p:txBody>
@@ -9967,7 +9835,7 @@
             <a:endParaRPr lang="en-US" altLang="zh-CN" sz="2400" dirty="0" smtClean="0"/>
           </a:p>
           <a:p>
-            <a:pPr marL="776288" lvl="1" indent="-457200">
+            <a:pPr marL="776605" lvl="1" indent="-457200">
               <a:buFont typeface="+mj-lt"/>
               <a:buAutoNum type="arabicPeriod"/>
             </a:pPr>
@@ -9978,7 +9846,7 @@
             <a:endParaRPr lang="en-US" altLang="zh-CN" dirty="0" smtClean="0"/>
           </a:p>
           <a:p>
-            <a:pPr marL="776288" lvl="1" indent="-457200">
+            <a:pPr marL="776605" lvl="1" indent="-457200">
               <a:buFont typeface="+mj-lt"/>
               <a:buAutoNum type="arabicPeriod"/>
             </a:pPr>
@@ -9989,7 +9857,7 @@
             <a:endParaRPr lang="en-US" altLang="zh-CN" dirty="0" smtClean="0"/>
           </a:p>
           <a:p>
-            <a:pPr marL="776288" lvl="1" indent="-457200">
+            <a:pPr marL="776605" lvl="1" indent="-457200">
               <a:buFont typeface="+mj-lt"/>
               <a:buAutoNum type="arabicPeriod"/>
             </a:pPr>
@@ -10000,7 +9868,7 @@
             <a:endParaRPr lang="en-US" altLang="zh-CN" dirty="0" smtClean="0"/>
           </a:p>
           <a:p>
-            <a:pPr marL="776288" lvl="1" indent="-457200">
+            <a:pPr marL="776605" lvl="1" indent="-457200">
               <a:buFont typeface="+mj-lt"/>
               <a:buAutoNum type="arabicPeriod"/>
             </a:pPr>
@@ -10019,7 +9887,7 @@
             <a:endParaRPr lang="en-US" altLang="zh-CN" dirty="0" smtClean="0"/>
           </a:p>
           <a:p>
-            <a:pPr marL="776288" lvl="1" indent="-457200">
+            <a:pPr marL="776605" lvl="1" indent="-457200">
               <a:buFont typeface="+mj-lt"/>
               <a:buAutoNum type="arabicPeriod"/>
             </a:pPr>
@@ -10028,6 +9896,28 @@
               <a:t>如果要寄回公司，则要为客户事先准备好贴好邮票的信封；</a:t>
             </a:r>
             <a:endParaRPr lang="zh-CN" altLang="en-US" dirty="0"/>
+          </a:p>
+        </p:txBody>
+      </p:sp>
+      <p:sp>
+        <p:nvSpPr>
+          <p:cNvPr id="4" name="标题 3"/>
+          <p:cNvSpPr/>
+          <p:nvPr>
+            <p:ph type="title"/>
+          </p:nvPr>
+        </p:nvSpPr>
+        <p:spPr/>
+        <p:txBody>
+          <a:bodyPr/>
+          <a:p>
+            <a:r>
+              <a:rPr lang="zh-CN" altLang="en-US" dirty="0" smtClean="0">
+                <a:sym typeface="+mn-ea"/>
+              </a:rPr>
+              <a:t>客户满意度调查</a:t>
+            </a:r>
+            <a:endParaRPr lang="zh-CN" altLang="en-US"/>
           </a:p>
         </p:txBody>
       </p:sp>
@@ -10096,7 +9986,12 @@
             <p:ph sz="quarter" idx="1"/>
           </p:nvPr>
         </p:nvSpPr>
-        <p:spPr/>
+        <p:spPr>
+          <a:xfrm>
+            <a:off x="393700" y="1489075"/>
+            <a:ext cx="11134090" cy="4313555"/>
+          </a:xfrm>
+        </p:spPr>
         <p:txBody>
           <a:bodyPr/>
           <a:lstStyle/>
@@ -10122,15 +10017,7 @@
                   <a:srgbClr val="FF0000"/>
                 </a:solidFill>
               </a:rPr>
-              <a:t>项目团队成员的评估由项目经理牵头负责完成，项目经理的评估由项目管理</a:t>
-            </a:r>
-            <a:r>
-              <a:rPr lang="zh-CN" altLang="en-US" sz="2000" dirty="0" smtClean="0">
-                <a:solidFill>
-                  <a:srgbClr val="FF0000"/>
-                </a:solidFill>
-              </a:rPr>
-              <a:t>办公室</a:t>
+              <a:t>项目团队成员的评估由项目经理牵头负责完成，项目经理的评估由项目管理办公室</a:t>
             </a:r>
             <a:r>
               <a:rPr lang="en-US" altLang="zh-CN" sz="2000" dirty="0" smtClean="0">
@@ -10162,15 +10049,7 @@
                   <a:srgbClr val="FF0000"/>
                 </a:solidFill>
               </a:rPr>
-              <a:t>牵头</a:t>
-            </a:r>
-            <a:r>
-              <a:rPr lang="zh-CN" altLang="en-US" sz="2000" dirty="0" smtClean="0">
-                <a:solidFill>
-                  <a:srgbClr val="FF0000"/>
-                </a:solidFill>
-              </a:rPr>
-              <a:t>负责完成；</a:t>
+              <a:t>牵头负责完成；</a:t>
             </a:r>
             <a:endParaRPr lang="en-US" altLang="zh-CN" sz="2000" dirty="0" smtClean="0">
               <a:solidFill>
@@ -10476,13 +10355,8 @@
           <a:headEnd type="none" w="med" len="med"/>
           <a:tailEnd type="none" w="med" len="med"/>
         </a:ln>
-        <a:effectLst/>
       </a:spPr>
-      <a:bodyPr vert="horz" wrap="none" lIns="90000" tIns="46800" rIns="90000" bIns="46800" numCol="1" anchor="ctr" anchorCtr="0" compatLnSpc="1">
-        <a:prstTxWarp prst="textNoShape">
-          <a:avLst/>
-        </a:prstTxWarp>
-      </a:bodyPr>
+      <a:bodyPr vert="horz" wrap="none" lIns="90000" tIns="46800" rIns="90000" bIns="46800" numCol="1" anchor="ctr" anchorCtr="0" compatLnSpc="1"/>
       <a:lstStyle>
         <a:defPPr marL="0" marR="0" indent="0" algn="l" defTabSz="914400" rtl="0" eaLnBrk="1" fontAlgn="base" latinLnBrk="0" hangingPunct="1">
           <a:lnSpc>
@@ -10498,7 +10372,6 @@
           <a:buSzTx/>
           <a:buFontTx/>
           <a:buNone/>
-          <a:tabLst/>
           <a:defRPr kumimoji="0" lang="en-US" sz="2000" b="0" i="0" u="none" strike="noStrike" cap="none" normalizeH="0" baseline="0" smtClean="0">
             <a:ln>
               <a:noFill/>
@@ -10507,7 +10380,7 @@
               <a:schemeClr val="tx1"/>
             </a:solidFill>
             <a:effectLst/>
-            <a:latin typeface="Arial" charset="0"/>
+            <a:latin typeface="Arial" panose="020B0604020202020204" pitchFamily="34" charset="0"/>
           </a:defRPr>
         </a:defPPr>
       </a:lstStyle>
@@ -10538,13 +10411,8 @@
           <a:headEnd type="none" w="med" len="med"/>
           <a:tailEnd type="none" w="med" len="med"/>
         </a:ln>
-        <a:effectLst/>
       </a:spPr>
-      <a:bodyPr vert="horz" wrap="none" lIns="90000" tIns="46800" rIns="90000" bIns="46800" numCol="1" anchor="ctr" anchorCtr="0" compatLnSpc="1">
-        <a:prstTxWarp prst="textNoShape">
-          <a:avLst/>
-        </a:prstTxWarp>
-      </a:bodyPr>
+      <a:bodyPr vert="horz" wrap="none" lIns="90000" tIns="46800" rIns="90000" bIns="46800" numCol="1" anchor="ctr" anchorCtr="0" compatLnSpc="1"/>
       <a:lstStyle>
         <a:defPPr marL="0" marR="0" indent="0" algn="l" defTabSz="914400" rtl="0" eaLnBrk="1" fontAlgn="base" latinLnBrk="0" hangingPunct="1">
           <a:lnSpc>
@@ -10560,7 +10428,6 @@
           <a:buSzTx/>
           <a:buFontTx/>
           <a:buNone/>
-          <a:tabLst/>
           <a:defRPr kumimoji="0" lang="en-US" sz="2000" b="0" i="0" u="none" strike="noStrike" cap="none" normalizeH="0" baseline="0" smtClean="0">
             <a:ln>
               <a:noFill/>
@@ -10569,7 +10436,7 @@
               <a:schemeClr val="tx1"/>
             </a:solidFill>
             <a:effectLst/>
-            <a:latin typeface="Arial" charset="0"/>
+            <a:latin typeface="Arial" panose="020B0604020202020204" pitchFamily="34" charset="0"/>
           </a:defRPr>
         </a:defPPr>
       </a:lstStyle>
@@ -10618,6 +10485,11 @@
       <a:clrMap bg1="lt1" tx1="dk1" bg2="lt2" tx2="dk2" accent1="accent1" accent2="accent2" accent3="accent3" accent4="accent4" accent5="accent5" accent6="accent6" hlink="hlink" folHlink="folHlink"/>
     </a:extraClrScheme>
   </a:extraClrSchemeLst>
+  <a:extLst>
+    <a:ext uri="{05A4C25C-085E-4340-85A3-A5531E510DB2}">
+      <thm15:themeFamily xmlns:thm15="http://schemas.microsoft.com/office/thememl/2012/main" name="Office Theme" id="{62F939B6-93AF-4DB8-9C6B-D6C7DFDC589F}" vid="{4A3C46E8-61CC-4603-A589-7422A47A8E4A}"/>
+    </a:ext>
+  </a:extLst>
 </a:theme>
 </file>
 
@@ -10899,8 +10771,11 @@
       </a:bgFillStyleLst>
     </a:fmtScheme>
   </a:themeElements>
-  <a:objectDefaults/>
-  <a:extraClrSchemeLst/>
+  <a:extLst>
+    <a:ext uri="{05A4C25C-085E-4340-85A3-A5531E510DB2}">
+      <thm15:themeFamily xmlns:thm15="http://schemas.microsoft.com/office/thememl/2012/main" name="Office Theme" id="{62F939B6-93AF-4DB8-9C6B-D6C7DFDC589F}" vid="{4A3C46E8-61CC-4603-A589-7422A47A8E4A}"/>
+    </a:ext>
+  </a:extLst>
 </a:theme>
 </file>
 
@@ -11182,7 +11057,10 @@
       </a:bgFillStyleLst>
     </a:fmtScheme>
   </a:themeElements>
-  <a:objectDefaults/>
-  <a:extraClrSchemeLst/>
+  <a:extLst>
+    <a:ext uri="{05A4C25C-085E-4340-85A3-A5531E510DB2}">
+      <thm15:themeFamily xmlns:thm15="http://schemas.microsoft.com/office/thememl/2012/main" name="Office Theme" id="{62F939B6-93AF-4DB8-9C6B-D6C7DFDC589F}" vid="{4A3C46E8-61CC-4603-A589-7422A47A8E4A}"/>
+    </a:ext>
+  </a:extLst>
 </a:theme>
 </file>
--- a/materials/slides/ch05.pptx
+++ b/materials/slides/ch05.pptx
@@ -8,7 +8,7 @@
     <p:notesMasterId r:id="rId15"/>
   </p:notesMasterIdLst>
   <p:handoutMasterIdLst>
-    <p:handoutMasterId r:id="rId25"/>
+    <p:handoutMasterId r:id="rId27"/>
   </p:handoutMasterIdLst>
   <p:sldIdLst>
     <p:sldId id="256" r:id="rId3"/>
@@ -31,7 +31,9 @@
     <p:sldId id="336" r:id="rId21"/>
     <p:sldId id="337" r:id="rId22"/>
     <p:sldId id="344" r:id="rId23"/>
-    <p:sldId id="316" r:id="rId24"/>
+    <p:sldId id="366" r:id="rId24"/>
+    <p:sldId id="367" r:id="rId25"/>
+    <p:sldId id="316" r:id="rId26"/>
   </p:sldIdLst>
   <p:sldSz cx="12192000" cy="6858000"/>
   <p:notesSz cx="6858000" cy="9144000"/>
@@ -161,6 +163,5761 @@
     </a:lvl9pPr>
   </p:defaultTextStyle>
 </p:presentation>
+</file>
+
+<file path=ppt/diagrams/colors1.xml><?xml version="1.0" encoding="utf-8"?>
+<dgm:colorsDef xmlns:dgm="http://schemas.openxmlformats.org/drawingml/2006/diagram" xmlns:a="http://schemas.openxmlformats.org/drawingml/2006/main" uniqueId="urn:microsoft.com/office/officeart/2005/8/colors/accent1_2">
+  <dgm:title val=""/>
+  <dgm:desc val=""/>
+  <dgm:catLst>
+    <dgm:cat type="accent1" pri="11200"/>
+  </dgm:catLst>
+  <dgm:styleLbl name="alignAcc1">
+    <dgm:fillClrLst meth="repeat">
+      <a:schemeClr val="lt1">
+        <a:alpha val="90000"/>
+      </a:schemeClr>
+    </dgm:fillClrLst>
+    <dgm:linClrLst meth="repeat">
+      <a:schemeClr val="accent1"/>
+    </dgm:linClrLst>
+    <dgm:effectClrLst/>
+    <dgm:txLinClrLst/>
+    <dgm:txFillClrLst meth="repeat">
+      <a:schemeClr val="dk1"/>
+    </dgm:txFillClrLst>
+    <dgm:txEffectClrLst/>
+  </dgm:styleLbl>
+  <dgm:styleLbl name="alignAccFollowNode1">
+    <dgm:fillClrLst meth="repeat">
+      <a:schemeClr val="accent1">
+        <a:alpha val="90000"/>
+        <a:tint val="40000"/>
+      </a:schemeClr>
+    </dgm:fillClrLst>
+    <dgm:linClrLst meth="repeat">
+      <a:schemeClr val="accent1">
+        <a:alpha val="90000"/>
+        <a:tint val="40000"/>
+      </a:schemeClr>
+    </dgm:linClrLst>
+    <dgm:effectClrLst/>
+    <dgm:txLinClrLst/>
+    <dgm:txFillClrLst meth="repeat">
+      <a:schemeClr val="dk1"/>
+    </dgm:txFillClrLst>
+    <dgm:txEffectClrLst/>
+  </dgm:styleLbl>
+  <dgm:styleLbl name="alignImgPlace1">
+    <dgm:fillClrLst meth="repeat">
+      <a:schemeClr val="accent1">
+        <a:tint val="50000"/>
+      </a:schemeClr>
+    </dgm:fillClrLst>
+    <dgm:linClrLst meth="repeat">
+      <a:schemeClr val="lt1"/>
+    </dgm:linClrLst>
+    <dgm:effectClrLst/>
+    <dgm:txLinClrLst/>
+    <dgm:txFillClrLst meth="repeat">
+      <a:schemeClr val="lt1"/>
+    </dgm:txFillClrLst>
+    <dgm:txEffectClrLst/>
+  </dgm:styleLbl>
+  <dgm:styleLbl name="alignNode1">
+    <dgm:fillClrLst meth="repeat">
+      <a:schemeClr val="accent1"/>
+    </dgm:fillClrLst>
+    <dgm:linClrLst meth="repeat">
+      <a:schemeClr val="accent1"/>
+    </dgm:linClrLst>
+    <dgm:effectClrLst/>
+    <dgm:txLinClrLst/>
+    <dgm:txFillClrLst/>
+    <dgm:txEffectClrLst/>
+  </dgm:styleLbl>
+  <dgm:styleLbl name="asst0">
+    <dgm:fillClrLst meth="repeat">
+      <a:schemeClr val="accent1"/>
+    </dgm:fillClrLst>
+    <dgm:linClrLst meth="repeat">
+      <a:schemeClr val="lt1"/>
+    </dgm:linClrLst>
+    <dgm:effectClrLst/>
+    <dgm:txLinClrLst/>
+    <dgm:txFillClrLst/>
+    <dgm:txEffectClrLst/>
+  </dgm:styleLbl>
+  <dgm:styleLbl name="asst1">
+    <dgm:fillClrLst meth="repeat">
+      <a:schemeClr val="accent1"/>
+    </dgm:fillClrLst>
+    <dgm:linClrLst meth="repeat">
+      <a:schemeClr val="lt1"/>
+    </dgm:linClrLst>
+    <dgm:effectClrLst/>
+    <dgm:txLinClrLst/>
+    <dgm:txFillClrLst/>
+    <dgm:txEffectClrLst/>
+  </dgm:styleLbl>
+  <dgm:styleLbl name="asst2">
+    <dgm:fillClrLst meth="repeat">
+      <a:schemeClr val="accent1"/>
+    </dgm:fillClrLst>
+    <dgm:linClrLst meth="repeat">
+      <a:schemeClr val="lt1"/>
+    </dgm:linClrLst>
+    <dgm:effectClrLst/>
+    <dgm:txLinClrLst/>
+    <dgm:txFillClrLst/>
+    <dgm:txEffectClrLst/>
+  </dgm:styleLbl>
+  <dgm:styleLbl name="asst3">
+    <dgm:fillClrLst meth="repeat">
+      <a:schemeClr val="accent1"/>
+    </dgm:fillClrLst>
+    <dgm:linClrLst meth="repeat">
+      <a:schemeClr val="lt1"/>
+    </dgm:linClrLst>
+    <dgm:effectClrLst/>
+    <dgm:txLinClrLst/>
+    <dgm:txFillClrLst/>
+    <dgm:txEffectClrLst/>
+  </dgm:styleLbl>
+  <dgm:styleLbl name="asst4">
+    <dgm:fillClrLst meth="repeat">
+      <a:schemeClr val="accent1"/>
+    </dgm:fillClrLst>
+    <dgm:linClrLst meth="repeat">
+      <a:schemeClr val="lt1"/>
+    </dgm:linClrLst>
+    <dgm:effectClrLst/>
+    <dgm:txLinClrLst/>
+    <dgm:txFillClrLst/>
+    <dgm:txEffectClrLst/>
+  </dgm:styleLbl>
+  <dgm:styleLbl name="bgAcc1">
+    <dgm:fillClrLst meth="repeat">
+      <a:schemeClr val="lt1">
+        <a:alpha val="90000"/>
+      </a:schemeClr>
+    </dgm:fillClrLst>
+    <dgm:linClrLst meth="repeat">
+      <a:schemeClr val="accent1"/>
+    </dgm:linClrLst>
+    <dgm:effectClrLst/>
+    <dgm:txLinClrLst/>
+    <dgm:txFillClrLst meth="repeat">
+      <a:schemeClr val="dk1"/>
+    </dgm:txFillClrLst>
+    <dgm:txEffectClrLst/>
+  </dgm:styleLbl>
+  <dgm:styleLbl name="bgAccFollowNode1">
+    <dgm:fillClrLst meth="repeat">
+      <a:schemeClr val="accent1">
+        <a:alpha val="90000"/>
+        <a:tint val="40000"/>
+      </a:schemeClr>
+    </dgm:fillClrLst>
+    <dgm:linClrLst meth="repeat">
+      <a:schemeClr val="accent1">
+        <a:alpha val="90000"/>
+        <a:tint val="40000"/>
+      </a:schemeClr>
+    </dgm:linClrLst>
+    <dgm:effectClrLst/>
+    <dgm:txLinClrLst/>
+    <dgm:txFillClrLst meth="repeat">
+      <a:schemeClr val="dk1"/>
+    </dgm:txFillClrLst>
+    <dgm:txEffectClrLst/>
+  </dgm:styleLbl>
+  <dgm:styleLbl name="bgImgPlace1">
+    <dgm:fillClrLst meth="repeat">
+      <a:schemeClr val="accent1">
+        <a:tint val="50000"/>
+      </a:schemeClr>
+    </dgm:fillClrLst>
+    <dgm:linClrLst meth="repeat">
+      <a:schemeClr val="lt1"/>
+    </dgm:linClrLst>
+    <dgm:effectClrLst/>
+    <dgm:txLinClrLst/>
+    <dgm:txFillClrLst meth="repeat">
+      <a:schemeClr val="lt1"/>
+    </dgm:txFillClrLst>
+    <dgm:txEffectClrLst/>
+  </dgm:styleLbl>
+  <dgm:styleLbl name="bgShp">
+    <dgm:fillClrLst meth="repeat">
+      <a:schemeClr val="accent1">
+        <a:tint val="40000"/>
+      </a:schemeClr>
+    </dgm:fillClrLst>
+    <dgm:linClrLst meth="repeat">
+      <a:schemeClr val="accent1"/>
+    </dgm:linClrLst>
+    <dgm:effectClrLst/>
+    <dgm:txLinClrLst/>
+    <dgm:txFillClrLst meth="repeat">
+      <a:schemeClr val="dk1"/>
+    </dgm:txFillClrLst>
+    <dgm:txEffectClrLst/>
+  </dgm:styleLbl>
+  <dgm:styleLbl name="bgSibTrans2D1">
+    <dgm:fillClrLst meth="repeat">
+      <a:schemeClr val="accent1">
+        <a:tint val="60000"/>
+      </a:schemeClr>
+    </dgm:fillClrLst>
+    <dgm:linClrLst meth="repeat">
+      <a:schemeClr val="accent1">
+        <a:tint val="60000"/>
+      </a:schemeClr>
+    </dgm:linClrLst>
+    <dgm:effectClrLst/>
+    <dgm:txLinClrLst/>
+    <dgm:txFillClrLst/>
+    <dgm:txEffectClrLst/>
+  </dgm:styleLbl>
+  <dgm:styleLbl name="callout">
+    <dgm:fillClrLst meth="repeat">
+      <a:schemeClr val="accent1"/>
+    </dgm:fillClrLst>
+    <dgm:linClrLst meth="repeat">
+      <a:schemeClr val="accent1">
+        <a:tint val="50000"/>
+      </a:schemeClr>
+    </dgm:linClrLst>
+    <dgm:effectClrLst/>
+    <dgm:txLinClrLst/>
+    <dgm:txFillClrLst meth="repeat">
+      <a:schemeClr val="tx1"/>
+    </dgm:txFillClrLst>
+    <dgm:txEffectClrLst/>
+  </dgm:styleLbl>
+  <dgm:styleLbl name="conFgAcc1">
+    <dgm:fillClrLst meth="repeat">
+      <a:schemeClr val="lt1">
+        <a:alpha val="90000"/>
+      </a:schemeClr>
+    </dgm:fillClrLst>
+    <dgm:linClrLst meth="repeat">
+      <a:schemeClr val="accent1"/>
+    </dgm:linClrLst>
+    <dgm:effectClrLst/>
+    <dgm:txLinClrLst/>
+    <dgm:txFillClrLst meth="repeat">
+      <a:schemeClr val="dk1"/>
+    </dgm:txFillClrLst>
+    <dgm:txEffectClrLst/>
+  </dgm:styleLbl>
+  <dgm:styleLbl name="dkBgShp">
+    <dgm:fillClrLst meth="repeat">
+      <a:schemeClr val="accent1">
+        <a:shade val="80000"/>
+      </a:schemeClr>
+    </dgm:fillClrLst>
+    <dgm:linClrLst meth="repeat">
+      <a:schemeClr val="accent1"/>
+    </dgm:linClrLst>
+    <dgm:effectClrLst/>
+    <dgm:txLinClrLst/>
+    <dgm:txFillClrLst meth="repeat">
+      <a:schemeClr val="lt1"/>
+    </dgm:txFillClrLst>
+    <dgm:txEffectClrLst/>
+  </dgm:styleLbl>
+  <dgm:styleLbl name="fgAcc0">
+    <dgm:fillClrLst meth="repeat">
+      <a:schemeClr val="lt1">
+        <a:alpha val="90000"/>
+      </a:schemeClr>
+    </dgm:fillClrLst>
+    <dgm:linClrLst meth="repeat">
+      <a:schemeClr val="accent1"/>
+    </dgm:linClrLst>
+    <dgm:effectClrLst/>
+    <dgm:txLinClrLst/>
+    <dgm:txFillClrLst meth="repeat">
+      <a:schemeClr val="dk1"/>
+    </dgm:txFillClrLst>
+    <dgm:txEffectClrLst/>
+  </dgm:styleLbl>
+  <dgm:styleLbl name="fgAcc1">
+    <dgm:fillClrLst meth="repeat">
+      <a:schemeClr val="lt1">
+        <a:alpha val="90000"/>
+      </a:schemeClr>
+    </dgm:fillClrLst>
+    <dgm:linClrLst meth="repeat">
+      <a:schemeClr val="accent1"/>
+    </dgm:linClrLst>
+    <dgm:effectClrLst/>
+    <dgm:txLinClrLst/>
+    <dgm:txFillClrLst meth="repeat">
+      <a:schemeClr val="dk1"/>
+    </dgm:txFillClrLst>
+    <dgm:txEffectClrLst/>
+  </dgm:styleLbl>
+  <dgm:styleLbl name="fgAcc2">
+    <dgm:fillClrLst meth="repeat">
+      <a:schemeClr val="lt1">
+        <a:alpha val="90000"/>
+      </a:schemeClr>
+    </dgm:fillClrLst>
+    <dgm:linClrLst meth="repeat">
+      <a:schemeClr val="accent1"/>
+    </dgm:linClrLst>
+    <dgm:effectClrLst/>
+    <dgm:txLinClrLst/>
+    <dgm:txFillClrLst meth="repeat">
+      <a:schemeClr val="dk1"/>
+    </dgm:txFillClrLst>
+    <dgm:txEffectClrLst/>
+  </dgm:styleLbl>
+  <dgm:styleLbl name="fgAcc3">
+    <dgm:fillClrLst meth="repeat">
+      <a:schemeClr val="lt1">
+        <a:alpha val="90000"/>
+      </a:schemeClr>
+    </dgm:fillClrLst>
+    <dgm:linClrLst meth="repeat">
+      <a:schemeClr val="accent1"/>
+    </dgm:linClrLst>
+    <dgm:effectClrLst/>
+    <dgm:txLinClrLst/>
+    <dgm:txFillClrLst meth="repeat">
+      <a:schemeClr val="dk1"/>
+    </dgm:txFillClrLst>
+    <dgm:txEffectClrLst/>
+  </dgm:styleLbl>
+  <dgm:styleLbl name="fgAcc4">
+    <dgm:fillClrLst meth="repeat">
+      <a:schemeClr val="lt1">
+        <a:alpha val="90000"/>
+      </a:schemeClr>
+    </dgm:fillClrLst>
+    <dgm:linClrLst meth="repeat">
+      <a:schemeClr val="accent1"/>
+    </dgm:linClrLst>
+    <dgm:effectClrLst/>
+    <dgm:txLinClrLst/>
+    <dgm:txFillClrLst meth="repeat">
+      <a:schemeClr val="dk1"/>
+    </dgm:txFillClrLst>
+    <dgm:txEffectClrLst/>
+  </dgm:styleLbl>
+  <dgm:styleLbl name="fgAccFollowNode1">
+    <dgm:fillClrLst meth="repeat">
+      <a:schemeClr val="accent1">
+        <a:alpha val="90000"/>
+        <a:tint val="40000"/>
+      </a:schemeClr>
+    </dgm:fillClrLst>
+    <dgm:linClrLst meth="repeat">
+      <a:schemeClr val="accent1">
+        <a:alpha val="90000"/>
+        <a:tint val="40000"/>
+      </a:schemeClr>
+    </dgm:linClrLst>
+    <dgm:effectClrLst/>
+    <dgm:txLinClrLst/>
+    <dgm:txFillClrLst meth="repeat">
+      <a:schemeClr val="dk1"/>
+    </dgm:txFillClrLst>
+    <dgm:txEffectClrLst/>
+  </dgm:styleLbl>
+  <dgm:styleLbl name="fgImgPlace1">
+    <dgm:fillClrLst meth="repeat">
+      <a:schemeClr val="accent1">
+        <a:tint val="50000"/>
+      </a:schemeClr>
+    </dgm:fillClrLst>
+    <dgm:linClrLst meth="repeat">
+      <a:schemeClr val="lt1"/>
+    </dgm:linClrLst>
+    <dgm:effectClrLst/>
+    <dgm:txLinClrLst/>
+    <dgm:txFillClrLst meth="repeat">
+      <a:schemeClr val="lt1"/>
+    </dgm:txFillClrLst>
+    <dgm:txEffectClrLst/>
+  </dgm:styleLbl>
+  <dgm:styleLbl name="fgShp">
+    <dgm:fillClrLst meth="repeat">
+      <a:schemeClr val="accent1">
+        <a:tint val="60000"/>
+      </a:schemeClr>
+    </dgm:fillClrLst>
+    <dgm:linClrLst meth="repeat">
+      <a:schemeClr val="lt1"/>
+    </dgm:linClrLst>
+    <dgm:effectClrLst/>
+    <dgm:txLinClrLst/>
+    <dgm:txFillClrLst meth="repeat">
+      <a:schemeClr val="dk1"/>
+    </dgm:txFillClrLst>
+    <dgm:txEffectClrLst/>
+  </dgm:styleLbl>
+  <dgm:styleLbl name="fgSibTrans2D1">
+    <dgm:fillClrLst meth="repeat">
+      <a:schemeClr val="accent1">
+        <a:tint val="60000"/>
+      </a:schemeClr>
+    </dgm:fillClrLst>
+    <dgm:linClrLst meth="repeat">
+      <a:schemeClr val="accent1">
+        <a:tint val="60000"/>
+      </a:schemeClr>
+    </dgm:linClrLst>
+    <dgm:effectClrLst/>
+    <dgm:txLinClrLst/>
+    <dgm:txFillClrLst/>
+    <dgm:txEffectClrLst/>
+  </dgm:styleLbl>
+  <dgm:styleLbl name="lnNode1">
+    <dgm:fillClrLst meth="repeat">
+      <a:schemeClr val="accent1"/>
+    </dgm:fillClrLst>
+    <dgm:linClrLst meth="repeat">
+      <a:schemeClr val="lt1"/>
+    </dgm:linClrLst>
+    <dgm:effectClrLst/>
+    <dgm:txLinClrLst/>
+    <dgm:txFillClrLst/>
+    <dgm:txEffectClrLst/>
+  </dgm:styleLbl>
+  <dgm:styleLbl name="node0">
+    <dgm:fillClrLst meth="repeat">
+      <a:schemeClr val="accent1"/>
+    </dgm:fillClrLst>
+    <dgm:linClrLst meth="repeat">
+      <a:schemeClr val="lt1"/>
+    </dgm:linClrLst>
+    <dgm:effectClrLst/>
+    <dgm:txLinClrLst/>
+    <dgm:txFillClrLst/>
+    <dgm:txEffectClrLst/>
+  </dgm:styleLbl>
+  <dgm:styleLbl name="node1">
+    <dgm:fillClrLst meth="repeat">
+      <a:schemeClr val="accent1"/>
+    </dgm:fillClrLst>
+    <dgm:linClrLst meth="repeat">
+      <a:schemeClr val="lt1"/>
+    </dgm:linClrLst>
+    <dgm:effectClrLst/>
+    <dgm:txLinClrLst/>
+    <dgm:txFillClrLst/>
+    <dgm:txEffectClrLst/>
+  </dgm:styleLbl>
+  <dgm:styleLbl name="node2">
+    <dgm:fillClrLst meth="repeat">
+      <a:schemeClr val="accent1"/>
+    </dgm:fillClrLst>
+    <dgm:linClrLst meth="repeat">
+      <a:schemeClr val="lt1"/>
+    </dgm:linClrLst>
+    <dgm:effectClrLst/>
+    <dgm:txLinClrLst/>
+    <dgm:txFillClrLst/>
+    <dgm:txEffectClrLst/>
+  </dgm:styleLbl>
+  <dgm:styleLbl name="node3">
+    <dgm:fillClrLst meth="repeat">
+      <a:schemeClr val="accent1"/>
+    </dgm:fillClrLst>
+    <dgm:linClrLst meth="repeat">
+      <a:schemeClr val="lt1"/>
+    </dgm:linClrLst>
+    <dgm:effectClrLst/>
+    <dgm:txLinClrLst/>
+    <dgm:txFillClrLst/>
+    <dgm:txEffectClrLst/>
+  </dgm:styleLbl>
+  <dgm:styleLbl name="node4">
+    <dgm:fillClrLst meth="repeat">
+      <a:schemeClr val="accent1"/>
+    </dgm:fillClrLst>
+    <dgm:linClrLst meth="repeat">
+      <a:schemeClr val="lt1"/>
+    </dgm:linClrLst>
+    <dgm:effectClrLst/>
+    <dgm:txLinClrLst/>
+    <dgm:txFillClrLst/>
+    <dgm:txEffectClrLst/>
+  </dgm:styleLbl>
+  <dgm:styleLbl name="parChTrans1D1">
+    <dgm:fillClrLst meth="repeat">
+      <a:schemeClr val="accent1"/>
+    </dgm:fillClrLst>
+    <dgm:linClrLst meth="repeat">
+      <a:schemeClr val="accent1">
+        <a:shade val="60000"/>
+      </a:schemeClr>
+    </dgm:linClrLst>
+    <dgm:effectClrLst/>
+    <dgm:txLinClrLst/>
+    <dgm:txFillClrLst meth="repeat">
+      <a:schemeClr val="tx1"/>
+    </dgm:txFillClrLst>
+    <dgm:txEffectClrLst/>
+  </dgm:styleLbl>
+  <dgm:styleLbl name="parChTrans1D2">
+    <dgm:fillClrLst meth="repeat">
+      <a:schemeClr val="accent1"/>
+    </dgm:fillClrLst>
+    <dgm:linClrLst meth="repeat">
+      <a:schemeClr val="accent1">
+        <a:shade val="60000"/>
+      </a:schemeClr>
+    </dgm:linClrLst>
+    <dgm:effectClrLst/>
+    <dgm:txLinClrLst/>
+    <dgm:txFillClrLst meth="repeat">
+      <a:schemeClr val="tx1"/>
+    </dgm:txFillClrLst>
+    <dgm:txEffectClrLst/>
+  </dgm:styleLbl>
+  <dgm:styleLbl name="parChTrans1D3">
+    <dgm:fillClrLst meth="repeat">
+      <a:schemeClr val="accent1"/>
+    </dgm:fillClrLst>
+    <dgm:linClrLst meth="repeat">
+      <a:schemeClr val="accent1">
+        <a:shade val="80000"/>
+      </a:schemeClr>
+    </dgm:linClrLst>
+    <dgm:effectClrLst/>
+    <dgm:txLinClrLst/>
+    <dgm:txFillClrLst meth="repeat">
+      <a:schemeClr val="tx1"/>
+    </dgm:txFillClrLst>
+    <dgm:txEffectClrLst/>
+  </dgm:styleLbl>
+  <dgm:styleLbl name="parChTrans1D4">
+    <dgm:fillClrLst meth="repeat">
+      <a:schemeClr val="accent1"/>
+    </dgm:fillClrLst>
+    <dgm:linClrLst meth="repeat">
+      <a:schemeClr val="accent1">
+        <a:shade val="80000"/>
+      </a:schemeClr>
+    </dgm:linClrLst>
+    <dgm:effectClrLst/>
+    <dgm:txLinClrLst/>
+    <dgm:txFillClrLst meth="repeat">
+      <a:schemeClr val="tx1"/>
+    </dgm:txFillClrLst>
+    <dgm:txEffectClrLst/>
+  </dgm:styleLbl>
+  <dgm:styleLbl name="parChTrans2D1">
+    <dgm:fillClrLst meth="repeat">
+      <a:schemeClr val="accent1">
+        <a:tint val="60000"/>
+      </a:schemeClr>
+    </dgm:fillClrLst>
+    <dgm:linClrLst meth="repeat">
+      <a:schemeClr val="accent1">
+        <a:tint val="60000"/>
+      </a:schemeClr>
+    </dgm:linClrLst>
+    <dgm:effectClrLst/>
+    <dgm:txLinClrLst/>
+    <dgm:txFillClrLst meth="repeat">
+      <a:schemeClr val="lt1"/>
+    </dgm:txFillClrLst>
+    <dgm:txEffectClrLst/>
+  </dgm:styleLbl>
+  <dgm:styleLbl name="parChTrans2D2">
+    <dgm:fillClrLst meth="repeat">
+      <a:schemeClr val="accent1"/>
+    </dgm:fillClrLst>
+    <dgm:linClrLst meth="repeat">
+      <a:schemeClr val="accent1"/>
+    </dgm:linClrLst>
+    <dgm:effectClrLst/>
+    <dgm:txLinClrLst/>
+    <dgm:txFillClrLst meth="repeat">
+      <a:schemeClr val="lt1"/>
+    </dgm:txFillClrLst>
+    <dgm:txEffectClrLst/>
+  </dgm:styleLbl>
+  <dgm:styleLbl name="parChTrans2D3">
+    <dgm:fillClrLst meth="repeat">
+      <a:schemeClr val="accent1"/>
+    </dgm:fillClrLst>
+    <dgm:linClrLst meth="repeat">
+      <a:schemeClr val="accent1"/>
+    </dgm:linClrLst>
+    <dgm:effectClrLst/>
+    <dgm:txLinClrLst/>
+    <dgm:txFillClrLst meth="repeat">
+      <a:schemeClr val="lt1"/>
+    </dgm:txFillClrLst>
+    <dgm:txEffectClrLst/>
+  </dgm:styleLbl>
+  <dgm:styleLbl name="parChTrans2D4">
+    <dgm:fillClrLst meth="repeat">
+      <a:schemeClr val="accent1"/>
+    </dgm:fillClrLst>
+    <dgm:linClrLst meth="repeat">
+      <a:schemeClr val="accent1"/>
+    </dgm:linClrLst>
+    <dgm:effectClrLst/>
+    <dgm:txLinClrLst/>
+    <dgm:txFillClrLst meth="repeat">
+      <a:schemeClr val="lt1"/>
+    </dgm:txFillClrLst>
+    <dgm:txEffectClrLst/>
+  </dgm:styleLbl>
+  <dgm:styleLbl name="revTx">
+    <dgm:fillClrLst meth="repeat">
+      <a:schemeClr val="lt1">
+        <a:alpha val="0"/>
+      </a:schemeClr>
+    </dgm:fillClrLst>
+    <dgm:linClrLst meth="repeat">
+      <a:schemeClr val="dk1">
+        <a:alpha val="0"/>
+      </a:schemeClr>
+    </dgm:linClrLst>
+    <dgm:effectClrLst/>
+    <dgm:txLinClrLst/>
+    <dgm:txFillClrLst meth="repeat">
+      <a:schemeClr val="tx1"/>
+    </dgm:txFillClrLst>
+    <dgm:txEffectClrLst/>
+  </dgm:styleLbl>
+  <dgm:styleLbl name="sibTrans1D1">
+    <dgm:fillClrLst meth="repeat">
+      <a:schemeClr val="accent1"/>
+    </dgm:fillClrLst>
+    <dgm:linClrLst meth="repeat">
+      <a:schemeClr val="accent1"/>
+    </dgm:linClrLst>
+    <dgm:effectClrLst/>
+    <dgm:txLinClrLst/>
+    <dgm:txFillClrLst meth="repeat">
+      <a:schemeClr val="tx1"/>
+    </dgm:txFillClrLst>
+    <dgm:txEffectClrLst/>
+  </dgm:styleLbl>
+  <dgm:styleLbl name="sibTrans2D1">
+    <dgm:fillClrLst meth="repeat">
+      <a:schemeClr val="accent1">
+        <a:tint val="60000"/>
+      </a:schemeClr>
+    </dgm:fillClrLst>
+    <dgm:linClrLst meth="repeat">
+      <a:schemeClr val="accent1">
+        <a:tint val="60000"/>
+      </a:schemeClr>
+    </dgm:linClrLst>
+    <dgm:effectClrLst/>
+    <dgm:txLinClrLst/>
+    <dgm:txFillClrLst/>
+    <dgm:txEffectClrLst/>
+  </dgm:styleLbl>
+  <dgm:styleLbl name="solidAlignAcc1">
+    <dgm:fillClrLst meth="repeat">
+      <a:schemeClr val="lt1"/>
+    </dgm:fillClrLst>
+    <dgm:linClrLst meth="repeat">
+      <a:schemeClr val="accent1"/>
+    </dgm:linClrLst>
+    <dgm:effectClrLst/>
+    <dgm:txLinClrLst/>
+    <dgm:txFillClrLst meth="repeat">
+      <a:schemeClr val="dk1"/>
+    </dgm:txFillClrLst>
+    <dgm:txEffectClrLst/>
+  </dgm:styleLbl>
+  <dgm:styleLbl name="solidBgAcc1">
+    <dgm:fillClrLst meth="repeat">
+      <a:schemeClr val="lt1"/>
+    </dgm:fillClrLst>
+    <dgm:linClrLst meth="repeat">
+      <a:schemeClr val="accent1"/>
+    </dgm:linClrLst>
+    <dgm:effectClrLst/>
+    <dgm:txLinClrLst/>
+    <dgm:txFillClrLst meth="repeat">
+      <a:schemeClr val="dk1"/>
+    </dgm:txFillClrLst>
+    <dgm:txEffectClrLst/>
+  </dgm:styleLbl>
+  <dgm:styleLbl name="solidFgAcc1">
+    <dgm:fillClrLst meth="repeat">
+      <a:schemeClr val="lt1"/>
+    </dgm:fillClrLst>
+    <dgm:linClrLst meth="repeat">
+      <a:schemeClr val="accent1"/>
+    </dgm:linClrLst>
+    <dgm:effectClrLst/>
+    <dgm:txLinClrLst/>
+    <dgm:txFillClrLst meth="repeat">
+      <a:schemeClr val="dk1"/>
+    </dgm:txFillClrLst>
+    <dgm:txEffectClrLst/>
+  </dgm:styleLbl>
+  <dgm:styleLbl name="trAlignAcc1">
+    <dgm:fillClrLst meth="repeat">
+      <a:schemeClr val="lt1">
+        <a:alpha val="40000"/>
+      </a:schemeClr>
+    </dgm:fillClrLst>
+    <dgm:linClrLst meth="repeat">
+      <a:schemeClr val="accent1"/>
+    </dgm:linClrLst>
+    <dgm:effectClrLst/>
+    <dgm:txLinClrLst/>
+    <dgm:txFillClrLst meth="repeat">
+      <a:schemeClr val="dk1"/>
+    </dgm:txFillClrLst>
+    <dgm:txEffectClrLst/>
+  </dgm:styleLbl>
+  <dgm:styleLbl name="trBgShp">
+    <dgm:fillClrLst meth="repeat">
+      <a:schemeClr val="accent1">
+        <a:tint val="50000"/>
+        <a:alpha val="40000"/>
+      </a:schemeClr>
+    </dgm:fillClrLst>
+    <dgm:linClrLst meth="repeat">
+      <a:schemeClr val="accent1"/>
+    </dgm:linClrLst>
+    <dgm:effectClrLst/>
+    <dgm:txLinClrLst/>
+    <dgm:txFillClrLst meth="repeat">
+      <a:schemeClr val="lt1"/>
+    </dgm:txFillClrLst>
+    <dgm:txEffectClrLst/>
+  </dgm:styleLbl>
+  <dgm:styleLbl name="vennNode1">
+    <dgm:fillClrLst meth="repeat">
+      <a:schemeClr val="accent1">
+        <a:alpha val="50000"/>
+      </a:schemeClr>
+    </dgm:fillClrLst>
+    <dgm:linClrLst meth="repeat">
+      <a:schemeClr val="lt1"/>
+    </dgm:linClrLst>
+    <dgm:effectClrLst/>
+    <dgm:txLinClrLst/>
+    <dgm:txFillClrLst/>
+    <dgm:txEffectClrLst/>
+  </dgm:styleLbl>
+</dgm:colorsDef>
+</file>
+
+<file path=ppt/diagrams/data1.xml><?xml version="1.0" encoding="utf-8"?>
+<dgm:dataModel xmlns:dgm="http://schemas.openxmlformats.org/drawingml/2006/diagram" xmlns:a="http://schemas.openxmlformats.org/drawingml/2006/main">
+  <dgm:ptLst>
+    <dgm:pt modelId="{5195A661-C884-48DB-ACC1-22F8C90BA8BC}" type="doc">
+      <dgm:prSet loTypeId="urn:microsoft.com/office/officeart/2005/8/layout/hierarchy1" loCatId="hierarchy" qsTypeId="urn:microsoft.com/office/officeart/2005/8/quickstyle/simple1" qsCatId="simple" csTypeId="urn:microsoft.com/office/officeart/2005/8/colors/accent1_2" csCatId="accent1" phldr="1"/>
+      <dgm:spPr/>
+      <dgm:t>
+        <a:bodyPr/>
+        <a:lstStyle/>
+        <a:p>
+          <a:endParaRPr lang="zh-CN" altLang="en-US"/>
+        </a:p>
+      </dgm:t>
+    </dgm:pt>
+    <dgm:pt modelId="{781A5AC9-A830-466C-B434-BA8EDD6E74F4}">
+      <dgm:prSet phldrT="[文本]" custT="1"/>
+      <dgm:spPr/>
+      <dgm:t>
+        <a:bodyPr/>
+        <a:lstStyle/>
+        <a:p>
+          <a:r>
+            <a:rPr lang="zh-CN" altLang="en-US" sz="1800" dirty="0">
+              <a:latin typeface="微软雅黑" panose="020B0503020204020204" pitchFamily="34" charset="-122"/>
+              <a:ea typeface="微软雅黑" panose="020B0503020204020204" pitchFamily="34" charset="-122"/>
+            </a:rPr>
+            <a:t>项目管理</a:t>
+          </a:r>
+        </a:p>
+      </dgm:t>
+    </dgm:pt>
+    <dgm:pt modelId="{780109C1-9655-47E2-88C3-EAFCF26935DB}" cxnId="{09047B45-EB83-4B38-B2C2-D582BBB7B5F5}" type="parTrans">
+      <dgm:prSet/>
+      <dgm:spPr/>
+      <dgm:t>
+        <a:bodyPr/>
+        <a:lstStyle/>
+        <a:p>
+          <a:endParaRPr lang="zh-CN" altLang="en-US" sz="2800">
+            <a:latin typeface="微软雅黑" panose="020B0503020204020204" pitchFamily="34" charset="-122"/>
+            <a:ea typeface="微软雅黑" panose="020B0503020204020204" pitchFamily="34" charset="-122"/>
+          </a:endParaRPr>
+        </a:p>
+      </dgm:t>
+    </dgm:pt>
+    <dgm:pt modelId="{25A7B371-2967-431B-ABEA-D02DC93FE7D8}" cxnId="{09047B45-EB83-4B38-B2C2-D582BBB7B5F5}" type="sibTrans">
+      <dgm:prSet/>
+      <dgm:spPr/>
+      <dgm:t>
+        <a:bodyPr/>
+        <a:lstStyle/>
+        <a:p>
+          <a:endParaRPr lang="zh-CN" altLang="en-US" sz="2800">
+            <a:latin typeface="微软雅黑" panose="020B0503020204020204" pitchFamily="34" charset="-122"/>
+            <a:ea typeface="微软雅黑" panose="020B0503020204020204" pitchFamily="34" charset="-122"/>
+          </a:endParaRPr>
+        </a:p>
+      </dgm:t>
+    </dgm:pt>
+    <dgm:pt modelId="{EFBD3C32-BA34-4EC5-A863-6B6C18C4D868}">
+      <dgm:prSet phldrT="[文本]" custT="1"/>
+      <dgm:spPr/>
+      <dgm:t>
+        <a:bodyPr/>
+        <a:lstStyle/>
+        <a:p>
+          <a:r>
+            <a:rPr lang="zh-CN" altLang="en-US" sz="1800" dirty="0">
+              <a:latin typeface="微软雅黑" panose="020B0503020204020204" pitchFamily="34" charset="-122"/>
+              <a:ea typeface="微软雅黑" panose="020B0503020204020204" pitchFamily="34" charset="-122"/>
+            </a:rPr>
+            <a:t>事</a:t>
+          </a:r>
+        </a:p>
+      </dgm:t>
+    </dgm:pt>
+    <dgm:pt modelId="{E5D17642-311E-4E48-8DEA-D0D8890B54EE}" cxnId="{FAB3F2FB-F6D5-4C97-A559-9A4E5DC86A11}" type="parTrans">
+      <dgm:prSet/>
+      <dgm:spPr/>
+      <dgm:t>
+        <a:bodyPr/>
+        <a:lstStyle/>
+        <a:p>
+          <a:endParaRPr lang="zh-CN" altLang="en-US" sz="2800">
+            <a:latin typeface="微软雅黑" panose="020B0503020204020204" pitchFamily="34" charset="-122"/>
+            <a:ea typeface="微软雅黑" panose="020B0503020204020204" pitchFamily="34" charset="-122"/>
+          </a:endParaRPr>
+        </a:p>
+      </dgm:t>
+    </dgm:pt>
+    <dgm:pt modelId="{BB304DA2-FDD2-4AC3-9B7F-0E99D5E0A5B1}" cxnId="{FAB3F2FB-F6D5-4C97-A559-9A4E5DC86A11}" type="sibTrans">
+      <dgm:prSet/>
+      <dgm:spPr/>
+      <dgm:t>
+        <a:bodyPr/>
+        <a:lstStyle/>
+        <a:p>
+          <a:endParaRPr lang="zh-CN" altLang="en-US" sz="2800">
+            <a:latin typeface="微软雅黑" panose="020B0503020204020204" pitchFamily="34" charset="-122"/>
+            <a:ea typeface="微软雅黑" panose="020B0503020204020204" pitchFamily="34" charset="-122"/>
+          </a:endParaRPr>
+        </a:p>
+      </dgm:t>
+    </dgm:pt>
+    <dgm:pt modelId="{16229D2A-730B-40A1-8802-A3E7D907534E}">
+      <dgm:prSet phldrT="[文本]" custT="1"/>
+      <dgm:spPr/>
+      <dgm:t>
+        <a:bodyPr/>
+        <a:lstStyle/>
+        <a:p>
+          <a:r>
+            <a:rPr lang="zh-CN" altLang="en-US" sz="1800" dirty="0">
+              <a:latin typeface="微软雅黑" panose="020B0503020204020204" pitchFamily="34" charset="-122"/>
+              <a:ea typeface="微软雅黑" panose="020B0503020204020204" pitchFamily="34" charset="-122"/>
+            </a:rPr>
+            <a:t>范围</a:t>
+          </a:r>
+        </a:p>
+      </dgm:t>
+    </dgm:pt>
+    <dgm:pt modelId="{10F5D31E-01D7-48D8-A17A-041F0FDE5A51}" cxnId="{CDC70299-13DC-4242-BD10-3FE2159D639C}" type="parTrans">
+      <dgm:prSet/>
+      <dgm:spPr/>
+      <dgm:t>
+        <a:bodyPr/>
+        <a:lstStyle/>
+        <a:p>
+          <a:endParaRPr lang="zh-CN" altLang="en-US" sz="2800">
+            <a:latin typeface="微软雅黑" panose="020B0503020204020204" pitchFamily="34" charset="-122"/>
+            <a:ea typeface="微软雅黑" panose="020B0503020204020204" pitchFamily="34" charset="-122"/>
+          </a:endParaRPr>
+        </a:p>
+      </dgm:t>
+    </dgm:pt>
+    <dgm:pt modelId="{9650F4D0-D729-49DA-856E-CABC5ECABC91}" cxnId="{CDC70299-13DC-4242-BD10-3FE2159D639C}" type="sibTrans">
+      <dgm:prSet/>
+      <dgm:spPr/>
+      <dgm:t>
+        <a:bodyPr/>
+        <a:lstStyle/>
+        <a:p>
+          <a:endParaRPr lang="zh-CN" altLang="en-US" sz="2800">
+            <a:latin typeface="微软雅黑" panose="020B0503020204020204" pitchFamily="34" charset="-122"/>
+            <a:ea typeface="微软雅黑" panose="020B0503020204020204" pitchFamily="34" charset="-122"/>
+          </a:endParaRPr>
+        </a:p>
+      </dgm:t>
+    </dgm:pt>
+    <dgm:pt modelId="{5FB75872-956E-49D7-985A-FA1F9FCF411B}">
+      <dgm:prSet phldrT="[文本]" custT="1"/>
+      <dgm:spPr/>
+      <dgm:t>
+        <a:bodyPr/>
+        <a:lstStyle/>
+        <a:p>
+          <a:r>
+            <a:rPr lang="zh-CN" altLang="en-US" sz="1800" dirty="0">
+              <a:latin typeface="微软雅黑" panose="020B0503020204020204" pitchFamily="34" charset="-122"/>
+              <a:ea typeface="微软雅黑" panose="020B0503020204020204" pitchFamily="34" charset="-122"/>
+            </a:rPr>
+            <a:t>时间</a:t>
+          </a:r>
+        </a:p>
+      </dgm:t>
+    </dgm:pt>
+    <dgm:pt modelId="{CC6703A3-6E18-4CFC-8EE5-235B7475FC24}" cxnId="{B50250B4-0CBF-4078-A2DE-E79870F84E76}" type="parTrans">
+      <dgm:prSet/>
+      <dgm:spPr/>
+      <dgm:t>
+        <a:bodyPr/>
+        <a:lstStyle/>
+        <a:p>
+          <a:endParaRPr lang="zh-CN" altLang="en-US" sz="2800">
+            <a:latin typeface="微软雅黑" panose="020B0503020204020204" pitchFamily="34" charset="-122"/>
+            <a:ea typeface="微软雅黑" panose="020B0503020204020204" pitchFamily="34" charset="-122"/>
+          </a:endParaRPr>
+        </a:p>
+      </dgm:t>
+    </dgm:pt>
+    <dgm:pt modelId="{29ED61F3-2CE1-4C83-8EA0-C5701A73FAA7}" cxnId="{B50250B4-0CBF-4078-A2DE-E79870F84E76}" type="sibTrans">
+      <dgm:prSet/>
+      <dgm:spPr/>
+      <dgm:t>
+        <a:bodyPr/>
+        <a:lstStyle/>
+        <a:p>
+          <a:endParaRPr lang="zh-CN" altLang="en-US" sz="2800">
+            <a:latin typeface="微软雅黑" panose="020B0503020204020204" pitchFamily="34" charset="-122"/>
+            <a:ea typeface="微软雅黑" panose="020B0503020204020204" pitchFamily="34" charset="-122"/>
+          </a:endParaRPr>
+        </a:p>
+      </dgm:t>
+    </dgm:pt>
+    <dgm:pt modelId="{15497BFB-92F2-494D-ADA4-BCF08E03EEA4}">
+      <dgm:prSet phldrT="[文本]" custT="1"/>
+      <dgm:spPr/>
+      <dgm:t>
+        <a:bodyPr/>
+        <a:lstStyle/>
+        <a:p>
+          <a:r>
+            <a:rPr lang="zh-CN" altLang="en-US" sz="1800" dirty="0">
+              <a:latin typeface="微软雅黑" panose="020B0503020204020204" pitchFamily="34" charset="-122"/>
+              <a:ea typeface="微软雅黑" panose="020B0503020204020204" pitchFamily="34" charset="-122"/>
+            </a:rPr>
+            <a:t>人</a:t>
+          </a:r>
+        </a:p>
+      </dgm:t>
+    </dgm:pt>
+    <dgm:pt modelId="{513DB6FD-C6AF-4569-976F-A254F44F1892}" cxnId="{7FF62EE3-9AA1-4D3F-B751-E03B97D6EBBE}" type="parTrans">
+      <dgm:prSet/>
+      <dgm:spPr/>
+      <dgm:t>
+        <a:bodyPr/>
+        <a:lstStyle/>
+        <a:p>
+          <a:endParaRPr lang="zh-CN" altLang="en-US" sz="2800">
+            <a:latin typeface="微软雅黑" panose="020B0503020204020204" pitchFamily="34" charset="-122"/>
+            <a:ea typeface="微软雅黑" panose="020B0503020204020204" pitchFamily="34" charset="-122"/>
+          </a:endParaRPr>
+        </a:p>
+      </dgm:t>
+    </dgm:pt>
+    <dgm:pt modelId="{DCB10894-45A3-4B01-B290-17600C3EA423}" cxnId="{7FF62EE3-9AA1-4D3F-B751-E03B97D6EBBE}" type="sibTrans">
+      <dgm:prSet/>
+      <dgm:spPr/>
+      <dgm:t>
+        <a:bodyPr/>
+        <a:lstStyle/>
+        <a:p>
+          <a:endParaRPr lang="zh-CN" altLang="en-US" sz="2800">
+            <a:latin typeface="微软雅黑" panose="020B0503020204020204" pitchFamily="34" charset="-122"/>
+            <a:ea typeface="微软雅黑" panose="020B0503020204020204" pitchFamily="34" charset="-122"/>
+          </a:endParaRPr>
+        </a:p>
+      </dgm:t>
+    </dgm:pt>
+    <dgm:pt modelId="{5C0AF9F8-9A8F-4226-9126-96C2973953F1}">
+      <dgm:prSet phldrT="[文本]" custT="1"/>
+      <dgm:spPr/>
+      <dgm:t>
+        <a:bodyPr/>
+        <a:lstStyle/>
+        <a:p>
+          <a:r>
+            <a:rPr lang="zh-CN" altLang="en-US" sz="1800" dirty="0">
+              <a:latin typeface="微软雅黑" panose="020B0503020204020204" pitchFamily="34" charset="-122"/>
+              <a:ea typeface="微软雅黑" panose="020B0503020204020204" pitchFamily="34" charset="-122"/>
+            </a:rPr>
+            <a:t>人力资源</a:t>
+          </a:r>
+        </a:p>
+      </dgm:t>
+    </dgm:pt>
+    <dgm:pt modelId="{55388E6F-6338-4CF4-87B0-851C4673823B}" cxnId="{9E32DD99-262F-432C-BD2E-C85EC508EDFD}" type="parTrans">
+      <dgm:prSet/>
+      <dgm:spPr/>
+      <dgm:t>
+        <a:bodyPr/>
+        <a:lstStyle/>
+        <a:p>
+          <a:endParaRPr lang="zh-CN" altLang="en-US" sz="2800">
+            <a:latin typeface="微软雅黑" panose="020B0503020204020204" pitchFamily="34" charset="-122"/>
+            <a:ea typeface="微软雅黑" panose="020B0503020204020204" pitchFamily="34" charset="-122"/>
+          </a:endParaRPr>
+        </a:p>
+      </dgm:t>
+    </dgm:pt>
+    <dgm:pt modelId="{11213025-812A-458F-8161-354A47AA333A}" cxnId="{9E32DD99-262F-432C-BD2E-C85EC508EDFD}" type="sibTrans">
+      <dgm:prSet/>
+      <dgm:spPr/>
+      <dgm:t>
+        <a:bodyPr/>
+        <a:lstStyle/>
+        <a:p>
+          <a:endParaRPr lang="zh-CN" altLang="en-US" sz="2800">
+            <a:latin typeface="微软雅黑" panose="020B0503020204020204" pitchFamily="34" charset="-122"/>
+            <a:ea typeface="微软雅黑" panose="020B0503020204020204" pitchFamily="34" charset="-122"/>
+          </a:endParaRPr>
+        </a:p>
+      </dgm:t>
+    </dgm:pt>
+    <dgm:pt modelId="{43AA80BC-7FBF-4C8B-A332-A32A49E9D7BC}">
+      <dgm:prSet custT="1"/>
+      <dgm:spPr/>
+      <dgm:t>
+        <a:bodyPr/>
+        <a:lstStyle/>
+        <a:p>
+          <a:r>
+            <a:rPr lang="zh-CN" altLang="en-US" sz="1800" dirty="0">
+              <a:latin typeface="微软雅黑" panose="020B0503020204020204" pitchFamily="34" charset="-122"/>
+              <a:ea typeface="微软雅黑" panose="020B0503020204020204" pitchFamily="34" charset="-122"/>
+            </a:rPr>
+            <a:t>成本</a:t>
+          </a:r>
+        </a:p>
+      </dgm:t>
+    </dgm:pt>
+    <dgm:pt modelId="{2033EEA5-8E1B-4AF2-8AC2-4C3A7D3D8D2B}" cxnId="{D6DEDB76-78DB-4899-A5A0-15A51B0A1811}" type="parTrans">
+      <dgm:prSet/>
+      <dgm:spPr/>
+      <dgm:t>
+        <a:bodyPr/>
+        <a:lstStyle/>
+        <a:p>
+          <a:endParaRPr lang="zh-CN" altLang="en-US" sz="2800">
+            <a:latin typeface="微软雅黑" panose="020B0503020204020204" pitchFamily="34" charset="-122"/>
+            <a:ea typeface="微软雅黑" panose="020B0503020204020204" pitchFamily="34" charset="-122"/>
+          </a:endParaRPr>
+        </a:p>
+      </dgm:t>
+    </dgm:pt>
+    <dgm:pt modelId="{3F7D1C3C-8F07-48C9-ACCC-4DFB803E7B82}" cxnId="{D6DEDB76-78DB-4899-A5A0-15A51B0A1811}" type="sibTrans">
+      <dgm:prSet/>
+      <dgm:spPr/>
+      <dgm:t>
+        <a:bodyPr/>
+        <a:lstStyle/>
+        <a:p>
+          <a:endParaRPr lang="zh-CN" altLang="en-US" sz="2800">
+            <a:latin typeface="微软雅黑" panose="020B0503020204020204" pitchFamily="34" charset="-122"/>
+            <a:ea typeface="微软雅黑" panose="020B0503020204020204" pitchFamily="34" charset="-122"/>
+          </a:endParaRPr>
+        </a:p>
+      </dgm:t>
+    </dgm:pt>
+    <dgm:pt modelId="{2222FA5A-995A-4B0F-B636-97111B030802}">
+      <dgm:prSet custT="1"/>
+      <dgm:spPr/>
+      <dgm:t>
+        <a:bodyPr/>
+        <a:lstStyle/>
+        <a:p>
+          <a:r>
+            <a:rPr lang="zh-CN" altLang="en-US" sz="1800" dirty="0">
+              <a:latin typeface="微软雅黑" panose="020B0503020204020204" pitchFamily="34" charset="-122"/>
+              <a:ea typeface="微软雅黑" panose="020B0503020204020204" pitchFamily="34" charset="-122"/>
+            </a:rPr>
+            <a:t>质量</a:t>
+          </a:r>
+        </a:p>
+      </dgm:t>
+    </dgm:pt>
+    <dgm:pt modelId="{EB1D478A-037E-41BB-B9EF-E06700D27A80}" cxnId="{49C53F4D-67BF-4063-B274-89B2E5F4EFDD}" type="parTrans">
+      <dgm:prSet/>
+      <dgm:spPr/>
+      <dgm:t>
+        <a:bodyPr/>
+        <a:lstStyle/>
+        <a:p>
+          <a:endParaRPr lang="zh-CN" altLang="en-US" sz="2800">
+            <a:latin typeface="微软雅黑" panose="020B0503020204020204" pitchFamily="34" charset="-122"/>
+            <a:ea typeface="微软雅黑" panose="020B0503020204020204" pitchFamily="34" charset="-122"/>
+          </a:endParaRPr>
+        </a:p>
+      </dgm:t>
+    </dgm:pt>
+    <dgm:pt modelId="{7CEC71C0-C2B8-446E-9054-8E3CEFA2E526}" cxnId="{49C53F4D-67BF-4063-B274-89B2E5F4EFDD}" type="sibTrans">
+      <dgm:prSet/>
+      <dgm:spPr/>
+      <dgm:t>
+        <a:bodyPr/>
+        <a:lstStyle/>
+        <a:p>
+          <a:endParaRPr lang="zh-CN" altLang="en-US" sz="2800">
+            <a:latin typeface="微软雅黑" panose="020B0503020204020204" pitchFamily="34" charset="-122"/>
+            <a:ea typeface="微软雅黑" panose="020B0503020204020204" pitchFamily="34" charset="-122"/>
+          </a:endParaRPr>
+        </a:p>
+      </dgm:t>
+    </dgm:pt>
+    <dgm:pt modelId="{CFC977D3-664E-43DB-8585-21B06BBA088B}">
+      <dgm:prSet custT="1"/>
+      <dgm:spPr/>
+      <dgm:t>
+        <a:bodyPr/>
+        <a:lstStyle/>
+        <a:p>
+          <a:r>
+            <a:rPr lang="zh-CN" altLang="en-US" sz="1800" dirty="0">
+              <a:latin typeface="微软雅黑" panose="020B0503020204020204" pitchFamily="34" charset="-122"/>
+              <a:ea typeface="微软雅黑" panose="020B0503020204020204" pitchFamily="34" charset="-122"/>
+            </a:rPr>
+            <a:t>风险</a:t>
+          </a:r>
+        </a:p>
+      </dgm:t>
+    </dgm:pt>
+    <dgm:pt modelId="{B963AF18-954A-4790-B081-22F850B4EF59}" cxnId="{927BD30D-C068-434C-8445-9F9115C085E6}" type="parTrans">
+      <dgm:prSet/>
+      <dgm:spPr/>
+      <dgm:t>
+        <a:bodyPr/>
+        <a:lstStyle/>
+        <a:p>
+          <a:endParaRPr lang="zh-CN" altLang="en-US" sz="2800">
+            <a:latin typeface="微软雅黑" panose="020B0503020204020204" pitchFamily="34" charset="-122"/>
+            <a:ea typeface="微软雅黑" panose="020B0503020204020204" pitchFamily="34" charset="-122"/>
+          </a:endParaRPr>
+        </a:p>
+      </dgm:t>
+    </dgm:pt>
+    <dgm:pt modelId="{9AA1D75D-31A0-425F-A202-CECC03DAE80E}" cxnId="{927BD30D-C068-434C-8445-9F9115C085E6}" type="sibTrans">
+      <dgm:prSet/>
+      <dgm:spPr/>
+      <dgm:t>
+        <a:bodyPr/>
+        <a:lstStyle/>
+        <a:p>
+          <a:endParaRPr lang="zh-CN" altLang="en-US" sz="2800">
+            <a:latin typeface="微软雅黑" panose="020B0503020204020204" pitchFamily="34" charset="-122"/>
+            <a:ea typeface="微软雅黑" panose="020B0503020204020204" pitchFamily="34" charset="-122"/>
+          </a:endParaRPr>
+        </a:p>
+      </dgm:t>
+    </dgm:pt>
+    <dgm:pt modelId="{08E006CB-A082-4E02-8F85-96B61C2D076B}">
+      <dgm:prSet custT="1"/>
+      <dgm:spPr/>
+      <dgm:t>
+        <a:bodyPr/>
+        <a:lstStyle/>
+        <a:p>
+          <a:r>
+            <a:rPr lang="zh-CN" altLang="en-US" sz="1800" dirty="0">
+              <a:latin typeface="微软雅黑" panose="020B0503020204020204" pitchFamily="34" charset="-122"/>
+              <a:ea typeface="微软雅黑" panose="020B0503020204020204" pitchFamily="34" charset="-122"/>
+            </a:rPr>
+            <a:t>沟通</a:t>
+          </a:r>
+        </a:p>
+      </dgm:t>
+    </dgm:pt>
+    <dgm:pt modelId="{A910557D-39B8-4EBF-81FC-B81AE6ABAC4B}" cxnId="{D7DDE220-7AB9-49D1-B21C-EA6F92BC8EB8}" type="parTrans">
+      <dgm:prSet/>
+      <dgm:spPr/>
+      <dgm:t>
+        <a:bodyPr/>
+        <a:lstStyle/>
+        <a:p>
+          <a:endParaRPr lang="zh-CN" altLang="en-US" sz="2800">
+            <a:latin typeface="微软雅黑" panose="020B0503020204020204" pitchFamily="34" charset="-122"/>
+            <a:ea typeface="微软雅黑" panose="020B0503020204020204" pitchFamily="34" charset="-122"/>
+          </a:endParaRPr>
+        </a:p>
+      </dgm:t>
+    </dgm:pt>
+    <dgm:pt modelId="{CA5350F7-4D32-4437-B95B-5CEFC201F08E}" cxnId="{D7DDE220-7AB9-49D1-B21C-EA6F92BC8EB8}" type="sibTrans">
+      <dgm:prSet/>
+      <dgm:spPr/>
+      <dgm:t>
+        <a:bodyPr/>
+        <a:lstStyle/>
+        <a:p>
+          <a:endParaRPr lang="zh-CN" altLang="en-US" sz="2800">
+            <a:latin typeface="微软雅黑" panose="020B0503020204020204" pitchFamily="34" charset="-122"/>
+            <a:ea typeface="微软雅黑" panose="020B0503020204020204" pitchFamily="34" charset="-122"/>
+          </a:endParaRPr>
+        </a:p>
+      </dgm:t>
+    </dgm:pt>
+    <dgm:pt modelId="{7A44F8AA-1E88-452E-95DE-51C2F7534FB5}">
+      <dgm:prSet custT="1"/>
+      <dgm:spPr/>
+      <dgm:t>
+        <a:bodyPr/>
+        <a:lstStyle/>
+        <a:p>
+          <a:r>
+            <a:rPr lang="zh-CN" altLang="en-US" sz="1800" dirty="0">
+              <a:latin typeface="微软雅黑" panose="020B0503020204020204" pitchFamily="34" charset="-122"/>
+              <a:ea typeface="微软雅黑" panose="020B0503020204020204" pitchFamily="34" charset="-122"/>
+            </a:rPr>
+            <a:t>采购</a:t>
+          </a:r>
+        </a:p>
+      </dgm:t>
+    </dgm:pt>
+    <dgm:pt modelId="{6BBB0ADE-0271-4DEB-BA40-4CDD422D51FE}" cxnId="{67D060C8-B4E9-48EA-9013-0AD8D704B634}" type="parTrans">
+      <dgm:prSet/>
+      <dgm:spPr/>
+      <dgm:t>
+        <a:bodyPr/>
+        <a:lstStyle/>
+        <a:p>
+          <a:endParaRPr lang="zh-CN" altLang="en-US" sz="2800">
+            <a:latin typeface="微软雅黑" panose="020B0503020204020204" pitchFamily="34" charset="-122"/>
+            <a:ea typeface="微软雅黑" panose="020B0503020204020204" pitchFamily="34" charset="-122"/>
+          </a:endParaRPr>
+        </a:p>
+      </dgm:t>
+    </dgm:pt>
+    <dgm:pt modelId="{7D06CDA7-DB4F-44CC-978A-D018E3336EDE}" cxnId="{67D060C8-B4E9-48EA-9013-0AD8D704B634}" type="sibTrans">
+      <dgm:prSet/>
+      <dgm:spPr/>
+      <dgm:t>
+        <a:bodyPr/>
+        <a:lstStyle/>
+        <a:p>
+          <a:endParaRPr lang="zh-CN" altLang="en-US" sz="2800">
+            <a:latin typeface="微软雅黑" panose="020B0503020204020204" pitchFamily="34" charset="-122"/>
+            <a:ea typeface="微软雅黑" panose="020B0503020204020204" pitchFamily="34" charset="-122"/>
+          </a:endParaRPr>
+        </a:p>
+      </dgm:t>
+    </dgm:pt>
+    <dgm:pt modelId="{4D05E139-B0C5-46AF-8DB3-7921E71D77E3}">
+      <dgm:prSet custT="1"/>
+      <dgm:spPr/>
+      <dgm:t>
+        <a:bodyPr/>
+        <a:lstStyle/>
+        <a:p>
+          <a:pPr marL="0" lvl="0" indent="0" algn="ctr" defTabSz="800100">
+            <a:lnSpc>
+              <a:spcPct val="90000"/>
+            </a:lnSpc>
+            <a:spcBef>
+              <a:spcPct val="0"/>
+            </a:spcBef>
+            <a:spcAft>
+              <a:spcPct val="35000"/>
+            </a:spcAft>
+            <a:buNone/>
+          </a:pPr>
+          <a:r>
+            <a:rPr lang="zh-CN" altLang="en-US" sz="1800" kern="1200" dirty="0">
+              <a:solidFill>
+                <a:srgbClr val="000000">
+                  <a:hueOff val="0"/>
+                  <a:satOff val="0"/>
+                  <a:lumOff val="0"/>
+                  <a:alphaOff val="0"/>
+                </a:srgbClr>
+              </a:solidFill>
+              <a:latin typeface="微软雅黑" panose="020B0503020204020204" pitchFamily="34" charset="-122"/>
+              <a:ea typeface="微软雅黑" panose="020B0503020204020204" pitchFamily="34" charset="-122"/>
+              <a:cs typeface="Arial" panose="020B0604020202020204"/>
+            </a:rPr>
+            <a:t>干系人</a:t>
+          </a:r>
+        </a:p>
+      </dgm:t>
+    </dgm:pt>
+    <dgm:pt modelId="{83332816-3AEF-40C4-8DD3-C953BCC7595A}" cxnId="{99F7F098-52EA-44C3-8F2E-AD75D5D60EC7}" type="parTrans">
+      <dgm:prSet/>
+      <dgm:spPr/>
+      <dgm:t>
+        <a:bodyPr/>
+        <a:lstStyle/>
+        <a:p>
+          <a:endParaRPr lang="zh-CN" altLang="en-US"/>
+        </a:p>
+      </dgm:t>
+    </dgm:pt>
+    <dgm:pt modelId="{69D2346F-7D67-4A60-982B-77A03C97CEDA}" cxnId="{99F7F098-52EA-44C3-8F2E-AD75D5D60EC7}" type="sibTrans">
+      <dgm:prSet/>
+      <dgm:spPr/>
+      <dgm:t>
+        <a:bodyPr/>
+        <a:lstStyle/>
+        <a:p>
+          <a:endParaRPr lang="zh-CN" altLang="en-US"/>
+        </a:p>
+      </dgm:t>
+    </dgm:pt>
+    <dgm:pt modelId="{4C053454-05B3-4622-917D-FBB8F834B43D}" type="pres">
+      <dgm:prSet presAssocID="{5195A661-C884-48DB-ACC1-22F8C90BA8BC}" presName="hierChild1" presStyleCnt="0">
+        <dgm:presLayoutVars>
+          <dgm:chPref val="1"/>
+          <dgm:dir/>
+          <dgm:animOne val="branch"/>
+          <dgm:animLvl val="lvl"/>
+          <dgm:resizeHandles/>
+        </dgm:presLayoutVars>
+      </dgm:prSet>
+      <dgm:spPr/>
+      <dgm:t>
+        <a:bodyPr/>
+        <a:lstStyle/>
+        <a:p>
+          <a:endParaRPr lang="zh-CN" altLang="en-US"/>
+        </a:p>
+      </dgm:t>
+    </dgm:pt>
+    <dgm:pt modelId="{A0E94A26-143E-436A-93F4-5ADD89932670}" type="pres">
+      <dgm:prSet presAssocID="{781A5AC9-A830-466C-B434-BA8EDD6E74F4}" presName="hierRoot1" presStyleCnt="0"/>
+      <dgm:spPr/>
+    </dgm:pt>
+    <dgm:pt modelId="{F7CCE25F-9871-4892-BC95-D6D8487CE40A}" type="pres">
+      <dgm:prSet presAssocID="{781A5AC9-A830-466C-B434-BA8EDD6E74F4}" presName="composite" presStyleCnt="0"/>
+      <dgm:spPr/>
+    </dgm:pt>
+    <dgm:pt modelId="{0DA58FAD-5F32-4FB2-8A75-E91D5880B797}" type="pres">
+      <dgm:prSet presAssocID="{781A5AC9-A830-466C-B434-BA8EDD6E74F4}" presName="background" presStyleLbl="node0" presStyleIdx="0" presStyleCnt="1"/>
+      <dgm:spPr/>
+    </dgm:pt>
+    <dgm:pt modelId="{2DD7FA9E-548C-465D-BEAE-D08FA82B2D15}" type="pres">
+      <dgm:prSet presAssocID="{781A5AC9-A830-466C-B434-BA8EDD6E74F4}" presName="text" presStyleLbl="fgAcc0" presStyleIdx="0" presStyleCnt="1" custScaleX="184329">
+        <dgm:presLayoutVars>
+          <dgm:chPref val="3"/>
+        </dgm:presLayoutVars>
+      </dgm:prSet>
+      <dgm:spPr/>
+      <dgm:t>
+        <a:bodyPr/>
+        <a:lstStyle/>
+        <a:p>
+          <a:endParaRPr lang="zh-CN" altLang="en-US"/>
+        </a:p>
+      </dgm:t>
+    </dgm:pt>
+    <dgm:pt modelId="{BAFBB71F-1712-4E52-9B50-57F565C11E15}" type="pres">
+      <dgm:prSet presAssocID="{781A5AC9-A830-466C-B434-BA8EDD6E74F4}" presName="hierChild2" presStyleCnt="0"/>
+      <dgm:spPr/>
+    </dgm:pt>
+    <dgm:pt modelId="{922D1A9E-CCCC-42B8-B8EE-0A6EC2E0F37B}" type="pres">
+      <dgm:prSet presAssocID="{E5D17642-311E-4E48-8DEA-D0D8890B54EE}" presName="Name10" presStyleLbl="parChTrans1D2" presStyleIdx="0" presStyleCnt="2"/>
+      <dgm:spPr/>
+      <dgm:t>
+        <a:bodyPr/>
+        <a:lstStyle/>
+        <a:p>
+          <a:endParaRPr lang="zh-CN" altLang="en-US"/>
+        </a:p>
+      </dgm:t>
+    </dgm:pt>
+    <dgm:pt modelId="{F3F0A0B4-621D-46FF-8C7D-4F3679B36D6D}" type="pres">
+      <dgm:prSet presAssocID="{EFBD3C32-BA34-4EC5-A863-6B6C18C4D868}" presName="hierRoot2" presStyleCnt="0"/>
+      <dgm:spPr/>
+    </dgm:pt>
+    <dgm:pt modelId="{E1830202-F522-4EF2-93D4-6A0E5EC62411}" type="pres">
+      <dgm:prSet presAssocID="{EFBD3C32-BA34-4EC5-A863-6B6C18C4D868}" presName="composite2" presStyleCnt="0"/>
+      <dgm:spPr/>
+    </dgm:pt>
+    <dgm:pt modelId="{7FD78921-CE69-427A-8AE0-C5224F3CFFDA}" type="pres">
+      <dgm:prSet presAssocID="{EFBD3C32-BA34-4EC5-A863-6B6C18C4D868}" presName="background2" presStyleLbl="node2" presStyleIdx="0" presStyleCnt="2"/>
+      <dgm:spPr/>
+    </dgm:pt>
+    <dgm:pt modelId="{64CA7213-BB56-4E27-B028-4228819EEFAF}" type="pres">
+      <dgm:prSet presAssocID="{EFBD3C32-BA34-4EC5-A863-6B6C18C4D868}" presName="text2" presStyleLbl="fgAcc2" presStyleIdx="0" presStyleCnt="2">
+        <dgm:presLayoutVars>
+          <dgm:chPref val="3"/>
+        </dgm:presLayoutVars>
+      </dgm:prSet>
+      <dgm:spPr/>
+      <dgm:t>
+        <a:bodyPr/>
+        <a:lstStyle/>
+        <a:p>
+          <a:endParaRPr lang="zh-CN" altLang="en-US"/>
+        </a:p>
+      </dgm:t>
+    </dgm:pt>
+    <dgm:pt modelId="{054714B8-4B0E-41E5-BA18-8290ED04303D}" type="pres">
+      <dgm:prSet presAssocID="{EFBD3C32-BA34-4EC5-A863-6B6C18C4D868}" presName="hierChild3" presStyleCnt="0"/>
+      <dgm:spPr/>
+    </dgm:pt>
+    <dgm:pt modelId="{AB83113C-F607-437E-A1ED-41623AB0E2E2}" type="pres">
+      <dgm:prSet presAssocID="{10F5D31E-01D7-48D8-A17A-041F0FDE5A51}" presName="Name17" presStyleLbl="parChTrans1D3" presStyleIdx="0" presStyleCnt="9"/>
+      <dgm:spPr/>
+      <dgm:t>
+        <a:bodyPr/>
+        <a:lstStyle/>
+        <a:p>
+          <a:endParaRPr lang="zh-CN" altLang="en-US"/>
+        </a:p>
+      </dgm:t>
+    </dgm:pt>
+    <dgm:pt modelId="{451DA0E4-857A-449A-B228-DAC5D79E9224}" type="pres">
+      <dgm:prSet presAssocID="{16229D2A-730B-40A1-8802-A3E7D907534E}" presName="hierRoot3" presStyleCnt="0"/>
+      <dgm:spPr/>
+    </dgm:pt>
+    <dgm:pt modelId="{899889A4-69F8-4BC6-9906-A9B361076CB5}" type="pres">
+      <dgm:prSet presAssocID="{16229D2A-730B-40A1-8802-A3E7D907534E}" presName="composite3" presStyleCnt="0"/>
+      <dgm:spPr/>
+    </dgm:pt>
+    <dgm:pt modelId="{2709A27C-1B4A-4253-8907-40D30EE87EDC}" type="pres">
+      <dgm:prSet presAssocID="{16229D2A-730B-40A1-8802-A3E7D907534E}" presName="background3" presStyleLbl="node3" presStyleIdx="0" presStyleCnt="9"/>
+      <dgm:spPr/>
+    </dgm:pt>
+    <dgm:pt modelId="{AA31CD13-FA13-4075-8CE7-38851863C926}" type="pres">
+      <dgm:prSet presAssocID="{16229D2A-730B-40A1-8802-A3E7D907534E}" presName="text3" presStyleLbl="fgAcc3" presStyleIdx="0" presStyleCnt="9">
+        <dgm:presLayoutVars>
+          <dgm:chPref val="3"/>
+        </dgm:presLayoutVars>
+      </dgm:prSet>
+      <dgm:spPr/>
+      <dgm:t>
+        <a:bodyPr/>
+        <a:lstStyle/>
+        <a:p>
+          <a:endParaRPr lang="zh-CN" altLang="en-US"/>
+        </a:p>
+      </dgm:t>
+    </dgm:pt>
+    <dgm:pt modelId="{924AAFD7-C104-401B-ABB6-1F997194A122}" type="pres">
+      <dgm:prSet presAssocID="{16229D2A-730B-40A1-8802-A3E7D907534E}" presName="hierChild4" presStyleCnt="0"/>
+      <dgm:spPr/>
+    </dgm:pt>
+    <dgm:pt modelId="{56C4FFA1-4F5E-46A0-9863-DCFDA656A01D}" type="pres">
+      <dgm:prSet presAssocID="{CC6703A3-6E18-4CFC-8EE5-235B7475FC24}" presName="Name17" presStyleLbl="parChTrans1D3" presStyleIdx="1" presStyleCnt="9"/>
+      <dgm:spPr/>
+      <dgm:t>
+        <a:bodyPr/>
+        <a:lstStyle/>
+        <a:p>
+          <a:endParaRPr lang="zh-CN" altLang="en-US"/>
+        </a:p>
+      </dgm:t>
+    </dgm:pt>
+    <dgm:pt modelId="{1A883E60-042E-4040-9EF2-8BDB3E4C7068}" type="pres">
+      <dgm:prSet presAssocID="{5FB75872-956E-49D7-985A-FA1F9FCF411B}" presName="hierRoot3" presStyleCnt="0"/>
+      <dgm:spPr/>
+    </dgm:pt>
+    <dgm:pt modelId="{A50451DC-2D37-4E37-A40E-5FA9DED48DFA}" type="pres">
+      <dgm:prSet presAssocID="{5FB75872-956E-49D7-985A-FA1F9FCF411B}" presName="composite3" presStyleCnt="0"/>
+      <dgm:spPr/>
+    </dgm:pt>
+    <dgm:pt modelId="{468E6BC9-086A-4784-9EE0-9C8C717B028E}" type="pres">
+      <dgm:prSet presAssocID="{5FB75872-956E-49D7-985A-FA1F9FCF411B}" presName="background3" presStyleLbl="node3" presStyleIdx="1" presStyleCnt="9"/>
+      <dgm:spPr/>
+    </dgm:pt>
+    <dgm:pt modelId="{1E1C4461-09D5-4A06-9238-73D44F329048}" type="pres">
+      <dgm:prSet presAssocID="{5FB75872-956E-49D7-985A-FA1F9FCF411B}" presName="text3" presStyleLbl="fgAcc3" presStyleIdx="1" presStyleCnt="9">
+        <dgm:presLayoutVars>
+          <dgm:chPref val="3"/>
+        </dgm:presLayoutVars>
+      </dgm:prSet>
+      <dgm:spPr/>
+      <dgm:t>
+        <a:bodyPr/>
+        <a:lstStyle/>
+        <a:p>
+          <a:endParaRPr lang="zh-CN" altLang="en-US"/>
+        </a:p>
+      </dgm:t>
+    </dgm:pt>
+    <dgm:pt modelId="{7F1FF5B6-8FC9-4F27-BBF8-DDBD5957A214}" type="pres">
+      <dgm:prSet presAssocID="{5FB75872-956E-49D7-985A-FA1F9FCF411B}" presName="hierChild4" presStyleCnt="0"/>
+      <dgm:spPr/>
+    </dgm:pt>
+    <dgm:pt modelId="{9D4AD87B-36CE-4E76-B16F-420FA9939776}" type="pres">
+      <dgm:prSet presAssocID="{2033EEA5-8E1B-4AF2-8AC2-4C3A7D3D8D2B}" presName="Name17" presStyleLbl="parChTrans1D3" presStyleIdx="2" presStyleCnt="9"/>
+      <dgm:spPr/>
+      <dgm:t>
+        <a:bodyPr/>
+        <a:lstStyle/>
+        <a:p>
+          <a:endParaRPr lang="zh-CN" altLang="en-US"/>
+        </a:p>
+      </dgm:t>
+    </dgm:pt>
+    <dgm:pt modelId="{7E3E9DE4-C8CD-431A-853A-F206B5DFFA34}" type="pres">
+      <dgm:prSet presAssocID="{43AA80BC-7FBF-4C8B-A332-A32A49E9D7BC}" presName="hierRoot3" presStyleCnt="0"/>
+      <dgm:spPr/>
+    </dgm:pt>
+    <dgm:pt modelId="{3D94B657-48EE-4EE5-8217-4292528B9441}" type="pres">
+      <dgm:prSet presAssocID="{43AA80BC-7FBF-4C8B-A332-A32A49E9D7BC}" presName="composite3" presStyleCnt="0"/>
+      <dgm:spPr/>
+    </dgm:pt>
+    <dgm:pt modelId="{8C757A17-1EE4-4610-AE29-A633D2A666A7}" type="pres">
+      <dgm:prSet presAssocID="{43AA80BC-7FBF-4C8B-A332-A32A49E9D7BC}" presName="background3" presStyleLbl="node3" presStyleIdx="2" presStyleCnt="9"/>
+      <dgm:spPr/>
+    </dgm:pt>
+    <dgm:pt modelId="{63CD7766-3CAD-4D39-B754-5301D0E9652D}" type="pres">
+      <dgm:prSet presAssocID="{43AA80BC-7FBF-4C8B-A332-A32A49E9D7BC}" presName="text3" presStyleLbl="fgAcc3" presStyleIdx="2" presStyleCnt="9">
+        <dgm:presLayoutVars>
+          <dgm:chPref val="3"/>
+        </dgm:presLayoutVars>
+      </dgm:prSet>
+      <dgm:spPr/>
+      <dgm:t>
+        <a:bodyPr/>
+        <a:lstStyle/>
+        <a:p>
+          <a:endParaRPr lang="zh-CN" altLang="en-US"/>
+        </a:p>
+      </dgm:t>
+    </dgm:pt>
+    <dgm:pt modelId="{87320516-5577-4993-BB15-AAB9C74E9705}" type="pres">
+      <dgm:prSet presAssocID="{43AA80BC-7FBF-4C8B-A332-A32A49E9D7BC}" presName="hierChild4" presStyleCnt="0"/>
+      <dgm:spPr/>
+    </dgm:pt>
+    <dgm:pt modelId="{C48AE2AD-1608-4B92-83E0-737F0DEC8301}" type="pres">
+      <dgm:prSet presAssocID="{EB1D478A-037E-41BB-B9EF-E06700D27A80}" presName="Name17" presStyleLbl="parChTrans1D3" presStyleIdx="3" presStyleCnt="9"/>
+      <dgm:spPr/>
+      <dgm:t>
+        <a:bodyPr/>
+        <a:lstStyle/>
+        <a:p>
+          <a:endParaRPr lang="zh-CN" altLang="en-US"/>
+        </a:p>
+      </dgm:t>
+    </dgm:pt>
+    <dgm:pt modelId="{F0DF58F8-8167-40D7-BE8D-C53A36582627}" type="pres">
+      <dgm:prSet presAssocID="{2222FA5A-995A-4B0F-B636-97111B030802}" presName="hierRoot3" presStyleCnt="0"/>
+      <dgm:spPr/>
+    </dgm:pt>
+    <dgm:pt modelId="{04E37220-8266-4615-8DA9-2DF4D9699D12}" type="pres">
+      <dgm:prSet presAssocID="{2222FA5A-995A-4B0F-B636-97111B030802}" presName="composite3" presStyleCnt="0"/>
+      <dgm:spPr/>
+    </dgm:pt>
+    <dgm:pt modelId="{3E9BBF18-3041-4E72-AF29-32DD9D0F33D7}" type="pres">
+      <dgm:prSet presAssocID="{2222FA5A-995A-4B0F-B636-97111B030802}" presName="background3" presStyleLbl="node3" presStyleIdx="3" presStyleCnt="9"/>
+      <dgm:spPr/>
+    </dgm:pt>
+    <dgm:pt modelId="{AB74829B-3239-4B53-A575-EC98E308C65B}" type="pres">
+      <dgm:prSet presAssocID="{2222FA5A-995A-4B0F-B636-97111B030802}" presName="text3" presStyleLbl="fgAcc3" presStyleIdx="3" presStyleCnt="9">
+        <dgm:presLayoutVars>
+          <dgm:chPref val="3"/>
+        </dgm:presLayoutVars>
+      </dgm:prSet>
+      <dgm:spPr/>
+      <dgm:t>
+        <a:bodyPr/>
+        <a:lstStyle/>
+        <a:p>
+          <a:endParaRPr lang="zh-CN" altLang="en-US"/>
+        </a:p>
+      </dgm:t>
+    </dgm:pt>
+    <dgm:pt modelId="{CB70A0F2-9A96-4878-8FE5-B0EB8578A80B}" type="pres">
+      <dgm:prSet presAssocID="{2222FA5A-995A-4B0F-B636-97111B030802}" presName="hierChild4" presStyleCnt="0"/>
+      <dgm:spPr/>
+    </dgm:pt>
+    <dgm:pt modelId="{F8687D44-EA93-4CB0-8E7E-89729BA208B3}" type="pres">
+      <dgm:prSet presAssocID="{B963AF18-954A-4790-B081-22F850B4EF59}" presName="Name17" presStyleLbl="parChTrans1D3" presStyleIdx="4" presStyleCnt="9"/>
+      <dgm:spPr/>
+      <dgm:t>
+        <a:bodyPr/>
+        <a:lstStyle/>
+        <a:p>
+          <a:endParaRPr lang="zh-CN" altLang="en-US"/>
+        </a:p>
+      </dgm:t>
+    </dgm:pt>
+    <dgm:pt modelId="{F4E4C849-E87B-4B60-8AB7-EDAB88920889}" type="pres">
+      <dgm:prSet presAssocID="{CFC977D3-664E-43DB-8585-21B06BBA088B}" presName="hierRoot3" presStyleCnt="0"/>
+      <dgm:spPr/>
+    </dgm:pt>
+    <dgm:pt modelId="{7A234227-58F5-449A-8A93-19573B417080}" type="pres">
+      <dgm:prSet presAssocID="{CFC977D3-664E-43DB-8585-21B06BBA088B}" presName="composite3" presStyleCnt="0"/>
+      <dgm:spPr/>
+    </dgm:pt>
+    <dgm:pt modelId="{B11C065A-FCD1-4D13-A026-6A33BE94585B}" type="pres">
+      <dgm:prSet presAssocID="{CFC977D3-664E-43DB-8585-21B06BBA088B}" presName="background3" presStyleLbl="node3" presStyleIdx="4" presStyleCnt="9"/>
+      <dgm:spPr/>
+    </dgm:pt>
+    <dgm:pt modelId="{1B19637B-5A30-42EB-A00F-BB4EF0E86653}" type="pres">
+      <dgm:prSet presAssocID="{CFC977D3-664E-43DB-8585-21B06BBA088B}" presName="text3" presStyleLbl="fgAcc3" presStyleIdx="4" presStyleCnt="9">
+        <dgm:presLayoutVars>
+          <dgm:chPref val="3"/>
+        </dgm:presLayoutVars>
+      </dgm:prSet>
+      <dgm:spPr/>
+      <dgm:t>
+        <a:bodyPr/>
+        <a:lstStyle/>
+        <a:p>
+          <a:endParaRPr lang="zh-CN" altLang="en-US"/>
+        </a:p>
+      </dgm:t>
+    </dgm:pt>
+    <dgm:pt modelId="{CC6947CB-1432-4037-87B0-50B5923CB1E3}" type="pres">
+      <dgm:prSet presAssocID="{CFC977D3-664E-43DB-8585-21B06BBA088B}" presName="hierChild4" presStyleCnt="0"/>
+      <dgm:spPr/>
+    </dgm:pt>
+    <dgm:pt modelId="{C239EBAE-82D1-434D-AA5C-1DB129D2AFA1}" type="pres">
+      <dgm:prSet presAssocID="{513DB6FD-C6AF-4569-976F-A254F44F1892}" presName="Name10" presStyleLbl="parChTrans1D2" presStyleIdx="1" presStyleCnt="2"/>
+      <dgm:spPr/>
+      <dgm:t>
+        <a:bodyPr/>
+        <a:lstStyle/>
+        <a:p>
+          <a:endParaRPr lang="zh-CN" altLang="en-US"/>
+        </a:p>
+      </dgm:t>
+    </dgm:pt>
+    <dgm:pt modelId="{522CC041-9273-4C5C-8ACF-316CF050F37A}" type="pres">
+      <dgm:prSet presAssocID="{15497BFB-92F2-494D-ADA4-BCF08E03EEA4}" presName="hierRoot2" presStyleCnt="0"/>
+      <dgm:spPr/>
+    </dgm:pt>
+    <dgm:pt modelId="{12DF2543-5BF5-4729-8A7E-66D41A6AB2C9}" type="pres">
+      <dgm:prSet presAssocID="{15497BFB-92F2-494D-ADA4-BCF08E03EEA4}" presName="composite2" presStyleCnt="0"/>
+      <dgm:spPr/>
+    </dgm:pt>
+    <dgm:pt modelId="{2E5F5DC6-94B0-4570-924A-E49663B88CC0}" type="pres">
+      <dgm:prSet presAssocID="{15497BFB-92F2-494D-ADA4-BCF08E03EEA4}" presName="background2" presStyleLbl="node2" presStyleIdx="1" presStyleCnt="2"/>
+      <dgm:spPr/>
+    </dgm:pt>
+    <dgm:pt modelId="{BF35273B-375B-4E5A-A64A-BEB809B31768}" type="pres">
+      <dgm:prSet presAssocID="{15497BFB-92F2-494D-ADA4-BCF08E03EEA4}" presName="text2" presStyleLbl="fgAcc2" presStyleIdx="1" presStyleCnt="2">
+        <dgm:presLayoutVars>
+          <dgm:chPref val="3"/>
+        </dgm:presLayoutVars>
+      </dgm:prSet>
+      <dgm:spPr/>
+      <dgm:t>
+        <a:bodyPr/>
+        <a:lstStyle/>
+        <a:p>
+          <a:endParaRPr lang="zh-CN" altLang="en-US"/>
+        </a:p>
+      </dgm:t>
+    </dgm:pt>
+    <dgm:pt modelId="{6D904786-DF06-4EE8-8596-3F05F87071F0}" type="pres">
+      <dgm:prSet presAssocID="{15497BFB-92F2-494D-ADA4-BCF08E03EEA4}" presName="hierChild3" presStyleCnt="0"/>
+      <dgm:spPr/>
+    </dgm:pt>
+    <dgm:pt modelId="{75DF67A8-87AE-497F-B82A-46AAED564E33}" type="pres">
+      <dgm:prSet presAssocID="{55388E6F-6338-4CF4-87B0-851C4673823B}" presName="Name17" presStyleLbl="parChTrans1D3" presStyleIdx="5" presStyleCnt="9"/>
+      <dgm:spPr/>
+      <dgm:t>
+        <a:bodyPr/>
+        <a:lstStyle/>
+        <a:p>
+          <a:endParaRPr lang="zh-CN" altLang="en-US"/>
+        </a:p>
+      </dgm:t>
+    </dgm:pt>
+    <dgm:pt modelId="{A6C4D360-F010-4CDA-BE7F-41A9ED53B4A2}" type="pres">
+      <dgm:prSet presAssocID="{5C0AF9F8-9A8F-4226-9126-96C2973953F1}" presName="hierRoot3" presStyleCnt="0"/>
+      <dgm:spPr/>
+    </dgm:pt>
+    <dgm:pt modelId="{67346B8A-828C-4306-87C8-32B6DF212ECB}" type="pres">
+      <dgm:prSet presAssocID="{5C0AF9F8-9A8F-4226-9126-96C2973953F1}" presName="composite3" presStyleCnt="0"/>
+      <dgm:spPr/>
+    </dgm:pt>
+    <dgm:pt modelId="{AE94D757-501B-4CE9-8364-8F471F3A6EA0}" type="pres">
+      <dgm:prSet presAssocID="{5C0AF9F8-9A8F-4226-9126-96C2973953F1}" presName="background3" presStyleLbl="node3" presStyleIdx="5" presStyleCnt="9"/>
+      <dgm:spPr/>
+    </dgm:pt>
+    <dgm:pt modelId="{91E89F63-26EC-48BB-A7B5-09D536DC5BE9}" type="pres">
+      <dgm:prSet presAssocID="{5C0AF9F8-9A8F-4226-9126-96C2973953F1}" presName="text3" presStyleLbl="fgAcc3" presStyleIdx="5" presStyleCnt="9" custScaleX="183538">
+        <dgm:presLayoutVars>
+          <dgm:chPref val="3"/>
+        </dgm:presLayoutVars>
+      </dgm:prSet>
+      <dgm:spPr/>
+      <dgm:t>
+        <a:bodyPr/>
+        <a:lstStyle/>
+        <a:p>
+          <a:endParaRPr lang="zh-CN" altLang="en-US"/>
+        </a:p>
+      </dgm:t>
+    </dgm:pt>
+    <dgm:pt modelId="{8F3CDF8F-B932-4D01-93F6-CCD97B7DF810}" type="pres">
+      <dgm:prSet presAssocID="{5C0AF9F8-9A8F-4226-9126-96C2973953F1}" presName="hierChild4" presStyleCnt="0"/>
+      <dgm:spPr/>
+    </dgm:pt>
+    <dgm:pt modelId="{C41012A2-AAB5-48AF-9B73-3FE137A98DDC}" type="pres">
+      <dgm:prSet presAssocID="{A910557D-39B8-4EBF-81FC-B81AE6ABAC4B}" presName="Name17" presStyleLbl="parChTrans1D3" presStyleIdx="6" presStyleCnt="9"/>
+      <dgm:spPr/>
+      <dgm:t>
+        <a:bodyPr/>
+        <a:lstStyle/>
+        <a:p>
+          <a:endParaRPr lang="zh-CN" altLang="en-US"/>
+        </a:p>
+      </dgm:t>
+    </dgm:pt>
+    <dgm:pt modelId="{7E2CFB13-2509-4DC7-B70D-02C4DC4193F9}" type="pres">
+      <dgm:prSet presAssocID="{08E006CB-A082-4E02-8F85-96B61C2D076B}" presName="hierRoot3" presStyleCnt="0"/>
+      <dgm:spPr/>
+    </dgm:pt>
+    <dgm:pt modelId="{224FB168-7EC9-4C3A-BD10-EAF131602D32}" type="pres">
+      <dgm:prSet presAssocID="{08E006CB-A082-4E02-8F85-96B61C2D076B}" presName="composite3" presStyleCnt="0"/>
+      <dgm:spPr/>
+    </dgm:pt>
+    <dgm:pt modelId="{8F053846-7F3F-46AE-837A-53655C23611B}" type="pres">
+      <dgm:prSet presAssocID="{08E006CB-A082-4E02-8F85-96B61C2D076B}" presName="background3" presStyleLbl="node3" presStyleIdx="6" presStyleCnt="9"/>
+      <dgm:spPr/>
+    </dgm:pt>
+    <dgm:pt modelId="{D3D2AEA5-9D15-497D-9FDC-2BC3E5267929}" type="pres">
+      <dgm:prSet presAssocID="{08E006CB-A082-4E02-8F85-96B61C2D076B}" presName="text3" presStyleLbl="fgAcc3" presStyleIdx="6" presStyleCnt="9">
+        <dgm:presLayoutVars>
+          <dgm:chPref val="3"/>
+        </dgm:presLayoutVars>
+      </dgm:prSet>
+      <dgm:spPr/>
+      <dgm:t>
+        <a:bodyPr/>
+        <a:lstStyle/>
+        <a:p>
+          <a:endParaRPr lang="zh-CN" altLang="en-US"/>
+        </a:p>
+      </dgm:t>
+    </dgm:pt>
+    <dgm:pt modelId="{E9116588-C781-4BFA-AAC4-1815392B5C25}" type="pres">
+      <dgm:prSet presAssocID="{08E006CB-A082-4E02-8F85-96B61C2D076B}" presName="hierChild4" presStyleCnt="0"/>
+      <dgm:spPr/>
+    </dgm:pt>
+    <dgm:pt modelId="{807E4D91-C692-4378-BCF8-B42F51E8268F}" type="pres">
+      <dgm:prSet presAssocID="{6BBB0ADE-0271-4DEB-BA40-4CDD422D51FE}" presName="Name17" presStyleLbl="parChTrans1D3" presStyleIdx="7" presStyleCnt="9"/>
+      <dgm:spPr/>
+      <dgm:t>
+        <a:bodyPr/>
+        <a:lstStyle/>
+        <a:p>
+          <a:endParaRPr lang="zh-CN" altLang="en-US"/>
+        </a:p>
+      </dgm:t>
+    </dgm:pt>
+    <dgm:pt modelId="{B74B19F1-5F71-43B3-B07D-5123C00129D7}" type="pres">
+      <dgm:prSet presAssocID="{7A44F8AA-1E88-452E-95DE-51C2F7534FB5}" presName="hierRoot3" presStyleCnt="0"/>
+      <dgm:spPr/>
+    </dgm:pt>
+    <dgm:pt modelId="{0D3999A1-617A-4FD8-9CCD-A4010CDBD52C}" type="pres">
+      <dgm:prSet presAssocID="{7A44F8AA-1E88-452E-95DE-51C2F7534FB5}" presName="composite3" presStyleCnt="0"/>
+      <dgm:spPr/>
+    </dgm:pt>
+    <dgm:pt modelId="{283031A5-9FC6-48A7-BCFA-A1D9491D1F0E}" type="pres">
+      <dgm:prSet presAssocID="{7A44F8AA-1E88-452E-95DE-51C2F7534FB5}" presName="background3" presStyleLbl="node3" presStyleIdx="7" presStyleCnt="9"/>
+      <dgm:spPr/>
+    </dgm:pt>
+    <dgm:pt modelId="{BF7378AD-E20D-4C0E-A319-C055EF030F8A}" type="pres">
+      <dgm:prSet presAssocID="{7A44F8AA-1E88-452E-95DE-51C2F7534FB5}" presName="text3" presStyleLbl="fgAcc3" presStyleIdx="7" presStyleCnt="9">
+        <dgm:presLayoutVars>
+          <dgm:chPref val="3"/>
+        </dgm:presLayoutVars>
+      </dgm:prSet>
+      <dgm:spPr/>
+      <dgm:t>
+        <a:bodyPr/>
+        <a:lstStyle/>
+        <a:p>
+          <a:endParaRPr lang="zh-CN" altLang="en-US"/>
+        </a:p>
+      </dgm:t>
+    </dgm:pt>
+    <dgm:pt modelId="{77309290-4892-450E-AA27-E19983C95CB6}" type="pres">
+      <dgm:prSet presAssocID="{7A44F8AA-1E88-452E-95DE-51C2F7534FB5}" presName="hierChild4" presStyleCnt="0"/>
+      <dgm:spPr/>
+    </dgm:pt>
+    <dgm:pt modelId="{303453B7-1392-4FBB-A51A-E79D76FA65F8}" type="pres">
+      <dgm:prSet presAssocID="{83332816-3AEF-40C4-8DD3-C953BCC7595A}" presName="Name17" presStyleLbl="parChTrans1D3" presStyleIdx="8" presStyleCnt="9"/>
+      <dgm:spPr/>
+      <dgm:t>
+        <a:bodyPr/>
+        <a:lstStyle/>
+        <a:p>
+          <a:endParaRPr lang="zh-CN" altLang="en-US"/>
+        </a:p>
+      </dgm:t>
+    </dgm:pt>
+    <dgm:pt modelId="{B5B188DB-6952-4206-B5DC-44297C15E1CE}" type="pres">
+      <dgm:prSet presAssocID="{4D05E139-B0C5-46AF-8DB3-7921E71D77E3}" presName="hierRoot3" presStyleCnt="0"/>
+      <dgm:spPr/>
+    </dgm:pt>
+    <dgm:pt modelId="{72058591-82D7-4F81-9DA5-AFDAB58C0FDA}" type="pres">
+      <dgm:prSet presAssocID="{4D05E139-B0C5-46AF-8DB3-7921E71D77E3}" presName="composite3" presStyleCnt="0"/>
+      <dgm:spPr/>
+    </dgm:pt>
+    <dgm:pt modelId="{294442C1-F724-4134-A717-532D4D474AB7}" type="pres">
+      <dgm:prSet presAssocID="{4D05E139-B0C5-46AF-8DB3-7921E71D77E3}" presName="background3" presStyleLbl="node3" presStyleIdx="8" presStyleCnt="9"/>
+      <dgm:spPr/>
+    </dgm:pt>
+    <dgm:pt modelId="{02D1BE04-2BA3-4282-8F26-BA9F86CF9D61}" type="pres">
+      <dgm:prSet presAssocID="{4D05E139-B0C5-46AF-8DB3-7921E71D77E3}" presName="text3" presStyleLbl="fgAcc3" presStyleIdx="8" presStyleCnt="9" custScaleX="118018">
+        <dgm:presLayoutVars>
+          <dgm:chPref val="3"/>
+        </dgm:presLayoutVars>
+      </dgm:prSet>
+      <dgm:spPr/>
+      <dgm:t>
+        <a:bodyPr/>
+        <a:lstStyle/>
+        <a:p>
+          <a:endParaRPr lang="zh-CN" altLang="en-US"/>
+        </a:p>
+      </dgm:t>
+    </dgm:pt>
+    <dgm:pt modelId="{C884A4E8-8640-456E-8B8C-F2185EBC4AE4}" type="pres">
+      <dgm:prSet presAssocID="{4D05E139-B0C5-46AF-8DB3-7921E71D77E3}" presName="hierChild4" presStyleCnt="0"/>
+      <dgm:spPr/>
+    </dgm:pt>
+  </dgm:ptLst>
+  <dgm:cxnLst>
+    <dgm:cxn modelId="{9EB736C3-A9DB-4579-BD8B-24337623179D}" type="presOf" srcId="{6BBB0ADE-0271-4DEB-BA40-4CDD422D51FE}" destId="{807E4D91-C692-4378-BCF8-B42F51E8268F}" srcOrd="0" destOrd="0" presId="urn:microsoft.com/office/officeart/2005/8/layout/hierarchy1"/>
+    <dgm:cxn modelId="{81A86B03-054F-4CD0-9569-A78C356EAD0F}" type="presOf" srcId="{EB1D478A-037E-41BB-B9EF-E06700D27A80}" destId="{C48AE2AD-1608-4B92-83E0-737F0DEC8301}" srcOrd="0" destOrd="0" presId="urn:microsoft.com/office/officeart/2005/8/layout/hierarchy1"/>
+    <dgm:cxn modelId="{1A1ABED8-47AF-482E-BD99-86357C7B37D0}" type="presOf" srcId="{10F5D31E-01D7-48D8-A17A-041F0FDE5A51}" destId="{AB83113C-F607-437E-A1ED-41623AB0E2E2}" srcOrd="0" destOrd="0" presId="urn:microsoft.com/office/officeart/2005/8/layout/hierarchy1"/>
+    <dgm:cxn modelId="{67D060C8-B4E9-48EA-9013-0AD8D704B634}" srcId="{15497BFB-92F2-494D-ADA4-BCF08E03EEA4}" destId="{7A44F8AA-1E88-452E-95DE-51C2F7534FB5}" srcOrd="2" destOrd="0" parTransId="{6BBB0ADE-0271-4DEB-BA40-4CDD422D51FE}" sibTransId="{7D06CDA7-DB4F-44CC-978A-D018E3336EDE}"/>
+    <dgm:cxn modelId="{9E32DD99-262F-432C-BD2E-C85EC508EDFD}" srcId="{15497BFB-92F2-494D-ADA4-BCF08E03EEA4}" destId="{5C0AF9F8-9A8F-4226-9126-96C2973953F1}" srcOrd="0" destOrd="0" parTransId="{55388E6F-6338-4CF4-87B0-851C4673823B}" sibTransId="{11213025-812A-458F-8161-354A47AA333A}"/>
+    <dgm:cxn modelId="{CDC70299-13DC-4242-BD10-3FE2159D639C}" srcId="{EFBD3C32-BA34-4EC5-A863-6B6C18C4D868}" destId="{16229D2A-730B-40A1-8802-A3E7D907534E}" srcOrd="0" destOrd="0" parTransId="{10F5D31E-01D7-48D8-A17A-041F0FDE5A51}" sibTransId="{9650F4D0-D729-49DA-856E-CABC5ECABC91}"/>
+    <dgm:cxn modelId="{5CA83FB7-46E2-4A89-AB67-DDA440911842}" type="presOf" srcId="{83332816-3AEF-40C4-8DD3-C953BCC7595A}" destId="{303453B7-1392-4FBB-A51A-E79D76FA65F8}" srcOrd="0" destOrd="0" presId="urn:microsoft.com/office/officeart/2005/8/layout/hierarchy1"/>
+    <dgm:cxn modelId="{374071CB-DB9E-43AA-B825-31F53C439306}" type="presOf" srcId="{16229D2A-730B-40A1-8802-A3E7D907534E}" destId="{AA31CD13-FA13-4075-8CE7-38851863C926}" srcOrd="0" destOrd="0" presId="urn:microsoft.com/office/officeart/2005/8/layout/hierarchy1"/>
+    <dgm:cxn modelId="{1DC07470-DB22-46F6-85C4-5FB454A6625F}" type="presOf" srcId="{7A44F8AA-1E88-452E-95DE-51C2F7534FB5}" destId="{BF7378AD-E20D-4C0E-A319-C055EF030F8A}" srcOrd="0" destOrd="0" presId="urn:microsoft.com/office/officeart/2005/8/layout/hierarchy1"/>
+    <dgm:cxn modelId="{7CAD471B-3DA6-4CC5-A6FE-A5AA85C66815}" type="presOf" srcId="{B963AF18-954A-4790-B081-22F850B4EF59}" destId="{F8687D44-EA93-4CB0-8E7E-89729BA208B3}" srcOrd="0" destOrd="0" presId="urn:microsoft.com/office/officeart/2005/8/layout/hierarchy1"/>
+    <dgm:cxn modelId="{85911286-1769-45AE-8A78-5DEA7C1D95BC}" type="presOf" srcId="{2222FA5A-995A-4B0F-B636-97111B030802}" destId="{AB74829B-3239-4B53-A575-EC98E308C65B}" srcOrd="0" destOrd="0" presId="urn:microsoft.com/office/officeart/2005/8/layout/hierarchy1"/>
+    <dgm:cxn modelId="{D7DDE220-7AB9-49D1-B21C-EA6F92BC8EB8}" srcId="{15497BFB-92F2-494D-ADA4-BCF08E03EEA4}" destId="{08E006CB-A082-4E02-8F85-96B61C2D076B}" srcOrd="1" destOrd="0" parTransId="{A910557D-39B8-4EBF-81FC-B81AE6ABAC4B}" sibTransId="{CA5350F7-4D32-4437-B95B-5CEFC201F08E}"/>
+    <dgm:cxn modelId="{A350C135-ACC1-4449-8C5B-939E36FB1057}" type="presOf" srcId="{781A5AC9-A830-466C-B434-BA8EDD6E74F4}" destId="{2DD7FA9E-548C-465D-BEAE-D08FA82B2D15}" srcOrd="0" destOrd="0" presId="urn:microsoft.com/office/officeart/2005/8/layout/hierarchy1"/>
+    <dgm:cxn modelId="{23FECD6D-9FDF-4C86-BB2A-9374D71F349F}" type="presOf" srcId="{513DB6FD-C6AF-4569-976F-A254F44F1892}" destId="{C239EBAE-82D1-434D-AA5C-1DB129D2AFA1}" srcOrd="0" destOrd="0" presId="urn:microsoft.com/office/officeart/2005/8/layout/hierarchy1"/>
+    <dgm:cxn modelId="{6E7EC7C3-A15A-453C-B323-872EB2FDBD31}" type="presOf" srcId="{15497BFB-92F2-494D-ADA4-BCF08E03EEA4}" destId="{BF35273B-375B-4E5A-A64A-BEB809B31768}" srcOrd="0" destOrd="0" presId="urn:microsoft.com/office/officeart/2005/8/layout/hierarchy1"/>
+    <dgm:cxn modelId="{F00ED19F-C40A-447D-A829-D09C35040D44}" type="presOf" srcId="{55388E6F-6338-4CF4-87B0-851C4673823B}" destId="{75DF67A8-87AE-497F-B82A-46AAED564E33}" srcOrd="0" destOrd="0" presId="urn:microsoft.com/office/officeart/2005/8/layout/hierarchy1"/>
+    <dgm:cxn modelId="{1376B5E4-C718-4349-BF90-DC1BA03A07B0}" type="presOf" srcId="{CFC977D3-664E-43DB-8585-21B06BBA088B}" destId="{1B19637B-5A30-42EB-A00F-BB4EF0E86653}" srcOrd="0" destOrd="0" presId="urn:microsoft.com/office/officeart/2005/8/layout/hierarchy1"/>
+    <dgm:cxn modelId="{7FF62EE3-9AA1-4D3F-B751-E03B97D6EBBE}" srcId="{781A5AC9-A830-466C-B434-BA8EDD6E74F4}" destId="{15497BFB-92F2-494D-ADA4-BCF08E03EEA4}" srcOrd="1" destOrd="0" parTransId="{513DB6FD-C6AF-4569-976F-A254F44F1892}" sibTransId="{DCB10894-45A3-4B01-B290-17600C3EA423}"/>
+    <dgm:cxn modelId="{49C53F4D-67BF-4063-B274-89B2E5F4EFDD}" srcId="{EFBD3C32-BA34-4EC5-A863-6B6C18C4D868}" destId="{2222FA5A-995A-4B0F-B636-97111B030802}" srcOrd="3" destOrd="0" parTransId="{EB1D478A-037E-41BB-B9EF-E06700D27A80}" sibTransId="{7CEC71C0-C2B8-446E-9054-8E3CEFA2E526}"/>
+    <dgm:cxn modelId="{4927D9EA-3E11-455F-8B85-887533CF2748}" type="presOf" srcId="{4D05E139-B0C5-46AF-8DB3-7921E71D77E3}" destId="{02D1BE04-2BA3-4282-8F26-BA9F86CF9D61}" srcOrd="0" destOrd="0" presId="urn:microsoft.com/office/officeart/2005/8/layout/hierarchy1"/>
+    <dgm:cxn modelId="{927BD30D-C068-434C-8445-9F9115C085E6}" srcId="{EFBD3C32-BA34-4EC5-A863-6B6C18C4D868}" destId="{CFC977D3-664E-43DB-8585-21B06BBA088B}" srcOrd="4" destOrd="0" parTransId="{B963AF18-954A-4790-B081-22F850B4EF59}" sibTransId="{9AA1D75D-31A0-425F-A202-CECC03DAE80E}"/>
+    <dgm:cxn modelId="{79745135-6977-4CE3-9E82-A11F61A2BF60}" type="presOf" srcId="{43AA80BC-7FBF-4C8B-A332-A32A49E9D7BC}" destId="{63CD7766-3CAD-4D39-B754-5301D0E9652D}" srcOrd="0" destOrd="0" presId="urn:microsoft.com/office/officeart/2005/8/layout/hierarchy1"/>
+    <dgm:cxn modelId="{AB635493-1F34-4C26-8FC1-82F0833A334F}" type="presOf" srcId="{EFBD3C32-BA34-4EC5-A863-6B6C18C4D868}" destId="{64CA7213-BB56-4E27-B028-4228819EEFAF}" srcOrd="0" destOrd="0" presId="urn:microsoft.com/office/officeart/2005/8/layout/hierarchy1"/>
+    <dgm:cxn modelId="{745C587C-13E1-4902-B609-5C3DC5A9F42E}" type="presOf" srcId="{08E006CB-A082-4E02-8F85-96B61C2D076B}" destId="{D3D2AEA5-9D15-497D-9FDC-2BC3E5267929}" srcOrd="0" destOrd="0" presId="urn:microsoft.com/office/officeart/2005/8/layout/hierarchy1"/>
+    <dgm:cxn modelId="{09047B45-EB83-4B38-B2C2-D582BBB7B5F5}" srcId="{5195A661-C884-48DB-ACC1-22F8C90BA8BC}" destId="{781A5AC9-A830-466C-B434-BA8EDD6E74F4}" srcOrd="0" destOrd="0" parTransId="{780109C1-9655-47E2-88C3-EAFCF26935DB}" sibTransId="{25A7B371-2967-431B-ABEA-D02DC93FE7D8}"/>
+    <dgm:cxn modelId="{B50250B4-0CBF-4078-A2DE-E79870F84E76}" srcId="{EFBD3C32-BA34-4EC5-A863-6B6C18C4D868}" destId="{5FB75872-956E-49D7-985A-FA1F9FCF411B}" srcOrd="1" destOrd="0" parTransId="{CC6703A3-6E18-4CFC-8EE5-235B7475FC24}" sibTransId="{29ED61F3-2CE1-4C83-8EA0-C5701A73FAA7}"/>
+    <dgm:cxn modelId="{D6DEDB76-78DB-4899-A5A0-15A51B0A1811}" srcId="{EFBD3C32-BA34-4EC5-A863-6B6C18C4D868}" destId="{43AA80BC-7FBF-4C8B-A332-A32A49E9D7BC}" srcOrd="2" destOrd="0" parTransId="{2033EEA5-8E1B-4AF2-8AC2-4C3A7D3D8D2B}" sibTransId="{3F7D1C3C-8F07-48C9-ACCC-4DFB803E7B82}"/>
+    <dgm:cxn modelId="{844F2368-B0D8-47F3-B10E-7A937BE08188}" type="presOf" srcId="{CC6703A3-6E18-4CFC-8EE5-235B7475FC24}" destId="{56C4FFA1-4F5E-46A0-9863-DCFDA656A01D}" srcOrd="0" destOrd="0" presId="urn:microsoft.com/office/officeart/2005/8/layout/hierarchy1"/>
+    <dgm:cxn modelId="{B8008F34-BD96-49A7-AD25-D084838594AC}" type="presOf" srcId="{5FB75872-956E-49D7-985A-FA1F9FCF411B}" destId="{1E1C4461-09D5-4A06-9238-73D44F329048}" srcOrd="0" destOrd="0" presId="urn:microsoft.com/office/officeart/2005/8/layout/hierarchy1"/>
+    <dgm:cxn modelId="{34552099-2C0D-4EDB-BFA8-BA13AEA32685}" type="presOf" srcId="{5195A661-C884-48DB-ACC1-22F8C90BA8BC}" destId="{4C053454-05B3-4622-917D-FBB8F834B43D}" srcOrd="0" destOrd="0" presId="urn:microsoft.com/office/officeart/2005/8/layout/hierarchy1"/>
+    <dgm:cxn modelId="{7752CF26-9A37-41F2-B01D-6C6C69D4403D}" type="presOf" srcId="{E5D17642-311E-4E48-8DEA-D0D8890B54EE}" destId="{922D1A9E-CCCC-42B8-B8EE-0A6EC2E0F37B}" srcOrd="0" destOrd="0" presId="urn:microsoft.com/office/officeart/2005/8/layout/hierarchy1"/>
+    <dgm:cxn modelId="{10EED94D-0BD2-45D0-A307-54E67A2397FB}" type="presOf" srcId="{A910557D-39B8-4EBF-81FC-B81AE6ABAC4B}" destId="{C41012A2-AAB5-48AF-9B73-3FE137A98DDC}" srcOrd="0" destOrd="0" presId="urn:microsoft.com/office/officeart/2005/8/layout/hierarchy1"/>
+    <dgm:cxn modelId="{E625B268-592E-4A08-9CAA-EE6D32339E7D}" type="presOf" srcId="{5C0AF9F8-9A8F-4226-9126-96C2973953F1}" destId="{91E89F63-26EC-48BB-A7B5-09D536DC5BE9}" srcOrd="0" destOrd="0" presId="urn:microsoft.com/office/officeart/2005/8/layout/hierarchy1"/>
+    <dgm:cxn modelId="{99F7F098-52EA-44C3-8F2E-AD75D5D60EC7}" srcId="{15497BFB-92F2-494D-ADA4-BCF08E03EEA4}" destId="{4D05E139-B0C5-46AF-8DB3-7921E71D77E3}" srcOrd="3" destOrd="0" parTransId="{83332816-3AEF-40C4-8DD3-C953BCC7595A}" sibTransId="{69D2346F-7D67-4A60-982B-77A03C97CEDA}"/>
+    <dgm:cxn modelId="{0B5BDC48-FEC0-49B4-B979-5EC37ABF656E}" type="presOf" srcId="{2033EEA5-8E1B-4AF2-8AC2-4C3A7D3D8D2B}" destId="{9D4AD87B-36CE-4E76-B16F-420FA9939776}" srcOrd="0" destOrd="0" presId="urn:microsoft.com/office/officeart/2005/8/layout/hierarchy1"/>
+    <dgm:cxn modelId="{FAB3F2FB-F6D5-4C97-A559-9A4E5DC86A11}" srcId="{781A5AC9-A830-466C-B434-BA8EDD6E74F4}" destId="{EFBD3C32-BA34-4EC5-A863-6B6C18C4D868}" srcOrd="0" destOrd="0" parTransId="{E5D17642-311E-4E48-8DEA-D0D8890B54EE}" sibTransId="{BB304DA2-FDD2-4AC3-9B7F-0E99D5E0A5B1}"/>
+    <dgm:cxn modelId="{DEE868C5-7C81-40FD-AC72-3424635DB791}" type="presParOf" srcId="{4C053454-05B3-4622-917D-FBB8F834B43D}" destId="{A0E94A26-143E-436A-93F4-5ADD89932670}" srcOrd="0" destOrd="0" presId="urn:microsoft.com/office/officeart/2005/8/layout/hierarchy1"/>
+    <dgm:cxn modelId="{6E403E31-41B9-4D7F-9F01-A4715D80C0B0}" type="presParOf" srcId="{A0E94A26-143E-436A-93F4-5ADD89932670}" destId="{F7CCE25F-9871-4892-BC95-D6D8487CE40A}" srcOrd="0" destOrd="0" presId="urn:microsoft.com/office/officeart/2005/8/layout/hierarchy1"/>
+    <dgm:cxn modelId="{7B8F55AB-25A0-4C2E-A408-11B8238711C6}" type="presParOf" srcId="{F7CCE25F-9871-4892-BC95-D6D8487CE40A}" destId="{0DA58FAD-5F32-4FB2-8A75-E91D5880B797}" srcOrd="0" destOrd="0" presId="urn:microsoft.com/office/officeart/2005/8/layout/hierarchy1"/>
+    <dgm:cxn modelId="{D79AAB60-13BD-4996-96B7-928C10CB9D83}" type="presParOf" srcId="{F7CCE25F-9871-4892-BC95-D6D8487CE40A}" destId="{2DD7FA9E-548C-465D-BEAE-D08FA82B2D15}" srcOrd="1" destOrd="0" presId="urn:microsoft.com/office/officeart/2005/8/layout/hierarchy1"/>
+    <dgm:cxn modelId="{EBDF2E51-A137-4440-8A78-ABA2637272A9}" type="presParOf" srcId="{A0E94A26-143E-436A-93F4-5ADD89932670}" destId="{BAFBB71F-1712-4E52-9B50-57F565C11E15}" srcOrd="1" destOrd="0" presId="urn:microsoft.com/office/officeart/2005/8/layout/hierarchy1"/>
+    <dgm:cxn modelId="{AC194750-C46C-4666-A360-2AF4537470CC}" type="presParOf" srcId="{BAFBB71F-1712-4E52-9B50-57F565C11E15}" destId="{922D1A9E-CCCC-42B8-B8EE-0A6EC2E0F37B}" srcOrd="0" destOrd="0" presId="urn:microsoft.com/office/officeart/2005/8/layout/hierarchy1"/>
+    <dgm:cxn modelId="{8D31048A-BA40-4883-AA51-29B1DA735448}" type="presParOf" srcId="{BAFBB71F-1712-4E52-9B50-57F565C11E15}" destId="{F3F0A0B4-621D-46FF-8C7D-4F3679B36D6D}" srcOrd="1" destOrd="0" presId="urn:microsoft.com/office/officeart/2005/8/layout/hierarchy1"/>
+    <dgm:cxn modelId="{B598543C-BA23-42CD-943E-1843EE5C5535}" type="presParOf" srcId="{F3F0A0B4-621D-46FF-8C7D-4F3679B36D6D}" destId="{E1830202-F522-4EF2-93D4-6A0E5EC62411}" srcOrd="0" destOrd="0" presId="urn:microsoft.com/office/officeart/2005/8/layout/hierarchy1"/>
+    <dgm:cxn modelId="{45663F8A-E2E7-4291-811F-FADCEA5B12E2}" type="presParOf" srcId="{E1830202-F522-4EF2-93D4-6A0E5EC62411}" destId="{7FD78921-CE69-427A-8AE0-C5224F3CFFDA}" srcOrd="0" destOrd="0" presId="urn:microsoft.com/office/officeart/2005/8/layout/hierarchy1"/>
+    <dgm:cxn modelId="{EB6A3921-D1C4-48AA-9733-1C2D53ED871B}" type="presParOf" srcId="{E1830202-F522-4EF2-93D4-6A0E5EC62411}" destId="{64CA7213-BB56-4E27-B028-4228819EEFAF}" srcOrd="1" destOrd="0" presId="urn:microsoft.com/office/officeart/2005/8/layout/hierarchy1"/>
+    <dgm:cxn modelId="{56273E40-B084-4C13-87B6-EB4B454BF745}" type="presParOf" srcId="{F3F0A0B4-621D-46FF-8C7D-4F3679B36D6D}" destId="{054714B8-4B0E-41E5-BA18-8290ED04303D}" srcOrd="1" destOrd="0" presId="urn:microsoft.com/office/officeart/2005/8/layout/hierarchy1"/>
+    <dgm:cxn modelId="{E67CE401-7E45-4B36-B9DC-A9DCECECD505}" type="presParOf" srcId="{054714B8-4B0E-41E5-BA18-8290ED04303D}" destId="{AB83113C-F607-437E-A1ED-41623AB0E2E2}" srcOrd="0" destOrd="0" presId="urn:microsoft.com/office/officeart/2005/8/layout/hierarchy1"/>
+    <dgm:cxn modelId="{8410B539-4131-4791-A18A-BD5DB32D0F03}" type="presParOf" srcId="{054714B8-4B0E-41E5-BA18-8290ED04303D}" destId="{451DA0E4-857A-449A-B228-DAC5D79E9224}" srcOrd="1" destOrd="0" presId="urn:microsoft.com/office/officeart/2005/8/layout/hierarchy1"/>
+    <dgm:cxn modelId="{D0F3ED07-CFE6-41BA-8297-9410F6053921}" type="presParOf" srcId="{451DA0E4-857A-449A-B228-DAC5D79E9224}" destId="{899889A4-69F8-4BC6-9906-A9B361076CB5}" srcOrd="0" destOrd="0" presId="urn:microsoft.com/office/officeart/2005/8/layout/hierarchy1"/>
+    <dgm:cxn modelId="{8C28BF62-69C5-4E12-8D62-2EED4B219848}" type="presParOf" srcId="{899889A4-69F8-4BC6-9906-A9B361076CB5}" destId="{2709A27C-1B4A-4253-8907-40D30EE87EDC}" srcOrd="0" destOrd="0" presId="urn:microsoft.com/office/officeart/2005/8/layout/hierarchy1"/>
+    <dgm:cxn modelId="{E634DA51-9560-41C9-85D0-52BDC0E6C7C0}" type="presParOf" srcId="{899889A4-69F8-4BC6-9906-A9B361076CB5}" destId="{AA31CD13-FA13-4075-8CE7-38851863C926}" srcOrd="1" destOrd="0" presId="urn:microsoft.com/office/officeart/2005/8/layout/hierarchy1"/>
+    <dgm:cxn modelId="{5A17C448-C356-49D2-A0CA-B4E9AD5B0B45}" type="presParOf" srcId="{451DA0E4-857A-449A-B228-DAC5D79E9224}" destId="{924AAFD7-C104-401B-ABB6-1F997194A122}" srcOrd="1" destOrd="0" presId="urn:microsoft.com/office/officeart/2005/8/layout/hierarchy1"/>
+    <dgm:cxn modelId="{14B5BA41-313B-46D2-B218-6F76A5D2A493}" type="presParOf" srcId="{054714B8-4B0E-41E5-BA18-8290ED04303D}" destId="{56C4FFA1-4F5E-46A0-9863-DCFDA656A01D}" srcOrd="2" destOrd="0" presId="urn:microsoft.com/office/officeart/2005/8/layout/hierarchy1"/>
+    <dgm:cxn modelId="{BBE629EA-7542-40AF-8295-3C907F53852C}" type="presParOf" srcId="{054714B8-4B0E-41E5-BA18-8290ED04303D}" destId="{1A883E60-042E-4040-9EF2-8BDB3E4C7068}" srcOrd="3" destOrd="0" presId="urn:microsoft.com/office/officeart/2005/8/layout/hierarchy1"/>
+    <dgm:cxn modelId="{0B4F2ABE-8F41-427E-8685-03AEE4525D6A}" type="presParOf" srcId="{1A883E60-042E-4040-9EF2-8BDB3E4C7068}" destId="{A50451DC-2D37-4E37-A40E-5FA9DED48DFA}" srcOrd="0" destOrd="0" presId="urn:microsoft.com/office/officeart/2005/8/layout/hierarchy1"/>
+    <dgm:cxn modelId="{B4F2B9ED-5566-4F51-8030-02802CFCC679}" type="presParOf" srcId="{A50451DC-2D37-4E37-A40E-5FA9DED48DFA}" destId="{468E6BC9-086A-4784-9EE0-9C8C717B028E}" srcOrd="0" destOrd="0" presId="urn:microsoft.com/office/officeart/2005/8/layout/hierarchy1"/>
+    <dgm:cxn modelId="{1EBD1FE2-24A9-44CC-8D9F-C3AB9B0C5091}" type="presParOf" srcId="{A50451DC-2D37-4E37-A40E-5FA9DED48DFA}" destId="{1E1C4461-09D5-4A06-9238-73D44F329048}" srcOrd="1" destOrd="0" presId="urn:microsoft.com/office/officeart/2005/8/layout/hierarchy1"/>
+    <dgm:cxn modelId="{172C6C1E-D2D2-42A1-B6B2-62174C2404EF}" type="presParOf" srcId="{1A883E60-042E-4040-9EF2-8BDB3E4C7068}" destId="{7F1FF5B6-8FC9-4F27-BBF8-DDBD5957A214}" srcOrd="1" destOrd="0" presId="urn:microsoft.com/office/officeart/2005/8/layout/hierarchy1"/>
+    <dgm:cxn modelId="{B27F3EB3-0EAC-489C-9EE2-15E08E4A1B8B}" type="presParOf" srcId="{054714B8-4B0E-41E5-BA18-8290ED04303D}" destId="{9D4AD87B-36CE-4E76-B16F-420FA9939776}" srcOrd="4" destOrd="0" presId="urn:microsoft.com/office/officeart/2005/8/layout/hierarchy1"/>
+    <dgm:cxn modelId="{1A8B8CBD-8BB9-4EF3-AB21-2F7EF7EA1E02}" type="presParOf" srcId="{054714B8-4B0E-41E5-BA18-8290ED04303D}" destId="{7E3E9DE4-C8CD-431A-853A-F206B5DFFA34}" srcOrd="5" destOrd="0" presId="urn:microsoft.com/office/officeart/2005/8/layout/hierarchy1"/>
+    <dgm:cxn modelId="{05740AA4-F807-416B-8F7A-48028D68D39F}" type="presParOf" srcId="{7E3E9DE4-C8CD-431A-853A-F206B5DFFA34}" destId="{3D94B657-48EE-4EE5-8217-4292528B9441}" srcOrd="0" destOrd="0" presId="urn:microsoft.com/office/officeart/2005/8/layout/hierarchy1"/>
+    <dgm:cxn modelId="{F84940E7-65F7-4C01-A288-8122A4F9A803}" type="presParOf" srcId="{3D94B657-48EE-4EE5-8217-4292528B9441}" destId="{8C757A17-1EE4-4610-AE29-A633D2A666A7}" srcOrd="0" destOrd="0" presId="urn:microsoft.com/office/officeart/2005/8/layout/hierarchy1"/>
+    <dgm:cxn modelId="{D5E68B0F-FC0D-4C96-A1EE-14ECFCB86D9F}" type="presParOf" srcId="{3D94B657-48EE-4EE5-8217-4292528B9441}" destId="{63CD7766-3CAD-4D39-B754-5301D0E9652D}" srcOrd="1" destOrd="0" presId="urn:microsoft.com/office/officeart/2005/8/layout/hierarchy1"/>
+    <dgm:cxn modelId="{C292ACD3-9B78-40B2-9331-3BC125BB7D4A}" type="presParOf" srcId="{7E3E9DE4-C8CD-431A-853A-F206B5DFFA34}" destId="{87320516-5577-4993-BB15-AAB9C74E9705}" srcOrd="1" destOrd="0" presId="urn:microsoft.com/office/officeart/2005/8/layout/hierarchy1"/>
+    <dgm:cxn modelId="{A1383EE2-A6F2-4E15-BBA8-DD08556F646A}" type="presParOf" srcId="{054714B8-4B0E-41E5-BA18-8290ED04303D}" destId="{C48AE2AD-1608-4B92-83E0-737F0DEC8301}" srcOrd="6" destOrd="0" presId="urn:microsoft.com/office/officeart/2005/8/layout/hierarchy1"/>
+    <dgm:cxn modelId="{808AE9F0-6CD4-41D4-8CEA-1E97D99872A4}" type="presParOf" srcId="{054714B8-4B0E-41E5-BA18-8290ED04303D}" destId="{F0DF58F8-8167-40D7-BE8D-C53A36582627}" srcOrd="7" destOrd="0" presId="urn:microsoft.com/office/officeart/2005/8/layout/hierarchy1"/>
+    <dgm:cxn modelId="{12C9B142-6675-4351-BC47-69CC7348DD2E}" type="presParOf" srcId="{F0DF58F8-8167-40D7-BE8D-C53A36582627}" destId="{04E37220-8266-4615-8DA9-2DF4D9699D12}" srcOrd="0" destOrd="0" presId="urn:microsoft.com/office/officeart/2005/8/layout/hierarchy1"/>
+    <dgm:cxn modelId="{1D46DE06-35B6-44C2-ADBA-DEB50184EBF8}" type="presParOf" srcId="{04E37220-8266-4615-8DA9-2DF4D9699D12}" destId="{3E9BBF18-3041-4E72-AF29-32DD9D0F33D7}" srcOrd="0" destOrd="0" presId="urn:microsoft.com/office/officeart/2005/8/layout/hierarchy1"/>
+    <dgm:cxn modelId="{3728F6E8-01A6-4C98-B07C-3EF756D1229D}" type="presParOf" srcId="{04E37220-8266-4615-8DA9-2DF4D9699D12}" destId="{AB74829B-3239-4B53-A575-EC98E308C65B}" srcOrd="1" destOrd="0" presId="urn:microsoft.com/office/officeart/2005/8/layout/hierarchy1"/>
+    <dgm:cxn modelId="{4BB28BFC-5D1B-4585-8976-C3A37D7F78BF}" type="presParOf" srcId="{F0DF58F8-8167-40D7-BE8D-C53A36582627}" destId="{CB70A0F2-9A96-4878-8FE5-B0EB8578A80B}" srcOrd="1" destOrd="0" presId="urn:microsoft.com/office/officeart/2005/8/layout/hierarchy1"/>
+    <dgm:cxn modelId="{72DE9463-0C8B-4C1C-8C68-8E1C14C83C79}" type="presParOf" srcId="{054714B8-4B0E-41E5-BA18-8290ED04303D}" destId="{F8687D44-EA93-4CB0-8E7E-89729BA208B3}" srcOrd="8" destOrd="0" presId="urn:microsoft.com/office/officeart/2005/8/layout/hierarchy1"/>
+    <dgm:cxn modelId="{0C746307-6566-4463-9DB1-041237AAEFB2}" type="presParOf" srcId="{054714B8-4B0E-41E5-BA18-8290ED04303D}" destId="{F4E4C849-E87B-4B60-8AB7-EDAB88920889}" srcOrd="9" destOrd="0" presId="urn:microsoft.com/office/officeart/2005/8/layout/hierarchy1"/>
+    <dgm:cxn modelId="{72C8D4D0-1FAC-4DD9-A197-A26D7C77909C}" type="presParOf" srcId="{F4E4C849-E87B-4B60-8AB7-EDAB88920889}" destId="{7A234227-58F5-449A-8A93-19573B417080}" srcOrd="0" destOrd="0" presId="urn:microsoft.com/office/officeart/2005/8/layout/hierarchy1"/>
+    <dgm:cxn modelId="{3AF69DCE-5419-490C-A38A-542ACCFA912D}" type="presParOf" srcId="{7A234227-58F5-449A-8A93-19573B417080}" destId="{B11C065A-FCD1-4D13-A026-6A33BE94585B}" srcOrd="0" destOrd="0" presId="urn:microsoft.com/office/officeart/2005/8/layout/hierarchy1"/>
+    <dgm:cxn modelId="{F2F223CB-ADC6-4E20-9C1C-86982C35E91C}" type="presParOf" srcId="{7A234227-58F5-449A-8A93-19573B417080}" destId="{1B19637B-5A30-42EB-A00F-BB4EF0E86653}" srcOrd="1" destOrd="0" presId="urn:microsoft.com/office/officeart/2005/8/layout/hierarchy1"/>
+    <dgm:cxn modelId="{8A52D589-6D77-495F-BFC6-6D9D6F1F6AD8}" type="presParOf" srcId="{F4E4C849-E87B-4B60-8AB7-EDAB88920889}" destId="{CC6947CB-1432-4037-87B0-50B5923CB1E3}" srcOrd="1" destOrd="0" presId="urn:microsoft.com/office/officeart/2005/8/layout/hierarchy1"/>
+    <dgm:cxn modelId="{D346ACA3-87D0-4BDF-AEC9-B138AC35F6D4}" type="presParOf" srcId="{BAFBB71F-1712-4E52-9B50-57F565C11E15}" destId="{C239EBAE-82D1-434D-AA5C-1DB129D2AFA1}" srcOrd="2" destOrd="0" presId="urn:microsoft.com/office/officeart/2005/8/layout/hierarchy1"/>
+    <dgm:cxn modelId="{EBF2BFB5-90C2-4E78-B677-B8B03AAB572A}" type="presParOf" srcId="{BAFBB71F-1712-4E52-9B50-57F565C11E15}" destId="{522CC041-9273-4C5C-8ACF-316CF050F37A}" srcOrd="3" destOrd="0" presId="urn:microsoft.com/office/officeart/2005/8/layout/hierarchy1"/>
+    <dgm:cxn modelId="{35C809FF-9E02-4CD9-862D-A444CAECCF2C}" type="presParOf" srcId="{522CC041-9273-4C5C-8ACF-316CF050F37A}" destId="{12DF2543-5BF5-4729-8A7E-66D41A6AB2C9}" srcOrd="0" destOrd="0" presId="urn:microsoft.com/office/officeart/2005/8/layout/hierarchy1"/>
+    <dgm:cxn modelId="{3808CB57-11A1-4EA9-919C-0AF68CF6B30A}" type="presParOf" srcId="{12DF2543-5BF5-4729-8A7E-66D41A6AB2C9}" destId="{2E5F5DC6-94B0-4570-924A-E49663B88CC0}" srcOrd="0" destOrd="0" presId="urn:microsoft.com/office/officeart/2005/8/layout/hierarchy1"/>
+    <dgm:cxn modelId="{32B926EA-1591-4E13-A15D-CD91285BDB07}" type="presParOf" srcId="{12DF2543-5BF5-4729-8A7E-66D41A6AB2C9}" destId="{BF35273B-375B-4E5A-A64A-BEB809B31768}" srcOrd="1" destOrd="0" presId="urn:microsoft.com/office/officeart/2005/8/layout/hierarchy1"/>
+    <dgm:cxn modelId="{E108073D-4615-4735-A683-8A1943BDA1B0}" type="presParOf" srcId="{522CC041-9273-4C5C-8ACF-316CF050F37A}" destId="{6D904786-DF06-4EE8-8596-3F05F87071F0}" srcOrd="1" destOrd="0" presId="urn:microsoft.com/office/officeart/2005/8/layout/hierarchy1"/>
+    <dgm:cxn modelId="{C7CC45BD-B6E7-4B48-92E8-FF617B201987}" type="presParOf" srcId="{6D904786-DF06-4EE8-8596-3F05F87071F0}" destId="{75DF67A8-87AE-497F-B82A-46AAED564E33}" srcOrd="0" destOrd="0" presId="urn:microsoft.com/office/officeart/2005/8/layout/hierarchy1"/>
+    <dgm:cxn modelId="{EE8F4C0B-89EC-4D9E-9BA0-ABE49E0366CE}" type="presParOf" srcId="{6D904786-DF06-4EE8-8596-3F05F87071F0}" destId="{A6C4D360-F010-4CDA-BE7F-41A9ED53B4A2}" srcOrd="1" destOrd="0" presId="urn:microsoft.com/office/officeart/2005/8/layout/hierarchy1"/>
+    <dgm:cxn modelId="{1776F7E7-F958-404A-A3D1-47919DD03DFF}" type="presParOf" srcId="{A6C4D360-F010-4CDA-BE7F-41A9ED53B4A2}" destId="{67346B8A-828C-4306-87C8-32B6DF212ECB}" srcOrd="0" destOrd="0" presId="urn:microsoft.com/office/officeart/2005/8/layout/hierarchy1"/>
+    <dgm:cxn modelId="{FF29C0D0-0349-485C-B5B8-331F26BA2FDE}" type="presParOf" srcId="{67346B8A-828C-4306-87C8-32B6DF212ECB}" destId="{AE94D757-501B-4CE9-8364-8F471F3A6EA0}" srcOrd="0" destOrd="0" presId="urn:microsoft.com/office/officeart/2005/8/layout/hierarchy1"/>
+    <dgm:cxn modelId="{C29A899A-FDF0-47DA-9B43-E2097D997998}" type="presParOf" srcId="{67346B8A-828C-4306-87C8-32B6DF212ECB}" destId="{91E89F63-26EC-48BB-A7B5-09D536DC5BE9}" srcOrd="1" destOrd="0" presId="urn:microsoft.com/office/officeart/2005/8/layout/hierarchy1"/>
+    <dgm:cxn modelId="{DC58EB26-0D90-4D0A-AE0E-FC5DA546CA83}" type="presParOf" srcId="{A6C4D360-F010-4CDA-BE7F-41A9ED53B4A2}" destId="{8F3CDF8F-B932-4D01-93F6-CCD97B7DF810}" srcOrd="1" destOrd="0" presId="urn:microsoft.com/office/officeart/2005/8/layout/hierarchy1"/>
+    <dgm:cxn modelId="{CA70521F-9B6C-47D3-89B1-D4C5AF772A1D}" type="presParOf" srcId="{6D904786-DF06-4EE8-8596-3F05F87071F0}" destId="{C41012A2-AAB5-48AF-9B73-3FE137A98DDC}" srcOrd="2" destOrd="0" presId="urn:microsoft.com/office/officeart/2005/8/layout/hierarchy1"/>
+    <dgm:cxn modelId="{F1CD9358-0E07-41BB-B3F4-0DE0489E122E}" type="presParOf" srcId="{6D904786-DF06-4EE8-8596-3F05F87071F0}" destId="{7E2CFB13-2509-4DC7-B70D-02C4DC4193F9}" srcOrd="3" destOrd="0" presId="urn:microsoft.com/office/officeart/2005/8/layout/hierarchy1"/>
+    <dgm:cxn modelId="{8CCED974-E6A8-42A1-8919-C2C9E0DEA555}" type="presParOf" srcId="{7E2CFB13-2509-4DC7-B70D-02C4DC4193F9}" destId="{224FB168-7EC9-4C3A-BD10-EAF131602D32}" srcOrd="0" destOrd="0" presId="urn:microsoft.com/office/officeart/2005/8/layout/hierarchy1"/>
+    <dgm:cxn modelId="{6EE1A1CB-3D19-4E21-B5E4-DEAF3E49625B}" type="presParOf" srcId="{224FB168-7EC9-4C3A-BD10-EAF131602D32}" destId="{8F053846-7F3F-46AE-837A-53655C23611B}" srcOrd="0" destOrd="0" presId="urn:microsoft.com/office/officeart/2005/8/layout/hierarchy1"/>
+    <dgm:cxn modelId="{7B813378-DF3C-4A4B-BFFC-7FCB889BE9F7}" type="presParOf" srcId="{224FB168-7EC9-4C3A-BD10-EAF131602D32}" destId="{D3D2AEA5-9D15-497D-9FDC-2BC3E5267929}" srcOrd="1" destOrd="0" presId="urn:microsoft.com/office/officeart/2005/8/layout/hierarchy1"/>
+    <dgm:cxn modelId="{13186C43-6F2A-4015-A34A-995EEA320E31}" type="presParOf" srcId="{7E2CFB13-2509-4DC7-B70D-02C4DC4193F9}" destId="{E9116588-C781-4BFA-AAC4-1815392B5C25}" srcOrd="1" destOrd="0" presId="urn:microsoft.com/office/officeart/2005/8/layout/hierarchy1"/>
+    <dgm:cxn modelId="{20A915F9-E7B5-4557-95D8-3B6F884775D4}" type="presParOf" srcId="{6D904786-DF06-4EE8-8596-3F05F87071F0}" destId="{807E4D91-C692-4378-BCF8-B42F51E8268F}" srcOrd="4" destOrd="0" presId="urn:microsoft.com/office/officeart/2005/8/layout/hierarchy1"/>
+    <dgm:cxn modelId="{58E3B14C-4DB7-4331-8577-F2ABC20F6E4B}" type="presParOf" srcId="{6D904786-DF06-4EE8-8596-3F05F87071F0}" destId="{B74B19F1-5F71-43B3-B07D-5123C00129D7}" srcOrd="5" destOrd="0" presId="urn:microsoft.com/office/officeart/2005/8/layout/hierarchy1"/>
+    <dgm:cxn modelId="{EBB037D0-FC57-4078-8644-0C09ACE10E9D}" type="presParOf" srcId="{B74B19F1-5F71-43B3-B07D-5123C00129D7}" destId="{0D3999A1-617A-4FD8-9CCD-A4010CDBD52C}" srcOrd="0" destOrd="0" presId="urn:microsoft.com/office/officeart/2005/8/layout/hierarchy1"/>
+    <dgm:cxn modelId="{B806404F-5069-4D43-9BBE-BBE26C58B1E6}" type="presParOf" srcId="{0D3999A1-617A-4FD8-9CCD-A4010CDBD52C}" destId="{283031A5-9FC6-48A7-BCFA-A1D9491D1F0E}" srcOrd="0" destOrd="0" presId="urn:microsoft.com/office/officeart/2005/8/layout/hierarchy1"/>
+    <dgm:cxn modelId="{D2AF9E5A-2746-4347-81CC-D61606C0A0E3}" type="presParOf" srcId="{0D3999A1-617A-4FD8-9CCD-A4010CDBD52C}" destId="{BF7378AD-E20D-4C0E-A319-C055EF030F8A}" srcOrd="1" destOrd="0" presId="urn:microsoft.com/office/officeart/2005/8/layout/hierarchy1"/>
+    <dgm:cxn modelId="{FAE505E1-3557-4500-8A67-813D5EE98B74}" type="presParOf" srcId="{B74B19F1-5F71-43B3-B07D-5123C00129D7}" destId="{77309290-4892-450E-AA27-E19983C95CB6}" srcOrd="1" destOrd="0" presId="urn:microsoft.com/office/officeart/2005/8/layout/hierarchy1"/>
+    <dgm:cxn modelId="{58107C88-52CE-4E10-8B3A-2EC12CBC6E1B}" type="presParOf" srcId="{6D904786-DF06-4EE8-8596-3F05F87071F0}" destId="{303453B7-1392-4FBB-A51A-E79D76FA65F8}" srcOrd="6" destOrd="0" presId="urn:microsoft.com/office/officeart/2005/8/layout/hierarchy1"/>
+    <dgm:cxn modelId="{62601F25-25F7-4E9D-A96E-5156460EF52A}" type="presParOf" srcId="{6D904786-DF06-4EE8-8596-3F05F87071F0}" destId="{B5B188DB-6952-4206-B5DC-44297C15E1CE}" srcOrd="7" destOrd="0" presId="urn:microsoft.com/office/officeart/2005/8/layout/hierarchy1"/>
+    <dgm:cxn modelId="{70CE6CD3-27A2-488D-91D0-48ECED5A0E1D}" type="presParOf" srcId="{B5B188DB-6952-4206-B5DC-44297C15E1CE}" destId="{72058591-82D7-4F81-9DA5-AFDAB58C0FDA}" srcOrd="0" destOrd="0" presId="urn:microsoft.com/office/officeart/2005/8/layout/hierarchy1"/>
+    <dgm:cxn modelId="{2506CD60-2B34-4ECD-801C-4D64D36D8C18}" type="presParOf" srcId="{72058591-82D7-4F81-9DA5-AFDAB58C0FDA}" destId="{294442C1-F724-4134-A717-532D4D474AB7}" srcOrd="0" destOrd="0" presId="urn:microsoft.com/office/officeart/2005/8/layout/hierarchy1"/>
+    <dgm:cxn modelId="{F3FA6A6F-AA1C-4948-AA60-E1694312835A}" type="presParOf" srcId="{72058591-82D7-4F81-9DA5-AFDAB58C0FDA}" destId="{02D1BE04-2BA3-4282-8F26-BA9F86CF9D61}" srcOrd="1" destOrd="0" presId="urn:microsoft.com/office/officeart/2005/8/layout/hierarchy1"/>
+    <dgm:cxn modelId="{EB0A0E94-0B5D-4070-839B-CBA3FD1EA2C3}" type="presParOf" srcId="{B5B188DB-6952-4206-B5DC-44297C15E1CE}" destId="{C884A4E8-8640-456E-8B8C-F2185EBC4AE4}" srcOrd="1" destOrd="0" presId="urn:microsoft.com/office/officeart/2005/8/layout/hierarchy1"/>
+  </dgm:cxnLst>
+  <dgm:bg/>
+  <dgm:whole/>
+  <dgm:extLst>
+    <a:ext uri="http://schemas.microsoft.com/office/drawing/2008/diagram">
+      <dsp:dataModelExt xmlns:dsp="http://schemas.microsoft.com/office/drawing/2008/diagram" relId="rId5" minVer="http://schemas.openxmlformats.org/drawingml/2006/diagram"/>
+    </a:ext>
+  </dgm:extLst>
+</dgm:dataModel>
+</file>
+
+<file path=ppt/diagrams/drawing1.xml><?xml version="1.0" encoding="utf-8"?>
+<dsp:drawing xmlns:dgm="http://schemas.openxmlformats.org/drawingml/2006/diagram" xmlns:dsp="http://schemas.microsoft.com/office/drawing/2008/diagram" xmlns:a="http://schemas.openxmlformats.org/drawingml/2006/main">
+  <dsp:spTree>
+    <dsp:nvGrpSpPr>
+      <dsp:cNvPr id="0" name=""/>
+      <dsp:cNvGrpSpPr/>
+    </dsp:nvGrpSpPr>
+    <dsp:grpSpPr/>
+    <dsp:sp modelId="{303453B7-1392-4FBB-A51A-E79D76FA65F8}">
+      <dsp:nvSpPr>
+        <dsp:cNvPr id="0" name=""/>
+        <dsp:cNvSpPr/>
+      </dsp:nvSpPr>
+      <dsp:spPr>
+        <a:xfrm>
+          <a:off x="6874519" y="1826889"/>
+          <a:ext cx="1727675" cy="223216"/>
+        </a:xfrm>
+        <a:custGeom>
+          <a:avLst/>
+          <a:gdLst/>
+          <a:ahLst/>
+          <a:cxnLst/>
+          <a:rect l="0" t="0" r="0" b="0"/>
+          <a:pathLst>
+            <a:path>
+              <a:moveTo>
+                <a:pt x="0" y="0"/>
+              </a:moveTo>
+              <a:lnTo>
+                <a:pt x="0" y="152115"/>
+              </a:lnTo>
+              <a:lnTo>
+                <a:pt x="1727675" y="152115"/>
+              </a:lnTo>
+              <a:lnTo>
+                <a:pt x="1727675" y="223216"/>
+              </a:lnTo>
+            </a:path>
+          </a:pathLst>
+        </a:custGeom>
+        <a:noFill/>
+        <a:ln w="25400" cap="flat" cmpd="sng" algn="ctr">
+          <a:solidFill>
+            <a:schemeClr val="accent1">
+              <a:shade val="80000"/>
+              <a:hueOff val="0"/>
+              <a:satOff val="0"/>
+              <a:lumOff val="0"/>
+              <a:alphaOff val="0"/>
+            </a:schemeClr>
+          </a:solidFill>
+          <a:prstDash val="solid"/>
+        </a:ln>
+        <a:effectLst/>
+      </dsp:spPr>
+      <dsp:style>
+        <a:lnRef idx="2">
+          <a:scrgbClr r="0" g="0" b="0"/>
+        </a:lnRef>
+        <a:fillRef idx="0">
+          <a:scrgbClr r="0" g="0" b="0"/>
+        </a:fillRef>
+        <a:effectRef idx="0">
+          <a:scrgbClr r="0" g="0" b="0"/>
+        </a:effectRef>
+        <a:fontRef idx="minor"/>
+      </dsp:style>
+    </dsp:sp>
+    <dsp:sp modelId="{807E4D91-C692-4378-BCF8-B42F51E8268F}">
+      <dsp:nvSpPr>
+        <dsp:cNvPr id="0" name=""/>
+        <dsp:cNvSpPr/>
+      </dsp:nvSpPr>
+      <dsp:spPr>
+        <a:xfrm>
+          <a:off x="6874519" y="1826889"/>
+          <a:ext cx="720466" cy="223216"/>
+        </a:xfrm>
+        <a:custGeom>
+          <a:avLst/>
+          <a:gdLst/>
+          <a:ahLst/>
+          <a:cxnLst/>
+          <a:rect l="0" t="0" r="0" b="0"/>
+          <a:pathLst>
+            <a:path>
+              <a:moveTo>
+                <a:pt x="0" y="0"/>
+              </a:moveTo>
+              <a:lnTo>
+                <a:pt x="0" y="152115"/>
+              </a:lnTo>
+              <a:lnTo>
+                <a:pt x="720466" y="152115"/>
+              </a:lnTo>
+              <a:lnTo>
+                <a:pt x="720466" y="223216"/>
+              </a:lnTo>
+            </a:path>
+          </a:pathLst>
+        </a:custGeom>
+        <a:noFill/>
+        <a:ln w="25400" cap="flat" cmpd="sng" algn="ctr">
+          <a:solidFill>
+            <a:schemeClr val="accent1">
+              <a:shade val="80000"/>
+              <a:hueOff val="0"/>
+              <a:satOff val="0"/>
+              <a:lumOff val="0"/>
+              <a:alphaOff val="0"/>
+            </a:schemeClr>
+          </a:solidFill>
+          <a:prstDash val="solid"/>
+        </a:ln>
+        <a:effectLst/>
+      </dsp:spPr>
+      <dsp:style>
+        <a:lnRef idx="2">
+          <a:scrgbClr r="0" g="0" b="0"/>
+        </a:lnRef>
+        <a:fillRef idx="0">
+          <a:scrgbClr r="0" g="0" b="0"/>
+        </a:fillRef>
+        <a:effectRef idx="0">
+          <a:scrgbClr r="0" g="0" b="0"/>
+        </a:effectRef>
+        <a:fontRef idx="minor"/>
+      </dsp:style>
+    </dsp:sp>
+    <dsp:sp modelId="{C41012A2-AAB5-48AF-9B73-3FE137A98DDC}">
+      <dsp:nvSpPr>
+        <dsp:cNvPr id="0" name=""/>
+        <dsp:cNvSpPr/>
+      </dsp:nvSpPr>
+      <dsp:spPr>
+        <a:xfrm>
+          <a:off x="6656922" y="1826889"/>
+          <a:ext cx="217596" cy="223216"/>
+        </a:xfrm>
+        <a:custGeom>
+          <a:avLst/>
+          <a:gdLst/>
+          <a:ahLst/>
+          <a:cxnLst/>
+          <a:rect l="0" t="0" r="0" b="0"/>
+          <a:pathLst>
+            <a:path>
+              <a:moveTo>
+                <a:pt x="217596" y="0"/>
+              </a:moveTo>
+              <a:lnTo>
+                <a:pt x="217596" y="152115"/>
+              </a:lnTo>
+              <a:lnTo>
+                <a:pt x="0" y="152115"/>
+              </a:lnTo>
+              <a:lnTo>
+                <a:pt x="0" y="223216"/>
+              </a:lnTo>
+            </a:path>
+          </a:pathLst>
+        </a:custGeom>
+        <a:noFill/>
+        <a:ln w="25400" cap="flat" cmpd="sng" algn="ctr">
+          <a:solidFill>
+            <a:schemeClr val="accent1">
+              <a:shade val="80000"/>
+              <a:hueOff val="0"/>
+              <a:satOff val="0"/>
+              <a:lumOff val="0"/>
+              <a:alphaOff val="0"/>
+            </a:schemeClr>
+          </a:solidFill>
+          <a:prstDash val="solid"/>
+        </a:ln>
+        <a:effectLst/>
+      </dsp:spPr>
+      <dsp:style>
+        <a:lnRef idx="2">
+          <a:scrgbClr r="0" g="0" b="0"/>
+        </a:lnRef>
+        <a:fillRef idx="0">
+          <a:scrgbClr r="0" g="0" b="0"/>
+        </a:fillRef>
+        <a:effectRef idx="0">
+          <a:scrgbClr r="0" g="0" b="0"/>
+        </a:effectRef>
+        <a:fontRef idx="minor"/>
+      </dsp:style>
+    </dsp:sp>
+    <dsp:sp modelId="{75DF67A8-87AE-497F-B82A-46AAED564E33}">
+      <dsp:nvSpPr>
+        <dsp:cNvPr id="0" name=""/>
+        <dsp:cNvSpPr/>
+      </dsp:nvSpPr>
+      <dsp:spPr>
+        <a:xfrm>
+          <a:off x="5398279" y="1826889"/>
+          <a:ext cx="1476240" cy="223216"/>
+        </a:xfrm>
+        <a:custGeom>
+          <a:avLst/>
+          <a:gdLst/>
+          <a:ahLst/>
+          <a:cxnLst/>
+          <a:rect l="0" t="0" r="0" b="0"/>
+          <a:pathLst>
+            <a:path>
+              <a:moveTo>
+                <a:pt x="1476240" y="0"/>
+              </a:moveTo>
+              <a:lnTo>
+                <a:pt x="1476240" y="152115"/>
+              </a:lnTo>
+              <a:lnTo>
+                <a:pt x="0" y="152115"/>
+              </a:lnTo>
+              <a:lnTo>
+                <a:pt x="0" y="223216"/>
+              </a:lnTo>
+            </a:path>
+          </a:pathLst>
+        </a:custGeom>
+        <a:noFill/>
+        <a:ln w="25400" cap="flat" cmpd="sng" algn="ctr">
+          <a:solidFill>
+            <a:schemeClr val="accent1">
+              <a:shade val="80000"/>
+              <a:hueOff val="0"/>
+              <a:satOff val="0"/>
+              <a:lumOff val="0"/>
+              <a:alphaOff val="0"/>
+            </a:schemeClr>
+          </a:solidFill>
+          <a:prstDash val="solid"/>
+        </a:ln>
+        <a:effectLst/>
+      </dsp:spPr>
+      <dsp:style>
+        <a:lnRef idx="2">
+          <a:scrgbClr r="0" g="0" b="0"/>
+        </a:lnRef>
+        <a:fillRef idx="0">
+          <a:scrgbClr r="0" g="0" b="0"/>
+        </a:fillRef>
+        <a:effectRef idx="0">
+          <a:scrgbClr r="0" g="0" b="0"/>
+        </a:effectRef>
+        <a:fontRef idx="minor"/>
+      </dsp:style>
+    </dsp:sp>
+    <dsp:sp modelId="{C239EBAE-82D1-434D-AA5C-1DB129D2AFA1}">
+      <dsp:nvSpPr>
+        <dsp:cNvPr id="0" name=""/>
+        <dsp:cNvSpPr/>
+      </dsp:nvSpPr>
+      <dsp:spPr>
+        <a:xfrm>
+          <a:off x="4569013" y="1116306"/>
+          <a:ext cx="2305505" cy="223216"/>
+        </a:xfrm>
+        <a:custGeom>
+          <a:avLst/>
+          <a:gdLst/>
+          <a:ahLst/>
+          <a:cxnLst/>
+          <a:rect l="0" t="0" r="0" b="0"/>
+          <a:pathLst>
+            <a:path>
+              <a:moveTo>
+                <a:pt x="0" y="0"/>
+              </a:moveTo>
+              <a:lnTo>
+                <a:pt x="0" y="152115"/>
+              </a:lnTo>
+              <a:lnTo>
+                <a:pt x="2305505" y="152115"/>
+              </a:lnTo>
+              <a:lnTo>
+                <a:pt x="2305505" y="223216"/>
+              </a:lnTo>
+            </a:path>
+          </a:pathLst>
+        </a:custGeom>
+        <a:noFill/>
+        <a:ln w="25400" cap="flat" cmpd="sng" algn="ctr">
+          <a:solidFill>
+            <a:schemeClr val="accent1">
+              <a:shade val="60000"/>
+              <a:hueOff val="0"/>
+              <a:satOff val="0"/>
+              <a:lumOff val="0"/>
+              <a:alphaOff val="0"/>
+            </a:schemeClr>
+          </a:solidFill>
+          <a:prstDash val="solid"/>
+        </a:ln>
+        <a:effectLst/>
+      </dsp:spPr>
+      <dsp:style>
+        <a:lnRef idx="2">
+          <a:scrgbClr r="0" g="0" b="0"/>
+        </a:lnRef>
+        <a:fillRef idx="0">
+          <a:scrgbClr r="0" g="0" b="0"/>
+        </a:fillRef>
+        <a:effectRef idx="0">
+          <a:scrgbClr r="0" g="0" b="0"/>
+        </a:effectRef>
+        <a:fontRef idx="minor"/>
+      </dsp:style>
+    </dsp:sp>
+    <dsp:sp modelId="{F8687D44-EA93-4CB0-8E7E-89729BA208B3}">
+      <dsp:nvSpPr>
+        <dsp:cNvPr id="0" name=""/>
+        <dsp:cNvSpPr/>
+      </dsp:nvSpPr>
+      <dsp:spPr>
+        <a:xfrm>
+          <a:off x="2263508" y="1826889"/>
+          <a:ext cx="1876127" cy="223216"/>
+        </a:xfrm>
+        <a:custGeom>
+          <a:avLst/>
+          <a:gdLst/>
+          <a:ahLst/>
+          <a:cxnLst/>
+          <a:rect l="0" t="0" r="0" b="0"/>
+          <a:pathLst>
+            <a:path>
+              <a:moveTo>
+                <a:pt x="0" y="0"/>
+              </a:moveTo>
+              <a:lnTo>
+                <a:pt x="0" y="152115"/>
+              </a:lnTo>
+              <a:lnTo>
+                <a:pt x="1876127" y="152115"/>
+              </a:lnTo>
+              <a:lnTo>
+                <a:pt x="1876127" y="223216"/>
+              </a:lnTo>
+            </a:path>
+          </a:pathLst>
+        </a:custGeom>
+        <a:noFill/>
+        <a:ln w="25400" cap="flat" cmpd="sng" algn="ctr">
+          <a:solidFill>
+            <a:schemeClr val="accent1">
+              <a:shade val="80000"/>
+              <a:hueOff val="0"/>
+              <a:satOff val="0"/>
+              <a:lumOff val="0"/>
+              <a:alphaOff val="0"/>
+            </a:schemeClr>
+          </a:solidFill>
+          <a:prstDash val="solid"/>
+        </a:ln>
+        <a:effectLst/>
+      </dsp:spPr>
+      <dsp:style>
+        <a:lnRef idx="2">
+          <a:scrgbClr r="0" g="0" b="0"/>
+        </a:lnRef>
+        <a:fillRef idx="0">
+          <a:scrgbClr r="0" g="0" b="0"/>
+        </a:fillRef>
+        <a:effectRef idx="0">
+          <a:scrgbClr r="0" g="0" b="0"/>
+        </a:effectRef>
+        <a:fontRef idx="minor"/>
+      </dsp:style>
+    </dsp:sp>
+    <dsp:sp modelId="{C48AE2AD-1608-4B92-83E0-737F0DEC8301}">
+      <dsp:nvSpPr>
+        <dsp:cNvPr id="0" name=""/>
+        <dsp:cNvSpPr/>
+      </dsp:nvSpPr>
+      <dsp:spPr>
+        <a:xfrm>
+          <a:off x="2263508" y="1826889"/>
+          <a:ext cx="938063" cy="223216"/>
+        </a:xfrm>
+        <a:custGeom>
+          <a:avLst/>
+          <a:gdLst/>
+          <a:ahLst/>
+          <a:cxnLst/>
+          <a:rect l="0" t="0" r="0" b="0"/>
+          <a:pathLst>
+            <a:path>
+              <a:moveTo>
+                <a:pt x="0" y="0"/>
+              </a:moveTo>
+              <a:lnTo>
+                <a:pt x="0" y="152115"/>
+              </a:lnTo>
+              <a:lnTo>
+                <a:pt x="938063" y="152115"/>
+              </a:lnTo>
+              <a:lnTo>
+                <a:pt x="938063" y="223216"/>
+              </a:lnTo>
+            </a:path>
+          </a:pathLst>
+        </a:custGeom>
+        <a:noFill/>
+        <a:ln w="25400" cap="flat" cmpd="sng" algn="ctr">
+          <a:solidFill>
+            <a:schemeClr val="accent1">
+              <a:shade val="80000"/>
+              <a:hueOff val="0"/>
+              <a:satOff val="0"/>
+              <a:lumOff val="0"/>
+              <a:alphaOff val="0"/>
+            </a:schemeClr>
+          </a:solidFill>
+          <a:prstDash val="solid"/>
+        </a:ln>
+        <a:effectLst/>
+      </dsp:spPr>
+      <dsp:style>
+        <a:lnRef idx="2">
+          <a:scrgbClr r="0" g="0" b="0"/>
+        </a:lnRef>
+        <a:fillRef idx="0">
+          <a:scrgbClr r="0" g="0" b="0"/>
+        </a:fillRef>
+        <a:effectRef idx="0">
+          <a:scrgbClr r="0" g="0" b="0"/>
+        </a:effectRef>
+        <a:fontRef idx="minor"/>
+      </dsp:style>
+    </dsp:sp>
+    <dsp:sp modelId="{9D4AD87B-36CE-4E76-B16F-420FA9939776}">
+      <dsp:nvSpPr>
+        <dsp:cNvPr id="0" name=""/>
+        <dsp:cNvSpPr/>
+      </dsp:nvSpPr>
+      <dsp:spPr>
+        <a:xfrm>
+          <a:off x="2217788" y="1826889"/>
+          <a:ext cx="91440" cy="223216"/>
+        </a:xfrm>
+        <a:custGeom>
+          <a:avLst/>
+          <a:gdLst/>
+          <a:ahLst/>
+          <a:cxnLst/>
+          <a:rect l="0" t="0" r="0" b="0"/>
+          <a:pathLst>
+            <a:path>
+              <a:moveTo>
+                <a:pt x="45720" y="0"/>
+              </a:moveTo>
+              <a:lnTo>
+                <a:pt x="45720" y="223216"/>
+              </a:lnTo>
+            </a:path>
+          </a:pathLst>
+        </a:custGeom>
+        <a:noFill/>
+        <a:ln w="25400" cap="flat" cmpd="sng" algn="ctr">
+          <a:solidFill>
+            <a:schemeClr val="accent1">
+              <a:shade val="80000"/>
+              <a:hueOff val="0"/>
+              <a:satOff val="0"/>
+              <a:lumOff val="0"/>
+              <a:alphaOff val="0"/>
+            </a:schemeClr>
+          </a:solidFill>
+          <a:prstDash val="solid"/>
+        </a:ln>
+        <a:effectLst/>
+      </dsp:spPr>
+      <dsp:style>
+        <a:lnRef idx="2">
+          <a:scrgbClr r="0" g="0" b="0"/>
+        </a:lnRef>
+        <a:fillRef idx="0">
+          <a:scrgbClr r="0" g="0" b="0"/>
+        </a:fillRef>
+        <a:effectRef idx="0">
+          <a:scrgbClr r="0" g="0" b="0"/>
+        </a:effectRef>
+        <a:fontRef idx="minor"/>
+      </dsp:style>
+    </dsp:sp>
+    <dsp:sp modelId="{56C4FFA1-4F5E-46A0-9863-DCFDA656A01D}">
+      <dsp:nvSpPr>
+        <dsp:cNvPr id="0" name=""/>
+        <dsp:cNvSpPr/>
+      </dsp:nvSpPr>
+      <dsp:spPr>
+        <a:xfrm>
+          <a:off x="1325445" y="1826889"/>
+          <a:ext cx="938063" cy="223216"/>
+        </a:xfrm>
+        <a:custGeom>
+          <a:avLst/>
+          <a:gdLst/>
+          <a:ahLst/>
+          <a:cxnLst/>
+          <a:rect l="0" t="0" r="0" b="0"/>
+          <a:pathLst>
+            <a:path>
+              <a:moveTo>
+                <a:pt x="938063" y="0"/>
+              </a:moveTo>
+              <a:lnTo>
+                <a:pt x="938063" y="152115"/>
+              </a:lnTo>
+              <a:lnTo>
+                <a:pt x="0" y="152115"/>
+              </a:lnTo>
+              <a:lnTo>
+                <a:pt x="0" y="223216"/>
+              </a:lnTo>
+            </a:path>
+          </a:pathLst>
+        </a:custGeom>
+        <a:noFill/>
+        <a:ln w="25400" cap="flat" cmpd="sng" algn="ctr">
+          <a:solidFill>
+            <a:schemeClr val="accent1">
+              <a:shade val="80000"/>
+              <a:hueOff val="0"/>
+              <a:satOff val="0"/>
+              <a:lumOff val="0"/>
+              <a:alphaOff val="0"/>
+            </a:schemeClr>
+          </a:solidFill>
+          <a:prstDash val="solid"/>
+        </a:ln>
+        <a:effectLst/>
+      </dsp:spPr>
+      <dsp:style>
+        <a:lnRef idx="2">
+          <a:scrgbClr r="0" g="0" b="0"/>
+        </a:lnRef>
+        <a:fillRef idx="0">
+          <a:scrgbClr r="0" g="0" b="0"/>
+        </a:fillRef>
+        <a:effectRef idx="0">
+          <a:scrgbClr r="0" g="0" b="0"/>
+        </a:effectRef>
+        <a:fontRef idx="minor"/>
+      </dsp:style>
+    </dsp:sp>
+    <dsp:sp modelId="{AB83113C-F607-437E-A1ED-41623AB0E2E2}">
+      <dsp:nvSpPr>
+        <dsp:cNvPr id="0" name=""/>
+        <dsp:cNvSpPr/>
+      </dsp:nvSpPr>
+      <dsp:spPr>
+        <a:xfrm>
+          <a:off x="387381" y="1826889"/>
+          <a:ext cx="1876127" cy="223216"/>
+        </a:xfrm>
+        <a:custGeom>
+          <a:avLst/>
+          <a:gdLst/>
+          <a:ahLst/>
+          <a:cxnLst/>
+          <a:rect l="0" t="0" r="0" b="0"/>
+          <a:pathLst>
+            <a:path>
+              <a:moveTo>
+                <a:pt x="1876127" y="0"/>
+              </a:moveTo>
+              <a:lnTo>
+                <a:pt x="1876127" y="152115"/>
+              </a:lnTo>
+              <a:lnTo>
+                <a:pt x="0" y="152115"/>
+              </a:lnTo>
+              <a:lnTo>
+                <a:pt x="0" y="223216"/>
+              </a:lnTo>
+            </a:path>
+          </a:pathLst>
+        </a:custGeom>
+        <a:noFill/>
+        <a:ln w="25400" cap="flat" cmpd="sng" algn="ctr">
+          <a:solidFill>
+            <a:schemeClr val="accent1">
+              <a:shade val="80000"/>
+              <a:hueOff val="0"/>
+              <a:satOff val="0"/>
+              <a:lumOff val="0"/>
+              <a:alphaOff val="0"/>
+            </a:schemeClr>
+          </a:solidFill>
+          <a:prstDash val="solid"/>
+        </a:ln>
+        <a:effectLst/>
+      </dsp:spPr>
+      <dsp:style>
+        <a:lnRef idx="2">
+          <a:scrgbClr r="0" g="0" b="0"/>
+        </a:lnRef>
+        <a:fillRef idx="0">
+          <a:scrgbClr r="0" g="0" b="0"/>
+        </a:fillRef>
+        <a:effectRef idx="0">
+          <a:scrgbClr r="0" g="0" b="0"/>
+        </a:effectRef>
+        <a:fontRef idx="minor"/>
+      </dsp:style>
+    </dsp:sp>
+    <dsp:sp modelId="{922D1A9E-CCCC-42B8-B8EE-0A6EC2E0F37B}">
+      <dsp:nvSpPr>
+        <dsp:cNvPr id="0" name=""/>
+        <dsp:cNvSpPr/>
+      </dsp:nvSpPr>
+      <dsp:spPr>
+        <a:xfrm>
+          <a:off x="2263508" y="1116306"/>
+          <a:ext cx="2305505" cy="223216"/>
+        </a:xfrm>
+        <a:custGeom>
+          <a:avLst/>
+          <a:gdLst/>
+          <a:ahLst/>
+          <a:cxnLst/>
+          <a:rect l="0" t="0" r="0" b="0"/>
+          <a:pathLst>
+            <a:path>
+              <a:moveTo>
+                <a:pt x="2305505" y="0"/>
+              </a:moveTo>
+              <a:lnTo>
+                <a:pt x="2305505" y="152115"/>
+              </a:lnTo>
+              <a:lnTo>
+                <a:pt x="0" y="152115"/>
+              </a:lnTo>
+              <a:lnTo>
+                <a:pt x="0" y="223216"/>
+              </a:lnTo>
+            </a:path>
+          </a:pathLst>
+        </a:custGeom>
+        <a:noFill/>
+        <a:ln w="25400" cap="flat" cmpd="sng" algn="ctr">
+          <a:solidFill>
+            <a:schemeClr val="accent1">
+              <a:shade val="60000"/>
+              <a:hueOff val="0"/>
+              <a:satOff val="0"/>
+              <a:lumOff val="0"/>
+              <a:alphaOff val="0"/>
+            </a:schemeClr>
+          </a:solidFill>
+          <a:prstDash val="solid"/>
+        </a:ln>
+        <a:effectLst/>
+      </dsp:spPr>
+      <dsp:style>
+        <a:lnRef idx="2">
+          <a:scrgbClr r="0" g="0" b="0"/>
+        </a:lnRef>
+        <a:fillRef idx="0">
+          <a:scrgbClr r="0" g="0" b="0"/>
+        </a:fillRef>
+        <a:effectRef idx="0">
+          <a:scrgbClr r="0" g="0" b="0"/>
+        </a:effectRef>
+        <a:fontRef idx="minor"/>
+      </dsp:style>
+    </dsp:sp>
+    <dsp:sp modelId="{0DA58FAD-5F32-4FB2-8A75-E91D5880B797}">
+      <dsp:nvSpPr>
+        <dsp:cNvPr id="0" name=""/>
+        <dsp:cNvSpPr/>
+      </dsp:nvSpPr>
+      <dsp:spPr>
+        <a:xfrm>
+          <a:off x="3861645" y="628939"/>
+          <a:ext cx="1414737" cy="487366"/>
+        </a:xfrm>
+        <a:prstGeom prst="roundRect">
+          <a:avLst>
+            <a:gd name="adj" fmla="val 10000"/>
+          </a:avLst>
+        </a:prstGeom>
+        <a:solidFill>
+          <a:schemeClr val="accent1">
+            <a:hueOff val="0"/>
+            <a:satOff val="0"/>
+            <a:lumOff val="0"/>
+            <a:alphaOff val="0"/>
+          </a:schemeClr>
+        </a:solidFill>
+        <a:ln w="25400" cap="flat" cmpd="sng" algn="ctr">
+          <a:solidFill>
+            <a:schemeClr val="lt1">
+              <a:hueOff val="0"/>
+              <a:satOff val="0"/>
+              <a:lumOff val="0"/>
+              <a:alphaOff val="0"/>
+            </a:schemeClr>
+          </a:solidFill>
+          <a:prstDash val="solid"/>
+        </a:ln>
+        <a:effectLst/>
+      </dsp:spPr>
+      <dsp:style>
+        <a:lnRef idx="2">
+          <a:scrgbClr r="0" g="0" b="0"/>
+        </a:lnRef>
+        <a:fillRef idx="1">
+          <a:scrgbClr r="0" g="0" b="0"/>
+        </a:fillRef>
+        <a:effectRef idx="0">
+          <a:scrgbClr r="0" g="0" b="0"/>
+        </a:effectRef>
+        <a:fontRef idx="minor">
+          <a:schemeClr val="lt1"/>
+        </a:fontRef>
+      </dsp:style>
+    </dsp:sp>
+    <dsp:sp modelId="{2DD7FA9E-548C-465D-BEAE-D08FA82B2D15}">
+      <dsp:nvSpPr>
+        <dsp:cNvPr id="0" name=""/>
+        <dsp:cNvSpPr/>
+      </dsp:nvSpPr>
+      <dsp:spPr>
+        <a:xfrm>
+          <a:off x="3946923" y="709954"/>
+          <a:ext cx="1414737" cy="487366"/>
+        </a:xfrm>
+        <a:prstGeom prst="roundRect">
+          <a:avLst>
+            <a:gd name="adj" fmla="val 10000"/>
+          </a:avLst>
+        </a:prstGeom>
+        <a:solidFill>
+          <a:schemeClr val="lt1">
+            <a:alpha val="90000"/>
+            <a:hueOff val="0"/>
+            <a:satOff val="0"/>
+            <a:lumOff val="0"/>
+            <a:alphaOff val="0"/>
+          </a:schemeClr>
+        </a:solidFill>
+        <a:ln w="25400" cap="flat" cmpd="sng" algn="ctr">
+          <a:solidFill>
+            <a:schemeClr val="accent1">
+              <a:hueOff val="0"/>
+              <a:satOff val="0"/>
+              <a:lumOff val="0"/>
+              <a:alphaOff val="0"/>
+            </a:schemeClr>
+          </a:solidFill>
+          <a:prstDash val="solid"/>
+        </a:ln>
+        <a:effectLst/>
+      </dsp:spPr>
+      <dsp:style>
+        <a:lnRef idx="2">
+          <a:scrgbClr r="0" g="0" b="0"/>
+        </a:lnRef>
+        <a:fillRef idx="1">
+          <a:scrgbClr r="0" g="0" b="0"/>
+        </a:fillRef>
+        <a:effectRef idx="0">
+          <a:scrgbClr r="0" g="0" b="0"/>
+        </a:effectRef>
+        <a:fontRef idx="minor"/>
+      </dsp:style>
+      <dsp:txBody>
+        <a:bodyPr spcFirstLastPara="0" vert="horz" wrap="square" lIns="68580" tIns="68580" rIns="68580" bIns="68580" numCol="1" spcCol="1270" anchor="ctr" anchorCtr="0">
+          <a:noAutofit/>
+        </a:bodyPr>
+        <a:lstStyle/>
+        <a:p>
+          <a:pPr lvl="0" algn="ctr" defTabSz="800100">
+            <a:lnSpc>
+              <a:spcPct val="90000"/>
+            </a:lnSpc>
+            <a:spcBef>
+              <a:spcPct val="0"/>
+            </a:spcBef>
+            <a:spcAft>
+              <a:spcPct val="35000"/>
+            </a:spcAft>
+          </a:pPr>
+          <a:r>
+            <a:rPr lang="zh-CN" altLang="en-US" sz="1800" kern="1200" dirty="0">
+              <a:latin typeface="微软雅黑" pitchFamily="34" charset="-122"/>
+              <a:ea typeface="微软雅黑" pitchFamily="34" charset="-122"/>
+            </a:rPr>
+            <a:t>项目管理</a:t>
+          </a:r>
+        </a:p>
+      </dsp:txBody>
+      <dsp:txXfrm>
+        <a:off x="3961197" y="724228"/>
+        <a:ext cx="1386189" cy="458818"/>
+      </dsp:txXfrm>
+    </dsp:sp>
+    <dsp:sp modelId="{7FD78921-CE69-427A-8AE0-C5224F3CFFDA}">
+      <dsp:nvSpPr>
+        <dsp:cNvPr id="0" name=""/>
+        <dsp:cNvSpPr/>
+      </dsp:nvSpPr>
+      <dsp:spPr>
+        <a:xfrm>
+          <a:off x="1879755" y="1339522"/>
+          <a:ext cx="767506" cy="487366"/>
+        </a:xfrm>
+        <a:prstGeom prst="roundRect">
+          <a:avLst>
+            <a:gd name="adj" fmla="val 10000"/>
+          </a:avLst>
+        </a:prstGeom>
+        <a:solidFill>
+          <a:schemeClr val="accent1">
+            <a:hueOff val="0"/>
+            <a:satOff val="0"/>
+            <a:lumOff val="0"/>
+            <a:alphaOff val="0"/>
+          </a:schemeClr>
+        </a:solidFill>
+        <a:ln w="25400" cap="flat" cmpd="sng" algn="ctr">
+          <a:solidFill>
+            <a:schemeClr val="lt1">
+              <a:hueOff val="0"/>
+              <a:satOff val="0"/>
+              <a:lumOff val="0"/>
+              <a:alphaOff val="0"/>
+            </a:schemeClr>
+          </a:solidFill>
+          <a:prstDash val="solid"/>
+        </a:ln>
+        <a:effectLst/>
+      </dsp:spPr>
+      <dsp:style>
+        <a:lnRef idx="2">
+          <a:scrgbClr r="0" g="0" b="0"/>
+        </a:lnRef>
+        <a:fillRef idx="1">
+          <a:scrgbClr r="0" g="0" b="0"/>
+        </a:fillRef>
+        <a:effectRef idx="0">
+          <a:scrgbClr r="0" g="0" b="0"/>
+        </a:effectRef>
+        <a:fontRef idx="minor">
+          <a:schemeClr val="lt1"/>
+        </a:fontRef>
+      </dsp:style>
+    </dsp:sp>
+    <dsp:sp modelId="{64CA7213-BB56-4E27-B028-4228819EEFAF}">
+      <dsp:nvSpPr>
+        <dsp:cNvPr id="0" name=""/>
+        <dsp:cNvSpPr/>
+      </dsp:nvSpPr>
+      <dsp:spPr>
+        <a:xfrm>
+          <a:off x="1965033" y="1420537"/>
+          <a:ext cx="767506" cy="487366"/>
+        </a:xfrm>
+        <a:prstGeom prst="roundRect">
+          <a:avLst>
+            <a:gd name="adj" fmla="val 10000"/>
+          </a:avLst>
+        </a:prstGeom>
+        <a:solidFill>
+          <a:schemeClr val="lt1">
+            <a:alpha val="90000"/>
+            <a:hueOff val="0"/>
+            <a:satOff val="0"/>
+            <a:lumOff val="0"/>
+            <a:alphaOff val="0"/>
+          </a:schemeClr>
+        </a:solidFill>
+        <a:ln w="25400" cap="flat" cmpd="sng" algn="ctr">
+          <a:solidFill>
+            <a:schemeClr val="accent1">
+              <a:hueOff val="0"/>
+              <a:satOff val="0"/>
+              <a:lumOff val="0"/>
+              <a:alphaOff val="0"/>
+            </a:schemeClr>
+          </a:solidFill>
+          <a:prstDash val="solid"/>
+        </a:ln>
+        <a:effectLst/>
+      </dsp:spPr>
+      <dsp:style>
+        <a:lnRef idx="2">
+          <a:scrgbClr r="0" g="0" b="0"/>
+        </a:lnRef>
+        <a:fillRef idx="1">
+          <a:scrgbClr r="0" g="0" b="0"/>
+        </a:fillRef>
+        <a:effectRef idx="0">
+          <a:scrgbClr r="0" g="0" b="0"/>
+        </a:effectRef>
+        <a:fontRef idx="minor"/>
+      </dsp:style>
+      <dsp:txBody>
+        <a:bodyPr spcFirstLastPara="0" vert="horz" wrap="square" lIns="68580" tIns="68580" rIns="68580" bIns="68580" numCol="1" spcCol="1270" anchor="ctr" anchorCtr="0">
+          <a:noAutofit/>
+        </a:bodyPr>
+        <a:lstStyle/>
+        <a:p>
+          <a:pPr lvl="0" algn="ctr" defTabSz="800100">
+            <a:lnSpc>
+              <a:spcPct val="90000"/>
+            </a:lnSpc>
+            <a:spcBef>
+              <a:spcPct val="0"/>
+            </a:spcBef>
+            <a:spcAft>
+              <a:spcPct val="35000"/>
+            </a:spcAft>
+          </a:pPr>
+          <a:r>
+            <a:rPr lang="zh-CN" altLang="en-US" sz="1800" kern="1200" dirty="0">
+              <a:latin typeface="微软雅黑" pitchFamily="34" charset="-122"/>
+              <a:ea typeface="微软雅黑" pitchFamily="34" charset="-122"/>
+            </a:rPr>
+            <a:t>事</a:t>
+          </a:r>
+        </a:p>
+      </dsp:txBody>
+      <dsp:txXfrm>
+        <a:off x="1979307" y="1434811"/>
+        <a:ext cx="738958" cy="458818"/>
+      </dsp:txXfrm>
+    </dsp:sp>
+    <dsp:sp modelId="{2709A27C-1B4A-4253-8907-40D30EE87EDC}">
+      <dsp:nvSpPr>
+        <dsp:cNvPr id="0" name=""/>
+        <dsp:cNvSpPr/>
+      </dsp:nvSpPr>
+      <dsp:spPr>
+        <a:xfrm>
+          <a:off x="3628" y="2050106"/>
+          <a:ext cx="767506" cy="487366"/>
+        </a:xfrm>
+        <a:prstGeom prst="roundRect">
+          <a:avLst>
+            <a:gd name="adj" fmla="val 10000"/>
+          </a:avLst>
+        </a:prstGeom>
+        <a:solidFill>
+          <a:schemeClr val="accent1">
+            <a:hueOff val="0"/>
+            <a:satOff val="0"/>
+            <a:lumOff val="0"/>
+            <a:alphaOff val="0"/>
+          </a:schemeClr>
+        </a:solidFill>
+        <a:ln w="25400" cap="flat" cmpd="sng" algn="ctr">
+          <a:solidFill>
+            <a:schemeClr val="lt1">
+              <a:hueOff val="0"/>
+              <a:satOff val="0"/>
+              <a:lumOff val="0"/>
+              <a:alphaOff val="0"/>
+            </a:schemeClr>
+          </a:solidFill>
+          <a:prstDash val="solid"/>
+        </a:ln>
+        <a:effectLst/>
+      </dsp:spPr>
+      <dsp:style>
+        <a:lnRef idx="2">
+          <a:scrgbClr r="0" g="0" b="0"/>
+        </a:lnRef>
+        <a:fillRef idx="1">
+          <a:scrgbClr r="0" g="0" b="0"/>
+        </a:fillRef>
+        <a:effectRef idx="0">
+          <a:scrgbClr r="0" g="0" b="0"/>
+        </a:effectRef>
+        <a:fontRef idx="minor">
+          <a:schemeClr val="lt1"/>
+        </a:fontRef>
+      </dsp:style>
+    </dsp:sp>
+    <dsp:sp modelId="{AA31CD13-FA13-4075-8CE7-38851863C926}">
+      <dsp:nvSpPr>
+        <dsp:cNvPr id="0" name=""/>
+        <dsp:cNvSpPr/>
+      </dsp:nvSpPr>
+      <dsp:spPr>
+        <a:xfrm>
+          <a:off x="88906" y="2131120"/>
+          <a:ext cx="767506" cy="487366"/>
+        </a:xfrm>
+        <a:prstGeom prst="roundRect">
+          <a:avLst>
+            <a:gd name="adj" fmla="val 10000"/>
+          </a:avLst>
+        </a:prstGeom>
+        <a:solidFill>
+          <a:schemeClr val="lt1">
+            <a:alpha val="90000"/>
+            <a:hueOff val="0"/>
+            <a:satOff val="0"/>
+            <a:lumOff val="0"/>
+            <a:alphaOff val="0"/>
+          </a:schemeClr>
+        </a:solidFill>
+        <a:ln w="25400" cap="flat" cmpd="sng" algn="ctr">
+          <a:solidFill>
+            <a:schemeClr val="accent1">
+              <a:hueOff val="0"/>
+              <a:satOff val="0"/>
+              <a:lumOff val="0"/>
+              <a:alphaOff val="0"/>
+            </a:schemeClr>
+          </a:solidFill>
+          <a:prstDash val="solid"/>
+        </a:ln>
+        <a:effectLst/>
+      </dsp:spPr>
+      <dsp:style>
+        <a:lnRef idx="2">
+          <a:scrgbClr r="0" g="0" b="0"/>
+        </a:lnRef>
+        <a:fillRef idx="1">
+          <a:scrgbClr r="0" g="0" b="0"/>
+        </a:fillRef>
+        <a:effectRef idx="0">
+          <a:scrgbClr r="0" g="0" b="0"/>
+        </a:effectRef>
+        <a:fontRef idx="minor"/>
+      </dsp:style>
+      <dsp:txBody>
+        <a:bodyPr spcFirstLastPara="0" vert="horz" wrap="square" lIns="68580" tIns="68580" rIns="68580" bIns="68580" numCol="1" spcCol="1270" anchor="ctr" anchorCtr="0">
+          <a:noAutofit/>
+        </a:bodyPr>
+        <a:lstStyle/>
+        <a:p>
+          <a:pPr lvl="0" algn="ctr" defTabSz="800100">
+            <a:lnSpc>
+              <a:spcPct val="90000"/>
+            </a:lnSpc>
+            <a:spcBef>
+              <a:spcPct val="0"/>
+            </a:spcBef>
+            <a:spcAft>
+              <a:spcPct val="35000"/>
+            </a:spcAft>
+          </a:pPr>
+          <a:r>
+            <a:rPr lang="zh-CN" altLang="en-US" sz="1800" kern="1200" dirty="0">
+              <a:latin typeface="微软雅黑" pitchFamily="34" charset="-122"/>
+              <a:ea typeface="微软雅黑" pitchFamily="34" charset="-122"/>
+            </a:rPr>
+            <a:t>范围</a:t>
+          </a:r>
+        </a:p>
+      </dsp:txBody>
+      <dsp:txXfrm>
+        <a:off x="103180" y="2145394"/>
+        <a:ext cx="738958" cy="458818"/>
+      </dsp:txXfrm>
+    </dsp:sp>
+    <dsp:sp modelId="{468E6BC9-086A-4784-9EE0-9C8C717B028E}">
+      <dsp:nvSpPr>
+        <dsp:cNvPr id="0" name=""/>
+        <dsp:cNvSpPr/>
+      </dsp:nvSpPr>
+      <dsp:spPr>
+        <a:xfrm>
+          <a:off x="941691" y="2050106"/>
+          <a:ext cx="767506" cy="487366"/>
+        </a:xfrm>
+        <a:prstGeom prst="roundRect">
+          <a:avLst>
+            <a:gd name="adj" fmla="val 10000"/>
+          </a:avLst>
+        </a:prstGeom>
+        <a:solidFill>
+          <a:schemeClr val="accent1">
+            <a:hueOff val="0"/>
+            <a:satOff val="0"/>
+            <a:lumOff val="0"/>
+            <a:alphaOff val="0"/>
+          </a:schemeClr>
+        </a:solidFill>
+        <a:ln w="25400" cap="flat" cmpd="sng" algn="ctr">
+          <a:solidFill>
+            <a:schemeClr val="lt1">
+              <a:hueOff val="0"/>
+              <a:satOff val="0"/>
+              <a:lumOff val="0"/>
+              <a:alphaOff val="0"/>
+            </a:schemeClr>
+          </a:solidFill>
+          <a:prstDash val="solid"/>
+        </a:ln>
+        <a:effectLst/>
+      </dsp:spPr>
+      <dsp:style>
+        <a:lnRef idx="2">
+          <a:scrgbClr r="0" g="0" b="0"/>
+        </a:lnRef>
+        <a:fillRef idx="1">
+          <a:scrgbClr r="0" g="0" b="0"/>
+        </a:fillRef>
+        <a:effectRef idx="0">
+          <a:scrgbClr r="0" g="0" b="0"/>
+        </a:effectRef>
+        <a:fontRef idx="minor">
+          <a:schemeClr val="lt1"/>
+        </a:fontRef>
+      </dsp:style>
+    </dsp:sp>
+    <dsp:sp modelId="{1E1C4461-09D5-4A06-9238-73D44F329048}">
+      <dsp:nvSpPr>
+        <dsp:cNvPr id="0" name=""/>
+        <dsp:cNvSpPr/>
+      </dsp:nvSpPr>
+      <dsp:spPr>
+        <a:xfrm>
+          <a:off x="1026970" y="2131120"/>
+          <a:ext cx="767506" cy="487366"/>
+        </a:xfrm>
+        <a:prstGeom prst="roundRect">
+          <a:avLst>
+            <a:gd name="adj" fmla="val 10000"/>
+          </a:avLst>
+        </a:prstGeom>
+        <a:solidFill>
+          <a:schemeClr val="lt1">
+            <a:alpha val="90000"/>
+            <a:hueOff val="0"/>
+            <a:satOff val="0"/>
+            <a:lumOff val="0"/>
+            <a:alphaOff val="0"/>
+          </a:schemeClr>
+        </a:solidFill>
+        <a:ln w="25400" cap="flat" cmpd="sng" algn="ctr">
+          <a:solidFill>
+            <a:schemeClr val="accent1">
+              <a:hueOff val="0"/>
+              <a:satOff val="0"/>
+              <a:lumOff val="0"/>
+              <a:alphaOff val="0"/>
+            </a:schemeClr>
+          </a:solidFill>
+          <a:prstDash val="solid"/>
+        </a:ln>
+        <a:effectLst/>
+      </dsp:spPr>
+      <dsp:style>
+        <a:lnRef idx="2">
+          <a:scrgbClr r="0" g="0" b="0"/>
+        </a:lnRef>
+        <a:fillRef idx="1">
+          <a:scrgbClr r="0" g="0" b="0"/>
+        </a:fillRef>
+        <a:effectRef idx="0">
+          <a:scrgbClr r="0" g="0" b="0"/>
+        </a:effectRef>
+        <a:fontRef idx="minor"/>
+      </dsp:style>
+      <dsp:txBody>
+        <a:bodyPr spcFirstLastPara="0" vert="horz" wrap="square" lIns="68580" tIns="68580" rIns="68580" bIns="68580" numCol="1" spcCol="1270" anchor="ctr" anchorCtr="0">
+          <a:noAutofit/>
+        </a:bodyPr>
+        <a:lstStyle/>
+        <a:p>
+          <a:pPr lvl="0" algn="ctr" defTabSz="800100">
+            <a:lnSpc>
+              <a:spcPct val="90000"/>
+            </a:lnSpc>
+            <a:spcBef>
+              <a:spcPct val="0"/>
+            </a:spcBef>
+            <a:spcAft>
+              <a:spcPct val="35000"/>
+            </a:spcAft>
+          </a:pPr>
+          <a:r>
+            <a:rPr lang="zh-CN" altLang="en-US" sz="1800" kern="1200" dirty="0">
+              <a:latin typeface="微软雅黑" pitchFamily="34" charset="-122"/>
+              <a:ea typeface="微软雅黑" pitchFamily="34" charset="-122"/>
+            </a:rPr>
+            <a:t>时间</a:t>
+          </a:r>
+        </a:p>
+      </dsp:txBody>
+      <dsp:txXfrm>
+        <a:off x="1041244" y="2145394"/>
+        <a:ext cx="738958" cy="458818"/>
+      </dsp:txXfrm>
+    </dsp:sp>
+    <dsp:sp modelId="{8C757A17-1EE4-4610-AE29-A633D2A666A7}">
+      <dsp:nvSpPr>
+        <dsp:cNvPr id="0" name=""/>
+        <dsp:cNvSpPr/>
+      </dsp:nvSpPr>
+      <dsp:spPr>
+        <a:xfrm>
+          <a:off x="1879755" y="2050106"/>
+          <a:ext cx="767506" cy="487366"/>
+        </a:xfrm>
+        <a:prstGeom prst="roundRect">
+          <a:avLst>
+            <a:gd name="adj" fmla="val 10000"/>
+          </a:avLst>
+        </a:prstGeom>
+        <a:solidFill>
+          <a:schemeClr val="accent1">
+            <a:hueOff val="0"/>
+            <a:satOff val="0"/>
+            <a:lumOff val="0"/>
+            <a:alphaOff val="0"/>
+          </a:schemeClr>
+        </a:solidFill>
+        <a:ln w="25400" cap="flat" cmpd="sng" algn="ctr">
+          <a:solidFill>
+            <a:schemeClr val="lt1">
+              <a:hueOff val="0"/>
+              <a:satOff val="0"/>
+              <a:lumOff val="0"/>
+              <a:alphaOff val="0"/>
+            </a:schemeClr>
+          </a:solidFill>
+          <a:prstDash val="solid"/>
+        </a:ln>
+        <a:effectLst/>
+      </dsp:spPr>
+      <dsp:style>
+        <a:lnRef idx="2">
+          <a:scrgbClr r="0" g="0" b="0"/>
+        </a:lnRef>
+        <a:fillRef idx="1">
+          <a:scrgbClr r="0" g="0" b="0"/>
+        </a:fillRef>
+        <a:effectRef idx="0">
+          <a:scrgbClr r="0" g="0" b="0"/>
+        </a:effectRef>
+        <a:fontRef idx="minor">
+          <a:schemeClr val="lt1"/>
+        </a:fontRef>
+      </dsp:style>
+    </dsp:sp>
+    <dsp:sp modelId="{63CD7766-3CAD-4D39-B754-5301D0E9652D}">
+      <dsp:nvSpPr>
+        <dsp:cNvPr id="0" name=""/>
+        <dsp:cNvSpPr/>
+      </dsp:nvSpPr>
+      <dsp:spPr>
+        <a:xfrm>
+          <a:off x="1965033" y="2131120"/>
+          <a:ext cx="767506" cy="487366"/>
+        </a:xfrm>
+        <a:prstGeom prst="roundRect">
+          <a:avLst>
+            <a:gd name="adj" fmla="val 10000"/>
+          </a:avLst>
+        </a:prstGeom>
+        <a:solidFill>
+          <a:schemeClr val="lt1">
+            <a:alpha val="90000"/>
+            <a:hueOff val="0"/>
+            <a:satOff val="0"/>
+            <a:lumOff val="0"/>
+            <a:alphaOff val="0"/>
+          </a:schemeClr>
+        </a:solidFill>
+        <a:ln w="25400" cap="flat" cmpd="sng" algn="ctr">
+          <a:solidFill>
+            <a:schemeClr val="accent1">
+              <a:hueOff val="0"/>
+              <a:satOff val="0"/>
+              <a:lumOff val="0"/>
+              <a:alphaOff val="0"/>
+            </a:schemeClr>
+          </a:solidFill>
+          <a:prstDash val="solid"/>
+        </a:ln>
+        <a:effectLst/>
+      </dsp:spPr>
+      <dsp:style>
+        <a:lnRef idx="2">
+          <a:scrgbClr r="0" g="0" b="0"/>
+        </a:lnRef>
+        <a:fillRef idx="1">
+          <a:scrgbClr r="0" g="0" b="0"/>
+        </a:fillRef>
+        <a:effectRef idx="0">
+          <a:scrgbClr r="0" g="0" b="0"/>
+        </a:effectRef>
+        <a:fontRef idx="minor"/>
+      </dsp:style>
+      <dsp:txBody>
+        <a:bodyPr spcFirstLastPara="0" vert="horz" wrap="square" lIns="68580" tIns="68580" rIns="68580" bIns="68580" numCol="1" spcCol="1270" anchor="ctr" anchorCtr="0">
+          <a:noAutofit/>
+        </a:bodyPr>
+        <a:lstStyle/>
+        <a:p>
+          <a:pPr lvl="0" algn="ctr" defTabSz="800100">
+            <a:lnSpc>
+              <a:spcPct val="90000"/>
+            </a:lnSpc>
+            <a:spcBef>
+              <a:spcPct val="0"/>
+            </a:spcBef>
+            <a:spcAft>
+              <a:spcPct val="35000"/>
+            </a:spcAft>
+          </a:pPr>
+          <a:r>
+            <a:rPr lang="zh-CN" altLang="en-US" sz="1800" kern="1200" dirty="0">
+              <a:latin typeface="微软雅黑" pitchFamily="34" charset="-122"/>
+              <a:ea typeface="微软雅黑" pitchFamily="34" charset="-122"/>
+            </a:rPr>
+            <a:t>成本</a:t>
+          </a:r>
+        </a:p>
+      </dsp:txBody>
+      <dsp:txXfrm>
+        <a:off x="1979307" y="2145394"/>
+        <a:ext cx="738958" cy="458818"/>
+      </dsp:txXfrm>
+    </dsp:sp>
+    <dsp:sp modelId="{3E9BBF18-3041-4E72-AF29-32DD9D0F33D7}">
+      <dsp:nvSpPr>
+        <dsp:cNvPr id="0" name=""/>
+        <dsp:cNvSpPr/>
+      </dsp:nvSpPr>
+      <dsp:spPr>
+        <a:xfrm>
+          <a:off x="2817818" y="2050106"/>
+          <a:ext cx="767506" cy="487366"/>
+        </a:xfrm>
+        <a:prstGeom prst="roundRect">
+          <a:avLst>
+            <a:gd name="adj" fmla="val 10000"/>
+          </a:avLst>
+        </a:prstGeom>
+        <a:solidFill>
+          <a:schemeClr val="accent1">
+            <a:hueOff val="0"/>
+            <a:satOff val="0"/>
+            <a:lumOff val="0"/>
+            <a:alphaOff val="0"/>
+          </a:schemeClr>
+        </a:solidFill>
+        <a:ln w="25400" cap="flat" cmpd="sng" algn="ctr">
+          <a:solidFill>
+            <a:schemeClr val="lt1">
+              <a:hueOff val="0"/>
+              <a:satOff val="0"/>
+              <a:lumOff val="0"/>
+              <a:alphaOff val="0"/>
+            </a:schemeClr>
+          </a:solidFill>
+          <a:prstDash val="solid"/>
+        </a:ln>
+        <a:effectLst/>
+      </dsp:spPr>
+      <dsp:style>
+        <a:lnRef idx="2">
+          <a:scrgbClr r="0" g="0" b="0"/>
+        </a:lnRef>
+        <a:fillRef idx="1">
+          <a:scrgbClr r="0" g="0" b="0"/>
+        </a:fillRef>
+        <a:effectRef idx="0">
+          <a:scrgbClr r="0" g="0" b="0"/>
+        </a:effectRef>
+        <a:fontRef idx="minor">
+          <a:schemeClr val="lt1"/>
+        </a:fontRef>
+      </dsp:style>
+    </dsp:sp>
+    <dsp:sp modelId="{AB74829B-3239-4B53-A575-EC98E308C65B}">
+      <dsp:nvSpPr>
+        <dsp:cNvPr id="0" name=""/>
+        <dsp:cNvSpPr/>
+      </dsp:nvSpPr>
+      <dsp:spPr>
+        <a:xfrm>
+          <a:off x="2903097" y="2131120"/>
+          <a:ext cx="767506" cy="487366"/>
+        </a:xfrm>
+        <a:prstGeom prst="roundRect">
+          <a:avLst>
+            <a:gd name="adj" fmla="val 10000"/>
+          </a:avLst>
+        </a:prstGeom>
+        <a:solidFill>
+          <a:schemeClr val="lt1">
+            <a:alpha val="90000"/>
+            <a:hueOff val="0"/>
+            <a:satOff val="0"/>
+            <a:lumOff val="0"/>
+            <a:alphaOff val="0"/>
+          </a:schemeClr>
+        </a:solidFill>
+        <a:ln w="25400" cap="flat" cmpd="sng" algn="ctr">
+          <a:solidFill>
+            <a:schemeClr val="accent1">
+              <a:hueOff val="0"/>
+              <a:satOff val="0"/>
+              <a:lumOff val="0"/>
+              <a:alphaOff val="0"/>
+            </a:schemeClr>
+          </a:solidFill>
+          <a:prstDash val="solid"/>
+        </a:ln>
+        <a:effectLst/>
+      </dsp:spPr>
+      <dsp:style>
+        <a:lnRef idx="2">
+          <a:scrgbClr r="0" g="0" b="0"/>
+        </a:lnRef>
+        <a:fillRef idx="1">
+          <a:scrgbClr r="0" g="0" b="0"/>
+        </a:fillRef>
+        <a:effectRef idx="0">
+          <a:scrgbClr r="0" g="0" b="0"/>
+        </a:effectRef>
+        <a:fontRef idx="minor"/>
+      </dsp:style>
+      <dsp:txBody>
+        <a:bodyPr spcFirstLastPara="0" vert="horz" wrap="square" lIns="68580" tIns="68580" rIns="68580" bIns="68580" numCol="1" spcCol="1270" anchor="ctr" anchorCtr="0">
+          <a:noAutofit/>
+        </a:bodyPr>
+        <a:lstStyle/>
+        <a:p>
+          <a:pPr lvl="0" algn="ctr" defTabSz="800100">
+            <a:lnSpc>
+              <a:spcPct val="90000"/>
+            </a:lnSpc>
+            <a:spcBef>
+              <a:spcPct val="0"/>
+            </a:spcBef>
+            <a:spcAft>
+              <a:spcPct val="35000"/>
+            </a:spcAft>
+          </a:pPr>
+          <a:r>
+            <a:rPr lang="zh-CN" altLang="en-US" sz="1800" kern="1200" dirty="0">
+              <a:latin typeface="微软雅黑" pitchFamily="34" charset="-122"/>
+              <a:ea typeface="微软雅黑" pitchFamily="34" charset="-122"/>
+            </a:rPr>
+            <a:t>质量</a:t>
+          </a:r>
+        </a:p>
+      </dsp:txBody>
+      <dsp:txXfrm>
+        <a:off x="2917371" y="2145394"/>
+        <a:ext cx="738958" cy="458818"/>
+      </dsp:txXfrm>
+    </dsp:sp>
+    <dsp:sp modelId="{B11C065A-FCD1-4D13-A026-6A33BE94585B}">
+      <dsp:nvSpPr>
+        <dsp:cNvPr id="0" name=""/>
+        <dsp:cNvSpPr/>
+      </dsp:nvSpPr>
+      <dsp:spPr>
+        <a:xfrm>
+          <a:off x="3755882" y="2050106"/>
+          <a:ext cx="767506" cy="487366"/>
+        </a:xfrm>
+        <a:prstGeom prst="roundRect">
+          <a:avLst>
+            <a:gd name="adj" fmla="val 10000"/>
+          </a:avLst>
+        </a:prstGeom>
+        <a:solidFill>
+          <a:schemeClr val="accent1">
+            <a:hueOff val="0"/>
+            <a:satOff val="0"/>
+            <a:lumOff val="0"/>
+            <a:alphaOff val="0"/>
+          </a:schemeClr>
+        </a:solidFill>
+        <a:ln w="25400" cap="flat" cmpd="sng" algn="ctr">
+          <a:solidFill>
+            <a:schemeClr val="lt1">
+              <a:hueOff val="0"/>
+              <a:satOff val="0"/>
+              <a:lumOff val="0"/>
+              <a:alphaOff val="0"/>
+            </a:schemeClr>
+          </a:solidFill>
+          <a:prstDash val="solid"/>
+        </a:ln>
+        <a:effectLst/>
+      </dsp:spPr>
+      <dsp:style>
+        <a:lnRef idx="2">
+          <a:scrgbClr r="0" g="0" b="0"/>
+        </a:lnRef>
+        <a:fillRef idx="1">
+          <a:scrgbClr r="0" g="0" b="0"/>
+        </a:fillRef>
+        <a:effectRef idx="0">
+          <a:scrgbClr r="0" g="0" b="0"/>
+        </a:effectRef>
+        <a:fontRef idx="minor">
+          <a:schemeClr val="lt1"/>
+        </a:fontRef>
+      </dsp:style>
+    </dsp:sp>
+    <dsp:sp modelId="{1B19637B-5A30-42EB-A00F-BB4EF0E86653}">
+      <dsp:nvSpPr>
+        <dsp:cNvPr id="0" name=""/>
+        <dsp:cNvSpPr/>
+      </dsp:nvSpPr>
+      <dsp:spPr>
+        <a:xfrm>
+          <a:off x="3841160" y="2131120"/>
+          <a:ext cx="767506" cy="487366"/>
+        </a:xfrm>
+        <a:prstGeom prst="roundRect">
+          <a:avLst>
+            <a:gd name="adj" fmla="val 10000"/>
+          </a:avLst>
+        </a:prstGeom>
+        <a:solidFill>
+          <a:schemeClr val="lt1">
+            <a:alpha val="90000"/>
+            <a:hueOff val="0"/>
+            <a:satOff val="0"/>
+            <a:lumOff val="0"/>
+            <a:alphaOff val="0"/>
+          </a:schemeClr>
+        </a:solidFill>
+        <a:ln w="25400" cap="flat" cmpd="sng" algn="ctr">
+          <a:solidFill>
+            <a:schemeClr val="accent1">
+              <a:hueOff val="0"/>
+              <a:satOff val="0"/>
+              <a:lumOff val="0"/>
+              <a:alphaOff val="0"/>
+            </a:schemeClr>
+          </a:solidFill>
+          <a:prstDash val="solid"/>
+        </a:ln>
+        <a:effectLst/>
+      </dsp:spPr>
+      <dsp:style>
+        <a:lnRef idx="2">
+          <a:scrgbClr r="0" g="0" b="0"/>
+        </a:lnRef>
+        <a:fillRef idx="1">
+          <a:scrgbClr r="0" g="0" b="0"/>
+        </a:fillRef>
+        <a:effectRef idx="0">
+          <a:scrgbClr r="0" g="0" b="0"/>
+        </a:effectRef>
+        <a:fontRef idx="minor"/>
+      </dsp:style>
+      <dsp:txBody>
+        <a:bodyPr spcFirstLastPara="0" vert="horz" wrap="square" lIns="68580" tIns="68580" rIns="68580" bIns="68580" numCol="1" spcCol="1270" anchor="ctr" anchorCtr="0">
+          <a:noAutofit/>
+        </a:bodyPr>
+        <a:lstStyle/>
+        <a:p>
+          <a:pPr lvl="0" algn="ctr" defTabSz="800100">
+            <a:lnSpc>
+              <a:spcPct val="90000"/>
+            </a:lnSpc>
+            <a:spcBef>
+              <a:spcPct val="0"/>
+            </a:spcBef>
+            <a:spcAft>
+              <a:spcPct val="35000"/>
+            </a:spcAft>
+          </a:pPr>
+          <a:r>
+            <a:rPr lang="zh-CN" altLang="en-US" sz="1800" kern="1200" dirty="0">
+              <a:latin typeface="微软雅黑" pitchFamily="34" charset="-122"/>
+              <a:ea typeface="微软雅黑" pitchFamily="34" charset="-122"/>
+            </a:rPr>
+            <a:t>风险</a:t>
+          </a:r>
+        </a:p>
+      </dsp:txBody>
+      <dsp:txXfrm>
+        <a:off x="3855434" y="2145394"/>
+        <a:ext cx="738958" cy="458818"/>
+      </dsp:txXfrm>
+    </dsp:sp>
+    <dsp:sp modelId="{2E5F5DC6-94B0-4570-924A-E49663B88CC0}">
+      <dsp:nvSpPr>
+        <dsp:cNvPr id="0" name=""/>
+        <dsp:cNvSpPr/>
+      </dsp:nvSpPr>
+      <dsp:spPr>
+        <a:xfrm>
+          <a:off x="6490765" y="1339522"/>
+          <a:ext cx="767506" cy="487366"/>
+        </a:xfrm>
+        <a:prstGeom prst="roundRect">
+          <a:avLst>
+            <a:gd name="adj" fmla="val 10000"/>
+          </a:avLst>
+        </a:prstGeom>
+        <a:solidFill>
+          <a:schemeClr val="accent1">
+            <a:hueOff val="0"/>
+            <a:satOff val="0"/>
+            <a:lumOff val="0"/>
+            <a:alphaOff val="0"/>
+          </a:schemeClr>
+        </a:solidFill>
+        <a:ln w="25400" cap="flat" cmpd="sng" algn="ctr">
+          <a:solidFill>
+            <a:schemeClr val="lt1">
+              <a:hueOff val="0"/>
+              <a:satOff val="0"/>
+              <a:lumOff val="0"/>
+              <a:alphaOff val="0"/>
+            </a:schemeClr>
+          </a:solidFill>
+          <a:prstDash val="solid"/>
+        </a:ln>
+        <a:effectLst/>
+      </dsp:spPr>
+      <dsp:style>
+        <a:lnRef idx="2">
+          <a:scrgbClr r="0" g="0" b="0"/>
+        </a:lnRef>
+        <a:fillRef idx="1">
+          <a:scrgbClr r="0" g="0" b="0"/>
+        </a:fillRef>
+        <a:effectRef idx="0">
+          <a:scrgbClr r="0" g="0" b="0"/>
+        </a:effectRef>
+        <a:fontRef idx="minor">
+          <a:schemeClr val="lt1"/>
+        </a:fontRef>
+      </dsp:style>
+    </dsp:sp>
+    <dsp:sp modelId="{BF35273B-375B-4E5A-A64A-BEB809B31768}">
+      <dsp:nvSpPr>
+        <dsp:cNvPr id="0" name=""/>
+        <dsp:cNvSpPr/>
+      </dsp:nvSpPr>
+      <dsp:spPr>
+        <a:xfrm>
+          <a:off x="6576044" y="1420537"/>
+          <a:ext cx="767506" cy="487366"/>
+        </a:xfrm>
+        <a:prstGeom prst="roundRect">
+          <a:avLst>
+            <a:gd name="adj" fmla="val 10000"/>
+          </a:avLst>
+        </a:prstGeom>
+        <a:solidFill>
+          <a:schemeClr val="lt1">
+            <a:alpha val="90000"/>
+            <a:hueOff val="0"/>
+            <a:satOff val="0"/>
+            <a:lumOff val="0"/>
+            <a:alphaOff val="0"/>
+          </a:schemeClr>
+        </a:solidFill>
+        <a:ln w="25400" cap="flat" cmpd="sng" algn="ctr">
+          <a:solidFill>
+            <a:schemeClr val="accent1">
+              <a:hueOff val="0"/>
+              <a:satOff val="0"/>
+              <a:lumOff val="0"/>
+              <a:alphaOff val="0"/>
+            </a:schemeClr>
+          </a:solidFill>
+          <a:prstDash val="solid"/>
+        </a:ln>
+        <a:effectLst/>
+      </dsp:spPr>
+      <dsp:style>
+        <a:lnRef idx="2">
+          <a:scrgbClr r="0" g="0" b="0"/>
+        </a:lnRef>
+        <a:fillRef idx="1">
+          <a:scrgbClr r="0" g="0" b="0"/>
+        </a:fillRef>
+        <a:effectRef idx="0">
+          <a:scrgbClr r="0" g="0" b="0"/>
+        </a:effectRef>
+        <a:fontRef idx="minor"/>
+      </dsp:style>
+      <dsp:txBody>
+        <a:bodyPr spcFirstLastPara="0" vert="horz" wrap="square" lIns="68580" tIns="68580" rIns="68580" bIns="68580" numCol="1" spcCol="1270" anchor="ctr" anchorCtr="0">
+          <a:noAutofit/>
+        </a:bodyPr>
+        <a:lstStyle/>
+        <a:p>
+          <a:pPr lvl="0" algn="ctr" defTabSz="800100">
+            <a:lnSpc>
+              <a:spcPct val="90000"/>
+            </a:lnSpc>
+            <a:spcBef>
+              <a:spcPct val="0"/>
+            </a:spcBef>
+            <a:spcAft>
+              <a:spcPct val="35000"/>
+            </a:spcAft>
+          </a:pPr>
+          <a:r>
+            <a:rPr lang="zh-CN" altLang="en-US" sz="1800" kern="1200" dirty="0">
+              <a:latin typeface="微软雅黑" pitchFamily="34" charset="-122"/>
+              <a:ea typeface="微软雅黑" pitchFamily="34" charset="-122"/>
+            </a:rPr>
+            <a:t>人</a:t>
+          </a:r>
+        </a:p>
+      </dsp:txBody>
+      <dsp:txXfrm>
+        <a:off x="6590318" y="1434811"/>
+        <a:ext cx="738958" cy="458818"/>
+      </dsp:txXfrm>
+    </dsp:sp>
+    <dsp:sp modelId="{AE94D757-501B-4CE9-8364-8F471F3A6EA0}">
+      <dsp:nvSpPr>
+        <dsp:cNvPr id="0" name=""/>
+        <dsp:cNvSpPr/>
+      </dsp:nvSpPr>
+      <dsp:spPr>
+        <a:xfrm>
+          <a:off x="4693946" y="2050106"/>
+          <a:ext cx="1408666" cy="487366"/>
+        </a:xfrm>
+        <a:prstGeom prst="roundRect">
+          <a:avLst>
+            <a:gd name="adj" fmla="val 10000"/>
+          </a:avLst>
+        </a:prstGeom>
+        <a:solidFill>
+          <a:schemeClr val="accent1">
+            <a:hueOff val="0"/>
+            <a:satOff val="0"/>
+            <a:lumOff val="0"/>
+            <a:alphaOff val="0"/>
+          </a:schemeClr>
+        </a:solidFill>
+        <a:ln w="25400" cap="flat" cmpd="sng" algn="ctr">
+          <a:solidFill>
+            <a:schemeClr val="lt1">
+              <a:hueOff val="0"/>
+              <a:satOff val="0"/>
+              <a:lumOff val="0"/>
+              <a:alphaOff val="0"/>
+            </a:schemeClr>
+          </a:solidFill>
+          <a:prstDash val="solid"/>
+        </a:ln>
+        <a:effectLst/>
+      </dsp:spPr>
+      <dsp:style>
+        <a:lnRef idx="2">
+          <a:scrgbClr r="0" g="0" b="0"/>
+        </a:lnRef>
+        <a:fillRef idx="1">
+          <a:scrgbClr r="0" g="0" b="0"/>
+        </a:fillRef>
+        <a:effectRef idx="0">
+          <a:scrgbClr r="0" g="0" b="0"/>
+        </a:effectRef>
+        <a:fontRef idx="minor">
+          <a:schemeClr val="lt1"/>
+        </a:fontRef>
+      </dsp:style>
+    </dsp:sp>
+    <dsp:sp modelId="{91E89F63-26EC-48BB-A7B5-09D536DC5BE9}">
+      <dsp:nvSpPr>
+        <dsp:cNvPr id="0" name=""/>
+        <dsp:cNvSpPr/>
+      </dsp:nvSpPr>
+      <dsp:spPr>
+        <a:xfrm>
+          <a:off x="4779224" y="2131120"/>
+          <a:ext cx="1408666" cy="487366"/>
+        </a:xfrm>
+        <a:prstGeom prst="roundRect">
+          <a:avLst>
+            <a:gd name="adj" fmla="val 10000"/>
+          </a:avLst>
+        </a:prstGeom>
+        <a:solidFill>
+          <a:schemeClr val="lt1">
+            <a:alpha val="90000"/>
+            <a:hueOff val="0"/>
+            <a:satOff val="0"/>
+            <a:lumOff val="0"/>
+            <a:alphaOff val="0"/>
+          </a:schemeClr>
+        </a:solidFill>
+        <a:ln w="25400" cap="flat" cmpd="sng" algn="ctr">
+          <a:solidFill>
+            <a:schemeClr val="accent1">
+              <a:hueOff val="0"/>
+              <a:satOff val="0"/>
+              <a:lumOff val="0"/>
+              <a:alphaOff val="0"/>
+            </a:schemeClr>
+          </a:solidFill>
+          <a:prstDash val="solid"/>
+        </a:ln>
+        <a:effectLst/>
+      </dsp:spPr>
+      <dsp:style>
+        <a:lnRef idx="2">
+          <a:scrgbClr r="0" g="0" b="0"/>
+        </a:lnRef>
+        <a:fillRef idx="1">
+          <a:scrgbClr r="0" g="0" b="0"/>
+        </a:fillRef>
+        <a:effectRef idx="0">
+          <a:scrgbClr r="0" g="0" b="0"/>
+        </a:effectRef>
+        <a:fontRef idx="minor"/>
+      </dsp:style>
+      <dsp:txBody>
+        <a:bodyPr spcFirstLastPara="0" vert="horz" wrap="square" lIns="68580" tIns="68580" rIns="68580" bIns="68580" numCol="1" spcCol="1270" anchor="ctr" anchorCtr="0">
+          <a:noAutofit/>
+        </a:bodyPr>
+        <a:lstStyle/>
+        <a:p>
+          <a:pPr lvl="0" algn="ctr" defTabSz="800100">
+            <a:lnSpc>
+              <a:spcPct val="90000"/>
+            </a:lnSpc>
+            <a:spcBef>
+              <a:spcPct val="0"/>
+            </a:spcBef>
+            <a:spcAft>
+              <a:spcPct val="35000"/>
+            </a:spcAft>
+          </a:pPr>
+          <a:r>
+            <a:rPr lang="zh-CN" altLang="en-US" sz="1800" kern="1200" dirty="0">
+              <a:latin typeface="微软雅黑" pitchFamily="34" charset="-122"/>
+              <a:ea typeface="微软雅黑" pitchFamily="34" charset="-122"/>
+            </a:rPr>
+            <a:t>人力资源</a:t>
+          </a:r>
+        </a:p>
+      </dsp:txBody>
+      <dsp:txXfrm>
+        <a:off x="4793498" y="2145394"/>
+        <a:ext cx="1380118" cy="458818"/>
+      </dsp:txXfrm>
+    </dsp:sp>
+    <dsp:sp modelId="{8F053846-7F3F-46AE-837A-53655C23611B}">
+      <dsp:nvSpPr>
+        <dsp:cNvPr id="0" name=""/>
+        <dsp:cNvSpPr/>
+      </dsp:nvSpPr>
+      <dsp:spPr>
+        <a:xfrm>
+          <a:off x="6273169" y="2050106"/>
+          <a:ext cx="767506" cy="487366"/>
+        </a:xfrm>
+        <a:prstGeom prst="roundRect">
+          <a:avLst>
+            <a:gd name="adj" fmla="val 10000"/>
+          </a:avLst>
+        </a:prstGeom>
+        <a:solidFill>
+          <a:schemeClr val="accent1">
+            <a:hueOff val="0"/>
+            <a:satOff val="0"/>
+            <a:lumOff val="0"/>
+            <a:alphaOff val="0"/>
+          </a:schemeClr>
+        </a:solidFill>
+        <a:ln w="25400" cap="flat" cmpd="sng" algn="ctr">
+          <a:solidFill>
+            <a:schemeClr val="lt1">
+              <a:hueOff val="0"/>
+              <a:satOff val="0"/>
+              <a:lumOff val="0"/>
+              <a:alphaOff val="0"/>
+            </a:schemeClr>
+          </a:solidFill>
+          <a:prstDash val="solid"/>
+        </a:ln>
+        <a:effectLst/>
+      </dsp:spPr>
+      <dsp:style>
+        <a:lnRef idx="2">
+          <a:scrgbClr r="0" g="0" b="0"/>
+        </a:lnRef>
+        <a:fillRef idx="1">
+          <a:scrgbClr r="0" g="0" b="0"/>
+        </a:fillRef>
+        <a:effectRef idx="0">
+          <a:scrgbClr r="0" g="0" b="0"/>
+        </a:effectRef>
+        <a:fontRef idx="minor">
+          <a:schemeClr val="lt1"/>
+        </a:fontRef>
+      </dsp:style>
+    </dsp:sp>
+    <dsp:sp modelId="{D3D2AEA5-9D15-497D-9FDC-2BC3E5267929}">
+      <dsp:nvSpPr>
+        <dsp:cNvPr id="0" name=""/>
+        <dsp:cNvSpPr/>
+      </dsp:nvSpPr>
+      <dsp:spPr>
+        <a:xfrm>
+          <a:off x="6358447" y="2131120"/>
+          <a:ext cx="767506" cy="487366"/>
+        </a:xfrm>
+        <a:prstGeom prst="roundRect">
+          <a:avLst>
+            <a:gd name="adj" fmla="val 10000"/>
+          </a:avLst>
+        </a:prstGeom>
+        <a:solidFill>
+          <a:schemeClr val="lt1">
+            <a:alpha val="90000"/>
+            <a:hueOff val="0"/>
+            <a:satOff val="0"/>
+            <a:lumOff val="0"/>
+            <a:alphaOff val="0"/>
+          </a:schemeClr>
+        </a:solidFill>
+        <a:ln w="25400" cap="flat" cmpd="sng" algn="ctr">
+          <a:solidFill>
+            <a:schemeClr val="accent1">
+              <a:hueOff val="0"/>
+              <a:satOff val="0"/>
+              <a:lumOff val="0"/>
+              <a:alphaOff val="0"/>
+            </a:schemeClr>
+          </a:solidFill>
+          <a:prstDash val="solid"/>
+        </a:ln>
+        <a:effectLst/>
+      </dsp:spPr>
+      <dsp:style>
+        <a:lnRef idx="2">
+          <a:scrgbClr r="0" g="0" b="0"/>
+        </a:lnRef>
+        <a:fillRef idx="1">
+          <a:scrgbClr r="0" g="0" b="0"/>
+        </a:fillRef>
+        <a:effectRef idx="0">
+          <a:scrgbClr r="0" g="0" b="0"/>
+        </a:effectRef>
+        <a:fontRef idx="minor"/>
+      </dsp:style>
+      <dsp:txBody>
+        <a:bodyPr spcFirstLastPara="0" vert="horz" wrap="square" lIns="68580" tIns="68580" rIns="68580" bIns="68580" numCol="1" spcCol="1270" anchor="ctr" anchorCtr="0">
+          <a:noAutofit/>
+        </a:bodyPr>
+        <a:lstStyle/>
+        <a:p>
+          <a:pPr lvl="0" algn="ctr" defTabSz="800100">
+            <a:lnSpc>
+              <a:spcPct val="90000"/>
+            </a:lnSpc>
+            <a:spcBef>
+              <a:spcPct val="0"/>
+            </a:spcBef>
+            <a:spcAft>
+              <a:spcPct val="35000"/>
+            </a:spcAft>
+          </a:pPr>
+          <a:r>
+            <a:rPr lang="zh-CN" altLang="en-US" sz="1800" kern="1200" dirty="0">
+              <a:latin typeface="微软雅黑" pitchFamily="34" charset="-122"/>
+              <a:ea typeface="微软雅黑" pitchFamily="34" charset="-122"/>
+            </a:rPr>
+            <a:t>沟通</a:t>
+          </a:r>
+        </a:p>
+      </dsp:txBody>
+      <dsp:txXfrm>
+        <a:off x="6372721" y="2145394"/>
+        <a:ext cx="738958" cy="458818"/>
+      </dsp:txXfrm>
+    </dsp:sp>
+    <dsp:sp modelId="{283031A5-9FC6-48A7-BCFA-A1D9491D1F0E}">
+      <dsp:nvSpPr>
+        <dsp:cNvPr id="0" name=""/>
+        <dsp:cNvSpPr/>
+      </dsp:nvSpPr>
+      <dsp:spPr>
+        <a:xfrm>
+          <a:off x="7211232" y="2050106"/>
+          <a:ext cx="767506" cy="487366"/>
+        </a:xfrm>
+        <a:prstGeom prst="roundRect">
+          <a:avLst>
+            <a:gd name="adj" fmla="val 10000"/>
+          </a:avLst>
+        </a:prstGeom>
+        <a:solidFill>
+          <a:schemeClr val="accent1">
+            <a:hueOff val="0"/>
+            <a:satOff val="0"/>
+            <a:lumOff val="0"/>
+            <a:alphaOff val="0"/>
+          </a:schemeClr>
+        </a:solidFill>
+        <a:ln w="25400" cap="flat" cmpd="sng" algn="ctr">
+          <a:solidFill>
+            <a:schemeClr val="lt1">
+              <a:hueOff val="0"/>
+              <a:satOff val="0"/>
+              <a:lumOff val="0"/>
+              <a:alphaOff val="0"/>
+            </a:schemeClr>
+          </a:solidFill>
+          <a:prstDash val="solid"/>
+        </a:ln>
+        <a:effectLst/>
+      </dsp:spPr>
+      <dsp:style>
+        <a:lnRef idx="2">
+          <a:scrgbClr r="0" g="0" b="0"/>
+        </a:lnRef>
+        <a:fillRef idx="1">
+          <a:scrgbClr r="0" g="0" b="0"/>
+        </a:fillRef>
+        <a:effectRef idx="0">
+          <a:scrgbClr r="0" g="0" b="0"/>
+        </a:effectRef>
+        <a:fontRef idx="minor">
+          <a:schemeClr val="lt1"/>
+        </a:fontRef>
+      </dsp:style>
+    </dsp:sp>
+    <dsp:sp modelId="{BF7378AD-E20D-4C0E-A319-C055EF030F8A}">
+      <dsp:nvSpPr>
+        <dsp:cNvPr id="0" name=""/>
+        <dsp:cNvSpPr/>
+      </dsp:nvSpPr>
+      <dsp:spPr>
+        <a:xfrm>
+          <a:off x="7296511" y="2131120"/>
+          <a:ext cx="767506" cy="487366"/>
+        </a:xfrm>
+        <a:prstGeom prst="roundRect">
+          <a:avLst>
+            <a:gd name="adj" fmla="val 10000"/>
+          </a:avLst>
+        </a:prstGeom>
+        <a:solidFill>
+          <a:schemeClr val="lt1">
+            <a:alpha val="90000"/>
+            <a:hueOff val="0"/>
+            <a:satOff val="0"/>
+            <a:lumOff val="0"/>
+            <a:alphaOff val="0"/>
+          </a:schemeClr>
+        </a:solidFill>
+        <a:ln w="25400" cap="flat" cmpd="sng" algn="ctr">
+          <a:solidFill>
+            <a:schemeClr val="accent1">
+              <a:hueOff val="0"/>
+              <a:satOff val="0"/>
+              <a:lumOff val="0"/>
+              <a:alphaOff val="0"/>
+            </a:schemeClr>
+          </a:solidFill>
+          <a:prstDash val="solid"/>
+        </a:ln>
+        <a:effectLst/>
+      </dsp:spPr>
+      <dsp:style>
+        <a:lnRef idx="2">
+          <a:scrgbClr r="0" g="0" b="0"/>
+        </a:lnRef>
+        <a:fillRef idx="1">
+          <a:scrgbClr r="0" g="0" b="0"/>
+        </a:fillRef>
+        <a:effectRef idx="0">
+          <a:scrgbClr r="0" g="0" b="0"/>
+        </a:effectRef>
+        <a:fontRef idx="minor"/>
+      </dsp:style>
+      <dsp:txBody>
+        <a:bodyPr spcFirstLastPara="0" vert="horz" wrap="square" lIns="68580" tIns="68580" rIns="68580" bIns="68580" numCol="1" spcCol="1270" anchor="ctr" anchorCtr="0">
+          <a:noAutofit/>
+        </a:bodyPr>
+        <a:lstStyle/>
+        <a:p>
+          <a:pPr lvl="0" algn="ctr" defTabSz="800100">
+            <a:lnSpc>
+              <a:spcPct val="90000"/>
+            </a:lnSpc>
+            <a:spcBef>
+              <a:spcPct val="0"/>
+            </a:spcBef>
+            <a:spcAft>
+              <a:spcPct val="35000"/>
+            </a:spcAft>
+          </a:pPr>
+          <a:r>
+            <a:rPr lang="zh-CN" altLang="en-US" sz="1800" kern="1200" dirty="0">
+              <a:latin typeface="微软雅黑" pitchFamily="34" charset="-122"/>
+              <a:ea typeface="微软雅黑" pitchFamily="34" charset="-122"/>
+            </a:rPr>
+            <a:t>采购</a:t>
+          </a:r>
+        </a:p>
+      </dsp:txBody>
+      <dsp:txXfrm>
+        <a:off x="7310785" y="2145394"/>
+        <a:ext cx="738958" cy="458818"/>
+      </dsp:txXfrm>
+    </dsp:sp>
+    <dsp:sp modelId="{294442C1-F724-4134-A717-532D4D474AB7}">
+      <dsp:nvSpPr>
+        <dsp:cNvPr id="0" name=""/>
+        <dsp:cNvSpPr/>
+      </dsp:nvSpPr>
+      <dsp:spPr>
+        <a:xfrm>
+          <a:off x="8149296" y="2050106"/>
+          <a:ext cx="905795" cy="487366"/>
+        </a:xfrm>
+        <a:prstGeom prst="roundRect">
+          <a:avLst>
+            <a:gd name="adj" fmla="val 10000"/>
+          </a:avLst>
+        </a:prstGeom>
+        <a:solidFill>
+          <a:schemeClr val="accent1">
+            <a:hueOff val="0"/>
+            <a:satOff val="0"/>
+            <a:lumOff val="0"/>
+            <a:alphaOff val="0"/>
+          </a:schemeClr>
+        </a:solidFill>
+        <a:ln w="25400" cap="flat" cmpd="sng" algn="ctr">
+          <a:solidFill>
+            <a:schemeClr val="lt1">
+              <a:hueOff val="0"/>
+              <a:satOff val="0"/>
+              <a:lumOff val="0"/>
+              <a:alphaOff val="0"/>
+            </a:schemeClr>
+          </a:solidFill>
+          <a:prstDash val="solid"/>
+        </a:ln>
+        <a:effectLst/>
+      </dsp:spPr>
+      <dsp:style>
+        <a:lnRef idx="2">
+          <a:scrgbClr r="0" g="0" b="0"/>
+        </a:lnRef>
+        <a:fillRef idx="1">
+          <a:scrgbClr r="0" g="0" b="0"/>
+        </a:fillRef>
+        <a:effectRef idx="0">
+          <a:scrgbClr r="0" g="0" b="0"/>
+        </a:effectRef>
+        <a:fontRef idx="minor">
+          <a:schemeClr val="lt1"/>
+        </a:fontRef>
+      </dsp:style>
+    </dsp:sp>
+    <dsp:sp modelId="{02D1BE04-2BA3-4282-8F26-BA9F86CF9D61}">
+      <dsp:nvSpPr>
+        <dsp:cNvPr id="0" name=""/>
+        <dsp:cNvSpPr/>
+      </dsp:nvSpPr>
+      <dsp:spPr>
+        <a:xfrm>
+          <a:off x="8234574" y="2131120"/>
+          <a:ext cx="905795" cy="487366"/>
+        </a:xfrm>
+        <a:prstGeom prst="roundRect">
+          <a:avLst>
+            <a:gd name="adj" fmla="val 10000"/>
+          </a:avLst>
+        </a:prstGeom>
+        <a:solidFill>
+          <a:schemeClr val="lt1">
+            <a:alpha val="90000"/>
+            <a:hueOff val="0"/>
+            <a:satOff val="0"/>
+            <a:lumOff val="0"/>
+            <a:alphaOff val="0"/>
+          </a:schemeClr>
+        </a:solidFill>
+        <a:ln w="25400" cap="flat" cmpd="sng" algn="ctr">
+          <a:solidFill>
+            <a:schemeClr val="accent1">
+              <a:hueOff val="0"/>
+              <a:satOff val="0"/>
+              <a:lumOff val="0"/>
+              <a:alphaOff val="0"/>
+            </a:schemeClr>
+          </a:solidFill>
+          <a:prstDash val="solid"/>
+        </a:ln>
+        <a:effectLst/>
+      </dsp:spPr>
+      <dsp:style>
+        <a:lnRef idx="2">
+          <a:scrgbClr r="0" g="0" b="0"/>
+        </a:lnRef>
+        <a:fillRef idx="1">
+          <a:scrgbClr r="0" g="0" b="0"/>
+        </a:fillRef>
+        <a:effectRef idx="0">
+          <a:scrgbClr r="0" g="0" b="0"/>
+        </a:effectRef>
+        <a:fontRef idx="minor"/>
+      </dsp:style>
+      <dsp:txBody>
+        <a:bodyPr spcFirstLastPara="0" vert="horz" wrap="square" lIns="68580" tIns="68580" rIns="68580" bIns="68580" numCol="1" spcCol="1270" anchor="ctr" anchorCtr="0">
+          <a:noAutofit/>
+        </a:bodyPr>
+        <a:lstStyle/>
+        <a:p>
+          <a:pPr marL="0" lvl="0" indent="0" algn="ctr" defTabSz="800100">
+            <a:lnSpc>
+              <a:spcPct val="90000"/>
+            </a:lnSpc>
+            <a:spcBef>
+              <a:spcPct val="0"/>
+            </a:spcBef>
+            <a:spcAft>
+              <a:spcPct val="35000"/>
+            </a:spcAft>
+            <a:buNone/>
+          </a:pPr>
+          <a:r>
+            <a:rPr lang="zh-CN" altLang="en-US" sz="1800" kern="1200" dirty="0">
+              <a:solidFill>
+                <a:srgbClr val="000000">
+                  <a:hueOff val="0"/>
+                  <a:satOff val="0"/>
+                  <a:lumOff val="0"/>
+                  <a:alphaOff val="0"/>
+                </a:srgbClr>
+              </a:solidFill>
+              <a:latin typeface="微软雅黑" pitchFamily="34" charset="-122"/>
+              <a:ea typeface="微软雅黑" pitchFamily="34" charset="-122"/>
+              <a:cs typeface="Arial"/>
+            </a:rPr>
+            <a:t>干系人</a:t>
+          </a:r>
+        </a:p>
+      </dsp:txBody>
+      <dsp:txXfrm>
+        <a:off x="8248848" y="2145394"/>
+        <a:ext cx="877247" cy="458818"/>
+      </dsp:txXfrm>
+    </dsp:sp>
+  </dsp:spTree>
+</dsp:drawing>
+</file>
+
+<file path=ppt/diagrams/layout1.xml><?xml version="1.0" encoding="utf-8"?>
+<dgm:layoutDef xmlns:dgm="http://schemas.openxmlformats.org/drawingml/2006/diagram" xmlns:a="http://schemas.openxmlformats.org/drawingml/2006/main" uniqueId="urn:microsoft.com/office/officeart/2005/8/layout/hierarchy1">
+  <dgm:title val=""/>
+  <dgm:desc val=""/>
+  <dgm:catLst>
+    <dgm:cat type="hierarchy" pri="2000"/>
+  </dgm:catLst>
+  <dgm:sampData>
+    <dgm:dataModel>
+      <dgm:ptLst>
+        <dgm:pt modelId="0" type="doc"/>
+        <dgm:pt modelId="1">
+          <dgm:prSet phldr="1"/>
+        </dgm:pt>
+        <dgm:pt modelId="2">
+          <dgm:prSet phldr="1"/>
+        </dgm:pt>
+        <dgm:pt modelId="21">
+          <dgm:prSet phldr="1"/>
+        </dgm:pt>
+        <dgm:pt modelId="22">
+          <dgm:prSet phldr="1"/>
+        </dgm:pt>
+        <dgm:pt modelId="3">
+          <dgm:prSet phldr="1"/>
+        </dgm:pt>
+        <dgm:pt modelId="31">
+          <dgm:prSet phldr="1"/>
+        </dgm:pt>
+      </dgm:ptLst>
+      <dgm:cxnLst>
+        <dgm:cxn modelId="4" srcId="0" destId="1" srcOrd="0" destOrd="0"/>
+        <dgm:cxn modelId="5" srcId="1" destId="2" srcOrd="0" destOrd="0"/>
+        <dgm:cxn modelId="6" srcId="1" destId="3" srcOrd="1" destOrd="0"/>
+        <dgm:cxn modelId="23" srcId="2" destId="21" srcOrd="0" destOrd="0"/>
+        <dgm:cxn modelId="24" srcId="2" destId="22" srcOrd="1" destOrd="0"/>
+        <dgm:cxn modelId="33" srcId="3" destId="31" srcOrd="0" destOrd="0"/>
+      </dgm:cxnLst>
+      <dgm:bg/>
+      <dgm:whole/>
+    </dgm:dataModel>
+  </dgm:sampData>
+  <dgm:styleData>
+    <dgm:dataModel>
+      <dgm:ptLst>
+        <dgm:pt modelId="0" type="doc"/>
+        <dgm:pt modelId="1"/>
+        <dgm:pt modelId="11"/>
+        <dgm:pt modelId="12"/>
+      </dgm:ptLst>
+      <dgm:cxnLst>
+        <dgm:cxn modelId="2" srcId="0" destId="1" srcOrd="0" destOrd="0"/>
+        <dgm:cxn modelId="13" srcId="1" destId="11" srcOrd="0" destOrd="0"/>
+        <dgm:cxn modelId="14" srcId="1" destId="12" srcOrd="1" destOrd="0"/>
+      </dgm:cxnLst>
+      <dgm:bg/>
+      <dgm:whole/>
+    </dgm:dataModel>
+  </dgm:styleData>
+  <dgm:clrData>
+    <dgm:dataModel>
+      <dgm:ptLst>
+        <dgm:pt modelId="0" type="doc"/>
+        <dgm:pt modelId="1"/>
+        <dgm:pt modelId="2"/>
+        <dgm:pt modelId="21"/>
+        <dgm:pt modelId="211"/>
+        <dgm:pt modelId="3"/>
+        <dgm:pt modelId="31"/>
+        <dgm:pt modelId="311"/>
+      </dgm:ptLst>
+      <dgm:cxnLst>
+        <dgm:cxn modelId="4" srcId="0" destId="1" srcOrd="0" destOrd="0"/>
+        <dgm:cxn modelId="5" srcId="1" destId="2" srcOrd="0" destOrd="0"/>
+        <dgm:cxn modelId="6" srcId="1" destId="3" srcOrd="1" destOrd="0"/>
+        <dgm:cxn modelId="23" srcId="2" destId="21" srcOrd="0" destOrd="0"/>
+        <dgm:cxn modelId="24" srcId="21" destId="211" srcOrd="0" destOrd="0"/>
+        <dgm:cxn modelId="33" srcId="3" destId="31" srcOrd="0" destOrd="0"/>
+        <dgm:cxn modelId="34" srcId="31" destId="311" srcOrd="0" destOrd="0"/>
+      </dgm:cxnLst>
+      <dgm:bg/>
+      <dgm:whole/>
+    </dgm:dataModel>
+  </dgm:clrData>
+  <dgm:layoutNode name="hierChild1">
+    <dgm:varLst>
+      <dgm:chPref val="1"/>
+      <dgm:dir/>
+      <dgm:animOne val="branch"/>
+      <dgm:animLvl val="lvl"/>
+      <dgm:resizeHandles/>
+    </dgm:varLst>
+    <dgm:choose name="Name0">
+      <dgm:if name="Name1" func="var" arg="dir" op="equ" val="norm">
+        <dgm:alg type="hierChild">
+          <dgm:param type="linDir" val="fromL"/>
+        </dgm:alg>
+      </dgm:if>
+      <dgm:else name="Name2">
+        <dgm:alg type="hierChild">
+          <dgm:param type="linDir" val="fromR"/>
+        </dgm:alg>
+      </dgm:else>
+    </dgm:choose>
+    <dgm:shape xmlns:r="http://schemas.openxmlformats.org/officeDocument/2006/relationships" r:blip="">
+      <dgm:adjLst/>
+    </dgm:shape>
+    <dgm:presOf/>
+    <dgm:constrLst>
+      <dgm:constr type="primFontSz" for="des" ptType="node" op="equ" val="65"/>
+      <dgm:constr type="w" for="des" forName="composite" refType="w"/>
+      <dgm:constr type="h" for="des" forName="composite" refType="w" refFor="des" refForName="composite" fact="0.667"/>
+      <dgm:constr type="w" for="des" forName="composite2" refType="w" refFor="des" refForName="composite"/>
+      <dgm:constr type="h" for="des" forName="composite2" refType="h" refFor="des" refForName="composite"/>
+      <dgm:constr type="w" for="des" forName="composite3" refType="w" refFor="des" refForName="composite"/>
+      <dgm:constr type="h" for="des" forName="composite3" refType="h" refFor="des" refForName="composite"/>
+      <dgm:constr type="w" for="des" forName="composite4" refType="w" refFor="des" refForName="composite"/>
+      <dgm:constr type="h" for="des" forName="composite4" refType="h" refFor="des" refForName="composite"/>
+      <dgm:constr type="w" for="des" forName="composite5" refType="w" refFor="des" refForName="composite"/>
+      <dgm:constr type="h" for="des" forName="composite5" refType="h" refFor="des" refForName="composite"/>
+      <dgm:constr type="sibSp" refType="w" refFor="des" refForName="composite" fact="0.1"/>
+      <dgm:constr type="sibSp" for="des" forName="hierChild2" refType="sibSp"/>
+      <dgm:constr type="sibSp" for="des" forName="hierChild3" refType="sibSp"/>
+      <dgm:constr type="sibSp" for="des" forName="hierChild4" refType="sibSp"/>
+      <dgm:constr type="sibSp" for="des" forName="hierChild5" refType="sibSp"/>
+      <dgm:constr type="sibSp" for="des" forName="hierChild6" refType="sibSp"/>
+      <dgm:constr type="sp" for="des" forName="hierRoot1" refType="h" refFor="des" refForName="composite" fact="0.25"/>
+      <dgm:constr type="sp" for="des" forName="hierRoot2" refType="sp" refFor="des" refForName="hierRoot1"/>
+      <dgm:constr type="sp" for="des" forName="hierRoot3" refType="sp" refFor="des" refForName="hierRoot1"/>
+      <dgm:constr type="sp" for="des" forName="hierRoot4" refType="sp" refFor="des" refForName="hierRoot1"/>
+      <dgm:constr type="sp" for="des" forName="hierRoot5" refType="sp" refFor="des" refForName="hierRoot1"/>
+    </dgm:constrLst>
+    <dgm:ruleLst/>
+    <dgm:forEach name="Name3" axis="ch">
+      <dgm:forEach name="Name4" axis="self" ptType="node">
+        <dgm:layoutNode name="hierRoot1">
+          <dgm:alg type="hierRoot"/>
+          <dgm:shape xmlns:r="http://schemas.openxmlformats.org/officeDocument/2006/relationships" r:blip="">
+            <dgm:adjLst/>
+          </dgm:shape>
+          <dgm:presOf/>
+          <dgm:constrLst>
+            <dgm:constr type="bendDist" for="des" ptType="parTrans" refType="sp" fact="0.5"/>
+          </dgm:constrLst>
+          <dgm:ruleLst/>
+          <dgm:layoutNode name="composite">
+            <dgm:alg type="composite"/>
+            <dgm:shape xmlns:r="http://schemas.openxmlformats.org/officeDocument/2006/relationships" r:blip="">
+              <dgm:adjLst/>
+            </dgm:shape>
+            <dgm:presOf/>
+            <dgm:constrLst>
+              <dgm:constr type="w" for="ch" forName="background" refType="w" fact="0.9"/>
+              <dgm:constr type="h" for="ch" forName="background" refType="w" refFor="ch" refForName="background" fact="0.635"/>
+              <dgm:constr type="t" for="ch" forName="background"/>
+              <dgm:constr type="l" for="ch" forName="background"/>
+              <dgm:constr type="w" for="ch" forName="text" refType="w" fact="0.9"/>
+              <dgm:constr type="h" for="ch" forName="text" refType="w" refFor="ch" refForName="text" fact="0.635"/>
+              <dgm:constr type="t" for="ch" forName="text" refType="w" fact="0.095"/>
+              <dgm:constr type="l" for="ch" forName="text" refType="w" fact="0.1"/>
+            </dgm:constrLst>
+            <dgm:ruleLst/>
+            <dgm:layoutNode name="background" styleLbl="node0" moveWith="text">
+              <dgm:alg type="sp"/>
+              <dgm:shape xmlns:r="http://schemas.openxmlformats.org/officeDocument/2006/relationships" type="roundRect" r:blip="">
+                <dgm:adjLst>
+                  <dgm:adj idx="1" val="0.1"/>
+                </dgm:adjLst>
+              </dgm:shape>
+              <dgm:presOf/>
+              <dgm:constrLst/>
+              <dgm:ruleLst/>
+            </dgm:layoutNode>
+            <dgm:layoutNode name="text" styleLbl="fgAcc0">
+              <dgm:varLst>
+                <dgm:chPref val="3"/>
+              </dgm:varLst>
+              <dgm:alg type="tx"/>
+              <dgm:shape xmlns:r="http://schemas.openxmlformats.org/officeDocument/2006/relationships" type="roundRect" r:blip="">
+                <dgm:adjLst>
+                  <dgm:adj idx="1" val="0.1"/>
+                </dgm:adjLst>
+              </dgm:shape>
+              <dgm:presOf axis="self"/>
+              <dgm:constrLst>
+                <dgm:constr type="tMarg" refType="primFontSz" fact="0.3"/>
+                <dgm:constr type="bMarg" refType="primFontSz" fact="0.3"/>
+                <dgm:constr type="lMarg" refType="primFontSz" fact="0.3"/>
+                <dgm:constr type="rMarg" refType="primFontSz" fact="0.3"/>
+              </dgm:constrLst>
+              <dgm:ruleLst>
+                <dgm:rule type="primFontSz" val="5" fact="NaN" max="NaN"/>
+              </dgm:ruleLst>
+            </dgm:layoutNode>
+          </dgm:layoutNode>
+          <dgm:layoutNode name="hierChild2">
+            <dgm:choose name="Name5">
+              <dgm:if name="Name6" func="var" arg="dir" op="equ" val="norm">
+                <dgm:alg type="hierChild">
+                  <dgm:param type="linDir" val="fromL"/>
+                </dgm:alg>
+              </dgm:if>
+              <dgm:else name="Name7">
+                <dgm:alg type="hierChild">
+                  <dgm:param type="linDir" val="fromR"/>
+                </dgm:alg>
+              </dgm:else>
+            </dgm:choose>
+            <dgm:shape xmlns:r="http://schemas.openxmlformats.org/officeDocument/2006/relationships" r:blip="">
+              <dgm:adjLst/>
+            </dgm:shape>
+            <dgm:presOf/>
+            <dgm:constrLst/>
+            <dgm:ruleLst/>
+            <dgm:forEach name="Name8" axis="ch">
+              <dgm:forEach name="Name9" axis="self" ptType="parTrans" cnt="1">
+                <dgm:layoutNode name="Name10">
+                  <dgm:alg type="conn">
+                    <dgm:param type="srcNode" val="background"/>
+                    <dgm:param type="dstNode" val="background2"/>
+                    <dgm:param type="dim" val="1D"/>
+                    <dgm:param type="endSty" val="noArr"/>
+                    <dgm:param type="connRout" val="bend"/>
+                    <dgm:param type="begPts" val="bCtr"/>
+                    <dgm:param type="endPts" val="tCtr"/>
+                    <dgm:param type="bendPt" val="end"/>
+                  </dgm:alg>
+                  <dgm:shape xmlns:r="http://schemas.openxmlformats.org/officeDocument/2006/relationships" type="conn" r:blip="" zOrderOff="-999">
+                    <dgm:adjLst/>
+                  </dgm:shape>
+                  <dgm:presOf axis="self"/>
+                  <dgm:constrLst>
+                    <dgm:constr type="begPad"/>
+                    <dgm:constr type="endPad"/>
+                  </dgm:constrLst>
+                  <dgm:ruleLst/>
+                </dgm:layoutNode>
+              </dgm:forEach>
+              <dgm:forEach name="Name11" axis="self" ptType="node">
+                <dgm:layoutNode name="hierRoot2">
+                  <dgm:alg type="hierRoot"/>
+                  <dgm:shape xmlns:r="http://schemas.openxmlformats.org/officeDocument/2006/relationships" r:blip="">
+                    <dgm:adjLst/>
+                  </dgm:shape>
+                  <dgm:presOf/>
+                  <dgm:constrLst>
+                    <dgm:constr type="bendDist" for="des" ptType="parTrans" refType="sp" fact="0.5"/>
+                  </dgm:constrLst>
+                  <dgm:ruleLst/>
+                  <dgm:layoutNode name="composite2">
+                    <dgm:alg type="composite"/>
+                    <dgm:shape xmlns:r="http://schemas.openxmlformats.org/officeDocument/2006/relationships" r:blip="">
+                      <dgm:adjLst/>
+                    </dgm:shape>
+                    <dgm:presOf/>
+                    <dgm:constrLst>
+                      <dgm:constr type="w" for="ch" forName="background2" refType="w" fact="0.9"/>
+                      <dgm:constr type="h" for="ch" forName="background2" refType="w" refFor="ch" refForName="background2" fact="0.635"/>
+                      <dgm:constr type="t" for="ch" forName="background2"/>
+                      <dgm:constr type="l" for="ch" forName="background2"/>
+                      <dgm:constr type="w" for="ch" forName="text2" refType="w" fact="0.9"/>
+                      <dgm:constr type="h" for="ch" forName="text2" refType="w" refFor="ch" refForName="text2" fact="0.635"/>
+                      <dgm:constr type="t" for="ch" forName="text2" refType="w" fact="0.095"/>
+                      <dgm:constr type="l" for="ch" forName="text2" refType="w" fact="0.1"/>
+                    </dgm:constrLst>
+                    <dgm:ruleLst/>
+                    <dgm:layoutNode name="background2" moveWith="text2">
+                      <dgm:alg type="sp"/>
+                      <dgm:shape xmlns:r="http://schemas.openxmlformats.org/officeDocument/2006/relationships" type="roundRect" r:blip="">
+                        <dgm:adjLst>
+                          <dgm:adj idx="1" val="0.1"/>
+                        </dgm:adjLst>
+                      </dgm:shape>
+                      <dgm:presOf/>
+                      <dgm:constrLst/>
+                      <dgm:ruleLst/>
+                    </dgm:layoutNode>
+                    <dgm:layoutNode name="text2" styleLbl="fgAcc2">
+                      <dgm:varLst>
+                        <dgm:chPref val="3"/>
+                      </dgm:varLst>
+                      <dgm:alg type="tx"/>
+                      <dgm:shape xmlns:r="http://schemas.openxmlformats.org/officeDocument/2006/relationships" type="roundRect" r:blip="">
+                        <dgm:adjLst>
+                          <dgm:adj idx="1" val="0.1"/>
+                        </dgm:adjLst>
+                      </dgm:shape>
+                      <dgm:presOf axis="self"/>
+                      <dgm:constrLst>
+                        <dgm:constr type="tMarg" refType="primFontSz" fact="0.3"/>
+                        <dgm:constr type="bMarg" refType="primFontSz" fact="0.3"/>
+                        <dgm:constr type="lMarg" refType="primFontSz" fact="0.3"/>
+                        <dgm:constr type="rMarg" refType="primFontSz" fact="0.3"/>
+                      </dgm:constrLst>
+                      <dgm:ruleLst>
+                        <dgm:rule type="primFontSz" val="5" fact="NaN" max="NaN"/>
+                      </dgm:ruleLst>
+                    </dgm:layoutNode>
+                  </dgm:layoutNode>
+                  <dgm:layoutNode name="hierChild3">
+                    <dgm:choose name="Name12">
+                      <dgm:if name="Name13" func="var" arg="dir" op="equ" val="norm">
+                        <dgm:alg type="hierChild">
+                          <dgm:param type="linDir" val="fromL"/>
+                        </dgm:alg>
+                      </dgm:if>
+                      <dgm:else name="Name14">
+                        <dgm:alg type="hierChild">
+                          <dgm:param type="linDir" val="fromR"/>
+                        </dgm:alg>
+                      </dgm:else>
+                    </dgm:choose>
+                    <dgm:shape xmlns:r="http://schemas.openxmlformats.org/officeDocument/2006/relationships" r:blip="">
+                      <dgm:adjLst/>
+                    </dgm:shape>
+                    <dgm:presOf/>
+                    <dgm:constrLst/>
+                    <dgm:ruleLst/>
+                    <dgm:forEach name="Name15" axis="ch">
+                      <dgm:forEach name="Name16" axis="self" ptType="parTrans" cnt="1">
+                        <dgm:layoutNode name="Name17">
+                          <dgm:alg type="conn">
+                            <dgm:param type="srcNode" val="background2"/>
+                            <dgm:param type="dstNode" val="background3"/>
+                            <dgm:param type="dim" val="1D"/>
+                            <dgm:param type="endSty" val="noArr"/>
+                            <dgm:param type="connRout" val="bend"/>
+                            <dgm:param type="begPts" val="bCtr"/>
+                            <dgm:param type="endPts" val="tCtr"/>
+                            <dgm:param type="bendPt" val="end"/>
+                          </dgm:alg>
+                          <dgm:shape xmlns:r="http://schemas.openxmlformats.org/officeDocument/2006/relationships" type="conn" r:blip="" zOrderOff="-999">
+                            <dgm:adjLst/>
+                          </dgm:shape>
+                          <dgm:presOf axis="self"/>
+                          <dgm:constrLst>
+                            <dgm:constr type="begPad"/>
+                            <dgm:constr type="endPad"/>
+                          </dgm:constrLst>
+                          <dgm:ruleLst/>
+                        </dgm:layoutNode>
+                      </dgm:forEach>
+                      <dgm:forEach name="Name18" axis="self" ptType="node">
+                        <dgm:layoutNode name="hierRoot3">
+                          <dgm:alg type="hierRoot"/>
+                          <dgm:shape xmlns:r="http://schemas.openxmlformats.org/officeDocument/2006/relationships" r:blip="">
+                            <dgm:adjLst/>
+                          </dgm:shape>
+                          <dgm:presOf/>
+                          <dgm:constrLst>
+                            <dgm:constr type="bendDist" for="des" ptType="parTrans" refType="sp" fact="0.5"/>
+                          </dgm:constrLst>
+                          <dgm:ruleLst/>
+                          <dgm:layoutNode name="composite3">
+                            <dgm:alg type="composite"/>
+                            <dgm:shape xmlns:r="http://schemas.openxmlformats.org/officeDocument/2006/relationships" r:blip="">
+                              <dgm:adjLst/>
+                            </dgm:shape>
+                            <dgm:presOf/>
+                            <dgm:constrLst>
+                              <dgm:constr type="w" for="ch" forName="background3" refType="w" fact="0.9"/>
+                              <dgm:constr type="h" for="ch" forName="background3" refType="w" refFor="ch" refForName="background3" fact="0.635"/>
+                              <dgm:constr type="t" for="ch" forName="background3"/>
+                              <dgm:constr type="l" for="ch" forName="background3"/>
+                              <dgm:constr type="w" for="ch" forName="text3" refType="w" fact="0.9"/>
+                              <dgm:constr type="h" for="ch" forName="text3" refType="w" refFor="ch" refForName="text3" fact="0.635"/>
+                              <dgm:constr type="t" for="ch" forName="text3" refType="w" fact="0.095"/>
+                              <dgm:constr type="l" for="ch" forName="text3" refType="w" fact="0.1"/>
+                            </dgm:constrLst>
+                            <dgm:ruleLst/>
+                            <dgm:layoutNode name="background3" moveWith="text3">
+                              <dgm:alg type="sp"/>
+                              <dgm:shape xmlns:r="http://schemas.openxmlformats.org/officeDocument/2006/relationships" type="roundRect" r:blip="">
+                                <dgm:adjLst>
+                                  <dgm:adj idx="1" val="0.1"/>
+                                </dgm:adjLst>
+                              </dgm:shape>
+                              <dgm:presOf/>
+                              <dgm:constrLst/>
+                              <dgm:ruleLst/>
+                            </dgm:layoutNode>
+                            <dgm:layoutNode name="text3" styleLbl="fgAcc3">
+                              <dgm:varLst>
+                                <dgm:chPref val="3"/>
+                              </dgm:varLst>
+                              <dgm:alg type="tx"/>
+                              <dgm:shape xmlns:r="http://schemas.openxmlformats.org/officeDocument/2006/relationships" type="roundRect" r:blip="">
+                                <dgm:adjLst>
+                                  <dgm:adj idx="1" val="0.1"/>
+                                </dgm:adjLst>
+                              </dgm:shape>
+                              <dgm:presOf axis="self"/>
+                              <dgm:constrLst>
+                                <dgm:constr type="tMarg" refType="primFontSz" fact="0.3"/>
+                                <dgm:constr type="bMarg" refType="primFontSz" fact="0.3"/>
+                                <dgm:constr type="lMarg" refType="primFontSz" fact="0.3"/>
+                                <dgm:constr type="rMarg" refType="primFontSz" fact="0.3"/>
+                              </dgm:constrLst>
+                              <dgm:ruleLst>
+                                <dgm:rule type="primFontSz" val="5" fact="NaN" max="NaN"/>
+                              </dgm:ruleLst>
+                            </dgm:layoutNode>
+                          </dgm:layoutNode>
+                          <dgm:layoutNode name="hierChild4">
+                            <dgm:choose name="Name19">
+                              <dgm:if name="Name20" func="var" arg="dir" op="equ" val="norm">
+                                <dgm:alg type="hierChild">
+                                  <dgm:param type="linDir" val="fromL"/>
+                                </dgm:alg>
+                              </dgm:if>
+                              <dgm:else name="Name21">
+                                <dgm:alg type="hierChild">
+                                  <dgm:param type="linDir" val="fromR"/>
+                                </dgm:alg>
+                              </dgm:else>
+                            </dgm:choose>
+                            <dgm:shape xmlns:r="http://schemas.openxmlformats.org/officeDocument/2006/relationships" r:blip="">
+                              <dgm:adjLst/>
+                            </dgm:shape>
+                            <dgm:presOf/>
+                            <dgm:constrLst/>
+                            <dgm:ruleLst/>
+                            <dgm:forEach name="repeat" axis="ch">
+                              <dgm:forEach name="Name22" axis="self" ptType="parTrans" cnt="1">
+                                <dgm:layoutNode name="Name23">
+                                  <dgm:choose name="Name24">
+                                    <dgm:if name="Name25" axis="self" func="depth" op="lte" val="4">
+                                      <dgm:alg type="conn">
+                                        <dgm:param type="srcNode" val="background3"/>
+                                        <dgm:param type="dstNode" val="background4"/>
+                                        <dgm:param type="dim" val="1D"/>
+                                        <dgm:param type="endSty" val="noArr"/>
+                                        <dgm:param type="connRout" val="bend"/>
+                                        <dgm:param type="begPts" val="bCtr"/>
+                                        <dgm:param type="endPts" val="tCtr"/>
+                                        <dgm:param type="bendPt" val="end"/>
+                                      </dgm:alg>
+                                    </dgm:if>
+                                    <dgm:else name="Name26">
+                                      <dgm:alg type="conn">
+                                        <dgm:param type="srcNode" val="background4"/>
+                                        <dgm:param type="dstNode" val="background4"/>
+                                        <dgm:param type="dim" val="1D"/>
+                                        <dgm:param type="endSty" val="noArr"/>
+                                        <dgm:param type="connRout" val="bend"/>
+                                        <dgm:param type="begPts" val="bCtr"/>
+                                        <dgm:param type="endPts" val="tCtr"/>
+                                        <dgm:param type="bendPt" val="end"/>
+                                      </dgm:alg>
+                                    </dgm:else>
+                                  </dgm:choose>
+                                  <dgm:shape xmlns:r="http://schemas.openxmlformats.org/officeDocument/2006/relationships" type="conn" r:blip="" zOrderOff="-999">
+                                    <dgm:adjLst/>
+                                  </dgm:shape>
+                                  <dgm:presOf axis="self"/>
+                                  <dgm:constrLst>
+                                    <dgm:constr type="begPad"/>
+                                    <dgm:constr type="endPad"/>
+                                  </dgm:constrLst>
+                                  <dgm:ruleLst/>
+                                </dgm:layoutNode>
+                              </dgm:forEach>
+                              <dgm:forEach name="Name27" axis="self" ptType="node">
+                                <dgm:layoutNode name="hierRoot4">
+                                  <dgm:alg type="hierRoot"/>
+                                  <dgm:shape xmlns:r="http://schemas.openxmlformats.org/officeDocument/2006/relationships" r:blip="">
+                                    <dgm:adjLst/>
+                                  </dgm:shape>
+                                  <dgm:presOf/>
+                                  <dgm:constrLst>
+                                    <dgm:constr type="bendDist" for="des" ptType="parTrans" refType="sp" fact="0.5"/>
+                                  </dgm:constrLst>
+                                  <dgm:ruleLst/>
+                                  <dgm:layoutNode name="composite4">
+                                    <dgm:alg type="composite"/>
+                                    <dgm:shape xmlns:r="http://schemas.openxmlformats.org/officeDocument/2006/relationships" r:blip="">
+                                      <dgm:adjLst/>
+                                    </dgm:shape>
+                                    <dgm:presOf/>
+                                    <dgm:constrLst>
+                                      <dgm:constr type="w" for="ch" forName="background4" refType="w" fact="0.9"/>
+                                      <dgm:constr type="h" for="ch" forName="background4" refType="w" refFor="ch" refForName="background4" fact="0.635"/>
+                                      <dgm:constr type="t" for="ch" forName="background4"/>
+                                      <dgm:constr type="l" for="ch" forName="background4"/>
+                                      <dgm:constr type="w" for="ch" forName="text4" refType="w" fact="0.9"/>
+                                      <dgm:constr type="h" for="ch" forName="text4" refType="w" refFor="ch" refForName="text4" fact="0.635"/>
+                                      <dgm:constr type="t" for="ch" forName="text4" refType="w" fact="0.095"/>
+                                      <dgm:constr type="l" for="ch" forName="text4" refType="w" fact="0.1"/>
+                                    </dgm:constrLst>
+                                    <dgm:ruleLst/>
+                                    <dgm:layoutNode name="background4" moveWith="text4">
+                                      <dgm:alg type="sp"/>
+                                      <dgm:shape xmlns:r="http://schemas.openxmlformats.org/officeDocument/2006/relationships" type="roundRect" r:blip="">
+                                        <dgm:adjLst>
+                                          <dgm:adj idx="1" val="0.1"/>
+                                        </dgm:adjLst>
+                                      </dgm:shape>
+                                      <dgm:presOf/>
+                                      <dgm:constrLst/>
+                                      <dgm:ruleLst/>
+                                    </dgm:layoutNode>
+                                    <dgm:layoutNode name="text4" styleLbl="fgAcc4">
+                                      <dgm:varLst>
+                                        <dgm:chPref val="3"/>
+                                      </dgm:varLst>
+                                      <dgm:alg type="tx"/>
+                                      <dgm:shape xmlns:r="http://schemas.openxmlformats.org/officeDocument/2006/relationships" type="roundRect" r:blip="">
+                                        <dgm:adjLst>
+                                          <dgm:adj idx="1" val="0.1"/>
+                                        </dgm:adjLst>
+                                      </dgm:shape>
+                                      <dgm:presOf axis="self"/>
+                                      <dgm:constrLst>
+                                        <dgm:constr type="tMarg" refType="primFontSz" fact="0.3"/>
+                                        <dgm:constr type="bMarg" refType="primFontSz" fact="0.3"/>
+                                        <dgm:constr type="lMarg" refType="primFontSz" fact="0.3"/>
+                                        <dgm:constr type="rMarg" refType="primFontSz" fact="0.3"/>
+                                      </dgm:constrLst>
+                                      <dgm:ruleLst>
+                                        <dgm:rule type="primFontSz" val="5" fact="NaN" max="NaN"/>
+                                      </dgm:ruleLst>
+                                    </dgm:layoutNode>
+                                  </dgm:layoutNode>
+                                  <dgm:layoutNode name="hierChild5">
+                                    <dgm:choose name="Name28">
+                                      <dgm:if name="Name29" func="var" arg="dir" op="equ" val="norm">
+                                        <dgm:alg type="hierChild">
+                                          <dgm:param type="linDir" val="fromL"/>
+                                        </dgm:alg>
+                                      </dgm:if>
+                                      <dgm:else name="Name30">
+                                        <dgm:alg type="hierChild">
+                                          <dgm:param type="linDir" val="fromR"/>
+                                        </dgm:alg>
+                                      </dgm:else>
+                                    </dgm:choose>
+                                    <dgm:shape xmlns:r="http://schemas.openxmlformats.org/officeDocument/2006/relationships" r:blip="">
+                                      <dgm:adjLst/>
+                                    </dgm:shape>
+                                    <dgm:presOf/>
+                                    <dgm:constrLst/>
+                                    <dgm:ruleLst/>
+                                    <dgm:forEach name="Name31" ref="repeat"/>
+                                  </dgm:layoutNode>
+                                </dgm:layoutNode>
+                              </dgm:forEach>
+                            </dgm:forEach>
+                          </dgm:layoutNode>
+                        </dgm:layoutNode>
+                      </dgm:forEach>
+                    </dgm:forEach>
+                  </dgm:layoutNode>
+                </dgm:layoutNode>
+              </dgm:forEach>
+            </dgm:forEach>
+          </dgm:layoutNode>
+        </dgm:layoutNode>
+      </dgm:forEach>
+    </dgm:forEach>
+  </dgm:layoutNode>
+</dgm:layoutDef>
+</file>
+
+<file path=ppt/diagrams/quickStyle1.xml><?xml version="1.0" encoding="utf-8"?>
+<dgm:styleDef xmlns:dgm="http://schemas.openxmlformats.org/drawingml/2006/diagram" xmlns:a="http://schemas.openxmlformats.org/drawingml/2006/main" uniqueId="urn:microsoft.com/office/officeart/2005/8/quickstyle/simple1">
+  <dgm:title val=""/>
+  <dgm:desc val=""/>
+  <dgm:catLst>
+    <dgm:cat type="simple" pri="10100"/>
+  </dgm:catLst>
+  <dgm:scene3d>
+    <a:camera prst="orthographicFront"/>
+    <a:lightRig rig="threePt" dir="t"/>
+  </dgm:scene3d>
+  <dgm:styleLbl name="alignAcc1">
+    <dgm:scene3d>
+      <a:camera prst="orthographicFront"/>
+      <a:lightRig rig="threePt" dir="t"/>
+    </dgm:scene3d>
+    <dgm:txPr/>
+    <dgm:style>
+      <a:lnRef idx="2">
+        <a:scrgbClr r="0" g="0" b="0"/>
+      </a:lnRef>
+      <a:fillRef idx="1">
+        <a:scrgbClr r="0" g="0" b="0"/>
+      </a:fillRef>
+      <a:effectRef idx="0">
+        <a:scrgbClr r="0" g="0" b="0"/>
+      </a:effectRef>
+      <a:fontRef idx="minor"/>
+    </dgm:style>
+  </dgm:styleLbl>
+  <dgm:styleLbl name="alignAccFollowNode1">
+    <dgm:scene3d>
+      <a:camera prst="orthographicFront"/>
+      <a:lightRig rig="threePt" dir="t"/>
+    </dgm:scene3d>
+    <dgm:txPr/>
+    <dgm:style>
+      <a:lnRef idx="2">
+        <a:scrgbClr r="0" g="0" b="0"/>
+      </a:lnRef>
+      <a:fillRef idx="1">
+        <a:scrgbClr r="0" g="0" b="0"/>
+      </a:fillRef>
+      <a:effectRef idx="0">
+        <a:scrgbClr r="0" g="0" b="0"/>
+      </a:effectRef>
+      <a:fontRef idx="minor"/>
+    </dgm:style>
+  </dgm:styleLbl>
+  <dgm:styleLbl name="alignImgPlace1">
+    <dgm:scene3d>
+      <a:camera prst="orthographicFront"/>
+      <a:lightRig rig="threePt" dir="t"/>
+    </dgm:scene3d>
+    <dgm:txPr/>
+    <dgm:style>
+      <a:lnRef idx="2">
+        <a:scrgbClr r="0" g="0" b="0"/>
+      </a:lnRef>
+      <a:fillRef idx="1">
+        <a:scrgbClr r="0" g="0" b="0"/>
+      </a:fillRef>
+      <a:effectRef idx="0">
+        <a:scrgbClr r="0" g="0" b="0"/>
+      </a:effectRef>
+      <a:fontRef idx="minor"/>
+    </dgm:style>
+  </dgm:styleLbl>
+  <dgm:styleLbl name="alignNode1">
+    <dgm:scene3d>
+      <a:camera prst="orthographicFront"/>
+      <a:lightRig rig="threePt" dir="t"/>
+    </dgm:scene3d>
+    <dgm:txPr/>
+    <dgm:style>
+      <a:lnRef idx="2">
+        <a:scrgbClr r="0" g="0" b="0"/>
+      </a:lnRef>
+      <a:fillRef idx="1">
+        <a:scrgbClr r="0" g="0" b="0"/>
+      </a:fillRef>
+      <a:effectRef idx="0">
+        <a:scrgbClr r="0" g="0" b="0"/>
+      </a:effectRef>
+      <a:fontRef idx="minor">
+        <a:schemeClr val="lt1"/>
+      </a:fontRef>
+    </dgm:style>
+  </dgm:styleLbl>
+  <dgm:styleLbl name="asst0">
+    <dgm:scene3d>
+      <a:camera prst="orthographicFront"/>
+      <a:lightRig rig="threePt" dir="t"/>
+    </dgm:scene3d>
+    <dgm:txPr/>
+    <dgm:style>
+      <a:lnRef idx="2">
+        <a:scrgbClr r="0" g="0" b="0"/>
+      </a:lnRef>
+      <a:fillRef idx="1">
+        <a:scrgbClr r="0" g="0" b="0"/>
+      </a:fillRef>
+      <a:effectRef idx="0">
+        <a:scrgbClr r="0" g="0" b="0"/>
+      </a:effectRef>
+      <a:fontRef idx="minor">
+        <a:schemeClr val="lt1"/>
+      </a:fontRef>
+    </dgm:style>
+  </dgm:styleLbl>
+  <dgm:styleLbl name="asst1">
+    <dgm:scene3d>
+      <a:camera prst="orthographicFront"/>
+      <a:lightRig rig="threePt" dir="t"/>
+    </dgm:scene3d>
+    <dgm:txPr/>
+    <dgm:style>
+      <a:lnRef idx="2">
+        <a:scrgbClr r="0" g="0" b="0"/>
+      </a:lnRef>
+      <a:fillRef idx="1">
+        <a:scrgbClr r="0" g="0" b="0"/>
+      </a:fillRef>
+      <a:effectRef idx="0">
+        <a:scrgbClr r="0" g="0" b="0"/>
+      </a:effectRef>
+      <a:fontRef idx="minor">
+        <a:schemeClr val="lt1"/>
+      </a:fontRef>
+    </dgm:style>
+  </dgm:styleLbl>
+  <dgm:styleLbl name="asst2">
+    <dgm:scene3d>
+      <a:camera prst="orthographicFront"/>
+      <a:lightRig rig="threePt" dir="t"/>
+    </dgm:scene3d>
+    <dgm:txPr/>
+    <dgm:style>
+      <a:lnRef idx="2">
+        <a:scrgbClr r="0" g="0" b="0"/>
+      </a:lnRef>
+      <a:fillRef idx="1">
+        <a:scrgbClr r="0" g="0" b="0"/>
+      </a:fillRef>
+      <a:effectRef idx="0">
+        <a:scrgbClr r="0" g="0" b="0"/>
+      </a:effectRef>
+      <a:fontRef idx="minor">
+        <a:schemeClr val="lt1"/>
+      </a:fontRef>
+    </dgm:style>
+  </dgm:styleLbl>
+  <dgm:styleLbl name="asst3">
+    <dgm:scene3d>
+      <a:camera prst="orthographicFront"/>
+      <a:lightRig rig="threePt" dir="t"/>
+    </dgm:scene3d>
+    <dgm:txPr/>
+    <dgm:style>
+      <a:lnRef idx="2">
+        <a:scrgbClr r="0" g="0" b="0"/>
+      </a:lnRef>
+      <a:fillRef idx="1">
+        <a:scrgbClr r="0" g="0" b="0"/>
+      </a:fillRef>
+      <a:effectRef idx="0">
+        <a:scrgbClr r="0" g="0" b="0"/>
+      </a:effectRef>
+      <a:fontRef idx="minor">
+        <a:schemeClr val="lt1"/>
+      </a:fontRef>
+    </dgm:style>
+  </dgm:styleLbl>
+  <dgm:styleLbl name="asst4">
+    <dgm:scene3d>
+      <a:camera prst="orthographicFront"/>
+      <a:lightRig rig="threePt" dir="t"/>
+    </dgm:scene3d>
+    <dgm:txPr/>
+    <dgm:style>
+      <a:lnRef idx="2">
+        <a:scrgbClr r="0" g="0" b="0"/>
+      </a:lnRef>
+      <a:fillRef idx="1">
+        <a:scrgbClr r="0" g="0" b="0"/>
+      </a:fillRef>
+      <a:effectRef idx="0">
+        <a:scrgbClr r="0" g="0" b="0"/>
+      </a:effectRef>
+      <a:fontRef idx="minor">
+        <a:schemeClr val="lt1"/>
+      </a:fontRef>
+    </dgm:style>
+  </dgm:styleLbl>
+  <dgm:styleLbl name="bgAcc1">
+    <dgm:scene3d>
+      <a:camera prst="orthographicFront"/>
+      <a:lightRig rig="threePt" dir="t"/>
+    </dgm:scene3d>
+    <dgm:txPr/>
+    <dgm:style>
+      <a:lnRef idx="2">
+        <a:scrgbClr r="0" g="0" b="0"/>
+      </a:lnRef>
+      <a:fillRef idx="1">
+        <a:scrgbClr r="0" g="0" b="0"/>
+      </a:fillRef>
+      <a:effectRef idx="0">
+        <a:scrgbClr r="0" g="0" b="0"/>
+      </a:effectRef>
+      <a:fontRef idx="minor"/>
+    </dgm:style>
+  </dgm:styleLbl>
+  <dgm:styleLbl name="bgAccFollowNode1">
+    <dgm:scene3d>
+      <a:camera prst="orthographicFront"/>
+      <a:lightRig rig="threePt" dir="t"/>
+    </dgm:scene3d>
+    <dgm:txPr/>
+    <dgm:style>
+      <a:lnRef idx="2">
+        <a:scrgbClr r="0" g="0" b="0"/>
+      </a:lnRef>
+      <a:fillRef idx="1">
+        <a:scrgbClr r="0" g="0" b="0"/>
+      </a:fillRef>
+      <a:effectRef idx="0">
+        <a:scrgbClr r="0" g="0" b="0"/>
+      </a:effectRef>
+      <a:fontRef idx="minor"/>
+    </dgm:style>
+  </dgm:styleLbl>
+  <dgm:styleLbl name="bgImgPlace1">
+    <dgm:scene3d>
+      <a:camera prst="orthographicFront"/>
+      <a:lightRig rig="threePt" dir="t"/>
+    </dgm:scene3d>
+    <dgm:txPr/>
+    <dgm:style>
+      <a:lnRef idx="2">
+        <a:scrgbClr r="0" g="0" b="0"/>
+      </a:lnRef>
+      <a:fillRef idx="1">
+        <a:scrgbClr r="0" g="0" b="0"/>
+      </a:fillRef>
+      <a:effectRef idx="0">
+        <a:scrgbClr r="0" g="0" b="0"/>
+      </a:effectRef>
+      <a:fontRef idx="minor"/>
+    </dgm:style>
+  </dgm:styleLbl>
+  <dgm:styleLbl name="bgShp">
+    <dgm:scene3d>
+      <a:camera prst="orthographicFront"/>
+      <a:lightRig rig="threePt" dir="t"/>
+    </dgm:scene3d>
+    <dgm:txPr/>
+    <dgm:style>
+      <a:lnRef idx="0">
+        <a:scrgbClr r="0" g="0" b="0"/>
+      </a:lnRef>
+      <a:fillRef idx="1">
+        <a:scrgbClr r="0" g="0" b="0"/>
+      </a:fillRef>
+      <a:effectRef idx="0">
+        <a:scrgbClr r="0" g="0" b="0"/>
+      </a:effectRef>
+      <a:fontRef idx="minor"/>
+    </dgm:style>
+  </dgm:styleLbl>
+  <dgm:styleLbl name="bgSibTrans2D1">
+    <dgm:scene3d>
+      <a:camera prst="orthographicFront"/>
+      <a:lightRig rig="threePt" dir="t"/>
+    </dgm:scene3d>
+    <dgm:txPr/>
+    <dgm:style>
+      <a:lnRef idx="0">
+        <a:scrgbClr r="0" g="0" b="0"/>
+      </a:lnRef>
+      <a:fillRef idx="1">
+        <a:scrgbClr r="0" g="0" b="0"/>
+      </a:fillRef>
+      <a:effectRef idx="0">
+        <a:scrgbClr r="0" g="0" b="0"/>
+      </a:effectRef>
+      <a:fontRef idx="minor">
+        <a:schemeClr val="lt1"/>
+      </a:fontRef>
+    </dgm:style>
+  </dgm:styleLbl>
+  <dgm:styleLbl name="callout">
+    <dgm:scene3d>
+      <a:camera prst="orthographicFront"/>
+      <a:lightRig rig="threePt" dir="t"/>
+    </dgm:scene3d>
+    <dgm:txPr/>
+    <dgm:style>
+      <a:lnRef idx="2">
+        <a:scrgbClr r="0" g="0" b="0"/>
+      </a:lnRef>
+      <a:fillRef idx="1">
+        <a:scrgbClr r="0" g="0" b="0"/>
+      </a:fillRef>
+      <a:effectRef idx="0">
+        <a:scrgbClr r="0" g="0" b="0"/>
+      </a:effectRef>
+      <a:fontRef idx="minor"/>
+    </dgm:style>
+  </dgm:styleLbl>
+  <dgm:styleLbl name="conFgAcc1">
+    <dgm:scene3d>
+      <a:camera prst="orthographicFront"/>
+      <a:lightRig rig="threePt" dir="t"/>
+    </dgm:scene3d>
+    <dgm:txPr/>
+    <dgm:style>
+      <a:lnRef idx="2">
+        <a:scrgbClr r="0" g="0" b="0"/>
+      </a:lnRef>
+      <a:fillRef idx="1">
+        <a:scrgbClr r="0" g="0" b="0"/>
+      </a:fillRef>
+      <a:effectRef idx="0">
+        <a:scrgbClr r="0" g="0" b="0"/>
+      </a:effectRef>
+      <a:fontRef idx="minor"/>
+    </dgm:style>
+  </dgm:styleLbl>
+  <dgm:styleLbl name="dkBgShp">
+    <dgm:scene3d>
+      <a:camera prst="orthographicFront"/>
+      <a:lightRig rig="threePt" dir="t"/>
+    </dgm:scene3d>
+    <dgm:txPr/>
+    <dgm:style>
+      <a:lnRef idx="0">
+        <a:scrgbClr r="0" g="0" b="0"/>
+      </a:lnRef>
+      <a:fillRef idx="1">
+        <a:scrgbClr r="0" g="0" b="0"/>
+      </a:fillRef>
+      <a:effectRef idx="0">
+        <a:scrgbClr r="0" g="0" b="0"/>
+      </a:effectRef>
+      <a:fontRef idx="minor"/>
+    </dgm:style>
+  </dgm:styleLbl>
+  <dgm:styleLbl name="fgAcc0">
+    <dgm:scene3d>
+      <a:camera prst="orthographicFront"/>
+      <a:lightRig rig="threePt" dir="t"/>
+    </dgm:scene3d>
+    <dgm:txPr/>
+    <dgm:style>
+      <a:lnRef idx="2">
+        <a:scrgbClr r="0" g="0" b="0"/>
+      </a:lnRef>
+      <a:fillRef idx="1">
+        <a:scrgbClr r="0" g="0" b="0"/>
+      </a:fillRef>
+      <a:effectRef idx="0">
+        <a:scrgbClr r="0" g="0" b="0"/>
+      </a:effectRef>
+      <a:fontRef idx="minor"/>
+    </dgm:style>
+  </dgm:styleLbl>
+  <dgm:styleLbl name="fgAcc1">
+    <dgm:scene3d>
+      <a:camera prst="orthographicFront"/>
+      <a:lightRig rig="threePt" dir="t"/>
+    </dgm:scene3d>
+    <dgm:txPr/>
+    <dgm:style>
+      <a:lnRef idx="2">
+        <a:scrgbClr r="0" g="0" b="0"/>
+      </a:lnRef>
+      <a:fillRef idx="1">
+        <a:scrgbClr r="0" g="0" b="0"/>
+      </a:fillRef>
+      <a:effectRef idx="0">
+        <a:scrgbClr r="0" g="0" b="0"/>
+      </a:effectRef>
+      <a:fontRef idx="minor"/>
+    </dgm:style>
+  </dgm:styleLbl>
+  <dgm:styleLbl name="fgAcc2">
+    <dgm:scene3d>
+      <a:camera prst="orthographicFront"/>
+      <a:lightRig rig="threePt" dir="t"/>
+    </dgm:scene3d>
+    <dgm:txPr/>
+    <dgm:style>
+      <a:lnRef idx="2">
+        <a:scrgbClr r="0" g="0" b="0"/>
+      </a:lnRef>
+      <a:fillRef idx="1">
+        <a:scrgbClr r="0" g="0" b="0"/>
+      </a:fillRef>
+      <a:effectRef idx="0">
+        <a:scrgbClr r="0" g="0" b="0"/>
+      </a:effectRef>
+      <a:fontRef idx="minor"/>
+    </dgm:style>
+  </dgm:styleLbl>
+  <dgm:styleLbl name="fgAcc3">
+    <dgm:scene3d>
+      <a:camera prst="orthographicFront"/>
+      <a:lightRig rig="threePt" dir="t"/>
+    </dgm:scene3d>
+    <dgm:txPr/>
+    <dgm:style>
+      <a:lnRef idx="2">
+        <a:scrgbClr r="0" g="0" b="0"/>
+      </a:lnRef>
+      <a:fillRef idx="1">
+        <a:scrgbClr r="0" g="0" b="0"/>
+      </a:fillRef>
+      <a:effectRef idx="0">
+        <a:scrgbClr r="0" g="0" b="0"/>
+      </a:effectRef>
+      <a:fontRef idx="minor"/>
+    </dgm:style>
+  </dgm:styleLbl>
+  <dgm:styleLbl name="fgAcc4">
+    <dgm:scene3d>
+      <a:camera prst="orthographicFront"/>
+      <a:lightRig rig="threePt" dir="t"/>
+    </dgm:scene3d>
+    <dgm:txPr/>
+    <dgm:style>
+      <a:lnRef idx="2">
+        <a:scrgbClr r="0" g="0" b="0"/>
+      </a:lnRef>
+      <a:fillRef idx="1">
+        <a:scrgbClr r="0" g="0" b="0"/>
+      </a:fillRef>
+      <a:effectRef idx="0">
+        <a:scrgbClr r="0" g="0" b="0"/>
+      </a:effectRef>
+      <a:fontRef idx="minor"/>
+    </dgm:style>
+  </dgm:styleLbl>
+  <dgm:styleLbl name="fgAccFollowNode1">
+    <dgm:scene3d>
+      <a:camera prst="orthographicFront"/>
+      <a:lightRig rig="threePt" dir="t"/>
+    </dgm:scene3d>
+    <dgm:txPr/>
+    <dgm:style>
+      <a:lnRef idx="2">
+        <a:scrgbClr r="0" g="0" b="0"/>
+      </a:lnRef>
+      <a:fillRef idx="1">
+        <a:scrgbClr r="0" g="0" b="0"/>
+      </a:fillRef>
+      <a:effectRef idx="0">
+        <a:scrgbClr r="0" g="0" b="0"/>
+      </a:effectRef>
+      <a:fontRef idx="minor"/>
+    </dgm:style>
+  </dgm:styleLbl>
+  <dgm:styleLbl name="fgImgPlace1">
+    <dgm:scene3d>
+      <a:camera prst="orthographicFront"/>
+      <a:lightRig rig="threePt" dir="t"/>
+    </dgm:scene3d>
+    <dgm:txPr/>
+    <dgm:style>
+      <a:lnRef idx="2">
+        <a:scrgbClr r="0" g="0" b="0"/>
+      </a:lnRef>
+      <a:fillRef idx="1">
+        <a:scrgbClr r="0" g="0" b="0"/>
+      </a:fillRef>
+      <a:effectRef idx="0">
+        <a:scrgbClr r="0" g="0" b="0"/>
+      </a:effectRef>
+      <a:fontRef idx="minor"/>
+    </dgm:style>
+  </dgm:styleLbl>
+  <dgm:styleLbl name="fgShp">
+    <dgm:scene3d>
+      <a:camera prst="orthographicFront"/>
+      <a:lightRig rig="threePt" dir="t"/>
+    </dgm:scene3d>
+    <dgm:txPr/>
+    <dgm:style>
+      <a:lnRef idx="2">
+        <a:scrgbClr r="0" g="0" b="0"/>
+      </a:lnRef>
+      <a:fillRef idx="1">
+        <a:scrgbClr r="0" g="0" b="0"/>
+      </a:fillRef>
+      <a:effectRef idx="0">
+        <a:scrgbClr r="0" g="0" b="0"/>
+      </a:effectRef>
+      <a:fontRef idx="minor"/>
+    </dgm:style>
+  </dgm:styleLbl>
+  <dgm:styleLbl name="fgSibTrans2D1">
+    <dgm:scene3d>
+      <a:camera prst="orthographicFront"/>
+      <a:lightRig rig="threePt" dir="t"/>
+    </dgm:scene3d>
+    <dgm:txPr/>
+    <dgm:style>
+      <a:lnRef idx="0">
+        <a:scrgbClr r="0" g="0" b="0"/>
+      </a:lnRef>
+      <a:fillRef idx="1">
+        <a:scrgbClr r="0" g="0" b="0"/>
+      </a:fillRef>
+      <a:effectRef idx="0">
+        <a:scrgbClr r="0" g="0" b="0"/>
+      </a:effectRef>
+      <a:fontRef idx="minor">
+        <a:schemeClr val="lt1"/>
+      </a:fontRef>
+    </dgm:style>
+  </dgm:styleLbl>
+  <dgm:styleLbl name="lnNode1">
+    <dgm:scene3d>
+      <a:camera prst="orthographicFront"/>
+      <a:lightRig rig="threePt" dir="t"/>
+    </dgm:scene3d>
+    <dgm:txPr/>
+    <dgm:style>
+      <a:lnRef idx="2">
+        <a:scrgbClr r="0" g="0" b="0"/>
+      </a:lnRef>
+      <a:fillRef idx="1">
+        <a:scrgbClr r="0" g="0" b="0"/>
+      </a:fillRef>
+      <a:effectRef idx="0">
+        <a:scrgbClr r="0" g="0" b="0"/>
+      </a:effectRef>
+      <a:fontRef idx="minor">
+        <a:schemeClr val="lt1"/>
+      </a:fontRef>
+    </dgm:style>
+  </dgm:styleLbl>
+  <dgm:styleLbl name="node0">
+    <dgm:scene3d>
+      <a:camera prst="orthographicFront"/>
+      <a:lightRig rig="threePt" dir="t"/>
+    </dgm:scene3d>
+    <dgm:txPr/>
+    <dgm:style>
+      <a:lnRef idx="2">
+        <a:scrgbClr r="0" g="0" b="0"/>
+      </a:lnRef>
+      <a:fillRef idx="1">
+        <a:scrgbClr r="0" g="0" b="0"/>
+      </a:fillRef>
+      <a:effectRef idx="0">
+        <a:scrgbClr r="0" g="0" b="0"/>
+      </a:effectRef>
+      <a:fontRef idx="minor">
+        <a:schemeClr val="lt1"/>
+      </a:fontRef>
+    </dgm:style>
+  </dgm:styleLbl>
+  <dgm:styleLbl name="node1">
+    <dgm:scene3d>
+      <a:camera prst="orthographicFront"/>
+      <a:lightRig rig="threePt" dir="t"/>
+    </dgm:scene3d>
+    <dgm:txPr/>
+    <dgm:style>
+      <a:lnRef idx="2">
+        <a:scrgbClr r="0" g="0" b="0"/>
+      </a:lnRef>
+      <a:fillRef idx="1">
+        <a:scrgbClr r="0" g="0" b="0"/>
+      </a:fillRef>
+      <a:effectRef idx="0">
+        <a:scrgbClr r="0" g="0" b="0"/>
+      </a:effectRef>
+      <a:fontRef idx="minor">
+        <a:schemeClr val="lt1"/>
+      </a:fontRef>
+    </dgm:style>
+  </dgm:styleLbl>
+  <dgm:styleLbl name="node2">
+    <dgm:scene3d>
+      <a:camera prst="orthographicFront"/>
+      <a:lightRig rig="threePt" dir="t"/>
+    </dgm:scene3d>
+    <dgm:txPr/>
+    <dgm:style>
+      <a:lnRef idx="2">
+        <a:scrgbClr r="0" g="0" b="0"/>
+      </a:lnRef>
+      <a:fillRef idx="1">
+        <a:scrgbClr r="0" g="0" b="0"/>
+      </a:fillRef>
+      <a:effectRef idx="0">
+        <a:scrgbClr r="0" g="0" b="0"/>
+      </a:effectRef>
+      <a:fontRef idx="minor">
+        <a:schemeClr val="lt1"/>
+      </a:fontRef>
+    </dgm:style>
+  </dgm:styleLbl>
+  <dgm:styleLbl name="node3">
+    <dgm:scene3d>
+      <a:camera prst="orthographicFront"/>
+      <a:lightRig rig="threePt" dir="t"/>
+    </dgm:scene3d>
+    <dgm:txPr/>
+    <dgm:style>
+      <a:lnRef idx="2">
+        <a:scrgbClr r="0" g="0" b="0"/>
+      </a:lnRef>
+      <a:fillRef idx="1">
+        <a:scrgbClr r="0" g="0" b="0"/>
+      </a:fillRef>
+      <a:effectRef idx="0">
+        <a:scrgbClr r="0" g="0" b="0"/>
+      </a:effectRef>
+      <a:fontRef idx="minor">
+        <a:schemeClr val="lt1"/>
+      </a:fontRef>
+    </dgm:style>
+  </dgm:styleLbl>
+  <dgm:styleLbl name="node4">
+    <dgm:scene3d>
+      <a:camera prst="orthographicFront"/>
+      <a:lightRig rig="threePt" dir="t"/>
+    </dgm:scene3d>
+    <dgm:txPr/>
+    <dgm:style>
+      <a:lnRef idx="2">
+        <a:scrgbClr r="0" g="0" b="0"/>
+      </a:lnRef>
+      <a:fillRef idx="1">
+        <a:scrgbClr r="0" g="0" b="0"/>
+      </a:fillRef>
+      <a:effectRef idx="0">
+        <a:scrgbClr r="0" g="0" b="0"/>
+      </a:effectRef>
+      <a:fontRef idx="minor">
+        <a:schemeClr val="lt1"/>
+      </a:fontRef>
+    </dgm:style>
+  </dgm:styleLbl>
+  <dgm:styleLbl name="parChTrans1D1">
+    <dgm:scene3d>
+      <a:camera prst="orthographicFront"/>
+      <a:lightRig rig="threePt" dir="t"/>
+    </dgm:scene3d>
+    <dgm:txPr/>
+    <dgm:style>
+      <a:lnRef idx="2">
+        <a:scrgbClr r="0" g="0" b="0"/>
+      </a:lnRef>
+      <a:fillRef idx="0">
+        <a:scrgbClr r="0" g="0" b="0"/>
+      </a:fillRef>
+      <a:effectRef idx="0">
+        <a:scrgbClr r="0" g="0" b="0"/>
+      </a:effectRef>
+      <a:fontRef idx="minor"/>
+    </dgm:style>
+  </dgm:styleLbl>
+  <dgm:styleLbl name="parChTrans1D2">
+    <dgm:scene3d>
+      <a:camera prst="orthographicFront"/>
+      <a:lightRig rig="threePt" dir="t"/>
+    </dgm:scene3d>
+    <dgm:txPr/>
+    <dgm:style>
+      <a:lnRef idx="2">
+        <a:scrgbClr r="0" g="0" b="0"/>
+      </a:lnRef>
+      <a:fillRef idx="0">
+        <a:scrgbClr r="0" g="0" b="0"/>
+      </a:fillRef>
+      <a:effectRef idx="0">
+        <a:scrgbClr r="0" g="0" b="0"/>
+      </a:effectRef>
+      <a:fontRef idx="minor"/>
+    </dgm:style>
+  </dgm:styleLbl>
+  <dgm:styleLbl name="parChTrans1D3">
+    <dgm:scene3d>
+      <a:camera prst="orthographicFront"/>
+      <a:lightRig rig="threePt" dir="t"/>
+    </dgm:scene3d>
+    <dgm:txPr/>
+    <dgm:style>
+      <a:lnRef idx="2">
+        <a:scrgbClr r="0" g="0" b="0"/>
+      </a:lnRef>
+      <a:fillRef idx="0">
+        <a:scrgbClr r="0" g="0" b="0"/>
+      </a:fillRef>
+      <a:effectRef idx="0">
+        <a:scrgbClr r="0" g="0" b="0"/>
+      </a:effectRef>
+      <a:fontRef idx="minor"/>
+    </dgm:style>
+  </dgm:styleLbl>
+  <dgm:styleLbl name="parChTrans1D4">
+    <dgm:scene3d>
+      <a:camera prst="orthographicFront"/>
+      <a:lightRig rig="threePt" dir="t"/>
+    </dgm:scene3d>
+    <dgm:txPr/>
+    <dgm:style>
+      <a:lnRef idx="2">
+        <a:scrgbClr r="0" g="0" b="0"/>
+      </a:lnRef>
+      <a:fillRef idx="0">
+        <a:scrgbClr r="0" g="0" b="0"/>
+      </a:fillRef>
+      <a:effectRef idx="0">
+        <a:scrgbClr r="0" g="0" b="0"/>
+      </a:effectRef>
+      <a:fontRef idx="minor"/>
+    </dgm:style>
+  </dgm:styleLbl>
+  <dgm:styleLbl name="parChTrans2D1">
+    <dgm:scene3d>
+      <a:camera prst="orthographicFront"/>
+      <a:lightRig rig="threePt" dir="t"/>
+    </dgm:scene3d>
+    <dgm:txPr/>
+    <dgm:style>
+      <a:lnRef idx="2">
+        <a:scrgbClr r="0" g="0" b="0"/>
+      </a:lnRef>
+      <a:fillRef idx="1">
+        <a:scrgbClr r="0" g="0" b="0"/>
+      </a:fillRef>
+      <a:effectRef idx="0">
+        <a:scrgbClr r="0" g="0" b="0"/>
+      </a:effectRef>
+      <a:fontRef idx="minor">
+        <a:schemeClr val="lt1"/>
+      </a:fontRef>
+    </dgm:style>
+  </dgm:styleLbl>
+  <dgm:styleLbl name="parChTrans2D2">
+    <dgm:scene3d>
+      <a:camera prst="orthographicFront"/>
+      <a:lightRig rig="threePt" dir="t"/>
+    </dgm:scene3d>
+    <dgm:txPr/>
+    <dgm:style>
+      <a:lnRef idx="2">
+        <a:scrgbClr r="0" g="0" b="0"/>
+      </a:lnRef>
+      <a:fillRef idx="1">
+        <a:scrgbClr r="0" g="0" b="0"/>
+      </a:fillRef>
+      <a:effectRef idx="0">
+        <a:scrgbClr r="0" g="0" b="0"/>
+      </a:effectRef>
+      <a:fontRef idx="minor">
+        <a:schemeClr val="lt1"/>
+      </a:fontRef>
+    </dgm:style>
+  </dgm:styleLbl>
+  <dgm:styleLbl name="parChTrans2D3">
+    <dgm:scene3d>
+      <a:camera prst="orthographicFront"/>
+      <a:lightRig rig="threePt" dir="t"/>
+    </dgm:scene3d>
+    <dgm:txPr/>
+    <dgm:style>
+      <a:lnRef idx="2">
+        <a:scrgbClr r="0" g="0" b="0"/>
+      </a:lnRef>
+      <a:fillRef idx="1">
+        <a:scrgbClr r="0" g="0" b="0"/>
+      </a:fillRef>
+      <a:effectRef idx="0">
+        <a:scrgbClr r="0" g="0" b="0"/>
+      </a:effectRef>
+      <a:fontRef idx="minor">
+        <a:schemeClr val="lt1"/>
+      </a:fontRef>
+    </dgm:style>
+  </dgm:styleLbl>
+  <dgm:styleLbl name="parChTrans2D4">
+    <dgm:scene3d>
+      <a:camera prst="orthographicFront"/>
+      <a:lightRig rig="threePt" dir="t"/>
+    </dgm:scene3d>
+    <dgm:txPr/>
+    <dgm:style>
+      <a:lnRef idx="2">
+        <a:scrgbClr r="0" g="0" b="0"/>
+      </a:lnRef>
+      <a:fillRef idx="1">
+        <a:scrgbClr r="0" g="0" b="0"/>
+      </a:fillRef>
+      <a:effectRef idx="0">
+        <a:scrgbClr r="0" g="0" b="0"/>
+      </a:effectRef>
+      <a:fontRef idx="minor">
+        <a:schemeClr val="lt1"/>
+      </a:fontRef>
+    </dgm:style>
+  </dgm:styleLbl>
+  <dgm:styleLbl name="revTx">
+    <dgm:scene3d>
+      <a:camera prst="orthographicFront"/>
+      <a:lightRig rig="threePt" dir="t"/>
+    </dgm:scene3d>
+    <dgm:txPr/>
+    <dgm:style>
+      <a:lnRef idx="0">
+        <a:scrgbClr r="0" g="0" b="0"/>
+      </a:lnRef>
+      <a:fillRef idx="0">
+        <a:scrgbClr r="0" g="0" b="0"/>
+      </a:fillRef>
+      <a:effectRef idx="0">
+        <a:scrgbClr r="0" g="0" b="0"/>
+      </a:effectRef>
+      <a:fontRef idx="minor"/>
+    </dgm:style>
+  </dgm:styleLbl>
+  <dgm:styleLbl name="sibTrans1D1">
+    <dgm:scene3d>
+      <a:camera prst="orthographicFront"/>
+      <a:lightRig rig="threePt" dir="t"/>
+    </dgm:scene3d>
+    <dgm:txPr/>
+    <dgm:style>
+      <a:lnRef idx="1">
+        <a:scrgbClr r="0" g="0" b="0"/>
+      </a:lnRef>
+      <a:fillRef idx="0">
+        <a:scrgbClr r="0" g="0" b="0"/>
+      </a:fillRef>
+      <a:effectRef idx="0">
+        <a:scrgbClr r="0" g="0" b="0"/>
+      </a:effectRef>
+      <a:fontRef idx="minor"/>
+    </dgm:style>
+  </dgm:styleLbl>
+  <dgm:styleLbl name="sibTrans2D1">
+    <dgm:scene3d>
+      <a:camera prst="orthographicFront"/>
+      <a:lightRig rig="threePt" dir="t"/>
+    </dgm:scene3d>
+    <dgm:txPr/>
+    <dgm:style>
+      <a:lnRef idx="0">
+        <a:scrgbClr r="0" g="0" b="0"/>
+      </a:lnRef>
+      <a:fillRef idx="1">
+        <a:scrgbClr r="0" g="0" b="0"/>
+      </a:fillRef>
+      <a:effectRef idx="0">
+        <a:scrgbClr r="0" g="0" b="0"/>
+      </a:effectRef>
+      <a:fontRef idx="minor">
+        <a:schemeClr val="lt1"/>
+      </a:fontRef>
+    </dgm:style>
+  </dgm:styleLbl>
+  <dgm:styleLbl name="solidAlignAcc1">
+    <dgm:scene3d>
+      <a:camera prst="orthographicFront"/>
+      <a:lightRig rig="threePt" dir="t"/>
+    </dgm:scene3d>
+    <dgm:txPr/>
+    <dgm:style>
+      <a:lnRef idx="2">
+        <a:scrgbClr r="0" g="0" b="0"/>
+      </a:lnRef>
+      <a:fillRef idx="1">
+        <a:scrgbClr r="0" g="0" b="0"/>
+      </a:fillRef>
+      <a:effectRef idx="0">
+        <a:scrgbClr r="0" g="0" b="0"/>
+      </a:effectRef>
+      <a:fontRef idx="minor"/>
+    </dgm:style>
+  </dgm:styleLbl>
+  <dgm:styleLbl name="solidBgAcc1">
+    <dgm:scene3d>
+      <a:camera prst="orthographicFront"/>
+      <a:lightRig rig="threePt" dir="t"/>
+    </dgm:scene3d>
+    <dgm:txPr/>
+    <dgm:style>
+      <a:lnRef idx="2">
+        <a:scrgbClr r="0" g="0" b="0"/>
+      </a:lnRef>
+      <a:fillRef idx="1">
+        <a:scrgbClr r="0" g="0" b="0"/>
+      </a:fillRef>
+      <a:effectRef idx="0">
+        <a:scrgbClr r="0" g="0" b="0"/>
+      </a:effectRef>
+      <a:fontRef idx="minor"/>
+    </dgm:style>
+  </dgm:styleLbl>
+  <dgm:styleLbl name="solidFgAcc1">
+    <dgm:scene3d>
+      <a:camera prst="orthographicFront"/>
+      <a:lightRig rig="threePt" dir="t"/>
+    </dgm:scene3d>
+    <dgm:txPr/>
+    <dgm:style>
+      <a:lnRef idx="2">
+        <a:scrgbClr r="0" g="0" b="0"/>
+      </a:lnRef>
+      <a:fillRef idx="1">
+        <a:scrgbClr r="0" g="0" b="0"/>
+      </a:fillRef>
+      <a:effectRef idx="0">
+        <a:scrgbClr r="0" g="0" b="0"/>
+      </a:effectRef>
+      <a:fontRef idx="minor"/>
+    </dgm:style>
+  </dgm:styleLbl>
+  <dgm:styleLbl name="trAlignAcc1">
+    <dgm:scene3d>
+      <a:camera prst="orthographicFront"/>
+      <a:lightRig rig="threePt" dir="t"/>
+    </dgm:scene3d>
+    <dgm:txPr/>
+    <dgm:style>
+      <a:lnRef idx="1">
+        <a:scrgbClr r="0" g="0" b="0"/>
+      </a:lnRef>
+      <a:fillRef idx="1">
+        <a:scrgbClr r="0" g="0" b="0"/>
+      </a:fillRef>
+      <a:effectRef idx="0">
+        <a:scrgbClr r="0" g="0" b="0"/>
+      </a:effectRef>
+      <a:fontRef idx="minor"/>
+    </dgm:style>
+  </dgm:styleLbl>
+  <dgm:styleLbl name="trBgShp">
+    <dgm:scene3d>
+      <a:camera prst="orthographicFront"/>
+      <a:lightRig rig="threePt" dir="t"/>
+    </dgm:scene3d>
+    <dgm:txPr/>
+    <dgm:style>
+      <a:lnRef idx="0">
+        <a:scrgbClr r="0" g="0" b="0"/>
+      </a:lnRef>
+      <a:fillRef idx="1">
+        <a:scrgbClr r="0" g="0" b="0"/>
+      </a:fillRef>
+      <a:effectRef idx="0">
+        <a:scrgbClr r="0" g="0" b="0"/>
+      </a:effectRef>
+      <a:fontRef idx="minor"/>
+    </dgm:style>
+  </dgm:styleLbl>
+  <dgm:styleLbl name="vennNode1">
+    <dgm:scene3d>
+      <a:camera prst="orthographicFront"/>
+      <a:lightRig rig="threePt" dir="t"/>
+    </dgm:scene3d>
+    <dgm:txPr/>
+    <dgm:style>
+      <a:lnRef idx="2">
+        <a:scrgbClr r="0" g="0" b="0"/>
+      </a:lnRef>
+      <a:fillRef idx="1">
+        <a:scrgbClr r="0" g="0" b="0"/>
+      </a:fillRef>
+      <a:effectRef idx="0">
+        <a:scrgbClr r="0" g="0" b="0"/>
+      </a:effectRef>
+      <a:fontRef idx="minor">
+        <a:schemeClr val="tx1"/>
+      </a:fontRef>
+    </dgm:style>
+  </dgm:styleLbl>
+</dgm:styleDef>
 </file>
 
 <file path=ppt/handoutMasters/handoutMaster1.xml><?xml version="1.0" encoding="utf-8"?>
@@ -4131,7 +9888,7 @@
           <a:p>
             <a:r>
               <a:rPr lang="zh-CN" altLang="en-US" sz="2400" dirty="0" smtClean="0"/>
-              <a:t>组织过程资产（更新）</a:t>
+              <a:t>组织过程资产</a:t>
             </a:r>
             <a:endParaRPr lang="en-US" altLang="zh-CN" sz="2400" dirty="0" smtClean="0"/>
           </a:p>
@@ -5028,7 +10785,7 @@
           <a:p>
             <a:r>
               <a:rPr lang="zh-CN" altLang="en-US" sz="2400" dirty="0" smtClean="0"/>
-              <a:t>在项目收尾阶段，项目经理应该带领项目团队在</a:t>
+              <a:t>在项目收尾阶段，项目经理应该带领项目团队</a:t>
             </a:r>
             <a:r>
               <a:rPr lang="zh-CN" altLang="en-US" sz="2400" dirty="0" smtClean="0">
@@ -5036,7 +10793,7 @@
                   <a:srgbClr val="FF0000"/>
                 </a:solidFill>
               </a:rPr>
-              <a:t>最短的时间</a:t>
+              <a:t>尽量在最短的时间</a:t>
             </a:r>
             <a:r>
               <a:rPr lang="zh-CN" altLang="en-US" sz="2400" dirty="0" smtClean="0"/>
@@ -6256,7 +12013,7 @@
           <a:p>
             <a:r>
               <a:rPr lang="zh-CN" altLang="en-US" sz="2400" dirty="0" smtClean="0"/>
-              <a:t>组织过程资产（更新）</a:t>
+              <a:t>组织过程资产</a:t>
             </a:r>
             <a:endParaRPr lang="en-US" altLang="zh-CN" sz="2400" dirty="0" smtClean="0"/>
           </a:p>
@@ -7423,6 +13180,319 @@
 </file>
 
 <file path=ppt/slides/slide21.xml><?xml version="1.0" encoding="utf-8"?>
+<p:sld xmlns:a="http://schemas.openxmlformats.org/drawingml/2006/main" xmlns:r="http://schemas.openxmlformats.org/officeDocument/2006/relationships" xmlns:p="http://schemas.openxmlformats.org/presentationml/2006/main">
+  <p:cSld>
+    <p:spTree>
+      <p:nvGrpSpPr>
+        <p:cNvPr id="1" name=""/>
+        <p:cNvGrpSpPr/>
+        <p:nvPr/>
+      </p:nvGrpSpPr>
+      <p:grpSpPr>
+        <a:xfrm>
+          <a:off x="0" y="0"/>
+          <a:ext cx="0" cy="0"/>
+          <a:chOff x="0" y="0"/>
+          <a:chExt cx="0" cy="0"/>
+        </a:xfrm>
+      </p:grpSpPr>
+      <p:sp>
+        <p:nvSpPr>
+          <p:cNvPr id="2" name="标题 1"/>
+          <p:cNvSpPr>
+            <a:spLocks noGrp="1"/>
+          </p:cNvSpPr>
+          <p:nvPr>
+            <p:ph type="title"/>
+          </p:nvPr>
+        </p:nvSpPr>
+        <p:spPr/>
+        <p:txBody>
+          <a:bodyPr/>
+          <a:lstStyle/>
+          <a:p>
+            <a:r>
+              <a:rPr lang="zh-CN" altLang="en-US" dirty="0" smtClean="0"/>
+              <a:t>总结</a:t>
+            </a:r>
+            <a:endParaRPr lang="zh-CN" altLang="en-US" dirty="0"/>
+          </a:p>
+        </p:txBody>
+      </p:sp>
+      <p:pic>
+        <p:nvPicPr>
+          <p:cNvPr id="4" name="Picture 1"/>
+          <p:cNvPicPr>
+            <a:picLocks noChangeAspect="1" noChangeArrowheads="1"/>
+          </p:cNvPicPr>
+          <p:nvPr/>
+        </p:nvPicPr>
+        <p:blipFill>
+          <a:blip r:embed="rId1">
+            <a:clrChange>
+              <a:clrFrom>
+                <a:srgbClr val="FFFFFF"/>
+              </a:clrFrom>
+              <a:clrTo>
+                <a:srgbClr val="FFFFFF">
+                  <a:alpha val="0"/>
+                </a:srgbClr>
+              </a:clrTo>
+            </a:clrChange>
+          </a:blip>
+          <a:srcRect l="11875" t="26874" r="6250" b="12145"/>
+          <a:stretch>
+            <a:fillRect/>
+          </a:stretch>
+        </p:blipFill>
+        <p:spPr bwMode="auto">
+          <a:xfrm>
+            <a:off x="1728470" y="1739265"/>
+            <a:ext cx="8839835" cy="3981450"/>
+          </a:xfrm>
+          <a:prstGeom prst="rect">
+            <a:avLst/>
+          </a:prstGeom>
+          <a:noFill/>
+          <a:ln w="9525">
+            <a:noFill/>
+            <a:miter lim="800000"/>
+            <a:headEnd/>
+            <a:tailEnd/>
+          </a:ln>
+          <a:effectLst/>
+        </p:spPr>
+      </p:pic>
+    </p:spTree>
+  </p:cSld>
+  <p:clrMapOvr>
+    <a:masterClrMapping/>
+  </p:clrMapOvr>
+  <p:timing>
+    <p:tnLst>
+      <p:par>
+        <p:cTn id="1" dur="indefinite" restart="never" nodeType="tmRoot"/>
+      </p:par>
+    </p:tnLst>
+  </p:timing>
+</p:sld>
+</file>
+
+<file path=ppt/slides/slide22.xml><?xml version="1.0" encoding="utf-8"?>
+<p:sld xmlns:a="http://schemas.openxmlformats.org/drawingml/2006/main" xmlns:r="http://schemas.openxmlformats.org/officeDocument/2006/relationships" xmlns:p="http://schemas.openxmlformats.org/presentationml/2006/main">
+  <p:cSld>
+    <p:spTree>
+      <p:nvGrpSpPr>
+        <p:cNvPr id="1" name=""/>
+        <p:cNvGrpSpPr/>
+        <p:nvPr/>
+      </p:nvGrpSpPr>
+      <p:grpSpPr>
+        <a:xfrm>
+          <a:off x="0" y="0"/>
+          <a:ext cx="0" cy="0"/>
+          <a:chOff x="0" y="0"/>
+          <a:chExt cx="0" cy="0"/>
+        </a:xfrm>
+      </p:grpSpPr>
+      <p:sp>
+        <p:nvSpPr>
+          <p:cNvPr id="2" name="标题 1"/>
+          <p:cNvSpPr>
+            <a:spLocks noGrp="1"/>
+          </p:cNvSpPr>
+          <p:nvPr>
+            <p:ph type="title"/>
+          </p:nvPr>
+        </p:nvSpPr>
+        <p:spPr>
+          <a:xfrm>
+            <a:off x="473076" y="369253"/>
+            <a:ext cx="11360149" cy="647700"/>
+          </a:xfrm>
+        </p:spPr>
+        <p:txBody>
+          <a:bodyPr/>
+          <a:lstStyle/>
+          <a:p>
+            <a:r>
+              <a:rPr lang="zh-CN" altLang="en-US" dirty="0"/>
+              <a:t>总结</a:t>
+            </a:r>
+            <a:endParaRPr lang="zh-CN" altLang="en-US" dirty="0"/>
+          </a:p>
+        </p:txBody>
+      </p:sp>
+      <p:graphicFrame>
+        <p:nvGraphicFramePr>
+          <p:cNvPr id="7" name="图示 6"/>
+          <p:cNvGraphicFramePr/>
+          <p:nvPr/>
+        </p:nvGraphicFramePr>
+        <p:xfrm>
+          <a:off x="1436370" y="1494527"/>
+          <a:ext cx="9143999" cy="3247427"/>
+        </p:xfrm>
+        <a:graphic>
+          <a:graphicData uri="http://schemas.openxmlformats.org/drawingml/2006/diagram">
+            <dgm:relIds xmlns:dgm="http://schemas.openxmlformats.org/drawingml/2006/diagram" xmlns:r="http://schemas.openxmlformats.org/officeDocument/2006/relationships" r:dm="rId1" r:lo="rId2" r:qs="rId3" r:cs="rId4"/>
+          </a:graphicData>
+        </a:graphic>
+      </p:graphicFrame>
+      <p:grpSp>
+        <p:nvGrpSpPr>
+          <p:cNvPr id="8" name="组合 7"/>
+          <p:cNvGrpSpPr/>
+          <p:nvPr/>
+        </p:nvGrpSpPr>
+        <p:grpSpPr>
+          <a:xfrm>
+            <a:off x="2468755" y="4491237"/>
+            <a:ext cx="7046268" cy="1302961"/>
+            <a:chOff x="1032385" y="5046227"/>
+            <a:chExt cx="7046268" cy="1302961"/>
+          </a:xfrm>
+        </p:grpSpPr>
+        <p:sp>
+          <p:nvSpPr>
+            <p:cNvPr id="9" name="右大括号 8"/>
+            <p:cNvSpPr/>
+            <p:nvPr/>
+          </p:nvSpPr>
+          <p:spPr>
+            <a:xfrm rot="5400000">
+              <a:off x="4257636" y="1820976"/>
+              <a:ext cx="595766" cy="7046268"/>
+            </a:xfrm>
+            <a:prstGeom prst="rightBrace">
+              <a:avLst/>
+            </a:prstGeom>
+            <a:ln w="38100">
+              <a:solidFill>
+                <a:srgbClr val="FF0000"/>
+              </a:solidFill>
+            </a:ln>
+          </p:spPr>
+          <p:style>
+            <a:lnRef idx="1">
+              <a:schemeClr val="accent1"/>
+            </a:lnRef>
+            <a:fillRef idx="0">
+              <a:schemeClr val="accent1"/>
+            </a:fillRef>
+            <a:effectRef idx="0">
+              <a:schemeClr val="accent1"/>
+            </a:effectRef>
+            <a:fontRef idx="minor">
+              <a:schemeClr val="tx1"/>
+            </a:fontRef>
+          </p:style>
+          <p:txBody>
+            <a:bodyPr rtlCol="0" anchor="ctr"/>
+            <a:lstStyle/>
+            <a:p>
+              <a:pPr algn="ctr"/>
+              <a:endParaRPr lang="zh-CN" altLang="en-US"/>
+            </a:p>
+          </p:txBody>
+        </p:sp>
+        <p:sp>
+          <p:nvSpPr>
+            <p:cNvPr id="10" name="圆角矩形 4"/>
+            <p:cNvSpPr/>
+            <p:nvPr/>
+          </p:nvSpPr>
+          <p:spPr bwMode="auto">
+            <a:xfrm>
+              <a:off x="3961535" y="5810872"/>
+              <a:ext cx="1225849" cy="538316"/>
+            </a:xfrm>
+            <a:prstGeom prst="roundRect">
+              <a:avLst/>
+            </a:prstGeom>
+            <a:ln>
+              <a:headEnd type="none" w="med" len="med"/>
+              <a:tailEnd type="none" w="med" len="med"/>
+            </a:ln>
+          </p:spPr>
+          <p:style>
+            <a:lnRef idx="3">
+              <a:schemeClr val="lt1"/>
+            </a:lnRef>
+            <a:fillRef idx="1">
+              <a:schemeClr val="accent1"/>
+            </a:fillRef>
+            <a:effectRef idx="1">
+              <a:schemeClr val="accent1"/>
+            </a:effectRef>
+            <a:fontRef idx="minor">
+              <a:schemeClr val="lt1"/>
+            </a:fontRef>
+          </p:style>
+          <p:txBody>
+            <a:bodyPr vert="horz" wrap="none" lIns="90000" tIns="46800" rIns="90000" bIns="46800" numCol="1" rtlCol="0" anchor="ctr" anchorCtr="0" compatLnSpc="1"/>
+            <a:lstStyle/>
+            <a:p>
+              <a:pPr marL="0" marR="0" indent="0" algn="ctr" defTabSz="914400" rtl="0" eaLnBrk="1" fontAlgn="base" latinLnBrk="0" hangingPunct="1">
+                <a:lnSpc>
+                  <a:spcPct val="100000"/>
+                </a:lnSpc>
+                <a:spcBef>
+                  <a:spcPct val="0"/>
+                </a:spcBef>
+                <a:spcAft>
+                  <a:spcPct val="0"/>
+                </a:spcAft>
+                <a:buClrTx/>
+                <a:buSzTx/>
+                <a:buFontTx/>
+                <a:buNone/>
+              </a:pPr>
+              <a:r>
+                <a:rPr kumimoji="0" lang="zh-CN" altLang="en-US" sz="2000" b="0" i="0" u="none" strike="noStrike" cap="none" normalizeH="0" baseline="0" dirty="0">
+                  <a:ln>
+                    <a:noFill/>
+                  </a:ln>
+                  <a:solidFill>
+                    <a:schemeClr val="tx1"/>
+                  </a:solidFill>
+                  <a:effectLst/>
+                  <a:latin typeface="微软雅黑" panose="020B0503020204020204" pitchFamily="34" charset="-122"/>
+                  <a:ea typeface="微软雅黑" panose="020B0503020204020204" pitchFamily="34" charset="-122"/>
+                </a:rPr>
+                <a:t>整合</a:t>
+              </a:r>
+              <a:endParaRPr kumimoji="0" lang="zh-CN" altLang="en-US" sz="2000" b="0" i="0" u="none" strike="noStrike" cap="none" normalizeH="0" baseline="0" dirty="0">
+                <a:ln>
+                  <a:noFill/>
+                </a:ln>
+                <a:solidFill>
+                  <a:schemeClr val="tx1"/>
+                </a:solidFill>
+                <a:effectLst/>
+                <a:latin typeface="微软雅黑" panose="020B0503020204020204" pitchFamily="34" charset="-122"/>
+                <a:ea typeface="微软雅黑" panose="020B0503020204020204" pitchFamily="34" charset="-122"/>
+              </a:endParaRPr>
+            </a:p>
+          </p:txBody>
+        </p:sp>
+      </p:grpSp>
+    </p:spTree>
+  </p:cSld>
+  <p:clrMapOvr>
+    <a:masterClrMapping/>
+  </p:clrMapOvr>
+  <p:timing>
+    <p:tnLst>
+      <p:par>
+        <p:cTn id="1" dur="indefinite" restart="never" nodeType="tmRoot"/>
+      </p:par>
+    </p:tnLst>
+  </p:timing>
+</p:sld>
+</file>
+
+<file path=ppt/slides/slide23.xml><?xml version="1.0" encoding="utf-8"?>
 <p:sld xmlns:a="http://schemas.openxmlformats.org/drawingml/2006/main" xmlns:r="http://schemas.openxmlformats.org/officeDocument/2006/relationships" xmlns:p="http://schemas.openxmlformats.org/presentationml/2006/main">
   <p:cSld>
     <p:spTree>

--- a/materials/slides/ch05.pptx
+++ b/materials/slides/ch05.pptx
@@ -24,13 +24,13 @@
     <p:sldId id="331" r:id="rId13"/>
     <p:sldId id="338" r:id="rId14"/>
     <p:sldId id="343" r:id="rId16"/>
-    <p:sldId id="333" r:id="rId17"/>
-    <p:sldId id="359" r:id="rId18"/>
-    <p:sldId id="334" r:id="rId19"/>
-    <p:sldId id="335" r:id="rId20"/>
-    <p:sldId id="336" r:id="rId21"/>
-    <p:sldId id="337" r:id="rId22"/>
-    <p:sldId id="344" r:id="rId23"/>
+    <p:sldId id="368" r:id="rId17"/>
+    <p:sldId id="333" r:id="rId18"/>
+    <p:sldId id="359" r:id="rId19"/>
+    <p:sldId id="334" r:id="rId20"/>
+    <p:sldId id="335" r:id="rId21"/>
+    <p:sldId id="336" r:id="rId22"/>
+    <p:sldId id="337" r:id="rId23"/>
     <p:sldId id="366" r:id="rId24"/>
     <p:sldId id="367" r:id="rId25"/>
     <p:sldId id="316" r:id="rId26"/>
@@ -10762,6 +10762,147 @@
           <a:p>
             <a:r>
               <a:rPr lang="zh-CN" altLang="en-US" dirty="0" smtClean="0"/>
+              <a:t>补充：维护阶段</a:t>
+            </a:r>
+            <a:endParaRPr lang="zh-CN" altLang="en-US" dirty="0"/>
+          </a:p>
+        </p:txBody>
+      </p:sp>
+      <p:sp>
+        <p:nvSpPr>
+          <p:cNvPr id="3" name="内容占位符 2"/>
+          <p:cNvSpPr>
+            <a:spLocks noGrp="1"/>
+          </p:cNvSpPr>
+          <p:nvPr>
+            <p:ph idx="1"/>
+          </p:nvPr>
+        </p:nvSpPr>
+        <p:spPr>
+          <a:xfrm>
+            <a:off x="393700" y="1489075"/>
+            <a:ext cx="11022965" cy="4313555"/>
+          </a:xfrm>
+        </p:spPr>
+        <p:txBody>
+          <a:bodyPr/>
+          <a:lstStyle/>
+          <a:p>
+            <a:r>
+              <a:rPr lang="zh-CN" altLang="en-US" sz="2400" dirty="0" smtClean="0"/>
+              <a:t>软件项目在签署合同时通常承诺一个免费维护期（例如</a:t>
+            </a:r>
+            <a:r>
+              <a:rPr lang="en-US" altLang="zh-CN" sz="2400" dirty="0" smtClean="0"/>
+              <a:t>1</a:t>
+            </a:r>
+            <a:r>
+              <a:rPr lang="zh-CN" altLang="en-US" sz="2400" dirty="0" smtClean="0"/>
+              <a:t>年），免费维护期结束后是协商好的有偿维护；</a:t>
+            </a:r>
+            <a:endParaRPr lang="en-US" altLang="zh-CN" sz="2400" dirty="0" smtClean="0"/>
+          </a:p>
+          <a:p>
+            <a:r>
+              <a:rPr lang="zh-CN" altLang="en-US" sz="2400" dirty="0" smtClean="0"/>
+              <a:t>可维护性是软件质量的一个重要指标，通常包括：可用性、可靠性、效率、可理解性、可修改性、可移植性等；</a:t>
+            </a:r>
+            <a:endParaRPr lang="en-US" altLang="zh-CN" sz="2400" dirty="0" smtClean="0"/>
+          </a:p>
+          <a:p>
+            <a:r>
+              <a:rPr lang="zh-CN" altLang="en-US" sz="2400" dirty="0" smtClean="0"/>
+              <a:t>软件维护的过程类似软件开发的过程，也需要分析需求、设计、编码、测试等环节，并且</a:t>
+            </a:r>
+            <a:r>
+              <a:rPr lang="zh-CN" altLang="en-US" sz="2400" dirty="0" smtClean="0">
+                <a:solidFill>
+                  <a:srgbClr val="FF0000"/>
+                </a:solidFill>
+              </a:rPr>
+              <a:t>必须确保维护过程是安全可控的</a:t>
+            </a:r>
+            <a:r>
+              <a:rPr lang="zh-CN" altLang="en-US" sz="2400" dirty="0" smtClean="0"/>
+              <a:t>；</a:t>
+            </a:r>
+            <a:endParaRPr lang="en-US" altLang="zh-CN" sz="2400" dirty="0" smtClean="0"/>
+          </a:p>
+          <a:p>
+            <a:r>
+              <a:rPr lang="zh-CN" altLang="en-US" sz="2400" dirty="0" smtClean="0"/>
+              <a:t>常见的维护包括：</a:t>
+            </a:r>
+            <a:endParaRPr lang="en-US" altLang="zh-CN" sz="2400" dirty="0" smtClean="0"/>
+          </a:p>
+          <a:p>
+            <a:pPr lvl="1"/>
+            <a:r>
+              <a:rPr lang="zh-CN" altLang="en-US" sz="2000" dirty="0" smtClean="0"/>
+              <a:t>纠错性维护：例如运行阶段才发现了一个潜藏的错误；</a:t>
+            </a:r>
+            <a:endParaRPr lang="en-US" altLang="zh-CN" sz="2000" dirty="0" smtClean="0"/>
+          </a:p>
+          <a:p>
+            <a:pPr lvl="1"/>
+            <a:r>
+              <a:rPr lang="zh-CN" altLang="en-US" sz="2000" dirty="0" smtClean="0"/>
+              <a:t>适应性维护：例如软件的数据库系统升级了版本；</a:t>
+            </a:r>
+            <a:endParaRPr lang="en-US" altLang="zh-CN" sz="2000" dirty="0" smtClean="0"/>
+          </a:p>
+          <a:p>
+            <a:pPr lvl="1"/>
+            <a:r>
+              <a:rPr lang="zh-CN" altLang="en-US" sz="2000" dirty="0" smtClean="0"/>
+              <a:t>完善性维护：例如增加一项新的功能；</a:t>
+            </a:r>
+            <a:endParaRPr lang="en-US" altLang="zh-CN" sz="2000" dirty="0" smtClean="0"/>
+          </a:p>
+        </p:txBody>
+      </p:sp>
+    </p:spTree>
+  </p:cSld>
+  <p:clrMapOvr>
+    <a:masterClrMapping/>
+  </p:clrMapOvr>
+</p:sld>
+</file>
+
+<file path=ppt/slides/slide15.xml><?xml version="1.0" encoding="utf-8"?>
+<p:sld xmlns:a="http://schemas.openxmlformats.org/drawingml/2006/main" xmlns:r="http://schemas.openxmlformats.org/officeDocument/2006/relationships" xmlns:p="http://schemas.openxmlformats.org/presentationml/2006/main">
+  <p:cSld>
+    <p:spTree>
+      <p:nvGrpSpPr>
+        <p:cNvPr id="1" name=""/>
+        <p:cNvGrpSpPr/>
+        <p:nvPr/>
+      </p:nvGrpSpPr>
+      <p:grpSpPr>
+        <a:xfrm>
+          <a:off x="0" y="0"/>
+          <a:ext cx="0" cy="0"/>
+          <a:chOff x="0" y="0"/>
+          <a:chExt cx="0" cy="0"/>
+        </a:xfrm>
+      </p:grpSpPr>
+      <p:sp>
+        <p:nvSpPr>
+          <p:cNvPr id="2" name="标题 1"/>
+          <p:cNvSpPr>
+            <a:spLocks noGrp="1"/>
+          </p:cNvSpPr>
+          <p:nvPr>
+            <p:ph type="title"/>
+          </p:nvPr>
+        </p:nvSpPr>
+        <p:spPr/>
+        <p:txBody>
+          <a:bodyPr/>
+          <a:lstStyle/>
+          <a:p>
+            <a:r>
+              <a:rPr lang="zh-CN" altLang="en-US" dirty="0" smtClean="0"/>
               <a:t>小结</a:t>
             </a:r>
             <a:endParaRPr lang="zh-CN" altLang="en-US" dirty="0"/>
@@ -10931,7 +11072,7 @@
 </p:sld>
 </file>
 
-<file path=ppt/slides/slide15.xml><?xml version="1.0" encoding="utf-8"?>
+<file path=ppt/slides/slide16.xml><?xml version="1.0" encoding="utf-8"?>
 <p:sld xmlns:a="http://schemas.openxmlformats.org/drawingml/2006/main" xmlns:r="http://schemas.openxmlformats.org/officeDocument/2006/relationships" xmlns:p="http://schemas.openxmlformats.org/presentationml/2006/main">
   <p:cSld>
     <p:spTree>
@@ -11413,7 +11554,7 @@
 </p:sld>
 </file>
 
-<file path=ppt/slides/slide16.xml><?xml version="1.0" encoding="utf-8"?>
+<file path=ppt/slides/slide17.xml><?xml version="1.0" encoding="utf-8"?>
 <p:sld xmlns:a="http://schemas.openxmlformats.org/drawingml/2006/main" xmlns:r="http://schemas.openxmlformats.org/officeDocument/2006/relationships" xmlns:p="http://schemas.openxmlformats.org/presentationml/2006/main">
   <p:cSld>
     <p:spTree>
@@ -11533,7 +11674,7 @@
 </p:sld>
 </file>
 
-<file path=ppt/slides/slide17.xml><?xml version="1.0" encoding="utf-8"?>
+<file path=ppt/slides/slide18.xml><?xml version="1.0" encoding="utf-8"?>
 <p:sld xmlns:a="http://schemas.openxmlformats.org/drawingml/2006/main" xmlns:r="http://schemas.openxmlformats.org/officeDocument/2006/relationships" xmlns:p="http://schemas.openxmlformats.org/presentationml/2006/main">
   <p:cSld>
     <p:spTree>
@@ -11665,698 +11806,9 @@
   <p:timing>
     <p:tnLst>
       <p:par>
-        <p:cTn id="1" dur="indefinite" restart="never" nodeType="tmRoot">
-          <p:childTnLst>
-            <p:seq concurrent="1" nextAc="seek">
-              <p:cTn id="2" dur="indefinite" nodeType="mainSeq">
-                <p:childTnLst>
-                  <p:par>
-                    <p:cTn id="3" fill="hold">
-                      <p:stCondLst>
-                        <p:cond delay="indefinite"/>
-                      </p:stCondLst>
-                      <p:childTnLst>
-                        <p:par>
-                          <p:cTn id="4" fill="hold">
-                            <p:stCondLst>
-                              <p:cond delay="0"/>
-                            </p:stCondLst>
-                            <p:childTnLst>
-                              <p:par>
-                                <p:cTn id="5" presetID="3" presetClass="entr" presetSubtype="10" fill="hold" grpId="0" nodeType="clickEffect">
-                                  <p:stCondLst>
-                                    <p:cond delay="0"/>
-                                  </p:stCondLst>
-                                  <p:childTnLst>
-                                    <p:set>
-                                      <p:cBhvr>
-                                        <p:cTn id="6" dur="1" fill="hold">
-                                          <p:stCondLst>
-                                            <p:cond delay="0"/>
-                                          </p:stCondLst>
-                                        </p:cTn>
-                                        <p:tgtEl>
-                                          <p:spTgt spid="3">
-                                            <p:txEl>
-                                              <p:pRg st="0" end="0"/>
-                                            </p:txEl>
-                                          </p:spTgt>
-                                        </p:tgtEl>
-                                        <p:attrNameLst>
-                                          <p:attrName>style.visibility</p:attrName>
-                                        </p:attrNameLst>
-                                      </p:cBhvr>
-                                      <p:to>
-                                        <p:strVal val="visible"/>
-                                      </p:to>
-                                    </p:set>
-                                    <p:animEffect transition="in" filter="blinds(horizontal)">
-                                      <p:cBhvr>
-                                        <p:cTn id="7" dur="500"/>
-                                        <p:tgtEl>
-                                          <p:spTgt spid="3">
-                                            <p:txEl>
-                                              <p:pRg st="0" end="0"/>
-                                            </p:txEl>
-                                          </p:spTgt>
-                                        </p:tgtEl>
-                                      </p:cBhvr>
-                                    </p:animEffect>
-                                  </p:childTnLst>
-                                </p:cTn>
-                              </p:par>
-                            </p:childTnLst>
-                          </p:cTn>
-                        </p:par>
-                      </p:childTnLst>
-                    </p:cTn>
-                  </p:par>
-                  <p:par>
-                    <p:cTn id="8" fill="hold">
-                      <p:stCondLst>
-                        <p:cond delay="indefinite"/>
-                      </p:stCondLst>
-                      <p:childTnLst>
-                        <p:par>
-                          <p:cTn id="9" fill="hold">
-                            <p:stCondLst>
-                              <p:cond delay="0"/>
-                            </p:stCondLst>
-                            <p:childTnLst>
-                              <p:par>
-                                <p:cTn id="10" presetID="3" presetClass="entr" presetSubtype="10" fill="hold" grpId="0" nodeType="clickEffect">
-                                  <p:stCondLst>
-                                    <p:cond delay="0"/>
-                                  </p:stCondLst>
-                                  <p:childTnLst>
-                                    <p:set>
-                                      <p:cBhvr>
-                                        <p:cTn id="11" dur="1" fill="hold">
-                                          <p:stCondLst>
-                                            <p:cond delay="0"/>
-                                          </p:stCondLst>
-                                        </p:cTn>
-                                        <p:tgtEl>
-                                          <p:spTgt spid="3">
-                                            <p:txEl>
-                                              <p:pRg st="1" end="1"/>
-                                            </p:txEl>
-                                          </p:spTgt>
-                                        </p:tgtEl>
-                                        <p:attrNameLst>
-                                          <p:attrName>style.visibility</p:attrName>
-                                        </p:attrNameLst>
-                                      </p:cBhvr>
-                                      <p:to>
-                                        <p:strVal val="visible"/>
-                                      </p:to>
-                                    </p:set>
-                                    <p:animEffect transition="in" filter="blinds(horizontal)">
-                                      <p:cBhvr>
-                                        <p:cTn id="12" dur="500"/>
-                                        <p:tgtEl>
-                                          <p:spTgt spid="3">
-                                            <p:txEl>
-                                              <p:pRg st="1" end="1"/>
-                                            </p:txEl>
-                                          </p:spTgt>
-                                        </p:tgtEl>
-                                      </p:cBhvr>
-                                    </p:animEffect>
-                                  </p:childTnLst>
-                                </p:cTn>
-                              </p:par>
-                              <p:par>
-                                <p:cTn id="13" presetID="3" presetClass="entr" presetSubtype="10" fill="hold" grpId="0" nodeType="withEffect">
-                                  <p:stCondLst>
-                                    <p:cond delay="0"/>
-                                  </p:stCondLst>
-                                  <p:childTnLst>
-                                    <p:set>
-                                      <p:cBhvr>
-                                        <p:cTn id="14" dur="1" fill="hold">
-                                          <p:stCondLst>
-                                            <p:cond delay="0"/>
-                                          </p:stCondLst>
-                                        </p:cTn>
-                                        <p:tgtEl>
-                                          <p:spTgt spid="3">
-                                            <p:txEl>
-                                              <p:pRg st="2" end="2"/>
-                                            </p:txEl>
-                                          </p:spTgt>
-                                        </p:tgtEl>
-                                        <p:attrNameLst>
-                                          <p:attrName>style.visibility</p:attrName>
-                                        </p:attrNameLst>
-                                      </p:cBhvr>
-                                      <p:to>
-                                        <p:strVal val="visible"/>
-                                      </p:to>
-                                    </p:set>
-                                    <p:animEffect transition="in" filter="blinds(horizontal)">
-                                      <p:cBhvr>
-                                        <p:cTn id="15" dur="500"/>
-                                        <p:tgtEl>
-                                          <p:spTgt spid="3">
-                                            <p:txEl>
-                                              <p:pRg st="2" end="2"/>
-                                            </p:txEl>
-                                          </p:spTgt>
-                                        </p:tgtEl>
-                                      </p:cBhvr>
-                                    </p:animEffect>
-                                  </p:childTnLst>
-                                </p:cTn>
-                              </p:par>
-                              <p:par>
-                                <p:cTn id="16" presetID="3" presetClass="entr" presetSubtype="10" fill="hold" grpId="0" nodeType="withEffect">
-                                  <p:stCondLst>
-                                    <p:cond delay="0"/>
-                                  </p:stCondLst>
-                                  <p:childTnLst>
-                                    <p:set>
-                                      <p:cBhvr>
-                                        <p:cTn id="17" dur="1" fill="hold">
-                                          <p:stCondLst>
-                                            <p:cond delay="0"/>
-                                          </p:stCondLst>
-                                        </p:cTn>
-                                        <p:tgtEl>
-                                          <p:spTgt spid="3">
-                                            <p:txEl>
-                                              <p:pRg st="3" end="3"/>
-                                            </p:txEl>
-                                          </p:spTgt>
-                                        </p:tgtEl>
-                                        <p:attrNameLst>
-                                          <p:attrName>style.visibility</p:attrName>
-                                        </p:attrNameLst>
-                                      </p:cBhvr>
-                                      <p:to>
-                                        <p:strVal val="visible"/>
-                                      </p:to>
-                                    </p:set>
-                                    <p:animEffect transition="in" filter="blinds(horizontal)">
-                                      <p:cBhvr>
-                                        <p:cTn id="18" dur="500"/>
-                                        <p:tgtEl>
-                                          <p:spTgt spid="3">
-                                            <p:txEl>
-                                              <p:pRg st="3" end="3"/>
-                                            </p:txEl>
-                                          </p:spTgt>
-                                        </p:tgtEl>
-                                      </p:cBhvr>
-                                    </p:animEffect>
-                                  </p:childTnLst>
-                                </p:cTn>
-                              </p:par>
-                              <p:par>
-                                <p:cTn id="19" presetID="3" presetClass="entr" presetSubtype="10" fill="hold" grpId="0" nodeType="withEffect">
-                                  <p:stCondLst>
-                                    <p:cond delay="0"/>
-                                  </p:stCondLst>
-                                  <p:childTnLst>
-                                    <p:set>
-                                      <p:cBhvr>
-                                        <p:cTn id="20" dur="1" fill="hold">
-                                          <p:stCondLst>
-                                            <p:cond delay="0"/>
-                                          </p:stCondLst>
-                                        </p:cTn>
-                                        <p:tgtEl>
-                                          <p:spTgt spid="3">
-                                            <p:txEl>
-                                              <p:pRg st="4" end="4"/>
-                                            </p:txEl>
-                                          </p:spTgt>
-                                        </p:tgtEl>
-                                        <p:attrNameLst>
-                                          <p:attrName>style.visibility</p:attrName>
-                                        </p:attrNameLst>
-                                      </p:cBhvr>
-                                      <p:to>
-                                        <p:strVal val="visible"/>
-                                      </p:to>
-                                    </p:set>
-                                    <p:animEffect transition="in" filter="blinds(horizontal)">
-                                      <p:cBhvr>
-                                        <p:cTn id="21" dur="500"/>
-                                        <p:tgtEl>
-                                          <p:spTgt spid="3">
-                                            <p:txEl>
-                                              <p:pRg st="4" end="4"/>
-                                            </p:txEl>
-                                          </p:spTgt>
-                                        </p:tgtEl>
-                                      </p:cBhvr>
-                                    </p:animEffect>
-                                  </p:childTnLst>
-                                </p:cTn>
-                              </p:par>
-                            </p:childTnLst>
-                          </p:cTn>
-                        </p:par>
-                      </p:childTnLst>
-                    </p:cTn>
-                  </p:par>
-                </p:childTnLst>
-              </p:cTn>
-              <p:prevCondLst>
-                <p:cond evt="onPrev" delay="0">
-                  <p:tgtEl>
-                    <p:sldTgt/>
-                  </p:tgtEl>
-                </p:cond>
-              </p:prevCondLst>
-              <p:nextCondLst>
-                <p:cond evt="onNext" delay="0">
-                  <p:tgtEl>
-                    <p:sldTgt/>
-                  </p:tgtEl>
-                </p:cond>
-              </p:nextCondLst>
-            </p:seq>
-          </p:childTnLst>
-        </p:cTn>
+        <p:cTn id="1" dur="indefinite" restart="never" nodeType="tmRoot"/>
       </p:par>
     </p:tnLst>
-    <p:bldLst>
-      <p:bldP spid="3" grpId="0" build="p"/>
-    </p:bldLst>
-  </p:timing>
-</p:sld>
-</file>
-
-<file path=ppt/slides/slide18.xml><?xml version="1.0" encoding="utf-8"?>
-<p:sld xmlns:a="http://schemas.openxmlformats.org/drawingml/2006/main" xmlns:r="http://schemas.openxmlformats.org/officeDocument/2006/relationships" xmlns:p="http://schemas.openxmlformats.org/presentationml/2006/main">
-  <p:cSld>
-    <p:spTree>
-      <p:nvGrpSpPr>
-        <p:cNvPr id="1" name=""/>
-        <p:cNvGrpSpPr/>
-        <p:nvPr/>
-      </p:nvGrpSpPr>
-      <p:grpSpPr>
-        <a:xfrm>
-          <a:off x="0" y="0"/>
-          <a:ext cx="0" cy="0"/>
-          <a:chOff x="0" y="0"/>
-          <a:chExt cx="0" cy="0"/>
-        </a:xfrm>
-      </p:grpSpPr>
-      <p:sp>
-        <p:nvSpPr>
-          <p:cNvPr id="2" name="标题 1"/>
-          <p:cNvSpPr>
-            <a:spLocks noGrp="1"/>
-          </p:cNvSpPr>
-          <p:nvPr>
-            <p:ph type="title"/>
-          </p:nvPr>
-        </p:nvSpPr>
-        <p:spPr/>
-        <p:txBody>
-          <a:bodyPr/>
-          <a:lstStyle/>
-          <a:p>
-            <a:r>
-              <a:rPr lang="zh-CN" altLang="en-US" dirty="0" smtClean="0"/>
-              <a:t>结束采购的成果</a:t>
-            </a:r>
-            <a:endParaRPr lang="zh-CN" altLang="en-US" dirty="0"/>
-          </a:p>
-        </p:txBody>
-      </p:sp>
-      <p:sp>
-        <p:nvSpPr>
-          <p:cNvPr id="3" name="内容占位符 2"/>
-          <p:cNvSpPr>
-            <a:spLocks noGrp="1"/>
-          </p:cNvSpPr>
-          <p:nvPr>
-            <p:ph sz="quarter" idx="1"/>
-          </p:nvPr>
-        </p:nvSpPr>
-        <p:spPr/>
-        <p:txBody>
-          <a:bodyPr/>
-          <a:lstStyle/>
-          <a:p>
-            <a:r>
-              <a:rPr lang="zh-CN" altLang="en-US" sz="2400" dirty="0" smtClean="0"/>
-              <a:t>买方向卖方发出关于合同已经完成的正式书面通知；</a:t>
-            </a:r>
-            <a:endParaRPr lang="en-US" altLang="zh-CN" sz="2400" dirty="0" smtClean="0"/>
-          </a:p>
-          <a:p>
-            <a:r>
-              <a:rPr lang="zh-CN" altLang="en-US" sz="2400" dirty="0" smtClean="0"/>
-              <a:t>组织过程资产</a:t>
-            </a:r>
-            <a:endParaRPr lang="en-US" altLang="zh-CN" sz="2400" dirty="0" smtClean="0"/>
-          </a:p>
-          <a:p>
-            <a:pPr lvl="1"/>
-            <a:r>
-              <a:rPr lang="zh-CN" altLang="en-US" sz="2000" dirty="0" smtClean="0"/>
-              <a:t>采购文档；</a:t>
-            </a:r>
-            <a:endParaRPr lang="en-US" altLang="zh-CN" sz="2000" dirty="0" smtClean="0"/>
-          </a:p>
-          <a:p>
-            <a:pPr lvl="1"/>
-            <a:r>
-              <a:rPr lang="zh-CN" altLang="en-US" sz="2000" dirty="0" smtClean="0"/>
-              <a:t>可交付成果验收；</a:t>
-            </a:r>
-            <a:endParaRPr lang="en-US" altLang="zh-CN" sz="2000" dirty="0" smtClean="0"/>
-          </a:p>
-          <a:p>
-            <a:pPr lvl="1"/>
-            <a:r>
-              <a:rPr lang="zh-CN" altLang="en-US" sz="2000" dirty="0" smtClean="0"/>
-              <a:t>经验教训文档；</a:t>
-            </a:r>
-            <a:endParaRPr lang="en-US" altLang="zh-CN" sz="2000" dirty="0" smtClean="0"/>
-          </a:p>
-        </p:txBody>
-      </p:sp>
-      <p:sp>
-        <p:nvSpPr>
-          <p:cNvPr id="4" name="页脚占位符 3"/>
-          <p:cNvSpPr>
-            <a:spLocks noGrp="1"/>
-          </p:cNvSpPr>
-          <p:nvPr>
-            <p:ph type="ftr" sz="quarter" idx="10"/>
-          </p:nvPr>
-        </p:nvSpPr>
-        <p:spPr/>
-        <p:txBody>
-          <a:bodyPr/>
-          <a:lstStyle/>
-          <a:p>
-            <a:pPr>
-              <a:defRPr/>
-            </a:pPr>
-            <a:r>
-              <a:rPr lang="en-US" dirty="0" smtClean="0"/>
-              <a:t>Information Technology Project Management, Fifth Edition, Copyright 2007</a:t>
-            </a:r>
-            <a:endParaRPr lang="en-US" dirty="0"/>
-          </a:p>
-        </p:txBody>
-      </p:sp>
-    </p:spTree>
-  </p:cSld>
-  <p:clrMapOvr>
-    <a:masterClrMapping/>
-  </p:clrMapOvr>
-  <p:timing>
-    <p:tnLst>
-      <p:par>
-        <p:cTn id="1" dur="indefinite" restart="never" nodeType="tmRoot">
-          <p:childTnLst>
-            <p:seq concurrent="1" nextAc="seek">
-              <p:cTn id="2" dur="indefinite" nodeType="mainSeq">
-                <p:childTnLst>
-                  <p:par>
-                    <p:cTn id="3" fill="hold">
-                      <p:stCondLst>
-                        <p:cond delay="indefinite"/>
-                      </p:stCondLst>
-                      <p:childTnLst>
-                        <p:par>
-                          <p:cTn id="4" fill="hold">
-                            <p:stCondLst>
-                              <p:cond delay="0"/>
-                            </p:stCondLst>
-                            <p:childTnLst>
-                              <p:par>
-                                <p:cTn id="5" presetID="3" presetClass="entr" presetSubtype="10" fill="hold" grpId="0" nodeType="clickEffect">
-                                  <p:stCondLst>
-                                    <p:cond delay="0"/>
-                                  </p:stCondLst>
-                                  <p:childTnLst>
-                                    <p:set>
-                                      <p:cBhvr>
-                                        <p:cTn id="6" dur="1" fill="hold">
-                                          <p:stCondLst>
-                                            <p:cond delay="0"/>
-                                          </p:stCondLst>
-                                        </p:cTn>
-                                        <p:tgtEl>
-                                          <p:spTgt spid="3">
-                                            <p:txEl>
-                                              <p:pRg st="0" end="0"/>
-                                            </p:txEl>
-                                          </p:spTgt>
-                                        </p:tgtEl>
-                                        <p:attrNameLst>
-                                          <p:attrName>style.visibility</p:attrName>
-                                        </p:attrNameLst>
-                                      </p:cBhvr>
-                                      <p:to>
-                                        <p:strVal val="visible"/>
-                                      </p:to>
-                                    </p:set>
-                                    <p:animEffect transition="in" filter="blinds(horizontal)">
-                                      <p:cBhvr>
-                                        <p:cTn id="7" dur="500"/>
-                                        <p:tgtEl>
-                                          <p:spTgt spid="3">
-                                            <p:txEl>
-                                              <p:pRg st="0" end="0"/>
-                                            </p:txEl>
-                                          </p:spTgt>
-                                        </p:tgtEl>
-                                      </p:cBhvr>
-                                    </p:animEffect>
-                                  </p:childTnLst>
-                                </p:cTn>
-                              </p:par>
-                            </p:childTnLst>
-                          </p:cTn>
-                        </p:par>
-                      </p:childTnLst>
-                    </p:cTn>
-                  </p:par>
-                  <p:par>
-                    <p:cTn id="8" fill="hold">
-                      <p:stCondLst>
-                        <p:cond delay="indefinite"/>
-                      </p:stCondLst>
-                      <p:childTnLst>
-                        <p:par>
-                          <p:cTn id="9" fill="hold">
-                            <p:stCondLst>
-                              <p:cond delay="0"/>
-                            </p:stCondLst>
-                            <p:childTnLst>
-                              <p:par>
-                                <p:cTn id="10" presetID="3" presetClass="entr" presetSubtype="10" fill="hold" grpId="0" nodeType="clickEffect">
-                                  <p:stCondLst>
-                                    <p:cond delay="0"/>
-                                  </p:stCondLst>
-                                  <p:childTnLst>
-                                    <p:set>
-                                      <p:cBhvr>
-                                        <p:cTn id="11" dur="1" fill="hold">
-                                          <p:stCondLst>
-                                            <p:cond delay="0"/>
-                                          </p:stCondLst>
-                                        </p:cTn>
-                                        <p:tgtEl>
-                                          <p:spTgt spid="3">
-                                            <p:txEl>
-                                              <p:pRg st="1" end="1"/>
-                                            </p:txEl>
-                                          </p:spTgt>
-                                        </p:tgtEl>
-                                        <p:attrNameLst>
-                                          <p:attrName>style.visibility</p:attrName>
-                                        </p:attrNameLst>
-                                      </p:cBhvr>
-                                      <p:to>
-                                        <p:strVal val="visible"/>
-                                      </p:to>
-                                    </p:set>
-                                    <p:animEffect transition="in" filter="blinds(horizontal)">
-                                      <p:cBhvr>
-                                        <p:cTn id="12" dur="500"/>
-                                        <p:tgtEl>
-                                          <p:spTgt spid="3">
-                                            <p:txEl>
-                                              <p:pRg st="1" end="1"/>
-                                            </p:txEl>
-                                          </p:spTgt>
-                                        </p:tgtEl>
-                                      </p:cBhvr>
-                                    </p:animEffect>
-                                  </p:childTnLst>
-                                </p:cTn>
-                              </p:par>
-                              <p:par>
-                                <p:cTn id="13" presetID="3" presetClass="entr" presetSubtype="10" fill="hold" grpId="0" nodeType="withEffect">
-                                  <p:stCondLst>
-                                    <p:cond delay="0"/>
-                                  </p:stCondLst>
-                                  <p:childTnLst>
-                                    <p:set>
-                                      <p:cBhvr>
-                                        <p:cTn id="14" dur="1" fill="hold">
-                                          <p:stCondLst>
-                                            <p:cond delay="0"/>
-                                          </p:stCondLst>
-                                        </p:cTn>
-                                        <p:tgtEl>
-                                          <p:spTgt spid="3">
-                                            <p:txEl>
-                                              <p:pRg st="2" end="2"/>
-                                            </p:txEl>
-                                          </p:spTgt>
-                                        </p:tgtEl>
-                                        <p:attrNameLst>
-                                          <p:attrName>style.visibility</p:attrName>
-                                        </p:attrNameLst>
-                                      </p:cBhvr>
-                                      <p:to>
-                                        <p:strVal val="visible"/>
-                                      </p:to>
-                                    </p:set>
-                                    <p:animEffect transition="in" filter="blinds(horizontal)">
-                                      <p:cBhvr>
-                                        <p:cTn id="15" dur="500"/>
-                                        <p:tgtEl>
-                                          <p:spTgt spid="3">
-                                            <p:txEl>
-                                              <p:pRg st="2" end="2"/>
-                                            </p:txEl>
-                                          </p:spTgt>
-                                        </p:tgtEl>
-                                      </p:cBhvr>
-                                    </p:animEffect>
-                                  </p:childTnLst>
-                                </p:cTn>
-                              </p:par>
-                              <p:par>
-                                <p:cTn id="16" presetID="3" presetClass="entr" presetSubtype="10" fill="hold" grpId="0" nodeType="withEffect">
-                                  <p:stCondLst>
-                                    <p:cond delay="0"/>
-                                  </p:stCondLst>
-                                  <p:childTnLst>
-                                    <p:set>
-                                      <p:cBhvr>
-                                        <p:cTn id="17" dur="1" fill="hold">
-                                          <p:stCondLst>
-                                            <p:cond delay="0"/>
-                                          </p:stCondLst>
-                                        </p:cTn>
-                                        <p:tgtEl>
-                                          <p:spTgt spid="3">
-                                            <p:txEl>
-                                              <p:pRg st="3" end="3"/>
-                                            </p:txEl>
-                                          </p:spTgt>
-                                        </p:tgtEl>
-                                        <p:attrNameLst>
-                                          <p:attrName>style.visibility</p:attrName>
-                                        </p:attrNameLst>
-                                      </p:cBhvr>
-                                      <p:to>
-                                        <p:strVal val="visible"/>
-                                      </p:to>
-                                    </p:set>
-                                    <p:animEffect transition="in" filter="blinds(horizontal)">
-                                      <p:cBhvr>
-                                        <p:cTn id="18" dur="500"/>
-                                        <p:tgtEl>
-                                          <p:spTgt spid="3">
-                                            <p:txEl>
-                                              <p:pRg st="3" end="3"/>
-                                            </p:txEl>
-                                          </p:spTgt>
-                                        </p:tgtEl>
-                                      </p:cBhvr>
-                                    </p:animEffect>
-                                  </p:childTnLst>
-                                </p:cTn>
-                              </p:par>
-                              <p:par>
-                                <p:cTn id="19" presetID="3" presetClass="entr" presetSubtype="10" fill="hold" grpId="0" nodeType="withEffect">
-                                  <p:stCondLst>
-                                    <p:cond delay="0"/>
-                                  </p:stCondLst>
-                                  <p:childTnLst>
-                                    <p:set>
-                                      <p:cBhvr>
-                                        <p:cTn id="20" dur="1" fill="hold">
-                                          <p:stCondLst>
-                                            <p:cond delay="0"/>
-                                          </p:stCondLst>
-                                        </p:cTn>
-                                        <p:tgtEl>
-                                          <p:spTgt spid="3">
-                                            <p:txEl>
-                                              <p:pRg st="4" end="4"/>
-                                            </p:txEl>
-                                          </p:spTgt>
-                                        </p:tgtEl>
-                                        <p:attrNameLst>
-                                          <p:attrName>style.visibility</p:attrName>
-                                        </p:attrNameLst>
-                                      </p:cBhvr>
-                                      <p:to>
-                                        <p:strVal val="visible"/>
-                                      </p:to>
-                                    </p:set>
-                                    <p:animEffect transition="in" filter="blinds(horizontal)">
-                                      <p:cBhvr>
-                                        <p:cTn id="21" dur="500"/>
-                                        <p:tgtEl>
-                                          <p:spTgt spid="3">
-                                            <p:txEl>
-                                              <p:pRg st="4" end="4"/>
-                                            </p:txEl>
-                                          </p:spTgt>
-                                        </p:tgtEl>
-                                      </p:cBhvr>
-                                    </p:animEffect>
-                                  </p:childTnLst>
-                                </p:cTn>
-                              </p:par>
-                            </p:childTnLst>
-                          </p:cTn>
-                        </p:par>
-                      </p:childTnLst>
-                    </p:cTn>
-                  </p:par>
-                </p:childTnLst>
-              </p:cTn>
-              <p:prevCondLst>
-                <p:cond evt="onPrev" delay="0">
-                  <p:tgtEl>
-                    <p:sldTgt/>
-                  </p:tgtEl>
-                </p:cond>
-              </p:prevCondLst>
-              <p:nextCondLst>
-                <p:cond evt="onNext" delay="0">
-                  <p:tgtEl>
-                    <p:sldTgt/>
-                  </p:tgtEl>
-                </p:cond>
-              </p:nextCondLst>
-            </p:seq>
-          </p:childTnLst>
-        </p:cTn>
-      </p:par>
-    </p:tnLst>
-    <p:bldLst>
-      <p:bldP spid="3" grpId="0" build="p"/>
-    </p:bldLst>
   </p:timing>
 </p:sld>
 </file>
@@ -12395,7 +11847,7 @@
           <a:p>
             <a:r>
               <a:rPr lang="zh-CN" altLang="en-US" dirty="0" smtClean="0"/>
-              <a:t>小结</a:t>
+              <a:t>结束采购的成果</a:t>
             </a:r>
             <a:endParaRPr lang="zh-CN" altLang="en-US" dirty="0"/>
           </a:p>
@@ -12418,16 +11870,40 @@
           <a:p>
             <a:r>
               <a:rPr lang="zh-CN" altLang="en-US" sz="2400" dirty="0" smtClean="0"/>
-              <a:t>采购结束后，未决争议可能需要进入诉讼程序；</a:t>
+              <a:t>买方向卖方发出关于合同已经完成的正式书面通知；</a:t>
             </a:r>
             <a:endParaRPr lang="en-US" altLang="zh-CN" sz="2400" dirty="0" smtClean="0"/>
           </a:p>
           <a:p>
             <a:r>
               <a:rPr lang="zh-CN" altLang="en-US" sz="2400" dirty="0" smtClean="0"/>
-              <a:t>合同提前终止是结束采购的一个特例。可由双方协商一致而提前终止，或因一方违约而提前终止；</a:t>
-            </a:r>
-            <a:endParaRPr lang="zh-CN" altLang="en-US" sz="2400" dirty="0"/>
+              <a:t>组织过程资产</a:t>
+            </a:r>
+            <a:endParaRPr lang="en-US" altLang="zh-CN" sz="2400" dirty="0" smtClean="0"/>
+          </a:p>
+          <a:p>
+            <a:pPr lvl="1"/>
+            <a:r>
+              <a:rPr lang="zh-CN" altLang="en-US" sz="2000" dirty="0" smtClean="0"/>
+              <a:t>采购文档；</a:t>
+            </a:r>
+            <a:endParaRPr lang="en-US" altLang="zh-CN" sz="2000" dirty="0" smtClean="0"/>
+          </a:p>
+          <a:p>
+            <a:pPr lvl="1"/>
+            <a:r>
+              <a:rPr lang="zh-CN" altLang="en-US" sz="2000" dirty="0" smtClean="0"/>
+              <a:t>可交付成果验收；</a:t>
+            </a:r>
+            <a:endParaRPr lang="en-US" altLang="zh-CN" sz="2000" dirty="0" smtClean="0"/>
+          </a:p>
+          <a:p>
+            <a:pPr lvl="1"/>
+            <a:r>
+              <a:rPr lang="zh-CN" altLang="en-US" sz="2000" dirty="0" smtClean="0"/>
+              <a:t>经验教训文档；</a:t>
+            </a:r>
+            <a:endParaRPr lang="en-US" altLang="zh-CN" sz="2000" dirty="0" smtClean="0"/>
           </a:p>
         </p:txBody>
       </p:sp>
@@ -12465,157 +11941,9 @@
   <p:timing>
     <p:tnLst>
       <p:par>
-        <p:cTn id="1" dur="indefinite" restart="never" nodeType="tmRoot">
-          <p:childTnLst>
-            <p:seq concurrent="1" nextAc="seek">
-              <p:cTn id="2" dur="indefinite" nodeType="mainSeq">
-                <p:childTnLst>
-                  <p:par>
-                    <p:cTn id="3" fill="hold">
-                      <p:stCondLst>
-                        <p:cond delay="indefinite"/>
-                      </p:stCondLst>
-                      <p:childTnLst>
-                        <p:par>
-                          <p:cTn id="4" fill="hold">
-                            <p:stCondLst>
-                              <p:cond delay="0"/>
-                            </p:stCondLst>
-                            <p:childTnLst>
-                              <p:par>
-                                <p:cTn id="5" presetID="3" presetClass="entr" presetSubtype="10" fill="hold" grpId="0" nodeType="clickEffect">
-                                  <p:stCondLst>
-                                    <p:cond delay="0"/>
-                                  </p:stCondLst>
-                                  <p:childTnLst>
-                                    <p:set>
-                                      <p:cBhvr>
-                                        <p:cTn id="6" dur="1" fill="hold">
-                                          <p:stCondLst>
-                                            <p:cond delay="0"/>
-                                          </p:stCondLst>
-                                        </p:cTn>
-                                        <p:tgtEl>
-                                          <p:spTgt spid="3">
-                                            <p:txEl>
-                                              <p:pRg st="0" end="0"/>
-                                            </p:txEl>
-                                          </p:spTgt>
-                                        </p:tgtEl>
-                                        <p:attrNameLst>
-                                          <p:attrName>style.visibility</p:attrName>
-                                        </p:attrNameLst>
-                                      </p:cBhvr>
-                                      <p:to>
-                                        <p:strVal val="visible"/>
-                                      </p:to>
-                                    </p:set>
-                                    <p:animEffect transition="in" filter="blinds(horizontal)">
-                                      <p:cBhvr>
-                                        <p:cTn id="7" dur="500"/>
-                                        <p:tgtEl>
-                                          <p:spTgt spid="3">
-                                            <p:txEl>
-                                              <p:pRg st="0" end="0"/>
-                                            </p:txEl>
-                                          </p:spTgt>
-                                        </p:tgtEl>
-                                      </p:cBhvr>
-                                    </p:animEffect>
-                                  </p:childTnLst>
-                                </p:cTn>
-                              </p:par>
-                            </p:childTnLst>
-                          </p:cTn>
-                        </p:par>
-                      </p:childTnLst>
-                    </p:cTn>
-                  </p:par>
-                  <p:par>
-                    <p:cTn id="8" fill="hold">
-                      <p:stCondLst>
-                        <p:cond delay="indefinite"/>
-                      </p:stCondLst>
-                      <p:childTnLst>
-                        <p:par>
-                          <p:cTn id="9" fill="hold">
-                            <p:stCondLst>
-                              <p:cond delay="0"/>
-                            </p:stCondLst>
-                            <p:childTnLst>
-                              <p:par>
-                                <p:cTn id="10" presetID="3" presetClass="entr" presetSubtype="10" fill="hold" grpId="0" nodeType="clickEffect">
-                                  <p:stCondLst>
-                                    <p:cond delay="0"/>
-                                  </p:stCondLst>
-                                  <p:childTnLst>
-                                    <p:set>
-                                      <p:cBhvr>
-                                        <p:cTn id="11" dur="1" fill="hold">
-                                          <p:stCondLst>
-                                            <p:cond delay="0"/>
-                                          </p:stCondLst>
-                                        </p:cTn>
-                                        <p:tgtEl>
-                                          <p:spTgt spid="3">
-                                            <p:txEl>
-                                              <p:pRg st="1" end="1"/>
-                                            </p:txEl>
-                                          </p:spTgt>
-                                        </p:tgtEl>
-                                        <p:attrNameLst>
-                                          <p:attrName>style.visibility</p:attrName>
-                                        </p:attrNameLst>
-                                      </p:cBhvr>
-                                      <p:to>
-                                        <p:strVal val="visible"/>
-                                      </p:to>
-                                    </p:set>
-                                    <p:animEffect transition="in" filter="blinds(horizontal)">
-                                      <p:cBhvr>
-                                        <p:cTn id="12" dur="500"/>
-                                        <p:tgtEl>
-                                          <p:spTgt spid="3">
-                                            <p:txEl>
-                                              <p:pRg st="1" end="1"/>
-                                            </p:txEl>
-                                          </p:spTgt>
-                                        </p:tgtEl>
-                                      </p:cBhvr>
-                                    </p:animEffect>
-                                  </p:childTnLst>
-                                </p:cTn>
-                              </p:par>
-                            </p:childTnLst>
-                          </p:cTn>
-                        </p:par>
-                      </p:childTnLst>
-                    </p:cTn>
-                  </p:par>
-                </p:childTnLst>
-              </p:cTn>
-              <p:prevCondLst>
-                <p:cond evt="onPrev" delay="0">
-                  <p:tgtEl>
-                    <p:sldTgt/>
-                  </p:tgtEl>
-                </p:cond>
-              </p:prevCondLst>
-              <p:nextCondLst>
-                <p:cond evt="onNext" delay="0">
-                  <p:tgtEl>
-                    <p:sldTgt/>
-                  </p:tgtEl>
-                </p:cond>
-              </p:nextCondLst>
-            </p:seq>
-          </p:childTnLst>
-        </p:cTn>
+        <p:cTn id="1" dur="indefinite" restart="never" nodeType="tmRoot"/>
       </p:par>
     </p:tnLst>
-    <p:bldLst>
-      <p:bldP spid="3" grpId="0" build="p"/>
-    </p:bldLst>
   </p:timing>
 </p:sld>
 </file>
@@ -13072,7 +12400,7 @@
           <a:p>
             <a:r>
               <a:rPr lang="zh-CN" altLang="en-US" dirty="0" smtClean="0"/>
-              <a:t>补充：维护阶段</a:t>
+              <a:t>小结</a:t>
             </a:r>
             <a:endParaRPr lang="zh-CN" altLang="en-US" dirty="0"/>
           </a:p>
@@ -13085,89 +12413,52 @@
             <a:spLocks noGrp="1"/>
           </p:cNvSpPr>
           <p:nvPr>
-            <p:ph idx="1"/>
+            <p:ph sz="quarter" idx="1"/>
           </p:nvPr>
         </p:nvSpPr>
-        <p:spPr>
-          <a:xfrm>
-            <a:off x="393700" y="1489075"/>
-            <a:ext cx="11022965" cy="4313555"/>
-          </a:xfrm>
-        </p:spPr>
+        <p:spPr/>
         <p:txBody>
           <a:bodyPr/>
           <a:lstStyle/>
           <a:p>
             <a:r>
               <a:rPr lang="zh-CN" altLang="en-US" sz="2400" dirty="0" smtClean="0"/>
-              <a:t>软件项目在签署合同时通常承诺一个免费维护期（例如</a:t>
-            </a:r>
-            <a:r>
-              <a:rPr lang="en-US" altLang="zh-CN" sz="2400" dirty="0" smtClean="0"/>
-              <a:t>1</a:t>
-            </a:r>
+              <a:t>采购结束后，未决争议可能需要进入诉讼程序；</a:t>
+            </a:r>
+            <a:endParaRPr lang="en-US" altLang="zh-CN" sz="2400" dirty="0" smtClean="0"/>
+          </a:p>
+          <a:p>
             <a:r>
               <a:rPr lang="zh-CN" altLang="en-US" sz="2400" dirty="0" smtClean="0"/>
-              <a:t>年），免费维护期结束后是协商好的有偿维护；</a:t>
-            </a:r>
-            <a:endParaRPr lang="en-US" altLang="zh-CN" sz="2400" dirty="0" smtClean="0"/>
-          </a:p>
-          <a:p>
-            <a:r>
-              <a:rPr lang="zh-CN" altLang="en-US" sz="2400" dirty="0" smtClean="0"/>
-              <a:t>可维护性是软件质量的一个重要指标，通常包括：可用性、可靠性、效率、可理解性、可修改性、可移植性等；</a:t>
-            </a:r>
-            <a:endParaRPr lang="en-US" altLang="zh-CN" sz="2400" dirty="0" smtClean="0"/>
-          </a:p>
-          <a:p>
-            <a:r>
-              <a:rPr lang="zh-CN" altLang="en-US" sz="2400" dirty="0" smtClean="0"/>
-              <a:t>软件维护的过程类似软件开发的过程，也需要分析需求、设计、编码、测试等环节，并且</a:t>
-            </a:r>
-            <a:r>
-              <a:rPr lang="zh-CN" altLang="en-US" sz="2400" dirty="0" smtClean="0">
-                <a:solidFill>
-                  <a:srgbClr val="FF0000"/>
-                </a:solidFill>
-              </a:rPr>
-              <a:t>必须确保维护过程是安全可控的</a:t>
-            </a:r>
-            <a:r>
-              <a:rPr lang="zh-CN" altLang="en-US" sz="2400" dirty="0" smtClean="0"/>
-              <a:t>；</a:t>
-            </a:r>
-            <a:endParaRPr lang="en-US" altLang="zh-CN" sz="2400" dirty="0" smtClean="0"/>
-          </a:p>
-          <a:p>
-            <a:r>
-              <a:rPr lang="zh-CN" altLang="en-US" sz="2400" dirty="0" smtClean="0"/>
-              <a:t>常见的维护包括：</a:t>
-            </a:r>
-            <a:endParaRPr lang="en-US" altLang="zh-CN" sz="2400" dirty="0" smtClean="0"/>
-          </a:p>
-          <a:p>
-            <a:pPr lvl="1"/>
-            <a:r>
-              <a:rPr lang="zh-CN" altLang="en-US" sz="2000" dirty="0" smtClean="0"/>
-              <a:t>纠错性维护：例如运行阶段才发现了一个潜藏的错误；</a:t>
-            </a:r>
-            <a:endParaRPr lang="en-US" altLang="zh-CN" sz="2000" dirty="0" smtClean="0"/>
-          </a:p>
-          <a:p>
-            <a:pPr lvl="1"/>
-            <a:r>
-              <a:rPr lang="zh-CN" altLang="en-US" sz="2000" dirty="0" smtClean="0"/>
-              <a:t>适应性维护：例如软件的数据库系统升级了版本；</a:t>
-            </a:r>
-            <a:endParaRPr lang="en-US" altLang="zh-CN" sz="2000" dirty="0" smtClean="0"/>
-          </a:p>
-          <a:p>
-            <a:pPr lvl="1"/>
-            <a:r>
-              <a:rPr lang="zh-CN" altLang="en-US" sz="2000" dirty="0" smtClean="0"/>
-              <a:t>完善性维护：例如增加一项新的功能；</a:t>
-            </a:r>
-            <a:endParaRPr lang="en-US" altLang="zh-CN" sz="2000" dirty="0" smtClean="0"/>
+              <a:t>合同提前终止是结束采购的一个特例。可由双方协商一致而提前终止，或因一方违约而提前终止；</a:t>
+            </a:r>
+            <a:endParaRPr lang="zh-CN" altLang="en-US" sz="2400" dirty="0"/>
+          </a:p>
+        </p:txBody>
+      </p:sp>
+      <p:sp>
+        <p:nvSpPr>
+          <p:cNvPr id="4" name="页脚占位符 3"/>
+          <p:cNvSpPr>
+            <a:spLocks noGrp="1"/>
+          </p:cNvSpPr>
+          <p:nvPr>
+            <p:ph type="ftr" sz="quarter" idx="10"/>
+          </p:nvPr>
+        </p:nvSpPr>
+        <p:spPr/>
+        <p:txBody>
+          <a:bodyPr/>
+          <a:lstStyle/>
+          <a:p>
+            <a:pPr>
+              <a:defRPr/>
+            </a:pPr>
+            <a:r>
+              <a:rPr lang="en-US" dirty="0" smtClean="0"/>
+              <a:t>Information Technology Project Management, Fifth Edition, Copyright 2007</a:t>
+            </a:r>
+            <a:endParaRPr lang="en-US" dirty="0"/>
           </a:p>
         </p:txBody>
       </p:sp>
@@ -13176,6 +12467,13 @@
   <p:clrMapOvr>
     <a:masterClrMapping/>
   </p:clrMapOvr>
+  <p:timing>
+    <p:tnLst>
+      <p:par>
+        <p:cTn id="1" dur="indefinite" restart="never" nodeType="tmRoot"/>
+      </p:par>
+    </p:tnLst>
+  </p:timing>
 </p:sld>
 </file>
 
@@ -15368,8 +14666,10 @@
               <a:buAutoNum type="arabicPeriod"/>
             </a:pPr>
             <a:r>
-              <a:rPr lang="zh-CN" altLang="en-US" sz="2400" dirty="0" smtClean="0"/>
-              <a:t>达到项目完工或退出标准，主要是客户验收确认；</a:t>
+              <a:rPr lang="zh-CN" altLang="en-US" sz="2400" dirty="0" smtClean="0">
+                <a:sym typeface="+mn-ea"/>
+              </a:rPr>
+              <a:t>向客户（或运营部门）移交项目的产品、服务或成果；</a:t>
             </a:r>
             <a:endParaRPr lang="en-US" altLang="zh-CN" sz="2400" dirty="0" smtClean="0"/>
           </a:p>
@@ -15379,8 +14679,16 @@
               <a:buAutoNum type="arabicPeriod"/>
             </a:pPr>
             <a:r>
-              <a:rPr lang="zh-CN" altLang="en-US" sz="2400" dirty="0" smtClean="0"/>
-              <a:t>向客户（或运营部门）移交项目的产品、服务或成果；</a:t>
+              <a:rPr lang="zh-CN" altLang="en-US" sz="2400" dirty="0" smtClean="0">
+                <a:sym typeface="+mn-ea"/>
+              </a:rPr>
+              <a:t>达</a:t>
+            </a:r>
+            <a:r>
+              <a:rPr lang="zh-CN" altLang="en-US" sz="2400" dirty="0" smtClean="0">
+                <a:sym typeface="+mn-ea"/>
+              </a:rPr>
+              <a:t>到项目完工或退出标准，主要是客户验收确认；</a:t>
             </a:r>
             <a:endParaRPr lang="en-US" altLang="zh-CN" sz="2400" dirty="0" smtClean="0"/>
           </a:p>
